--- a/slides/KeyStone_Interrupts.pptx
+++ b/slides/KeyStone_Interrupts.pptx
@@ -5,50 +5,53 @@
     <p:sldMasterId id="2147483648" r:id="rId1"/>
   </p:sldMasterIdLst>
   <p:notesMasterIdLst>
-    <p:notesMasterId r:id="rId35"/>
+    <p:notesMasterId r:id="rId38"/>
   </p:notesMasterIdLst>
   <p:handoutMasterIdLst>
-    <p:handoutMasterId r:id="rId36"/>
+    <p:handoutMasterId r:id="rId39"/>
   </p:handoutMasterIdLst>
   <p:sldIdLst>
     <p:sldId id="265" r:id="rId2"/>
     <p:sldId id="271" r:id="rId3"/>
-    <p:sldId id="296" r:id="rId4"/>
-    <p:sldId id="272" r:id="rId5"/>
-    <p:sldId id="273" r:id="rId6"/>
-    <p:sldId id="297" r:id="rId7"/>
-    <p:sldId id="275" r:id="rId8"/>
-    <p:sldId id="276" r:id="rId9"/>
-    <p:sldId id="277" r:id="rId10"/>
-    <p:sldId id="278" r:id="rId11"/>
-    <p:sldId id="279" r:id="rId12"/>
-    <p:sldId id="280" r:id="rId13"/>
-    <p:sldId id="281" r:id="rId14"/>
-    <p:sldId id="282" r:id="rId15"/>
-    <p:sldId id="283" r:id="rId16"/>
-    <p:sldId id="298" r:id="rId17"/>
-    <p:sldId id="285" r:id="rId18"/>
-    <p:sldId id="286" r:id="rId19"/>
-    <p:sldId id="287" r:id="rId20"/>
-    <p:sldId id="288" r:id="rId21"/>
-    <p:sldId id="289" r:id="rId22"/>
-    <p:sldId id="290" r:id="rId23"/>
-    <p:sldId id="291" r:id="rId24"/>
-    <p:sldId id="292" r:id="rId25"/>
-    <p:sldId id="293" r:id="rId26"/>
-    <p:sldId id="294" r:id="rId27"/>
-    <p:sldId id="299" r:id="rId28"/>
-    <p:sldId id="301" r:id="rId29"/>
-    <p:sldId id="300" r:id="rId30"/>
-    <p:sldId id="302" r:id="rId31"/>
-    <p:sldId id="307" r:id="rId32"/>
-    <p:sldId id="308" r:id="rId33"/>
-    <p:sldId id="295" r:id="rId34"/>
+    <p:sldId id="297" r:id="rId4"/>
+    <p:sldId id="275" r:id="rId5"/>
+    <p:sldId id="314" r:id="rId6"/>
+    <p:sldId id="315" r:id="rId7"/>
+    <p:sldId id="316" r:id="rId8"/>
+    <p:sldId id="320" r:id="rId9"/>
+    <p:sldId id="321" r:id="rId10"/>
+    <p:sldId id="318" r:id="rId11"/>
+    <p:sldId id="325" r:id="rId12"/>
+    <p:sldId id="319" r:id="rId13"/>
+    <p:sldId id="323" r:id="rId14"/>
+    <p:sldId id="324" r:id="rId15"/>
+    <p:sldId id="279" r:id="rId16"/>
+    <p:sldId id="280" r:id="rId17"/>
+    <p:sldId id="281" r:id="rId18"/>
+    <p:sldId id="282" r:id="rId19"/>
+    <p:sldId id="283" r:id="rId20"/>
+    <p:sldId id="298" r:id="rId21"/>
+    <p:sldId id="285" r:id="rId22"/>
+    <p:sldId id="286" r:id="rId23"/>
+    <p:sldId id="287" r:id="rId24"/>
+    <p:sldId id="288" r:id="rId25"/>
+    <p:sldId id="290" r:id="rId26"/>
+    <p:sldId id="291" r:id="rId27"/>
+    <p:sldId id="292" r:id="rId28"/>
+    <p:sldId id="293" r:id="rId29"/>
+    <p:sldId id="294" r:id="rId30"/>
+    <p:sldId id="299" r:id="rId31"/>
+    <p:sldId id="301" r:id="rId32"/>
+    <p:sldId id="300" r:id="rId33"/>
+    <p:sldId id="302" r:id="rId34"/>
+    <p:sldId id="307" r:id="rId35"/>
+    <p:sldId id="308" r:id="rId36"/>
+    <p:sldId id="295" r:id="rId37"/>
   </p:sldIdLst>
   <p:sldSz cx="9144000" cy="6858000" type="screen4x3"/>
   <p:notesSz cx="7010400" cy="9296400"/>
   <p:custDataLst>
-    <p:tags r:id="rId37"/>
+    <p:tags r:id="rId40"/>
   </p:custDataLst>
   <p:defaultTextStyle>
     <a:defPPr>
@@ -242,7 +245,7 @@
             </a:lvl1pPr>
           </a:lstStyle>
           <a:p>
-            <a:endParaRPr lang="en-US"/>
+            <a:endParaRPr lang="en-US" dirty="0"/>
           </a:p>
         </p:txBody>
       </p:sp>
@@ -285,7 +288,7 @@
             </a:lvl1pPr>
           </a:lstStyle>
           <a:p>
-            <a:endParaRPr lang="en-US"/>
+            <a:endParaRPr lang="en-US" dirty="0"/>
           </a:p>
         </p:txBody>
       </p:sp>
@@ -328,7 +331,7 @@
             </a:lvl1pPr>
           </a:lstStyle>
           <a:p>
-            <a:endParaRPr lang="en-US"/>
+            <a:endParaRPr lang="en-US" dirty="0"/>
           </a:p>
         </p:txBody>
       </p:sp>
@@ -376,11 +379,16 @@
               <a:pPr/>
               <a:t>‹#›</a:t>
             </a:fld>
-            <a:endParaRPr lang="en-US"/>
+            <a:endParaRPr lang="en-US" dirty="0"/>
           </a:p>
         </p:txBody>
       </p:sp>
     </p:spTree>
+    <p:extLst>
+      <p:ext uri="{BB962C8B-B14F-4D97-AF65-F5344CB8AC3E}">
+        <p14:creationId xmlns:p14="http://schemas.microsoft.com/office/powerpoint/2010/main" val="4170102886"/>
+      </p:ext>
+    </p:extLst>
   </p:cSld>
   <p:clrMap bg1="lt1" tx1="dk1" bg2="lt2" tx2="dk2" accent1="accent1" accent2="accent2" accent3="accent3" accent4="accent4" accent5="accent5" accent6="accent6" hlink="hlink" folHlink="folHlink"/>
 </p:handoutMaster>
@@ -450,7 +458,7 @@
             </a:lvl1pPr>
           </a:lstStyle>
           <a:p>
-            <a:endParaRPr lang="en-US"/>
+            <a:endParaRPr lang="en-US" dirty="0"/>
           </a:p>
         </p:txBody>
       </p:sp>
@@ -493,7 +501,7 @@
             </a:lvl1pPr>
           </a:lstStyle>
           <a:p>
-            <a:endParaRPr lang="en-US"/>
+            <a:endParaRPr lang="en-US" dirty="0"/>
           </a:p>
         </p:txBody>
       </p:sp>
@@ -636,7 +644,7 @@
             </a:lvl1pPr>
           </a:lstStyle>
           <a:p>
-            <a:endParaRPr lang="en-US"/>
+            <a:endParaRPr lang="en-US" dirty="0"/>
           </a:p>
         </p:txBody>
       </p:sp>
@@ -684,11 +692,16 @@
               <a:pPr/>
               <a:t>‹#›</a:t>
             </a:fld>
-            <a:endParaRPr lang="en-US"/>
+            <a:endParaRPr lang="en-US" dirty="0"/>
           </a:p>
         </p:txBody>
       </p:sp>
     </p:spTree>
+    <p:extLst>
+      <p:ext uri="{BB962C8B-B14F-4D97-AF65-F5344CB8AC3E}">
+        <p14:creationId xmlns:p14="http://schemas.microsoft.com/office/powerpoint/2010/main" val="419590164"/>
+      </p:ext>
+    </p:extLst>
   </p:cSld>
   <p:clrMap bg1="lt1" tx1="dk1" bg2="lt2" tx2="dk2" accent1="accent1" accent2="accent2" accent3="accent3" accent4="accent4" accent5="accent5" accent6="accent6" hlink="hlink" folHlink="folHlink"/>
   <p:notesStyle>
@@ -860,7 +873,7 @@
               <a:pPr>
                 <a:defRPr/>
               </a:pPr>
-              <a:t>4</a:t>
+              <a:t>7</a:t>
             </a:fld>
             <a:endParaRPr lang="en-US" dirty="0" smtClean="0">
               <a:solidFill>
@@ -910,96 +923,6 @@
           <a:bodyPr lIns="93157" tIns="46578" rIns="93157" bIns="46578"/>
           <a:lstStyle/>
           <a:p>
-            <a:endParaRPr lang="en-US" dirty="0" smtClean="0"/>
-          </a:p>
-        </p:txBody>
-      </p:sp>
-    </p:spTree>
-  </p:cSld>
-  <p:clrMapOvr>
-    <a:masterClrMapping/>
-  </p:clrMapOvr>
-</p:notes>
-</file>
-
-<file path=ppt/notesSlides/notesSlide2.xml><?xml version="1.0" encoding="utf-8"?>
-<p:notes xmlns:a="http://schemas.openxmlformats.org/drawingml/2006/main" xmlns:r="http://schemas.openxmlformats.org/officeDocument/2006/relationships" xmlns:p="http://schemas.openxmlformats.org/presentationml/2006/main">
-  <p:cSld>
-    <p:spTree>
-      <p:nvGrpSpPr>
-        <p:cNvPr id="1" name=""/>
-        <p:cNvGrpSpPr/>
-        <p:nvPr/>
-      </p:nvGrpSpPr>
-      <p:grpSpPr>
-        <a:xfrm>
-          <a:off x="0" y="0"/>
-          <a:ext cx="0" cy="0"/>
-          <a:chOff x="0" y="0"/>
-          <a:chExt cx="0" cy="0"/>
-        </a:xfrm>
-      </p:grpSpPr>
-      <p:sp>
-        <p:nvSpPr>
-          <p:cNvPr id="110594" name="Slide Image Placeholder 1"/>
-          <p:cNvSpPr>
-            <a:spLocks noGrp="1" noRot="1" noChangeAspect="1" noTextEdit="1"/>
-          </p:cNvSpPr>
-          <p:nvPr>
-            <p:ph type="sldImg"/>
-          </p:nvPr>
-        </p:nvSpPr>
-        <p:spPr>
-          <a:ln/>
-        </p:spPr>
-      </p:sp>
-      <p:sp>
-        <p:nvSpPr>
-          <p:cNvPr id="110595" name="Notes Placeholder 2"/>
-          <p:cNvSpPr>
-            <a:spLocks noGrp="1"/>
-          </p:cNvSpPr>
-          <p:nvPr>
-            <p:ph type="body" idx="1"/>
-          </p:nvPr>
-        </p:nvSpPr>
-        <p:spPr>
-          <a:noFill/>
-          <a:ln/>
-        </p:spPr>
-        <p:txBody>
-          <a:bodyPr/>
-          <a:lstStyle/>
-          <a:p>
-            <a:endParaRPr lang="en-US" dirty="0" smtClean="0"/>
-          </a:p>
-        </p:txBody>
-      </p:sp>
-      <p:sp>
-        <p:nvSpPr>
-          <p:cNvPr id="110596" name="Slide Number Placeholder 3"/>
-          <p:cNvSpPr>
-            <a:spLocks noGrp="1"/>
-          </p:cNvSpPr>
-          <p:nvPr>
-            <p:ph type="sldNum" sz="quarter" idx="5"/>
-          </p:nvPr>
-        </p:nvSpPr>
-        <p:spPr/>
-        <p:txBody>
-          <a:bodyPr/>
-          <a:lstStyle/>
-          <a:p>
-            <a:pPr>
-              <a:defRPr/>
-            </a:pPr>
-            <a:fld id="{323C9E6B-FCED-49D7-B72D-47C4925C4B60}" type="slidenum">
-              <a:rPr lang="en-US" smtClean="0"/>
-              <a:pPr>
-                <a:defRPr/>
-              </a:pPr>
-              <a:t>5</a:t>
-            </a:fld>
             <a:endParaRPr lang="en-US" dirty="0" smtClean="0"/>
           </a:p>
         </p:txBody>
@@ -1130,7 +1053,7 @@
               <a:pPr/>
               <a:t>‹#›</a:t>
             </a:fld>
-            <a:endParaRPr lang="en-US"/>
+            <a:endParaRPr lang="en-US" dirty="0"/>
           </a:p>
         </p:txBody>
       </p:sp>
@@ -1185,7 +1108,7 @@
               <a:pPr/>
               <a:t>‹#›</a:t>
             </a:fld>
-            <a:endParaRPr lang="en-US"/>
+            <a:endParaRPr lang="en-US" dirty="0"/>
           </a:p>
         </p:txBody>
       </p:sp>
@@ -1446,7 +1369,7 @@
               <a:pPr/>
               <a:t>‹#›</a:t>
             </a:fld>
-            <a:endParaRPr lang="en-US"/>
+            <a:endParaRPr lang="en-US" dirty="0"/>
           </a:p>
         </p:txBody>
       </p:sp>
@@ -1572,7 +1495,7 @@
           </a:lstStyle>
           <a:p>
             <a:pPr lvl="0"/>
-            <a:endParaRPr lang="en-US" noProof="0" smtClean="0"/>
+            <a:endParaRPr lang="en-US" noProof="0" dirty="0" smtClean="0"/>
           </a:p>
         </p:txBody>
       </p:sp>
@@ -1670,7 +1593,7 @@
               <a:pPr/>
               <a:t>‹#›</a:t>
             </a:fld>
-            <a:endParaRPr lang="en-US"/>
+            <a:endParaRPr lang="en-US" dirty="0"/>
           </a:p>
         </p:txBody>
       </p:sp>
@@ -1839,7 +1762,7 @@
               <a:pPr/>
               <a:t>‹#›</a:t>
             </a:fld>
-            <a:endParaRPr lang="en-US"/>
+            <a:endParaRPr lang="en-US" dirty="0"/>
           </a:p>
         </p:txBody>
       </p:sp>
@@ -2018,7 +1941,7 @@
               <a:pPr/>
               <a:t>‹#›</a:t>
             </a:fld>
-            <a:endParaRPr lang="en-US"/>
+            <a:endParaRPr lang="en-US" dirty="0"/>
           </a:p>
         </p:txBody>
       </p:sp>
@@ -2123,7 +2046,7 @@
           <a:lstStyle/>
           <a:p>
             <a:pPr algn="ctr"/>
-            <a:endParaRPr lang="en-US"/>
+            <a:endParaRPr lang="en-US" dirty="0"/>
           </a:p>
         </p:txBody>
       </p:sp>
@@ -2260,7 +2183,7 @@
               <a:pPr/>
               <a:t>‹#›</a:t>
             </a:fld>
-            <a:endParaRPr lang="en-US"/>
+            <a:endParaRPr lang="en-US" dirty="0"/>
           </a:p>
         </p:txBody>
       </p:sp>
@@ -2363,7 +2286,7 @@
           <a:lstStyle/>
           <a:p>
             <a:pPr algn="ctr"/>
-            <a:endParaRPr lang="en-US">
+            <a:endParaRPr lang="en-US" dirty="0">
               <a:solidFill>
                 <a:srgbClr val="FFFFFF"/>
               </a:solidFill>
@@ -2415,7 +2338,7 @@
           <a:lstStyle/>
           <a:p>
             <a:pPr algn="ctr"/>
-            <a:endParaRPr lang="en-US"/>
+            <a:endParaRPr lang="en-US" dirty="0"/>
           </a:p>
         </p:txBody>
       </p:sp>
@@ -2552,7 +2475,7 @@
               <a:pPr/>
               <a:t>‹#›</a:t>
             </a:fld>
-            <a:endParaRPr lang="en-US"/>
+            <a:endParaRPr lang="en-US" dirty="0"/>
           </a:p>
         </p:txBody>
       </p:sp>
@@ -2655,7 +2578,7 @@
           <a:lstStyle/>
           <a:p>
             <a:pPr algn="ctr"/>
-            <a:endParaRPr lang="en-US">
+            <a:endParaRPr lang="en-US" dirty="0">
               <a:solidFill>
                 <a:srgbClr val="FFFFFF"/>
               </a:solidFill>
@@ -2707,7 +2630,7 @@
           <a:lstStyle/>
           <a:p>
             <a:pPr algn="ctr"/>
-            <a:endParaRPr lang="en-US"/>
+            <a:endParaRPr lang="en-US" dirty="0"/>
           </a:p>
         </p:txBody>
       </p:sp>
@@ -2844,7 +2767,7 @@
               <a:pPr/>
               <a:t>‹#›</a:t>
             </a:fld>
-            <a:endParaRPr lang="en-US"/>
+            <a:endParaRPr lang="en-US" dirty="0"/>
           </a:p>
         </p:txBody>
       </p:sp>
@@ -3020,7 +2943,7 @@
               <a:pPr/>
               <a:t>‹#›</a:t>
             </a:fld>
-            <a:endParaRPr lang="en-US"/>
+            <a:endParaRPr lang="en-US" dirty="0"/>
           </a:p>
         </p:txBody>
       </p:sp>
@@ -3182,7 +3105,7 @@
               <a:pPr/>
               <a:t>‹#›</a:t>
             </a:fld>
-            <a:endParaRPr lang="en-US"/>
+            <a:endParaRPr lang="en-US" dirty="0"/>
           </a:p>
         </p:txBody>
       </p:sp>
@@ -3514,7 +3437,7 @@
               <a:pPr/>
               <a:t>‹#›</a:t>
             </a:fld>
-            <a:endParaRPr lang="en-US"/>
+            <a:endParaRPr lang="en-US" dirty="0"/>
           </a:p>
         </p:txBody>
       </p:sp>
@@ -3941,7 +3864,7 @@
               <a:pPr/>
               <a:t>‹#›</a:t>
             </a:fld>
-            <a:endParaRPr lang="en-US"/>
+            <a:endParaRPr lang="en-US" dirty="0"/>
           </a:p>
         </p:txBody>
       </p:sp>
@@ -4027,7 +3950,7 @@
               <a:pPr/>
               <a:t>‹#›</a:t>
             </a:fld>
-            <a:endParaRPr lang="en-US"/>
+            <a:endParaRPr lang="en-US" dirty="0"/>
           </a:p>
         </p:txBody>
       </p:sp>
@@ -4106,7 +4029,7 @@
           <a:lstStyle/>
           <a:p>
             <a:pPr algn="ctr"/>
-            <a:endParaRPr lang="en-US">
+            <a:endParaRPr lang="en-US" dirty="0">
               <a:solidFill>
                 <a:srgbClr val="FFFFFF"/>
               </a:solidFill>
@@ -4156,7 +4079,7 @@
           <a:lstStyle/>
           <a:p>
             <a:pPr algn="ctr"/>
-            <a:endParaRPr lang="en-US">
+            <a:endParaRPr lang="en-US" dirty="0">
               <a:solidFill>
                 <a:srgbClr val="FFFFFF"/>
               </a:solidFill>
@@ -4208,7 +4131,7 @@
           <a:lstStyle/>
           <a:p>
             <a:pPr algn="ctr"/>
-            <a:endParaRPr lang="en-US"/>
+            <a:endParaRPr lang="en-US" dirty="0"/>
           </a:p>
         </p:txBody>
       </p:sp>
@@ -4400,7 +4323,7 @@
               <a:pPr/>
               <a:t>‹#›</a:t>
             </a:fld>
-            <a:endParaRPr lang="en-US"/>
+            <a:endParaRPr lang="en-US" dirty="0"/>
           </a:p>
         </p:txBody>
       </p:sp>
@@ -4924,7 +4847,7 @@
               <a:pPr/>
               <a:t>1</a:t>
             </a:fld>
-            <a:endParaRPr lang="en-US"/>
+            <a:endParaRPr lang="en-US" dirty="0"/>
           </a:p>
         </p:txBody>
       </p:sp>
@@ -4944,6 +4867,716 @@
 </file>
 
 <file path=ppt/slides/slide10.xml><?xml version="1.0" encoding="utf-8"?>
+<p:sld xmlns:a="http://schemas.openxmlformats.org/drawingml/2006/main" xmlns:r="http://schemas.openxmlformats.org/officeDocument/2006/relationships" xmlns:p="http://schemas.openxmlformats.org/presentationml/2006/main">
+  <p:cSld>
+    <p:spTree>
+      <p:nvGrpSpPr>
+        <p:cNvPr id="1" name=""/>
+        <p:cNvGrpSpPr/>
+        <p:nvPr/>
+      </p:nvGrpSpPr>
+      <p:grpSpPr>
+        <a:xfrm>
+          <a:off x="0" y="0"/>
+          <a:ext cx="0" cy="0"/>
+          <a:chOff x="0" y="0"/>
+          <a:chExt cx="0" cy="0"/>
+        </a:xfrm>
+      </p:grpSpPr>
+      <p:sp>
+        <p:nvSpPr>
+          <p:cNvPr id="5" name="TextBox 4"/>
+          <p:cNvSpPr txBox="1"/>
+          <p:nvPr/>
+        </p:nvSpPr>
+        <p:spPr>
+          <a:xfrm>
+            <a:off x="0" y="6243642"/>
+            <a:ext cx="8886825" cy="550068"/>
+          </a:xfrm>
+          <a:prstGeom prst="rect">
+            <a:avLst/>
+          </a:prstGeom>
+          <a:solidFill>
+            <a:schemeClr val="bg1"/>
+          </a:solidFill>
+        </p:spPr>
+        <p:txBody>
+          <a:bodyPr wrap="square" rtlCol="0">
+            <a:noAutofit/>
+          </a:bodyPr>
+          <a:lstStyle/>
+          <a:p>
+            <a:endParaRPr lang="en-US" dirty="0"/>
+          </a:p>
+        </p:txBody>
+      </p:sp>
+      <p:sp>
+        <p:nvSpPr>
+          <p:cNvPr id="4" name="Title 3"/>
+          <p:cNvSpPr>
+            <a:spLocks noGrp="1"/>
+          </p:cNvSpPr>
+          <p:nvPr>
+            <p:ph type="title"/>
+          </p:nvPr>
+        </p:nvSpPr>
+        <p:spPr>
+          <a:xfrm>
+            <a:off x="428625" y="153194"/>
+            <a:ext cx="8229600" cy="704055"/>
+          </a:xfrm>
+        </p:spPr>
+        <p:txBody>
+          <a:bodyPr>
+            <a:normAutofit fontScale="90000"/>
+          </a:bodyPr>
+          <a:lstStyle/>
+          <a:p>
+            <a:r>
+              <a:rPr lang="en-US" sz="3200" dirty="0" smtClean="0"/>
+              <a:t>C66 Core Prime </a:t>
+            </a:r>
+            <a:r>
+              <a:rPr lang="en-US" sz="3200" dirty="0"/>
+              <a:t>Event </a:t>
+            </a:r>
+            <a:r>
+              <a:rPr lang="en-US" sz="3200" dirty="0" smtClean="0"/>
+              <a:t>IDs</a:t>
+            </a:r>
+            <a:br>
+              <a:rPr lang="en-US" sz="3200" dirty="0" smtClean="0"/>
+            </a:br>
+            <a:r>
+              <a:rPr lang="en-US" sz="3200" dirty="0" smtClean="0"/>
+              <a:t>(Core Events Only)</a:t>
+            </a:r>
+            <a:endParaRPr lang="en-US" sz="3600" dirty="0"/>
+          </a:p>
+        </p:txBody>
+      </p:sp>
+      <p:pic>
+        <p:nvPicPr>
+          <p:cNvPr id="3075" name="Picture 3"/>
+          <p:cNvPicPr>
+            <a:picLocks noChangeAspect="1" noChangeArrowheads="1"/>
+          </p:cNvPicPr>
+          <p:nvPr/>
+        </p:nvPicPr>
+        <p:blipFill>
+          <a:blip r:embed="rId2" cstate="print"/>
+          <a:srcRect l="3504" r="18686"/>
+          <a:stretch>
+            <a:fillRect/>
+          </a:stretch>
+        </p:blipFill>
+        <p:spPr bwMode="auto">
+          <a:xfrm>
+            <a:off x="400049" y="952895"/>
+            <a:ext cx="4578073" cy="5847953"/>
+          </a:xfrm>
+          <a:prstGeom prst="rect">
+            <a:avLst/>
+          </a:prstGeom>
+          <a:noFill/>
+          <a:ln w="9525">
+            <a:noFill/>
+            <a:miter lim="800000"/>
+            <a:headEnd/>
+            <a:tailEnd/>
+          </a:ln>
+        </p:spPr>
+      </p:pic>
+      <p:sp>
+        <p:nvSpPr>
+          <p:cNvPr id="6" name="TextBox 5"/>
+          <p:cNvSpPr txBox="1"/>
+          <p:nvPr/>
+        </p:nvSpPr>
+        <p:spPr>
+          <a:xfrm>
+            <a:off x="5150644" y="1143000"/>
+            <a:ext cx="3764756" cy="2585323"/>
+          </a:xfrm>
+          <a:prstGeom prst="rect">
+            <a:avLst/>
+          </a:prstGeom>
+          <a:noFill/>
+        </p:spPr>
+        <p:txBody>
+          <a:bodyPr wrap="square" rtlCol="0">
+            <a:spAutoFit/>
+          </a:bodyPr>
+          <a:lstStyle/>
+          <a:p>
+            <a:r>
+              <a:rPr lang="en-US" dirty="0" smtClean="0"/>
+              <a:t>From the C66x User’s Guide:</a:t>
+            </a:r>
+          </a:p>
+          <a:p>
+            <a:pPr marL="342900" indent="-342900">
+              <a:buFont typeface="Arial" pitchFamily="34" charset="0"/>
+              <a:buChar char="•"/>
+            </a:pPr>
+            <a:r>
+              <a:rPr lang="en-US" dirty="0" smtClean="0"/>
+              <a:t>22 assigned events</a:t>
+            </a:r>
+          </a:p>
+          <a:p>
+            <a:pPr marL="800100" lvl="1" indent="-342900">
+              <a:buFont typeface="Arial" pitchFamily="34" charset="0"/>
+              <a:buChar char="•"/>
+            </a:pPr>
+            <a:r>
+              <a:rPr lang="en-US" dirty="0" smtClean="0"/>
+              <a:t>5 reserve primary events</a:t>
+            </a:r>
+          </a:p>
+          <a:p>
+            <a:pPr marL="800100" lvl="1" indent="-342900">
+              <a:buFont typeface="Arial" pitchFamily="34" charset="0"/>
+              <a:buChar char="•"/>
+            </a:pPr>
+            <a:r>
+              <a:rPr lang="en-US" dirty="0" smtClean="0"/>
+              <a:t>17 secondary events</a:t>
+            </a:r>
+          </a:p>
+          <a:p>
+            <a:pPr marL="342900" indent="-342900">
+              <a:buFont typeface="Arial" pitchFamily="34" charset="0"/>
+              <a:buChar char="•"/>
+            </a:pPr>
+            <a:r>
+              <a:rPr lang="en-US" dirty="0" smtClean="0"/>
+              <a:t>7 reserved events</a:t>
+            </a:r>
+          </a:p>
+          <a:p>
+            <a:pPr marL="342900" indent="-342900">
+              <a:buFont typeface="Arial" pitchFamily="34" charset="0"/>
+              <a:buChar char="•"/>
+            </a:pPr>
+            <a:r>
+              <a:rPr lang="en-US" dirty="0" smtClean="0"/>
+              <a:t>99 Available events</a:t>
+            </a:r>
+          </a:p>
+          <a:p>
+            <a:pPr marL="342900" indent="-342900">
+              <a:buFont typeface="Arial" pitchFamily="34" charset="0"/>
+              <a:buChar char="•"/>
+            </a:pPr>
+            <a:r>
+              <a:rPr lang="en-US" dirty="0" smtClean="0"/>
+              <a:t>The available events are connected to the device.</a:t>
+            </a:r>
+            <a:br>
+              <a:rPr lang="en-US" dirty="0" smtClean="0"/>
+            </a:br>
+            <a:endParaRPr lang="en-US" dirty="0" smtClean="0"/>
+          </a:p>
+        </p:txBody>
+      </p:sp>
+      <p:sp>
+        <p:nvSpPr>
+          <p:cNvPr id="7" name="Slide Number Placeholder 6"/>
+          <p:cNvSpPr>
+            <a:spLocks noGrp="1"/>
+          </p:cNvSpPr>
+          <p:nvPr>
+            <p:ph type="sldNum" sz="quarter" idx="10"/>
+          </p:nvPr>
+        </p:nvSpPr>
+        <p:spPr/>
+        <p:txBody>
+          <a:bodyPr/>
+          <a:lstStyle/>
+          <a:p>
+            <a:fld id="{803D9FE4-F784-4A94-8F3E-54A098F0E8CC}" type="slidenum">
+              <a:rPr lang="en-US" smtClean="0"/>
+              <a:pPr/>
+              <a:t>10</a:t>
+            </a:fld>
+            <a:endParaRPr lang="en-US" dirty="0"/>
+          </a:p>
+        </p:txBody>
+      </p:sp>
+    </p:spTree>
+    <p:extLst>
+      <p:ext uri="{BB962C8B-B14F-4D97-AF65-F5344CB8AC3E}">
+        <p14:creationId xmlns:p14="http://schemas.microsoft.com/office/powerpoint/2010/main" val="1238034943"/>
+      </p:ext>
+    </p:extLst>
+  </p:cSld>
+  <p:clrMapOvr>
+    <a:masterClrMapping/>
+  </p:clrMapOvr>
+  <p:timing>
+    <p:tnLst>
+      <p:par>
+        <p:cTn id="1" dur="indefinite" restart="never" nodeType="tmRoot"/>
+      </p:par>
+    </p:tnLst>
+  </p:timing>
+</p:sld>
+</file>
+
+<file path=ppt/slides/slide11.xml><?xml version="1.0" encoding="utf-8"?>
+<p:sld xmlns:a="http://schemas.openxmlformats.org/drawingml/2006/main" xmlns:r="http://schemas.openxmlformats.org/officeDocument/2006/relationships" xmlns:p="http://schemas.openxmlformats.org/presentationml/2006/main">
+  <p:cSld>
+    <p:spTree>
+      <p:nvGrpSpPr>
+        <p:cNvPr id="1" name=""/>
+        <p:cNvGrpSpPr/>
+        <p:nvPr/>
+      </p:nvGrpSpPr>
+      <p:grpSpPr>
+        <a:xfrm>
+          <a:off x="0" y="0"/>
+          <a:ext cx="0" cy="0"/>
+          <a:chOff x="0" y="0"/>
+          <a:chExt cx="0" cy="0"/>
+        </a:xfrm>
+      </p:grpSpPr>
+      <p:pic>
+        <p:nvPicPr>
+          <p:cNvPr id="5122" name="Picture 2"/>
+          <p:cNvPicPr>
+            <a:picLocks noChangeAspect="1" noChangeArrowheads="1"/>
+          </p:cNvPicPr>
+          <p:nvPr/>
+        </p:nvPicPr>
+        <p:blipFill>
+          <a:blip r:embed="rId2" cstate="print"/>
+          <a:srcRect/>
+          <a:stretch>
+            <a:fillRect/>
+          </a:stretch>
+        </p:blipFill>
+        <p:spPr bwMode="auto">
+          <a:xfrm>
+            <a:off x="1245326" y="948692"/>
+            <a:ext cx="6784249" cy="5652133"/>
+          </a:xfrm>
+          <a:prstGeom prst="rect">
+            <a:avLst/>
+          </a:prstGeom>
+          <a:noFill/>
+          <a:ln w="9525">
+            <a:noFill/>
+            <a:miter lim="800000"/>
+            <a:headEnd/>
+            <a:tailEnd/>
+          </a:ln>
+        </p:spPr>
+      </p:pic>
+      <p:sp>
+        <p:nvSpPr>
+          <p:cNvPr id="3" name="Rectangle 2"/>
+          <p:cNvSpPr/>
+          <p:nvPr/>
+        </p:nvSpPr>
+        <p:spPr>
+          <a:xfrm>
+            <a:off x="472314" y="3916428"/>
+            <a:ext cx="7315200" cy="1600200"/>
+          </a:xfrm>
+          <a:prstGeom prst="rect">
+            <a:avLst/>
+          </a:prstGeom>
+          <a:solidFill>
+            <a:srgbClr val="FFFF00">
+              <a:alpha val="23000"/>
+            </a:srgbClr>
+          </a:solidFill>
+          <a:ln>
+            <a:noFill/>
+          </a:ln>
+        </p:spPr>
+        <p:style>
+          <a:lnRef idx="2">
+            <a:schemeClr val="accent1">
+              <a:shade val="50000"/>
+            </a:schemeClr>
+          </a:lnRef>
+          <a:fillRef idx="1">
+            <a:schemeClr val="accent1"/>
+          </a:fillRef>
+          <a:effectRef idx="0">
+            <a:schemeClr val="accent1"/>
+          </a:effectRef>
+          <a:fontRef idx="minor">
+            <a:schemeClr val="lt1"/>
+          </a:fontRef>
+        </p:style>
+        <p:txBody>
+          <a:bodyPr rtlCol="0" anchor="ctr"/>
+          <a:lstStyle/>
+          <a:p>
+            <a:pPr algn="ctr"/>
+            <a:endParaRPr lang="en-US" dirty="0"/>
+          </a:p>
+        </p:txBody>
+      </p:sp>
+      <p:sp>
+        <p:nvSpPr>
+          <p:cNvPr id="4" name="Slide Number Placeholder 3"/>
+          <p:cNvSpPr>
+            <a:spLocks noGrp="1"/>
+          </p:cNvSpPr>
+          <p:nvPr>
+            <p:ph type="sldNum" sz="quarter" idx="10"/>
+          </p:nvPr>
+        </p:nvSpPr>
+        <p:spPr/>
+        <p:txBody>
+          <a:bodyPr/>
+          <a:lstStyle/>
+          <a:p>
+            <a:fld id="{803D9FE4-F784-4A94-8F3E-54A098F0E8CC}" type="slidenum">
+              <a:rPr lang="en-US" smtClean="0"/>
+              <a:pPr/>
+              <a:t>11</a:t>
+            </a:fld>
+            <a:endParaRPr lang="en-US" dirty="0"/>
+          </a:p>
+        </p:txBody>
+      </p:sp>
+      <p:sp>
+        <p:nvSpPr>
+          <p:cNvPr id="5" name="Title 3"/>
+          <p:cNvSpPr>
+            <a:spLocks noGrp="1"/>
+          </p:cNvSpPr>
+          <p:nvPr>
+            <p:ph type="title"/>
+          </p:nvPr>
+        </p:nvSpPr>
+        <p:spPr>
+          <a:xfrm>
+            <a:off x="457200" y="103188"/>
+            <a:ext cx="8229600" cy="776378"/>
+          </a:xfrm>
+        </p:spPr>
+        <p:txBody>
+          <a:bodyPr>
+            <a:normAutofit fontScale="90000"/>
+          </a:bodyPr>
+          <a:lstStyle/>
+          <a:p>
+            <a:r>
+              <a:rPr lang="en-US" sz="3600" dirty="0"/>
+              <a:t>C66 Core Prime Event IDs</a:t>
+            </a:r>
+            <a:br>
+              <a:rPr lang="en-US" sz="3600" dirty="0"/>
+            </a:br>
+            <a:r>
+              <a:rPr lang="en-US" sz="3600" dirty="0" smtClean="0"/>
+              <a:t>When it is part of KeyStone 2 Device</a:t>
+            </a:r>
+            <a:endParaRPr lang="en-US" sz="3600" dirty="0"/>
+          </a:p>
+        </p:txBody>
+      </p:sp>
+    </p:spTree>
+    <p:extLst>
+      <p:ext uri="{BB962C8B-B14F-4D97-AF65-F5344CB8AC3E}">
+        <p14:creationId xmlns:p14="http://schemas.microsoft.com/office/powerpoint/2010/main" val="3024861948"/>
+      </p:ext>
+    </p:extLst>
+  </p:cSld>
+  <p:clrMapOvr>
+    <a:masterClrMapping/>
+  </p:clrMapOvr>
+  <p:timing>
+    <p:tnLst>
+      <p:par>
+        <p:cTn id="1" dur="indefinite" restart="never" nodeType="tmRoot"/>
+      </p:par>
+    </p:tnLst>
+  </p:timing>
+</p:sld>
+</file>
+
+<file path=ppt/slides/slide12.xml><?xml version="1.0" encoding="utf-8"?>
+<p:sld xmlns:a="http://schemas.openxmlformats.org/drawingml/2006/main" xmlns:r="http://schemas.openxmlformats.org/officeDocument/2006/relationships" xmlns:p="http://schemas.openxmlformats.org/presentationml/2006/main">
+  <p:cSld>
+    <p:spTree>
+      <p:nvGrpSpPr>
+        <p:cNvPr id="1" name=""/>
+        <p:cNvGrpSpPr/>
+        <p:nvPr/>
+      </p:nvGrpSpPr>
+      <p:grpSpPr>
+        <a:xfrm>
+          <a:off x="0" y="0"/>
+          <a:ext cx="0" cy="0"/>
+          <a:chOff x="0" y="0"/>
+          <a:chExt cx="0" cy="0"/>
+        </a:xfrm>
+      </p:grpSpPr>
+      <p:sp>
+        <p:nvSpPr>
+          <p:cNvPr id="2" name="Title 1"/>
+          <p:cNvSpPr>
+            <a:spLocks noGrp="1"/>
+          </p:cNvSpPr>
+          <p:nvPr>
+            <p:ph type="title"/>
+          </p:nvPr>
+        </p:nvSpPr>
+        <p:spPr>
+          <a:xfrm>
+            <a:off x="231775" y="295275"/>
+            <a:ext cx="8458200" cy="661988"/>
+          </a:xfrm>
+        </p:spPr>
+        <p:txBody>
+          <a:bodyPr/>
+          <a:lstStyle/>
+          <a:p>
+            <a:r>
+              <a:rPr lang="en-US" dirty="0" smtClean="0"/>
+              <a:t>Configure HWI using csl</a:t>
+            </a:r>
+            <a:endParaRPr lang="en-US" dirty="0"/>
+          </a:p>
+        </p:txBody>
+      </p:sp>
+      <p:sp>
+        <p:nvSpPr>
+          <p:cNvPr id="3" name="Slide Number Placeholder 2"/>
+          <p:cNvSpPr>
+            <a:spLocks noGrp="1"/>
+          </p:cNvSpPr>
+          <p:nvPr>
+            <p:ph type="sldNum" sz="quarter" idx="10"/>
+          </p:nvPr>
+        </p:nvSpPr>
+        <p:spPr/>
+        <p:txBody>
+          <a:bodyPr/>
+          <a:lstStyle/>
+          <a:p>
+            <a:fld id="{803D9FE4-F784-4A94-8F3E-54A098F0E8CC}" type="slidenum">
+              <a:rPr lang="en-US" smtClean="0"/>
+              <a:pPr/>
+              <a:t>12</a:t>
+            </a:fld>
+            <a:endParaRPr lang="en-US" dirty="0"/>
+          </a:p>
+        </p:txBody>
+      </p:sp>
+      <p:sp>
+        <p:nvSpPr>
+          <p:cNvPr id="4" name="TextBox 3"/>
+          <p:cNvSpPr txBox="1"/>
+          <p:nvPr/>
+        </p:nvSpPr>
+        <p:spPr>
+          <a:xfrm>
+            <a:off x="314325" y="1171575"/>
+            <a:ext cx="8321509" cy="4247317"/>
+          </a:xfrm>
+          <a:prstGeom prst="rect">
+            <a:avLst/>
+          </a:prstGeom>
+          <a:noFill/>
+        </p:spPr>
+        <p:txBody>
+          <a:bodyPr wrap="none" rtlCol="0">
+            <a:spAutoFit/>
+          </a:bodyPr>
+          <a:lstStyle/>
+          <a:p>
+            <a:pPr marL="285750" indent="-285750">
+              <a:buFont typeface="Arial" panose="020B0604020202020204" pitchFamily="34" charset="0"/>
+              <a:buChar char="•"/>
+            </a:pPr>
+            <a:r>
+              <a:rPr lang="en-US" dirty="0" smtClean="0"/>
+              <a:t>CSL </a:t>
+            </a:r>
+            <a:r>
+              <a:rPr lang="en-US" dirty="0"/>
+              <a:t>interrupt files are in </a:t>
+            </a:r>
+            <a:r>
+              <a:rPr lang="en-US" dirty="0" smtClean="0"/>
+              <a:t>the release</a:t>
+            </a:r>
+            <a:endParaRPr lang="en-US" dirty="0"/>
+          </a:p>
+          <a:p>
+            <a:pPr marL="742950" lvl="1" indent="-285750">
+              <a:buFont typeface="Arial" panose="020B0604020202020204" pitchFamily="34" charset="0"/>
+              <a:buChar char="•"/>
+            </a:pPr>
+            <a:r>
+              <a:rPr lang="en-US" dirty="0" smtClean="0"/>
+              <a:t>MCSDK_3_0_4_18\pdk_keystone2_3_00_04_18\packages\ti\csl\src\intc</a:t>
+            </a:r>
+          </a:p>
+          <a:p>
+            <a:pPr marL="285750" indent="-285750">
+              <a:buFont typeface="Arial" panose="020B0604020202020204" pitchFamily="34" charset="0"/>
+              <a:buChar char="•"/>
+            </a:pPr>
+            <a:r>
+              <a:rPr lang="en-US" dirty="0" smtClean="0"/>
+              <a:t>Include files – csl_intc.h csl_intcAux.h</a:t>
+            </a:r>
+          </a:p>
+          <a:p>
+            <a:pPr marL="285750" indent="-285750">
+              <a:buFont typeface="Arial" panose="020B0604020202020204" pitchFamily="34" charset="0"/>
+              <a:buChar char="•"/>
+            </a:pPr>
+            <a:r>
+              <a:rPr lang="en-US" dirty="0" smtClean="0"/>
+              <a:t>Source files in src/intc directory</a:t>
+            </a:r>
+          </a:p>
+          <a:p>
+            <a:pPr marL="742950" lvl="1" indent="-285750">
+              <a:buFont typeface="Arial" panose="020B0604020202020204" pitchFamily="34" charset="0"/>
+              <a:buChar char="•"/>
+            </a:pPr>
+            <a:r>
+              <a:rPr lang="en-US" dirty="0" smtClean="0"/>
+              <a:t>CSL_intcPlugEventHandler()</a:t>
+            </a:r>
+          </a:p>
+          <a:p>
+            <a:pPr marL="742950" lvl="1" indent="-285750">
+              <a:buFont typeface="Arial" panose="020B0604020202020204" pitchFamily="34" charset="0"/>
+              <a:buChar char="•"/>
+            </a:pPr>
+            <a:r>
+              <a:rPr lang="en-US" dirty="0" smtClean="0"/>
+              <a:t>CSL_intcInit()</a:t>
+            </a:r>
+          </a:p>
+          <a:p>
+            <a:pPr marL="742950" lvl="1" indent="-285750">
+              <a:buFont typeface="Arial" panose="020B0604020202020204" pitchFamily="34" charset="0"/>
+              <a:buChar char="•"/>
+            </a:pPr>
+            <a:r>
+              <a:rPr lang="en-US" dirty="0" smtClean="0"/>
+              <a:t>CSL_intcGlobalNmiEnable</a:t>
+            </a:r>
+          </a:p>
+          <a:p>
+            <a:pPr marL="742950" lvl="1" indent="-285750">
+              <a:buFont typeface="Arial" panose="020B0604020202020204" pitchFamily="34" charset="0"/>
+              <a:buChar char="•"/>
+            </a:pPr>
+            <a:r>
+              <a:rPr lang="en-US" dirty="0"/>
+              <a:t>CSL_intcGlobalEnable</a:t>
+            </a:r>
+            <a:r>
+              <a:rPr lang="en-US" dirty="0" smtClean="0"/>
+              <a:t>()</a:t>
+            </a:r>
+          </a:p>
+          <a:p>
+            <a:pPr marL="742950" lvl="1" indent="-285750">
+              <a:buFont typeface="Arial" panose="020B0604020202020204" pitchFamily="34" charset="0"/>
+              <a:buChar char="•"/>
+            </a:pPr>
+            <a:r>
+              <a:rPr lang="en-US" dirty="0" smtClean="0"/>
+              <a:t>CSL_intcHwControl()</a:t>
+            </a:r>
+            <a:endParaRPr lang="en-US" dirty="0"/>
+          </a:p>
+          <a:p>
+            <a:pPr marL="742950" lvl="1" indent="-285750">
+              <a:buFont typeface="Arial" panose="020B0604020202020204" pitchFamily="34" charset="0"/>
+              <a:buChar char="•"/>
+            </a:pPr>
+            <a:r>
+              <a:rPr lang="en-US" dirty="0" smtClean="0"/>
+              <a:t>CSL_intcOpen</a:t>
+            </a:r>
+          </a:p>
+          <a:p>
+            <a:pPr marL="742950" lvl="1" indent="-285750">
+              <a:buFont typeface="Arial" panose="020B0604020202020204" pitchFamily="34" charset="0"/>
+              <a:buChar char="•"/>
+            </a:pPr>
+            <a:r>
+              <a:rPr lang="en-US" dirty="0" smtClean="0"/>
+              <a:t>And more</a:t>
+            </a:r>
+          </a:p>
+          <a:p>
+            <a:pPr marL="285750" indent="-285750">
+              <a:buFont typeface="Arial" panose="020B0604020202020204" pitchFamily="34" charset="0"/>
+              <a:buChar char="•"/>
+            </a:pPr>
+            <a:r>
+              <a:rPr lang="en-US" dirty="0" smtClean="0"/>
+              <a:t>Note – In addition to the mapping, the interrupt must be enabled</a:t>
+            </a:r>
+          </a:p>
+          <a:p>
+            <a:pPr marL="742950" lvl="1" indent="-285750">
+              <a:buFont typeface="Arial" panose="020B0604020202020204" pitchFamily="34" charset="0"/>
+              <a:buChar char="•"/>
+            </a:pPr>
+            <a:r>
+              <a:rPr lang="en-US" dirty="0" smtClean="0"/>
+              <a:t>Global enable – enable the global interrupt register</a:t>
+            </a:r>
+          </a:p>
+          <a:p>
+            <a:pPr marL="742950" lvl="1" indent="-285750">
+              <a:buFont typeface="Arial" panose="020B0604020202020204" pitchFamily="34" charset="0"/>
+              <a:buChar char="•"/>
+            </a:pPr>
+            <a:r>
+              <a:rPr lang="en-US" dirty="0" smtClean="0"/>
+              <a:t>Enable the particular interrupt</a:t>
+            </a:r>
+          </a:p>
+          <a:p>
+            <a:pPr marL="742950" lvl="1" indent="-285750">
+              <a:buFont typeface="Arial" panose="020B0604020202020204" pitchFamily="34" charset="0"/>
+              <a:buChar char="•"/>
+            </a:pPr>
+            <a:endParaRPr lang="en-US" dirty="0"/>
+          </a:p>
+        </p:txBody>
+      </p:sp>
+    </p:spTree>
+    <p:extLst>
+      <p:ext uri="{BB962C8B-B14F-4D97-AF65-F5344CB8AC3E}">
+        <p14:creationId xmlns:p14="http://schemas.microsoft.com/office/powerpoint/2010/main" val="3372862444"/>
+      </p:ext>
+    </p:extLst>
+  </p:cSld>
+  <p:clrMapOvr>
+    <a:masterClrMapping/>
+  </p:clrMapOvr>
+  <p:timing>
+    <p:tnLst>
+      <p:par>
+        <p:cTn id="1" dur="indefinite" restart="never" nodeType="tmRoot"/>
+      </p:par>
+    </p:tnLst>
+  </p:timing>
+</p:sld>
+</file>
+
+<file path=ppt/slides/slide13.xml><?xml version="1.0" encoding="utf-8"?>
 <p:sld xmlns:a="http://schemas.openxmlformats.org/drawingml/2006/main" xmlns:r="http://schemas.openxmlformats.org/officeDocument/2006/relationships" xmlns:p="http://schemas.openxmlformats.org/presentationml/2006/main">
   <p:cSld>
     <p:spTree>
@@ -7995,21 +8628,157 @@
             <a:fld id="{803D9FE4-F784-4A94-8F3E-54A098F0E8CC}" type="slidenum">
               <a:rPr lang="en-US" smtClean="0"/>
               <a:pPr/>
-              <a:t>10</a:t>
+              <a:t>13</a:t>
             </a:fld>
-            <a:endParaRPr lang="en-US"/>
+            <a:endParaRPr lang="en-US" dirty="0"/>
           </a:p>
         </p:txBody>
       </p:sp>
     </p:spTree>
+    <p:extLst>
+      <p:ext uri="{BB962C8B-B14F-4D97-AF65-F5344CB8AC3E}">
+        <p14:creationId xmlns:p14="http://schemas.microsoft.com/office/powerpoint/2010/main" val="3702699423"/>
+      </p:ext>
+    </p:extLst>
   </p:cSld>
   <p:clrMapOvr>
     <a:masterClrMapping/>
   </p:clrMapOvr>
+  <p:timing>
+    <p:tnLst>
+      <p:par>
+        <p:cTn id="1" dur="indefinite" restart="never" nodeType="tmRoot"/>
+      </p:par>
+    </p:tnLst>
+  </p:timing>
 </p:sld>
 </file>
 
-<file path=ppt/slides/slide11.xml><?xml version="1.0" encoding="utf-8"?>
+<file path=ppt/slides/slide14.xml><?xml version="1.0" encoding="utf-8"?>
+<p:sld xmlns:a="http://schemas.openxmlformats.org/drawingml/2006/main" xmlns:r="http://schemas.openxmlformats.org/officeDocument/2006/relationships" xmlns:p="http://schemas.openxmlformats.org/presentationml/2006/main">
+  <p:cSld>
+    <p:spTree>
+      <p:nvGrpSpPr>
+        <p:cNvPr id="1" name=""/>
+        <p:cNvGrpSpPr/>
+        <p:nvPr/>
+      </p:nvGrpSpPr>
+      <p:grpSpPr>
+        <a:xfrm>
+          <a:off x="0" y="0"/>
+          <a:ext cx="0" cy="0"/>
+          <a:chOff x="0" y="0"/>
+          <a:chExt cx="0" cy="0"/>
+        </a:xfrm>
+      </p:grpSpPr>
+      <p:sp>
+        <p:nvSpPr>
+          <p:cNvPr id="4" name="Title 3"/>
+          <p:cNvSpPr>
+            <a:spLocks noGrp="1"/>
+          </p:cNvSpPr>
+          <p:nvPr>
+            <p:ph type="title"/>
+          </p:nvPr>
+        </p:nvSpPr>
+        <p:spPr>
+          <a:xfrm>
+            <a:off x="416560" y="244158"/>
+            <a:ext cx="8229600" cy="715962"/>
+          </a:xfrm>
+        </p:spPr>
+        <p:txBody>
+          <a:bodyPr>
+            <a:normAutofit/>
+          </a:bodyPr>
+          <a:lstStyle/>
+          <a:p>
+            <a:r>
+              <a:rPr lang="en-US" sz="3600" dirty="0" smtClean="0"/>
+              <a:t>C66 core Secondary events</a:t>
+            </a:r>
+            <a:endParaRPr lang="en-US" sz="3600" dirty="0"/>
+          </a:p>
+        </p:txBody>
+      </p:sp>
+      <p:graphicFrame>
+        <p:nvGraphicFramePr>
+          <p:cNvPr id="3" name="Object 2"/>
+          <p:cNvGraphicFramePr>
+            <a:graphicFrameLocks noChangeAspect="1"/>
+          </p:cNvGraphicFramePr>
+          <p:nvPr>
+            <p:extLst>
+              <p:ext uri="{D42A27DB-BD31-4B8C-83A1-F6EECF244321}">
+                <p14:modId xmlns:p14="http://schemas.microsoft.com/office/powerpoint/2010/main" val="2052470423"/>
+              </p:ext>
+            </p:extLst>
+          </p:nvPr>
+        </p:nvGraphicFramePr>
+        <p:xfrm>
+          <a:off x="710239" y="857250"/>
+          <a:ext cx="7803524" cy="5322888"/>
+        </p:xfrm>
+        <a:graphic>
+          <a:graphicData uri="http://schemas.openxmlformats.org/presentationml/2006/ole">
+            <mc:AlternateContent xmlns:mc="http://schemas.openxmlformats.org/markup-compatibility/2006">
+              <mc:Choice xmlns:v="urn:schemas-microsoft-com:vml" Requires="v">
+                <p:oleObj spid="_x0000_s10244" name="Visio" r:id="rId3" imgW="9044738" imgH="6169084" progId="Visio.Drawing.11">
+                  <p:embed/>
+                </p:oleObj>
+              </mc:Choice>
+              <mc:Fallback>
+                <p:oleObj name="Visio" r:id="rId3" imgW="9044738" imgH="6169084" progId="Visio.Drawing.11">
+                  <p:embed/>
+                  <p:pic>
+                    <p:nvPicPr>
+                      <p:cNvPr id="0" name=""/>
+                      <p:cNvPicPr/>
+                      <p:nvPr/>
+                    </p:nvPicPr>
+                    <p:blipFill>
+                      <a:blip r:embed="rId4"/>
+                      <a:stretch>
+                        <a:fillRect/>
+                      </a:stretch>
+                    </p:blipFill>
+                    <p:spPr>
+                      <a:xfrm>
+                        <a:off x="710239" y="857250"/>
+                        <a:ext cx="7803524" cy="5322888"/>
+                      </a:xfrm>
+                      <a:prstGeom prst="rect">
+                        <a:avLst/>
+                      </a:prstGeom>
+                    </p:spPr>
+                  </p:pic>
+                </p:oleObj>
+              </mc:Fallback>
+            </mc:AlternateContent>
+          </a:graphicData>
+        </a:graphic>
+      </p:graphicFrame>
+    </p:spTree>
+    <p:extLst>
+      <p:ext uri="{BB962C8B-B14F-4D97-AF65-F5344CB8AC3E}">
+        <p14:creationId xmlns:p14="http://schemas.microsoft.com/office/powerpoint/2010/main" val="3288149165"/>
+      </p:ext>
+    </p:extLst>
+  </p:cSld>
+  <p:clrMapOvr>
+    <a:masterClrMapping/>
+  </p:clrMapOvr>
+  <p:timing>
+    <p:tnLst>
+      <p:par>
+        <p:cTn id="1" dur="indefinite" restart="never" nodeType="tmRoot"/>
+      </p:par>
+    </p:tnLst>
+  </p:timing>
+</p:sld>
+</file>
+
+<file path=ppt/slides/slide15.xml><?xml version="1.0" encoding="utf-8"?>
 <p:sld xmlns:a="http://schemas.openxmlformats.org/drawingml/2006/main" xmlns:r="http://schemas.openxmlformats.org/officeDocument/2006/relationships" xmlns:p="http://schemas.openxmlformats.org/presentationml/2006/main">
   <p:cSld>
     <p:spTree>
@@ -8043,8 +8812,8 @@
         </p:blipFill>
         <p:spPr bwMode="auto">
           <a:xfrm>
-            <a:off x="381000" y="228600"/>
-            <a:ext cx="7648575" cy="6372225"/>
+            <a:off x="1163090" y="1343025"/>
+            <a:ext cx="5933648" cy="4943475"/>
           </a:xfrm>
           <a:prstGeom prst="rect">
             <a:avLst/>
@@ -8102,7 +8871,7 @@
           <a:lstStyle/>
           <a:p>
             <a:pPr algn="ctr"/>
-            <a:endParaRPr lang="en-US"/>
+            <a:endParaRPr lang="en-US" dirty="0"/>
           </a:p>
         </p:txBody>
       </p:sp>
@@ -8124,9 +8893,57 @@
             <a:fld id="{803D9FE4-F784-4A94-8F3E-54A098F0E8CC}" type="slidenum">
               <a:rPr lang="en-US" smtClean="0"/>
               <a:pPr/>
-              <a:t>11</a:t>
+              <a:t>15</a:t>
             </a:fld>
-            <a:endParaRPr lang="en-US"/>
+            <a:endParaRPr lang="en-US" dirty="0"/>
+          </a:p>
+        </p:txBody>
+      </p:sp>
+      <p:sp>
+        <p:nvSpPr>
+          <p:cNvPr id="5" name="Title 3"/>
+          <p:cNvSpPr>
+            <a:spLocks noGrp="1"/>
+          </p:cNvSpPr>
+          <p:nvPr>
+            <p:ph type="title"/>
+          </p:nvPr>
+        </p:nvSpPr>
+        <p:spPr>
+          <a:xfrm>
+            <a:off x="457200" y="103187"/>
+            <a:ext cx="8229600" cy="1125537"/>
+          </a:xfrm>
+        </p:spPr>
+        <p:txBody>
+          <a:bodyPr>
+            <a:normAutofit fontScale="90000"/>
+          </a:bodyPr>
+          <a:lstStyle/>
+          <a:p>
+            <a:r>
+              <a:rPr lang="en-US" sz="3600" dirty="0" smtClean="0"/>
+              <a:t>CIC to C66 core connections</a:t>
+            </a:r>
+            <a:br>
+              <a:rPr lang="en-US" sz="3600" dirty="0" smtClean="0"/>
+            </a:br>
+            <a:r>
+              <a:rPr lang="en-US" sz="3600" dirty="0" smtClean="0"/>
+              <a:t>Event No – the core input event</a:t>
+            </a:r>
+            <a:br>
+              <a:rPr lang="en-US" sz="3600" dirty="0" smtClean="0"/>
+            </a:br>
+            <a:r>
+              <a:rPr lang="en-US" sz="3600" dirty="0" smtClean="0"/>
+              <a:t>Event</a:t>
+            </a:r>
+            <a:r>
+              <a:rPr lang="en-US" sz="3600" dirty="0" smtClean="0"/>
+              <a:t> name – the CIC output line</a:t>
+            </a:r>
+            <a:endParaRPr lang="en-US" sz="3600" dirty="0"/>
           </a:p>
         </p:txBody>
       </p:sp>
@@ -8135,10 +8952,17 @@
   <p:clrMapOvr>
     <a:masterClrMapping/>
   </p:clrMapOvr>
+  <p:timing>
+    <p:tnLst>
+      <p:par>
+        <p:cTn id="1" dur="indefinite" restart="never" nodeType="tmRoot"/>
+      </p:par>
+    </p:tnLst>
+  </p:timing>
 </p:sld>
 </file>
 
-<file path=ppt/slides/slide12.xml><?xml version="1.0" encoding="utf-8"?>
+<file path=ppt/slides/slide16.xml><?xml version="1.0" encoding="utf-8"?>
 <p:sld xmlns:a="http://schemas.openxmlformats.org/drawingml/2006/main" xmlns:r="http://schemas.openxmlformats.org/officeDocument/2006/relationships" xmlns:p="http://schemas.openxmlformats.org/presentationml/2006/main">
   <p:cSld>
     <p:spTree>
@@ -8251,9 +9075,9 @@
             <a:fld id="{3B20521C-F793-4067-BB07-C7AF74E21EF3}" type="slidenum">
               <a:rPr lang="en-US" smtClean="0"/>
               <a:pPr/>
-              <a:t>12</a:t>
+              <a:t>16</a:t>
             </a:fld>
-            <a:endParaRPr lang="en-US"/>
+            <a:endParaRPr lang="en-US" dirty="0"/>
           </a:p>
         </p:txBody>
       </p:sp>
@@ -8262,10 +9086,17 @@
   <p:clrMapOvr>
     <a:masterClrMapping/>
   </p:clrMapOvr>
+  <p:timing>
+    <p:tnLst>
+      <p:par>
+        <p:cTn id="1" dur="indefinite" restart="never" nodeType="tmRoot"/>
+      </p:par>
+    </p:tnLst>
+  </p:timing>
 </p:sld>
 </file>
 
-<file path=ppt/slides/slide13.xml><?xml version="1.0" encoding="utf-8"?>
+<file path=ppt/slides/slide17.xml><?xml version="1.0" encoding="utf-8"?>
 <p:sld xmlns:a="http://schemas.openxmlformats.org/drawingml/2006/main" xmlns:r="http://schemas.openxmlformats.org/officeDocument/2006/relationships" xmlns:p="http://schemas.openxmlformats.org/presentationml/2006/main">
   <p:cSld>
     <p:spTree>
@@ -8363,9 +9194,9 @@
             <a:fld id="{3B20521C-F793-4067-BB07-C7AF74E21EF3}" type="slidenum">
               <a:rPr lang="en-US" smtClean="0"/>
               <a:pPr/>
-              <a:t>13</a:t>
+              <a:t>17</a:t>
             </a:fld>
-            <a:endParaRPr lang="en-US"/>
+            <a:endParaRPr lang="en-US" dirty="0"/>
           </a:p>
         </p:txBody>
       </p:sp>
@@ -8374,10 +9205,17 @@
   <p:clrMapOvr>
     <a:masterClrMapping/>
   </p:clrMapOvr>
+  <p:timing>
+    <p:tnLst>
+      <p:par>
+        <p:cTn id="1" dur="indefinite" restart="never" nodeType="tmRoot"/>
+      </p:par>
+    </p:tnLst>
+  </p:timing>
 </p:sld>
 </file>
 
-<file path=ppt/slides/slide14.xml><?xml version="1.0" encoding="utf-8"?>
+<file path=ppt/slides/slide18.xml><?xml version="1.0" encoding="utf-8"?>
 <p:sld xmlns:a="http://schemas.openxmlformats.org/drawingml/2006/main" xmlns:r="http://schemas.openxmlformats.org/officeDocument/2006/relationships" xmlns:p="http://schemas.openxmlformats.org/presentationml/2006/main">
   <p:cSld>
     <p:spTree>
@@ -8411,8 +9249,8 @@
         </p:blipFill>
         <p:spPr bwMode="auto">
           <a:xfrm>
-            <a:off x="1280360" y="229969"/>
-            <a:ext cx="6351546" cy="6025839"/>
+            <a:off x="1671331" y="600891"/>
+            <a:ext cx="5960575" cy="5654917"/>
           </a:xfrm>
           <a:prstGeom prst="rect">
             <a:avLst/>
@@ -8470,7 +9308,7 @@
           <a:lstStyle/>
           <a:p>
             <a:pPr algn="ctr"/>
-            <a:endParaRPr lang="en-US"/>
+            <a:endParaRPr lang="en-US" dirty="0"/>
           </a:p>
         </p:txBody>
       </p:sp>
@@ -8492,9 +9330,39 @@
             <a:fld id="{803D9FE4-F784-4A94-8F3E-54A098F0E8CC}" type="slidenum">
               <a:rPr lang="en-US" smtClean="0"/>
               <a:pPr/>
-              <a:t>14</a:t>
+              <a:t>18</a:t>
             </a:fld>
-            <a:endParaRPr lang="en-US"/>
+            <a:endParaRPr lang="en-US" dirty="0"/>
+          </a:p>
+        </p:txBody>
+      </p:sp>
+      <p:sp>
+        <p:nvSpPr>
+          <p:cNvPr id="5" name="Title 3"/>
+          <p:cNvSpPr>
+            <a:spLocks noGrp="1"/>
+          </p:cNvSpPr>
+          <p:nvPr>
+            <p:ph type="title"/>
+          </p:nvPr>
+        </p:nvSpPr>
+        <p:spPr>
+          <a:xfrm>
+            <a:off x="457200" y="103188"/>
+            <a:ext cx="8229600" cy="488995"/>
+          </a:xfrm>
+        </p:spPr>
+        <p:txBody>
+          <a:bodyPr>
+            <a:normAutofit fontScale="90000"/>
+          </a:bodyPr>
+          <a:lstStyle/>
+          <a:p>
+            <a:r>
+              <a:rPr lang="en-US" sz="3600" dirty="0" smtClean="0"/>
+              <a:t>KeyStone II CIC input events</a:t>
+            </a:r>
+            <a:endParaRPr lang="en-US" sz="3600" dirty="0"/>
           </a:p>
         </p:txBody>
       </p:sp>
@@ -8506,7 +9374,7 @@
 </p:sld>
 </file>
 
-<file path=ppt/slides/slide15.xml><?xml version="1.0" encoding="utf-8"?>
+<file path=ppt/slides/slide19.xml><?xml version="1.0" encoding="utf-8"?>
 <p:sld xmlns:a="http://schemas.openxmlformats.org/drawingml/2006/main" xmlns:r="http://schemas.openxmlformats.org/officeDocument/2006/relationships" xmlns:p="http://schemas.openxmlformats.org/presentationml/2006/main">
   <p:cSld>
     <p:spTree>
@@ -8567,9 +9435,59 @@
         </p:xfrm>
         <a:graphic>
           <a:graphicData uri="http://schemas.openxmlformats.org/presentationml/2006/ole">
-            <p:oleObj spid="_x0000_s3074" name="Visio" r:id="rId3" imgW="8397082" imgH="6796932" progId="Visio.Drawing.11">
-              <p:embed/>
-            </p:oleObj>
+            <mc:AlternateContent xmlns:mc="http://schemas.openxmlformats.org/markup-compatibility/2006">
+              <mc:Choice xmlns:v="urn:schemas-microsoft-com:vml" Requires="v">
+                <p:oleObj spid="_x0000_s3087" name="Visio" r:id="rId3" imgW="8397082" imgH="6796932" progId="Visio.Drawing.11">
+                  <p:embed/>
+                </p:oleObj>
+              </mc:Choice>
+              <mc:Fallback>
+                <p:oleObj name="Visio" r:id="rId3" imgW="8397082" imgH="6796932" progId="Visio.Drawing.11">
+                  <p:embed/>
+                  <p:pic>
+                    <p:nvPicPr>
+                      <p:cNvPr id="0" name="Object 3"/>
+                      <p:cNvPicPr>
+                        <a:picLocks noChangeAspect="1" noChangeArrowheads="1"/>
+                      </p:cNvPicPr>
+                      <p:nvPr/>
+                    </p:nvPicPr>
+                    <p:blipFill>
+                      <a:blip r:embed="rId4">
+                        <a:extLst>
+                          <a:ext uri="{28A0092B-C50C-407E-A947-70E740481C1C}">
+                            <a14:useLocalDpi xmlns:a14="http://schemas.microsoft.com/office/drawing/2010/main" val="0"/>
+                          </a:ext>
+                        </a:extLst>
+                      </a:blip>
+                      <a:srcRect/>
+                      <a:stretch>
+                        <a:fillRect/>
+                      </a:stretch>
+                    </p:blipFill>
+                    <p:spPr bwMode="auto">
+                      <a:xfrm>
+                        <a:off x="1021568" y="993866"/>
+                        <a:ext cx="6477000" cy="5242820"/>
+                      </a:xfrm>
+                      <a:prstGeom prst="rect">
+                        <a:avLst/>
+                      </a:prstGeom>
+                      <a:noFill/>
+                      <a:extLst>
+                        <a:ext uri="{909E8E84-426E-40DD-AFC4-6F175D3DCCD1}">
+                          <a14:hiddenFill xmlns:a14="http://schemas.microsoft.com/office/drawing/2010/main">
+                            <a:solidFill>
+                              <a:srgbClr val="FFFFFF"/>
+                            </a:solidFill>
+                          </a14:hiddenFill>
+                        </a:ext>
+                      </a:extLst>
+                    </p:spPr>
+                  </p:pic>
+                </p:oleObj>
+              </mc:Fallback>
+            </mc:AlternateContent>
           </a:graphicData>
         </a:graphic>
       </p:graphicFrame>
@@ -8591,9 +9509,9 @@
             <a:fld id="{803D9FE4-F784-4A94-8F3E-54A098F0E8CC}" type="slidenum">
               <a:rPr lang="en-US" smtClean="0"/>
               <a:pPr/>
-              <a:t>15</a:t>
+              <a:t>19</a:t>
             </a:fld>
-            <a:endParaRPr lang="en-US"/>
+            <a:endParaRPr lang="en-US" dirty="0"/>
           </a:p>
         </p:txBody>
       </p:sp>
@@ -8605,7 +9523,7 @@
 </p:sld>
 </file>
 
-<file path=ppt/slides/slide16.xml><?xml version="1.0" encoding="utf-8"?>
+<file path=ppt/slides/slide2.xml><?xml version="1.0" encoding="utf-8"?>
 <p:sld xmlns:a="http://schemas.openxmlformats.org/drawingml/2006/main" xmlns:r="http://schemas.openxmlformats.org/officeDocument/2006/relationships" xmlns:p="http://schemas.openxmlformats.org/presentationml/2006/main">
   <p:cSld>
     <p:spTree>
@@ -8624,58 +9542,67 @@
       </p:grpSpPr>
       <p:sp>
         <p:nvSpPr>
-          <p:cNvPr id="10242" name="Rectangle 2"/>
+          <p:cNvPr id="2" name="Title 1"/>
           <p:cNvSpPr>
-            <a:spLocks noGrp="1" noChangeArrowheads="1"/>
+            <a:spLocks noGrp="1"/>
           </p:cNvSpPr>
           <p:nvPr>
-            <p:ph type="ctrTitle"/>
+            <p:ph type="title"/>
           </p:nvPr>
         </p:nvSpPr>
-        <p:spPr/>
-        <p:txBody>
-          <a:bodyPr/>
+        <p:spPr>
+          <a:xfrm>
+            <a:off x="457200" y="274638"/>
+            <a:ext cx="8229600" cy="715962"/>
+          </a:xfrm>
+        </p:spPr>
+        <p:txBody>
+          <a:bodyPr>
+            <a:normAutofit/>
+          </a:bodyPr>
           <a:lstStyle/>
           <a:p>
-            <a:pPr algn="l" eaLnBrk="1" hangingPunct="1"/>
-            <a:r>
-              <a:rPr lang="en-US" dirty="0" smtClean="0">
-                <a:solidFill>
-                  <a:srgbClr val="DE0000"/>
-                </a:solidFill>
-              </a:rPr>
-              <a:t>Configuring Interrupts</a:t>
-            </a:r>
-            <a:endParaRPr lang="en-US" dirty="0" smtClean="0"/>
-          </a:p>
-        </p:txBody>
-      </p:sp>
-      <p:sp>
-        <p:nvSpPr>
-          <p:cNvPr id="10243" name="Rectangle 3"/>
+            <a:r>
+              <a:rPr lang="en-US" sz="3600" dirty="0" smtClean="0"/>
+              <a:t>Agenda</a:t>
+            </a:r>
+            <a:endParaRPr lang="en-US" sz="3600" dirty="0"/>
+          </a:p>
+        </p:txBody>
+      </p:sp>
+      <p:sp>
+        <p:nvSpPr>
+          <p:cNvPr id="3" name="Content Placeholder 2"/>
           <p:cNvSpPr>
-            <a:spLocks noGrp="1" noChangeArrowheads="1"/>
+            <a:spLocks noGrp="1"/>
           </p:cNvSpPr>
           <p:nvPr>
-            <p:ph type="subTitle" idx="1"/>
+            <p:ph idx="1"/>
           </p:nvPr>
         </p:nvSpPr>
         <p:spPr/>
         <p:txBody>
-          <a:bodyPr/>
+          <a:bodyPr>
+            <a:normAutofit/>
+          </a:bodyPr>
           <a:lstStyle/>
           <a:p>
-            <a:pPr eaLnBrk="1" hangingPunct="1"/>
-            <a:r>
-              <a:rPr lang="en-US" dirty="0" smtClean="0"/>
-              <a:t>KeyStone Interrupts</a:t>
-            </a:r>
-          </a:p>
-        </p:txBody>
-      </p:sp>
-      <p:sp>
-        <p:nvSpPr>
-          <p:cNvPr id="10244" name="Slide Number Placeholder 3"/>
+            <a:r>
+              <a:rPr lang="en-US" sz="2800" dirty="0" smtClean="0"/>
+              <a:t>Interrupt Scheme (SPI 0 Example)</a:t>
+            </a:r>
+          </a:p>
+          <a:p>
+            <a:r>
+              <a:rPr lang="en-US" sz="2800" dirty="0" smtClean="0"/>
+              <a:t>Configuring Interrupts (Hyperlink Example)</a:t>
+            </a:r>
+          </a:p>
+        </p:txBody>
+      </p:sp>
+      <p:sp>
+        <p:nvSpPr>
+          <p:cNvPr id="4" name="Slide Number Placeholder 3"/>
           <p:cNvSpPr>
             <a:spLocks noGrp="1"/>
           </p:cNvSpPr>
@@ -8683,19 +9610,17 @@
             <p:ph type="sldNum" sz="quarter" idx="10"/>
           </p:nvPr>
         </p:nvSpPr>
-        <p:spPr>
-          <a:noFill/>
-        </p:spPr>
+        <p:spPr/>
         <p:txBody>
           <a:bodyPr/>
           <a:lstStyle/>
           <a:p>
-            <a:fld id="{47D32EE0-5F6C-48D8-BBE6-18ABEB0052A3}" type="slidenum">
-              <a:rPr lang="en-US"/>
+            <a:fld id="{3B20521C-F793-4067-BB07-C7AF74E21EF3}" type="slidenum">
+              <a:rPr lang="en-US" smtClean="0"/>
               <a:pPr/>
-              <a:t>16</a:t>
+              <a:t>2</a:t>
             </a:fld>
-            <a:endParaRPr lang="en-US"/>
+            <a:endParaRPr lang="en-US" dirty="0"/>
           </a:p>
         </p:txBody>
       </p:sp>
@@ -8704,17 +9629,10 @@
   <p:clrMapOvr>
     <a:masterClrMapping/>
   </p:clrMapOvr>
-  <p:timing>
-    <p:tnLst>
-      <p:par>
-        <p:cTn id="1" dur="indefinite" restart="never" nodeType="tmRoot"/>
-      </p:par>
-    </p:tnLst>
-  </p:timing>
 </p:sld>
 </file>
 
-<file path=ppt/slides/slide17.xml><?xml version="1.0" encoding="utf-8"?>
+<file path=ppt/slides/slide20.xml><?xml version="1.0" encoding="utf-8"?>
 <p:sld xmlns:a="http://schemas.openxmlformats.org/drawingml/2006/main" xmlns:r="http://schemas.openxmlformats.org/officeDocument/2006/relationships" xmlns:p="http://schemas.openxmlformats.org/presentationml/2006/main">
   <p:cSld>
     <p:spTree>
@@ -8733,6 +9651,115 @@
       </p:grpSpPr>
       <p:sp>
         <p:nvSpPr>
+          <p:cNvPr id="10242" name="Rectangle 2"/>
+          <p:cNvSpPr>
+            <a:spLocks noGrp="1" noChangeArrowheads="1"/>
+          </p:cNvSpPr>
+          <p:nvPr>
+            <p:ph type="ctrTitle"/>
+          </p:nvPr>
+        </p:nvSpPr>
+        <p:spPr/>
+        <p:txBody>
+          <a:bodyPr/>
+          <a:lstStyle/>
+          <a:p>
+            <a:pPr algn="l" eaLnBrk="1" hangingPunct="1"/>
+            <a:r>
+              <a:rPr lang="en-US" dirty="0" smtClean="0">
+                <a:solidFill>
+                  <a:srgbClr val="DE0000"/>
+                </a:solidFill>
+              </a:rPr>
+              <a:t>Configuring Interrupts</a:t>
+            </a:r>
+            <a:endParaRPr lang="en-US" dirty="0" smtClean="0"/>
+          </a:p>
+        </p:txBody>
+      </p:sp>
+      <p:sp>
+        <p:nvSpPr>
+          <p:cNvPr id="10243" name="Rectangle 3"/>
+          <p:cNvSpPr>
+            <a:spLocks noGrp="1" noChangeArrowheads="1"/>
+          </p:cNvSpPr>
+          <p:nvPr>
+            <p:ph type="subTitle" idx="1"/>
+          </p:nvPr>
+        </p:nvSpPr>
+        <p:spPr/>
+        <p:txBody>
+          <a:bodyPr/>
+          <a:lstStyle/>
+          <a:p>
+            <a:pPr eaLnBrk="1" hangingPunct="1"/>
+            <a:r>
+              <a:rPr lang="en-US" dirty="0" smtClean="0"/>
+              <a:t>KeyStone Interrupts</a:t>
+            </a:r>
+          </a:p>
+        </p:txBody>
+      </p:sp>
+      <p:sp>
+        <p:nvSpPr>
+          <p:cNvPr id="10244" name="Slide Number Placeholder 3"/>
+          <p:cNvSpPr>
+            <a:spLocks noGrp="1"/>
+          </p:cNvSpPr>
+          <p:nvPr>
+            <p:ph type="sldNum" sz="quarter" idx="10"/>
+          </p:nvPr>
+        </p:nvSpPr>
+        <p:spPr>
+          <a:noFill/>
+        </p:spPr>
+        <p:txBody>
+          <a:bodyPr/>
+          <a:lstStyle/>
+          <a:p>
+            <a:fld id="{47D32EE0-5F6C-48D8-BBE6-18ABEB0052A3}" type="slidenum">
+              <a:rPr lang="en-US"/>
+              <a:pPr/>
+              <a:t>20</a:t>
+            </a:fld>
+            <a:endParaRPr lang="en-US" dirty="0"/>
+          </a:p>
+        </p:txBody>
+      </p:sp>
+    </p:spTree>
+  </p:cSld>
+  <p:clrMapOvr>
+    <a:masterClrMapping/>
+  </p:clrMapOvr>
+  <p:timing>
+    <p:tnLst>
+      <p:par>
+        <p:cTn id="1" dur="indefinite" restart="never" nodeType="tmRoot"/>
+      </p:par>
+    </p:tnLst>
+  </p:timing>
+</p:sld>
+</file>
+
+<file path=ppt/slides/slide21.xml><?xml version="1.0" encoding="utf-8"?>
+<p:sld xmlns:a="http://schemas.openxmlformats.org/drawingml/2006/main" xmlns:r="http://schemas.openxmlformats.org/officeDocument/2006/relationships" xmlns:p="http://schemas.openxmlformats.org/presentationml/2006/main">
+  <p:cSld>
+    <p:spTree>
+      <p:nvGrpSpPr>
+        <p:cNvPr id="1" name=""/>
+        <p:cNvGrpSpPr/>
+        <p:nvPr/>
+      </p:nvGrpSpPr>
+      <p:grpSpPr>
+        <a:xfrm>
+          <a:off x="0" y="0"/>
+          <a:ext cx="0" cy="0"/>
+          <a:chOff x="0" y="0"/>
+          <a:chExt cx="0" cy="0"/>
+        </a:xfrm>
+      </p:grpSpPr>
+      <p:sp>
+        <p:nvSpPr>
           <p:cNvPr id="2" name="Title 1"/>
           <p:cNvSpPr>
             <a:spLocks noGrp="1"/>
@@ -8793,24 +9820,36 @@
           <a:p>
             <a:r>
               <a:rPr lang="en-US" sz="2800" dirty="0" smtClean="0"/>
-              <a:t>For KeyStone II (MCSDK 3.x), look at the two include files to see all the API that are needed:</a:t>
+              <a:t>csl APIs- For KeyStone II (MCSDK 3.x), look at the two include files to see all the API that are needed:</a:t>
             </a:r>
           </a:p>
           <a:p>
             <a:pPr lvl="1"/>
             <a:r>
-              <a:rPr lang="en-US" sz="2600" dirty="0" err="1" smtClean="0"/>
+              <a:rPr lang="en-US" sz="2600" dirty="0" smtClean="0"/>
               <a:t>csl_cpIntc.h</a:t>
             </a:r>
-            <a:endParaRPr lang="en-US" sz="2600" dirty="0" smtClean="0"/>
           </a:p>
           <a:p>
             <a:pPr lvl="1"/>
             <a:r>
-              <a:rPr lang="en-US" sz="2600" dirty="0" err="1" smtClean="0"/>
+              <a:rPr lang="en-US" sz="2600" dirty="0" smtClean="0"/>
               <a:t>csl_cpIntCAux.h</a:t>
             </a:r>
-            <a:endParaRPr lang="en-US" sz="2600" dirty="0" smtClean="0"/>
+          </a:p>
+          <a:p>
+            <a:r>
+              <a:rPr lang="en-US" sz="2800" dirty="0" smtClean="0"/>
+              <a:t>SysBios APIs – look at cpInitc.h and cpInitc.c </a:t>
+            </a:r>
+            <a:r>
+              <a:rPr lang="en-US" sz="2800" dirty="0"/>
+              <a:t>in directory </a:t>
+            </a:r>
+            <a:r>
+              <a:rPr lang="en-US" sz="2400" dirty="0" smtClean="0"/>
+              <a:t>MCSDK_Y_XX\bios_6_BB_AA_ZZ\packages\ti\sysbios\family\c66\tci66xx</a:t>
+            </a:r>
           </a:p>
         </p:txBody>
       </p:sp>
@@ -8832,9 +9871,9 @@
             <a:fld id="{3B20521C-F793-4067-BB07-C7AF74E21EF3}" type="slidenum">
               <a:rPr lang="en-US" smtClean="0"/>
               <a:pPr/>
-              <a:t>17</a:t>
+              <a:t>21</a:t>
             </a:fld>
-            <a:endParaRPr lang="en-US"/>
+            <a:endParaRPr lang="en-US" dirty="0"/>
           </a:p>
         </p:txBody>
       </p:sp>
@@ -8843,10 +9882,17 @@
   <p:clrMapOvr>
     <a:masterClrMapping/>
   </p:clrMapOvr>
+  <p:timing>
+    <p:tnLst>
+      <p:par>
+        <p:cTn id="1" dur="indefinite" restart="never" nodeType="tmRoot"/>
+      </p:par>
+    </p:tnLst>
+  </p:timing>
 </p:sld>
 </file>
 
-<file path=ppt/slides/slide18.xml><?xml version="1.0" encoding="utf-8"?>
+<file path=ppt/slides/slide22.xml><?xml version="1.0" encoding="utf-8"?>
 <p:sld xmlns:a="http://schemas.openxmlformats.org/drawingml/2006/main" xmlns:r="http://schemas.openxmlformats.org/officeDocument/2006/relationships" xmlns:p="http://schemas.openxmlformats.org/presentationml/2006/main">
   <p:cSld>
     <p:spTree>
@@ -8880,8 +9926,8 @@
         </p:blipFill>
         <p:spPr bwMode="auto">
           <a:xfrm>
-            <a:off x="97632" y="639234"/>
-            <a:ext cx="5353050" cy="5402097"/>
+            <a:off x="594666" y="1140823"/>
+            <a:ext cx="4856015" cy="4900508"/>
           </a:xfrm>
           <a:prstGeom prst="rect">
             <a:avLst/>
@@ -8925,12 +9971,8 @@
               <a:buChar char="•"/>
             </a:pPr>
             <a:r>
-              <a:rPr lang="en-US" sz="2600" dirty="0" err="1" smtClean="0"/>
-              <a:t>csl_cpIntCAux.h</a:t>
-            </a:r>
-            <a:r>
               <a:rPr lang="en-US" sz="2600" dirty="0" smtClean="0"/>
-              <a:t> </a:t>
+              <a:t>csl_cpIntCAux.h </a:t>
             </a:r>
             <a:r>
               <a:rPr lang="en-US" sz="2800" dirty="0" smtClean="0"/>
@@ -8963,9 +10005,43 @@
             <a:fld id="{3B20521C-F793-4067-BB07-C7AF74E21EF3}" type="slidenum">
               <a:rPr lang="en-US" smtClean="0"/>
               <a:pPr/>
-              <a:t>18</a:t>
+              <a:t>22</a:t>
             </a:fld>
-            <a:endParaRPr lang="en-US"/>
+            <a:endParaRPr lang="en-US" dirty="0"/>
+          </a:p>
+        </p:txBody>
+      </p:sp>
+      <p:sp>
+        <p:nvSpPr>
+          <p:cNvPr id="5" name="Title 1"/>
+          <p:cNvSpPr>
+            <a:spLocks noGrp="1"/>
+          </p:cNvSpPr>
+          <p:nvPr>
+            <p:ph type="title"/>
+          </p:nvPr>
+        </p:nvSpPr>
+        <p:spPr>
+          <a:xfrm>
+            <a:off x="457200" y="274638"/>
+            <a:ext cx="8229600" cy="543968"/>
+          </a:xfrm>
+        </p:spPr>
+        <p:txBody>
+          <a:bodyPr>
+            <a:normAutofit fontScale="90000"/>
+          </a:bodyPr>
+          <a:lstStyle/>
+          <a:p>
+            <a:r>
+              <a:rPr lang="en-US" sz="3600" dirty="0"/>
+              <a:t>c</a:t>
+            </a:r>
+            <a:r>
+              <a:rPr lang="en-US" sz="3600" dirty="0" smtClean="0"/>
+              <a:t>sl map system event (input) to output </a:t>
+            </a:r>
+            <a:endParaRPr lang="en-US" sz="3600" dirty="0"/>
           </a:p>
         </p:txBody>
       </p:sp>
@@ -8977,7 +10053,7 @@
 </p:sld>
 </file>
 
-<file path=ppt/slides/slide19.xml><?xml version="1.0" encoding="utf-8"?>
+<file path=ppt/slides/slide23.xml><?xml version="1.0" encoding="utf-8"?>
 <p:sld xmlns:a="http://schemas.openxmlformats.org/drawingml/2006/main" xmlns:r="http://schemas.openxmlformats.org/officeDocument/2006/relationships" xmlns:p="http://schemas.openxmlformats.org/presentationml/2006/main">
   <p:cSld>
     <p:spTree>
@@ -9050,35 +10126,7 @@
                 <a:latin typeface="Courier New" pitchFamily="49" charset="0"/>
                 <a:cs typeface="Courier New" pitchFamily="49" charset="0"/>
               </a:rPr>
-              <a:t>MCSDK_3_01_12\pdk_keystone2_3_00_01_12\packages\</a:t>
-            </a:r>
-            <a:r>
-              <a:rPr lang="en-US" sz="1800" b="1" dirty="0" err="1" smtClean="0">
-                <a:latin typeface="Courier New" pitchFamily="49" charset="0"/>
-                <a:cs typeface="Courier New" pitchFamily="49" charset="0"/>
-              </a:rPr>
-              <a:t>ti</a:t>
-            </a:r>
-            <a:r>
-              <a:rPr lang="en-US" sz="1800" b="1" dirty="0" smtClean="0">
-                <a:latin typeface="Courier New" pitchFamily="49" charset="0"/>
-                <a:cs typeface="Courier New" pitchFamily="49" charset="0"/>
-              </a:rPr>
-              <a:t>\</a:t>
-            </a:r>
-            <a:r>
-              <a:rPr lang="en-US" sz="1800" b="1" dirty="0" err="1" smtClean="0">
-                <a:latin typeface="Courier New" pitchFamily="49" charset="0"/>
-                <a:cs typeface="Courier New" pitchFamily="49" charset="0"/>
-              </a:rPr>
-              <a:t>drv</a:t>
-            </a:r>
-            <a:r>
-              <a:rPr lang="en-US" sz="1800" b="1" dirty="0" smtClean="0">
-                <a:latin typeface="Courier New" pitchFamily="49" charset="0"/>
-                <a:cs typeface="Courier New" pitchFamily="49" charset="0"/>
-              </a:rPr>
-              <a:t/>
+              <a:t>MCSDK_3_01_12\pdk_keystone2_3_00_01_12\packages\ti\drv</a:t>
             </a:r>
             <a:br>
               <a:rPr lang="en-US" sz="1800" b="1" dirty="0" smtClean="0">
@@ -9117,9 +10165,9 @@
             <a:fld id="{3B20521C-F793-4067-BB07-C7AF74E21EF3}" type="slidenum">
               <a:rPr lang="en-US" smtClean="0"/>
               <a:pPr/>
-              <a:t>19</a:t>
+              <a:t>23</a:t>
             </a:fld>
-            <a:endParaRPr lang="en-US"/>
+            <a:endParaRPr lang="en-US" dirty="0"/>
           </a:p>
         </p:txBody>
       </p:sp>
@@ -9131,122 +10179,7 @@
 </p:sld>
 </file>
 
-<file path=ppt/slides/slide2.xml><?xml version="1.0" encoding="utf-8"?>
-<p:sld xmlns:a="http://schemas.openxmlformats.org/drawingml/2006/main" xmlns:r="http://schemas.openxmlformats.org/officeDocument/2006/relationships" xmlns:p="http://schemas.openxmlformats.org/presentationml/2006/main">
-  <p:cSld>
-    <p:spTree>
-      <p:nvGrpSpPr>
-        <p:cNvPr id="1" name=""/>
-        <p:cNvGrpSpPr/>
-        <p:nvPr/>
-      </p:nvGrpSpPr>
-      <p:grpSpPr>
-        <a:xfrm>
-          <a:off x="0" y="0"/>
-          <a:ext cx="0" cy="0"/>
-          <a:chOff x="0" y="0"/>
-          <a:chExt cx="0" cy="0"/>
-        </a:xfrm>
-      </p:grpSpPr>
-      <p:sp>
-        <p:nvSpPr>
-          <p:cNvPr id="2" name="Title 1"/>
-          <p:cNvSpPr>
-            <a:spLocks noGrp="1"/>
-          </p:cNvSpPr>
-          <p:nvPr>
-            <p:ph type="title"/>
-          </p:nvPr>
-        </p:nvSpPr>
-        <p:spPr>
-          <a:xfrm>
-            <a:off x="457200" y="274638"/>
-            <a:ext cx="8229600" cy="715962"/>
-          </a:xfrm>
-        </p:spPr>
-        <p:txBody>
-          <a:bodyPr>
-            <a:normAutofit/>
-          </a:bodyPr>
-          <a:lstStyle/>
-          <a:p>
-            <a:r>
-              <a:rPr lang="en-US" sz="3600" dirty="0" smtClean="0"/>
-              <a:t>Agenda</a:t>
-            </a:r>
-            <a:endParaRPr lang="en-US" sz="3600" dirty="0"/>
-          </a:p>
-        </p:txBody>
-      </p:sp>
-      <p:sp>
-        <p:nvSpPr>
-          <p:cNvPr id="3" name="Content Placeholder 2"/>
-          <p:cNvSpPr>
-            <a:spLocks noGrp="1"/>
-          </p:cNvSpPr>
-          <p:nvPr>
-            <p:ph idx="1"/>
-          </p:nvPr>
-        </p:nvSpPr>
-        <p:spPr/>
-        <p:txBody>
-          <a:bodyPr>
-            <a:normAutofit/>
-          </a:bodyPr>
-          <a:lstStyle/>
-          <a:p>
-            <a:r>
-              <a:rPr lang="en-US" sz="2800" dirty="0" smtClean="0"/>
-              <a:t>Motivation</a:t>
-            </a:r>
-          </a:p>
-          <a:p>
-            <a:r>
-              <a:rPr lang="en-US" sz="2800" dirty="0" smtClean="0"/>
-              <a:t>Interrupt Scheme (SPI 0 Example)</a:t>
-            </a:r>
-          </a:p>
-          <a:p>
-            <a:r>
-              <a:rPr lang="en-US" sz="2800" dirty="0" smtClean="0"/>
-              <a:t>Configuring Interrupts (Hyperlink Example)</a:t>
-            </a:r>
-          </a:p>
-        </p:txBody>
-      </p:sp>
-      <p:sp>
-        <p:nvSpPr>
-          <p:cNvPr id="4" name="Slide Number Placeholder 3"/>
-          <p:cNvSpPr>
-            <a:spLocks noGrp="1"/>
-          </p:cNvSpPr>
-          <p:nvPr>
-            <p:ph type="sldNum" sz="quarter" idx="10"/>
-          </p:nvPr>
-        </p:nvSpPr>
-        <p:spPr/>
-        <p:txBody>
-          <a:bodyPr/>
-          <a:lstStyle/>
-          <a:p>
-            <a:fld id="{3B20521C-F793-4067-BB07-C7AF74E21EF3}" type="slidenum">
-              <a:rPr lang="en-US" smtClean="0"/>
-              <a:pPr/>
-              <a:t>2</a:t>
-            </a:fld>
-            <a:endParaRPr lang="en-US"/>
-          </a:p>
-        </p:txBody>
-      </p:sp>
-    </p:spTree>
-  </p:cSld>
-  <p:clrMapOvr>
-    <a:masterClrMapping/>
-  </p:clrMapOvr>
-</p:sld>
-</file>
-
-<file path=ppt/slides/slide20.xml><?xml version="1.0" encoding="utf-8"?>
+<file path=ppt/slides/slide24.xml><?xml version="1.0" encoding="utf-8"?>
 <p:sld xmlns:a="http://schemas.openxmlformats.org/drawingml/2006/main" xmlns:r="http://schemas.openxmlformats.org/officeDocument/2006/relationships" xmlns:p="http://schemas.openxmlformats.org/presentationml/2006/main">
   <p:cSld>
     <p:spTree>
@@ -9345,9 +10278,9 @@
             <a:fld id="{3B20521C-F793-4067-BB07-C7AF74E21EF3}" type="slidenum">
               <a:rPr lang="en-US" smtClean="0"/>
               <a:pPr/>
-              <a:t>20</a:t>
+              <a:t>24</a:t>
             </a:fld>
-            <a:endParaRPr lang="en-US"/>
+            <a:endParaRPr lang="en-US" dirty="0"/>
           </a:p>
         </p:txBody>
       </p:sp>
@@ -9359,192 +10292,7 @@
 </p:sld>
 </file>
 
-<file path=ppt/slides/slide21.xml><?xml version="1.0" encoding="utf-8"?>
-<p:sld xmlns:a="http://schemas.openxmlformats.org/drawingml/2006/main" xmlns:r="http://schemas.openxmlformats.org/officeDocument/2006/relationships" xmlns:p="http://schemas.openxmlformats.org/presentationml/2006/main">
-  <p:cSld>
-    <p:spTree>
-      <p:nvGrpSpPr>
-        <p:cNvPr id="1" name=""/>
-        <p:cNvGrpSpPr/>
-        <p:nvPr/>
-      </p:nvGrpSpPr>
-      <p:grpSpPr>
-        <a:xfrm>
-          <a:off x="0" y="0"/>
-          <a:ext cx="0" cy="0"/>
-          <a:chOff x="0" y="0"/>
-          <a:chExt cx="0" cy="0"/>
-        </a:xfrm>
-      </p:grpSpPr>
-      <p:pic>
-        <p:nvPicPr>
-          <p:cNvPr id="31746" name="Picture 2"/>
-          <p:cNvPicPr>
-            <a:picLocks noChangeAspect="1" noChangeArrowheads="1"/>
-          </p:cNvPicPr>
-          <p:nvPr/>
-        </p:nvPicPr>
-        <p:blipFill>
-          <a:blip r:embed="rId2" cstate="print"/>
-          <a:srcRect l="6244" t="4776" b="2388"/>
-          <a:stretch>
-            <a:fillRect/>
-          </a:stretch>
-        </p:blipFill>
-        <p:spPr bwMode="auto">
-          <a:xfrm>
-            <a:off x="2867825" y="520903"/>
-            <a:ext cx="5947570" cy="5774227"/>
-          </a:xfrm>
-          <a:prstGeom prst="rect">
-            <a:avLst/>
-          </a:prstGeom>
-          <a:noFill/>
-          <a:ln w="9525">
-            <a:noFill/>
-            <a:miter lim="800000"/>
-            <a:headEnd/>
-            <a:tailEnd/>
-          </a:ln>
-        </p:spPr>
-      </p:pic>
-      <p:sp>
-        <p:nvSpPr>
-          <p:cNvPr id="3" name="Title 1"/>
-          <p:cNvSpPr txBox="1">
-            <a:spLocks/>
-          </p:cNvSpPr>
-          <p:nvPr/>
-        </p:nvSpPr>
-        <p:spPr>
-          <a:xfrm>
-            <a:off x="114301" y="-1"/>
-            <a:ext cx="3271838" cy="1507331"/>
-          </a:xfrm>
-          <a:prstGeom prst="rect">
-            <a:avLst/>
-          </a:prstGeom>
-        </p:spPr>
-        <p:txBody>
-          <a:bodyPr>
-            <a:normAutofit/>
-          </a:bodyPr>
-          <a:lstStyle/>
-          <a:p>
-            <a:pPr marL="0" marR="0" lvl="0" indent="0" algn="ctr" defTabSz="914400" rtl="0" eaLnBrk="0" fontAlgn="base" latinLnBrk="0" hangingPunct="0">
-              <a:lnSpc>
-                <a:spcPct val="85000"/>
-              </a:lnSpc>
-              <a:spcBef>
-                <a:spcPct val="0"/>
-              </a:spcBef>
-              <a:spcAft>
-                <a:spcPct val="0"/>
-              </a:spcAft>
-              <a:buClrTx/>
-              <a:buSzTx/>
-              <a:buFontTx/>
-              <a:buNone/>
-              <a:tabLst/>
-              <a:defRPr/>
-            </a:pPr>
-            <a:r>
-              <a:rPr kumimoji="0" lang="en-US" sz="3600" b="1" i="0" u="none" strike="noStrike" kern="0" cap="none" spc="0" normalizeH="0" baseline="0" noProof="0" dirty="0" smtClean="0">
-                <a:ln>
-                  <a:noFill/>
-                </a:ln>
-                <a:solidFill>
-                  <a:schemeClr val="tx2"/>
-                </a:solidFill>
-                <a:effectLst/>
-                <a:uLnTx/>
-                <a:uFillTx/>
-                <a:latin typeface="Calibri" pitchFamily="34" charset="0"/>
-                <a:ea typeface="+mj-ea"/>
-                <a:cs typeface="Calibri" pitchFamily="34" charset="0"/>
-              </a:rPr>
-              <a:t>Hyperlink Interrupt</a:t>
-            </a:r>
-          </a:p>
-          <a:p>
-            <a:pPr marL="0" marR="0" lvl="0" indent="0" algn="ctr" defTabSz="914400" rtl="0" eaLnBrk="0" fontAlgn="base" latinLnBrk="0" hangingPunct="0">
-              <a:lnSpc>
-                <a:spcPct val="85000"/>
-              </a:lnSpc>
-              <a:spcBef>
-                <a:spcPct val="0"/>
-              </a:spcBef>
-              <a:spcAft>
-                <a:spcPct val="0"/>
-              </a:spcAft>
-              <a:buClrTx/>
-              <a:buSzTx/>
-              <a:buFontTx/>
-              <a:buNone/>
-              <a:tabLst/>
-              <a:defRPr/>
-            </a:pPr>
-            <a:r>
-              <a:rPr lang="en-US" sz="3600" b="1" kern="0" dirty="0" smtClean="0">
-                <a:solidFill>
-                  <a:schemeClr val="tx2"/>
-                </a:solidFill>
-                <a:latin typeface="Calibri" pitchFamily="34" charset="0"/>
-                <a:ea typeface="+mj-ea"/>
-                <a:cs typeface="Calibri" pitchFamily="34" charset="0"/>
-              </a:rPr>
-              <a:t>Overview</a:t>
-            </a:r>
-            <a:endParaRPr kumimoji="0" lang="en-US" sz="3600" b="1" i="0" u="none" strike="noStrike" kern="0" cap="none" spc="0" normalizeH="0" baseline="0" noProof="0" dirty="0">
-              <a:ln>
-                <a:noFill/>
-              </a:ln>
-              <a:solidFill>
-                <a:schemeClr val="tx2"/>
-              </a:solidFill>
-              <a:effectLst/>
-              <a:uLnTx/>
-              <a:uFillTx/>
-              <a:latin typeface="Calibri" pitchFamily="34" charset="0"/>
-              <a:ea typeface="+mj-ea"/>
-              <a:cs typeface="Calibri" pitchFamily="34" charset="0"/>
-            </a:endParaRPr>
-          </a:p>
-        </p:txBody>
-      </p:sp>
-      <p:sp>
-        <p:nvSpPr>
-          <p:cNvPr id="4" name="Slide Number Placeholder 3"/>
-          <p:cNvSpPr>
-            <a:spLocks noGrp="1"/>
-          </p:cNvSpPr>
-          <p:nvPr>
-            <p:ph type="sldNum" sz="quarter" idx="10"/>
-          </p:nvPr>
-        </p:nvSpPr>
-        <p:spPr/>
-        <p:txBody>
-          <a:bodyPr/>
-          <a:lstStyle/>
-          <a:p>
-            <a:fld id="{4BD60626-1ACC-48B1-8201-AA7BD5684B54}" type="slidenum">
-              <a:rPr lang="en-US" smtClean="0"/>
-              <a:pPr/>
-              <a:t>21</a:t>
-            </a:fld>
-            <a:endParaRPr lang="en-US"/>
-          </a:p>
-        </p:txBody>
-      </p:sp>
-    </p:spTree>
-  </p:cSld>
-  <p:clrMapOvr>
-    <a:masterClrMapping/>
-  </p:clrMapOvr>
-</p:sld>
-</file>
-
-<file path=ppt/slides/slide22.xml><?xml version="1.0" encoding="utf-8"?>
+<file path=ppt/slides/slide25.xml><?xml version="1.0" encoding="utf-8"?>
 <p:sld xmlns:a="http://schemas.openxmlformats.org/drawingml/2006/main" xmlns:r="http://schemas.openxmlformats.org/officeDocument/2006/relationships" xmlns:p="http://schemas.openxmlformats.org/presentationml/2006/main">
   <p:cSld>
     <p:spTree>
@@ -9709,7 +10457,7 @@
           <a:lstStyle/>
           <a:p>
             <a:pPr algn="ctr"/>
-            <a:endParaRPr lang="en-US"/>
+            <a:endParaRPr lang="en-US" dirty="0"/>
           </a:p>
         </p:txBody>
       </p:sp>
@@ -9731,9 +10479,9 @@
             <a:fld id="{3B20521C-F793-4067-BB07-C7AF74E21EF3}" type="slidenum">
               <a:rPr lang="en-US" smtClean="0"/>
               <a:pPr/>
-              <a:t>22</a:t>
+              <a:t>25</a:t>
             </a:fld>
-            <a:endParaRPr lang="en-US"/>
+            <a:endParaRPr lang="en-US" dirty="0"/>
           </a:p>
         </p:txBody>
       </p:sp>
@@ -9745,7 +10493,7 @@
 </p:sld>
 </file>
 
-<file path=ppt/slides/slide23.xml><?xml version="1.0" encoding="utf-8"?>
+<file path=ppt/slides/slide26.xml><?xml version="1.0" encoding="utf-8"?>
 <p:sld xmlns:a="http://schemas.openxmlformats.org/drawingml/2006/main" xmlns:r="http://schemas.openxmlformats.org/officeDocument/2006/relationships" xmlns:p="http://schemas.openxmlformats.org/presentationml/2006/main">
   <p:cSld>
     <p:spTree>
@@ -9785,15 +10533,7 @@
           <a:p>
             <a:r>
               <a:rPr lang="en-US" sz="2000" b="1" dirty="0" smtClean="0"/>
-              <a:t>static int </a:t>
-            </a:r>
-            <a:r>
-              <a:rPr lang="en-US" sz="2000" b="1" dirty="0" err="1" smtClean="0"/>
-              <a:t>hyplnkExampleInitChipIntc</a:t>
-            </a:r>
-            <a:r>
-              <a:rPr lang="en-US" sz="2000" b="1" dirty="0" smtClean="0"/>
-              <a:t> (void)</a:t>
+              <a:t>static int hyplnkExampleInitChipIntc (void)</a:t>
             </a:r>
           </a:p>
           <a:p>
@@ -9805,15 +10545,7 @@
           <a:p>
             <a:r>
               <a:rPr lang="en-US" sz="2000" dirty="0" smtClean="0"/>
-              <a:t>  </a:t>
-            </a:r>
-            <a:r>
-              <a:rPr lang="en-US" sz="2000" dirty="0" err="1" smtClean="0"/>
-              <a:t>CSL_CPINTC_Handle</a:t>
-            </a:r>
-            <a:r>
-              <a:rPr lang="en-US" sz="2000" dirty="0" smtClean="0"/>
-              <a:t> hnd;</a:t>
+              <a:t>  CSL_CPINTC_Handle hnd;</a:t>
             </a:r>
           </a:p>
           <a:p>
@@ -9833,12 +10565,8 @@
           </a:p>
           <a:p>
             <a:r>
-              <a:rPr lang="en-US" sz="2000" dirty="0" err="1" smtClean="0"/>
-              <a:t>CSL_CPINTC_mapSystemIntrToChannel</a:t>
-            </a:r>
-            <a:r>
               <a:rPr lang="en-US" sz="2000" dirty="0" smtClean="0"/>
-              <a:t> (hnd, </a:t>
+              <a:t>CSL_CPINTC_mapSystemIntrToChannel (hnd, </a:t>
             </a:r>
             <a:r>
               <a:rPr lang="en-US" sz="2000" b="1" dirty="0" smtClean="0">
@@ -9850,15 +10578,7 @@
             </a:r>
             <a:r>
               <a:rPr lang="en-US" sz="2000" b="1" dirty="0" smtClean="0"/>
-              <a:t>, </a:t>
-            </a:r>
-            <a:r>
-              <a:rPr lang="en-US" sz="2000" b="1" dirty="0" err="1" smtClean="0"/>
-              <a:t>hyplnk_EXAMPLE_INTC_OUTPUT</a:t>
-            </a:r>
-            <a:r>
-              <a:rPr lang="en-US" sz="2000" b="1" dirty="0" smtClean="0"/>
-              <a:t>);</a:t>
+              <a:t>, hyplnk_EXAMPLE_INTC_OUTPUT);</a:t>
             </a:r>
           </a:p>
           <a:p>
@@ -9925,15 +10645,7 @@
           <a:p>
             <a:r>
               <a:rPr lang="en-US" b="1" dirty="0" smtClean="0"/>
-              <a:t>What about </a:t>
-            </a:r>
-            <a:r>
-              <a:rPr lang="en-US" b="1" dirty="0" err="1" smtClean="0"/>
-              <a:t>hyplnk_EXAMPLE_INTC_OUTPUT</a:t>
-            </a:r>
-            <a:r>
-              <a:rPr lang="en-US" b="1" dirty="0" smtClean="0"/>
-              <a:t>?</a:t>
+              <a:t>What about hyplnk_EXAMPLE_INTC_OUTPUT?</a:t>
             </a:r>
             <a:endParaRPr lang="en-US" dirty="0"/>
           </a:p>
@@ -9957,9 +10669,9 @@
             <a:fld id="{803D9FE4-F784-4A94-8F3E-54A098F0E8CC}" type="slidenum">
               <a:rPr lang="en-US" smtClean="0"/>
               <a:pPr/>
-              <a:t>23</a:t>
+              <a:t>26</a:t>
             </a:fld>
-            <a:endParaRPr lang="en-US"/>
+            <a:endParaRPr lang="en-US" dirty="0"/>
           </a:p>
         </p:txBody>
       </p:sp>
@@ -9968,10 +10680,17 @@
   <p:clrMapOvr>
     <a:masterClrMapping/>
   </p:clrMapOvr>
+  <p:timing>
+    <p:tnLst>
+      <p:par>
+        <p:cTn id="1" dur="indefinite" restart="never" nodeType="tmRoot"/>
+      </p:par>
+    </p:tnLst>
+  </p:timing>
 </p:sld>
 </file>
 
-<file path=ppt/slides/slide24.xml><?xml version="1.0" encoding="utf-8"?>
+<file path=ppt/slides/slide27.xml><?xml version="1.0" encoding="utf-8"?>
 <p:sld xmlns:a="http://schemas.openxmlformats.org/drawingml/2006/main" xmlns:r="http://schemas.openxmlformats.org/officeDocument/2006/relationships" xmlns:p="http://schemas.openxmlformats.org/presentationml/2006/main">
   <p:cSld>
     <p:spTree>
@@ -10097,7 +10816,7 @@
           <a:lstStyle/>
           <a:p>
             <a:pPr algn="ctr"/>
-            <a:endParaRPr lang="en-US"/>
+            <a:endParaRPr lang="en-US" dirty="0"/>
           </a:p>
         </p:txBody>
       </p:sp>
@@ -10119,9 +10838,9 @@
             <a:fld id="{3B20521C-F793-4067-BB07-C7AF74E21EF3}" type="slidenum">
               <a:rPr lang="en-US" smtClean="0"/>
               <a:pPr/>
-              <a:t>24</a:t>
+              <a:t>27</a:t>
             </a:fld>
-            <a:endParaRPr lang="en-US"/>
+            <a:endParaRPr lang="en-US" dirty="0"/>
           </a:p>
         </p:txBody>
       </p:sp>
@@ -10133,7 +10852,7 @@
 </p:sld>
 </file>
 
-<file path=ppt/slides/slide25.xml><?xml version="1.0" encoding="utf-8"?>
+<file path=ppt/slides/slide28.xml><?xml version="1.0" encoding="utf-8"?>
 <p:sld xmlns:a="http://schemas.openxmlformats.org/drawingml/2006/main" xmlns:r="http://schemas.openxmlformats.org/officeDocument/2006/relationships" xmlns:p="http://schemas.openxmlformats.org/presentationml/2006/main">
   <p:cSld>
     <p:spTree>
@@ -10260,9 +10979,9 @@
             <a:fld id="{3B20521C-F793-4067-BB07-C7AF74E21EF3}" type="slidenum">
               <a:rPr lang="en-US" smtClean="0"/>
               <a:pPr/>
-              <a:t>25</a:t>
+              <a:t>28</a:t>
             </a:fld>
-            <a:endParaRPr lang="en-US"/>
+            <a:endParaRPr lang="en-US" dirty="0"/>
           </a:p>
         </p:txBody>
       </p:sp>
@@ -10274,7 +10993,7 @@
 </p:sld>
 </file>
 
-<file path=ppt/slides/slide26.xml><?xml version="1.0" encoding="utf-8"?>
+<file path=ppt/slides/slide29.xml><?xml version="1.0" encoding="utf-8"?>
 <p:sld xmlns:a="http://schemas.openxmlformats.org/drawingml/2006/main" xmlns:r="http://schemas.openxmlformats.org/officeDocument/2006/relationships" xmlns:p="http://schemas.openxmlformats.org/presentationml/2006/main">
   <p:cSld>
     <p:spTree>
@@ -10372,15 +11091,7 @@
           <a:p>
             <a:r>
               <a:rPr lang="en-US" dirty="0" smtClean="0"/>
-              <a:t>The value of </a:t>
-            </a:r>
-            <a:r>
-              <a:rPr lang="en-US" dirty="0" err="1" smtClean="0"/>
-              <a:t>hyplnk_EXAMPLE_INTC_OUTPUT</a:t>
-            </a:r>
-            <a:r>
-              <a:rPr lang="en-US" dirty="0" smtClean="0"/>
-              <a:t> is (64 + 10 * DNUM)</a:t>
+              <a:t>The value of hyplnk_EXAMPLE_INTC_OUTPUT is (64 + 10 * DNUM)</a:t>
             </a:r>
           </a:p>
           <a:p>
@@ -10452,9 +11163,9 @@
             <a:fld id="{803D9FE4-F784-4A94-8F3E-54A098F0E8CC}" type="slidenum">
               <a:rPr lang="en-US" smtClean="0"/>
               <a:pPr/>
-              <a:t>26</a:t>
+              <a:t>29</a:t>
             </a:fld>
-            <a:endParaRPr lang="en-US"/>
+            <a:endParaRPr lang="en-US" dirty="0"/>
           </a:p>
         </p:txBody>
       </p:sp>
@@ -10466,7 +11177,116 @@
 </p:sld>
 </file>
 
-<file path=ppt/slides/slide27.xml><?xml version="1.0" encoding="utf-8"?>
+<file path=ppt/slides/slide3.xml><?xml version="1.0" encoding="utf-8"?>
+<p:sld xmlns:a="http://schemas.openxmlformats.org/drawingml/2006/main" xmlns:r="http://schemas.openxmlformats.org/officeDocument/2006/relationships" xmlns:p="http://schemas.openxmlformats.org/presentationml/2006/main">
+  <p:cSld>
+    <p:spTree>
+      <p:nvGrpSpPr>
+        <p:cNvPr id="1" name=""/>
+        <p:cNvGrpSpPr/>
+        <p:nvPr/>
+      </p:nvGrpSpPr>
+      <p:grpSpPr>
+        <a:xfrm>
+          <a:off x="0" y="0"/>
+          <a:ext cx="0" cy="0"/>
+          <a:chOff x="0" y="0"/>
+          <a:chExt cx="0" cy="0"/>
+        </a:xfrm>
+      </p:grpSpPr>
+      <p:sp>
+        <p:nvSpPr>
+          <p:cNvPr id="10242" name="Rectangle 2"/>
+          <p:cNvSpPr>
+            <a:spLocks noGrp="1" noChangeArrowheads="1"/>
+          </p:cNvSpPr>
+          <p:nvPr>
+            <p:ph type="ctrTitle"/>
+          </p:nvPr>
+        </p:nvSpPr>
+        <p:spPr/>
+        <p:txBody>
+          <a:bodyPr/>
+          <a:lstStyle/>
+          <a:p>
+            <a:pPr algn="l" eaLnBrk="1" hangingPunct="1"/>
+            <a:r>
+              <a:rPr lang="en-US" dirty="0" smtClean="0">
+                <a:solidFill>
+                  <a:srgbClr val="DE0000"/>
+                </a:solidFill>
+              </a:rPr>
+              <a:t>Interrupt Scheme</a:t>
+            </a:r>
+            <a:endParaRPr lang="en-US" dirty="0" smtClean="0"/>
+          </a:p>
+        </p:txBody>
+      </p:sp>
+      <p:sp>
+        <p:nvSpPr>
+          <p:cNvPr id="10243" name="Rectangle 3"/>
+          <p:cNvSpPr>
+            <a:spLocks noGrp="1" noChangeArrowheads="1"/>
+          </p:cNvSpPr>
+          <p:nvPr>
+            <p:ph type="subTitle" idx="1"/>
+          </p:nvPr>
+        </p:nvSpPr>
+        <p:spPr/>
+        <p:txBody>
+          <a:bodyPr/>
+          <a:lstStyle/>
+          <a:p>
+            <a:pPr eaLnBrk="1" hangingPunct="1"/>
+            <a:r>
+              <a:rPr lang="en-US" dirty="0" smtClean="0"/>
+              <a:t>KeyStone Interrupts</a:t>
+            </a:r>
+          </a:p>
+        </p:txBody>
+      </p:sp>
+      <p:sp>
+        <p:nvSpPr>
+          <p:cNvPr id="10244" name="Slide Number Placeholder 3"/>
+          <p:cNvSpPr>
+            <a:spLocks noGrp="1"/>
+          </p:cNvSpPr>
+          <p:nvPr>
+            <p:ph type="sldNum" sz="quarter" idx="10"/>
+          </p:nvPr>
+        </p:nvSpPr>
+        <p:spPr>
+          <a:noFill/>
+        </p:spPr>
+        <p:txBody>
+          <a:bodyPr/>
+          <a:lstStyle/>
+          <a:p>
+            <a:fld id="{47D32EE0-5F6C-48D8-BBE6-18ABEB0052A3}" type="slidenum">
+              <a:rPr lang="en-US"/>
+              <a:pPr/>
+              <a:t>3</a:t>
+            </a:fld>
+            <a:endParaRPr lang="en-US" dirty="0"/>
+          </a:p>
+        </p:txBody>
+      </p:sp>
+    </p:spTree>
+  </p:cSld>
+  <p:clrMapOvr>
+    <a:masterClrMapping/>
+  </p:clrMapOvr>
+  <p:timing>
+    <p:tnLst>
+      <p:par>
+        <p:cTn id="1" dur="indefinite" restart="never" nodeType="tmRoot"/>
+      </p:par>
+    </p:tnLst>
+  </p:timing>
+</p:sld>
+</file>
+
+<file path=ppt/slides/slide30.xml><?xml version="1.0" encoding="utf-8"?>
 <p:sld xmlns:a="http://schemas.openxmlformats.org/drawingml/2006/main" xmlns:r="http://schemas.openxmlformats.org/officeDocument/2006/relationships" xmlns:p="http://schemas.openxmlformats.org/presentationml/2006/main">
   <p:cSld>
     <p:spTree>
@@ -10575,9 +11395,9 @@
             <a:fld id="{4BD60626-1ACC-48B1-8201-AA7BD5684B54}" type="slidenum">
               <a:rPr lang="en-US" smtClean="0"/>
               <a:pPr/>
-              <a:t>27</a:t>
+              <a:t>30</a:t>
             </a:fld>
-            <a:endParaRPr lang="en-US"/>
+            <a:endParaRPr lang="en-US" dirty="0"/>
           </a:p>
         </p:txBody>
       </p:sp>
@@ -10621,7 +11441,7 @@
 </p:sld>
 </file>
 
-<file path=ppt/slides/slide28.xml><?xml version="1.0" encoding="utf-8"?>
+<file path=ppt/slides/slide31.xml><?xml version="1.0" encoding="utf-8"?>
 <p:sld xmlns:a="http://schemas.openxmlformats.org/drawingml/2006/main" xmlns:r="http://schemas.openxmlformats.org/officeDocument/2006/relationships" xmlns:p="http://schemas.openxmlformats.org/presentationml/2006/main">
   <p:cSld>
     <p:spTree>
@@ -10730,9 +11550,9 @@
             <a:fld id="{4BD60626-1ACC-48B1-8201-AA7BD5684B54}" type="slidenum">
               <a:rPr lang="en-US" smtClean="0"/>
               <a:pPr/>
-              <a:t>28</a:t>
+              <a:t>31</a:t>
             </a:fld>
-            <a:endParaRPr lang="en-US"/>
+            <a:endParaRPr lang="en-US" dirty="0"/>
           </a:p>
         </p:txBody>
       </p:sp>
@@ -10776,7 +11596,7 @@
 </p:sld>
 </file>
 
-<file path=ppt/slides/slide29.xml><?xml version="1.0" encoding="utf-8"?>
+<file path=ppt/slides/slide32.xml><?xml version="1.0" encoding="utf-8"?>
 <p:sld xmlns:a="http://schemas.openxmlformats.org/drawingml/2006/main" xmlns:r="http://schemas.openxmlformats.org/officeDocument/2006/relationships" xmlns:p="http://schemas.openxmlformats.org/presentationml/2006/main">
   <p:cSld>
     <p:spTree>
@@ -10811,9 +11631,9 @@
             <a:fld id="{3B20521C-F793-4067-BB07-C7AF74E21EF3}" type="slidenum">
               <a:rPr lang="en-US" smtClean="0"/>
               <a:pPr/>
-              <a:t>29</a:t>
+              <a:t>32</a:t>
             </a:fld>
-            <a:endParaRPr lang="en-US"/>
+            <a:endParaRPr lang="en-US" dirty="0"/>
           </a:p>
         </p:txBody>
       </p:sp>
@@ -10931,7 +11751,7 @@
 </p:sld>
 </file>
 
-<file path=ppt/slides/slide3.xml><?xml version="1.0" encoding="utf-8"?>
+<file path=ppt/slides/slide33.xml><?xml version="1.0" encoding="utf-8"?>
 <p:sld xmlns:a="http://schemas.openxmlformats.org/drawingml/2006/main" xmlns:r="http://schemas.openxmlformats.org/officeDocument/2006/relationships" xmlns:p="http://schemas.openxmlformats.org/presentationml/2006/main">
   <p:cSld>
     <p:spTree>
@@ -10950,115 +11770,6 @@
       </p:grpSpPr>
       <p:sp>
         <p:nvSpPr>
-          <p:cNvPr id="10242" name="Rectangle 2"/>
-          <p:cNvSpPr>
-            <a:spLocks noGrp="1" noChangeArrowheads="1"/>
-          </p:cNvSpPr>
-          <p:nvPr>
-            <p:ph type="ctrTitle"/>
-          </p:nvPr>
-        </p:nvSpPr>
-        <p:spPr/>
-        <p:txBody>
-          <a:bodyPr/>
-          <a:lstStyle/>
-          <a:p>
-            <a:pPr algn="l" eaLnBrk="1" hangingPunct="1"/>
-            <a:r>
-              <a:rPr lang="en-US" dirty="0" smtClean="0">
-                <a:solidFill>
-                  <a:srgbClr val="DE0000"/>
-                </a:solidFill>
-              </a:rPr>
-              <a:t>Motivation</a:t>
-            </a:r>
-            <a:endParaRPr lang="en-US" dirty="0" smtClean="0"/>
-          </a:p>
-        </p:txBody>
-      </p:sp>
-      <p:sp>
-        <p:nvSpPr>
-          <p:cNvPr id="10243" name="Rectangle 3"/>
-          <p:cNvSpPr>
-            <a:spLocks noGrp="1" noChangeArrowheads="1"/>
-          </p:cNvSpPr>
-          <p:nvPr>
-            <p:ph type="subTitle" idx="1"/>
-          </p:nvPr>
-        </p:nvSpPr>
-        <p:spPr/>
-        <p:txBody>
-          <a:bodyPr/>
-          <a:lstStyle/>
-          <a:p>
-            <a:pPr eaLnBrk="1" hangingPunct="1"/>
-            <a:r>
-              <a:rPr lang="en-US" dirty="0" smtClean="0"/>
-              <a:t>KeyStone Interrupts</a:t>
-            </a:r>
-          </a:p>
-        </p:txBody>
-      </p:sp>
-      <p:sp>
-        <p:nvSpPr>
-          <p:cNvPr id="10244" name="Slide Number Placeholder 3"/>
-          <p:cNvSpPr>
-            <a:spLocks noGrp="1"/>
-          </p:cNvSpPr>
-          <p:nvPr>
-            <p:ph type="sldNum" sz="quarter" idx="10"/>
-          </p:nvPr>
-        </p:nvSpPr>
-        <p:spPr>
-          <a:noFill/>
-        </p:spPr>
-        <p:txBody>
-          <a:bodyPr/>
-          <a:lstStyle/>
-          <a:p>
-            <a:fld id="{47D32EE0-5F6C-48D8-BBE6-18ABEB0052A3}" type="slidenum">
-              <a:rPr lang="en-US"/>
-              <a:pPr/>
-              <a:t>3</a:t>
-            </a:fld>
-            <a:endParaRPr lang="en-US"/>
-          </a:p>
-        </p:txBody>
-      </p:sp>
-    </p:spTree>
-  </p:cSld>
-  <p:clrMapOvr>
-    <a:masterClrMapping/>
-  </p:clrMapOvr>
-  <p:timing>
-    <p:tnLst>
-      <p:par>
-        <p:cTn id="1" dur="indefinite" restart="never" nodeType="tmRoot"/>
-      </p:par>
-    </p:tnLst>
-  </p:timing>
-</p:sld>
-</file>
-
-<file path=ppt/slides/slide30.xml><?xml version="1.0" encoding="utf-8"?>
-<p:sld xmlns:a="http://schemas.openxmlformats.org/drawingml/2006/main" xmlns:r="http://schemas.openxmlformats.org/officeDocument/2006/relationships" xmlns:p="http://schemas.openxmlformats.org/presentationml/2006/main">
-  <p:cSld>
-    <p:spTree>
-      <p:nvGrpSpPr>
-        <p:cNvPr id="1" name=""/>
-        <p:cNvGrpSpPr/>
-        <p:nvPr/>
-      </p:nvGrpSpPr>
-      <p:grpSpPr>
-        <a:xfrm>
-          <a:off x="0" y="0"/>
-          <a:ext cx="0" cy="0"/>
-          <a:chOff x="0" y="0"/>
-          <a:chExt cx="0" cy="0"/>
-        </a:xfrm>
-      </p:grpSpPr>
-      <p:sp>
-        <p:nvSpPr>
           <p:cNvPr id="4" name="Slide Number Placeholder 3"/>
           <p:cNvSpPr>
             <a:spLocks noGrp="1"/>
@@ -11075,9 +11786,9 @@
             <a:fld id="{3B20521C-F793-4067-BB07-C7AF74E21EF3}" type="slidenum">
               <a:rPr lang="en-US" smtClean="0"/>
               <a:pPr/>
-              <a:t>30</a:t>
+              <a:t>33</a:t>
             </a:fld>
-            <a:endParaRPr lang="en-US"/>
+            <a:endParaRPr lang="en-US" dirty="0"/>
           </a:p>
         </p:txBody>
       </p:sp>
@@ -11100,34 +11811,14 @@
           <a:p>
             <a:r>
               <a:rPr lang="en-US" sz="3600" dirty="0" smtClean="0"/>
-              <a:t>Following </a:t>
-            </a:r>
-            <a:r>
-              <a:rPr lang="en-US" sz="3600" dirty="0" smtClean="0"/>
-              <a:t>GPIO 0</a:t>
-            </a:r>
-            <a:r>
-              <a:rPr lang="en-US" sz="3600" dirty="0" smtClean="0"/>
-              <a:t/>
+              <a:t>Following GPIO 0</a:t>
             </a:r>
             <a:br>
               <a:rPr lang="en-US" sz="3600" dirty="0" smtClean="0"/>
             </a:br>
             <a:r>
               <a:rPr lang="en-US" sz="2700" dirty="0" smtClean="0"/>
-              <a:t>From Table </a:t>
-            </a:r>
-            <a:r>
-              <a:rPr lang="en-US" sz="2700" dirty="0" smtClean="0"/>
-              <a:t>5-23 </a:t>
-            </a:r>
-            <a:r>
-              <a:rPr lang="en-US" sz="2700" dirty="0" smtClean="0"/>
-              <a:t>of 66AK2H12- </a:t>
-            </a:r>
-            <a:r>
-              <a:rPr lang="en-US" sz="2700" dirty="0" smtClean="0"/>
-              <a:t>ARM CorePac Interrupts</a:t>
+              <a:t>From Table 5-23 of 66AK2H12- ARM CorePac Interrupts</a:t>
             </a:r>
             <a:endParaRPr lang="en-US" sz="2700" dirty="0"/>
           </a:p>
@@ -11175,7 +11866,7 @@
 </p:sld>
 </file>
 
-<file path=ppt/slides/slide31.xml><?xml version="1.0" encoding="utf-8"?>
+<file path=ppt/slides/slide34.xml><?xml version="1.0" encoding="utf-8"?>
 <p:sld xmlns:a="http://schemas.openxmlformats.org/drawingml/2006/main" xmlns:r="http://schemas.openxmlformats.org/officeDocument/2006/relationships" xmlns:p="http://schemas.openxmlformats.org/presentationml/2006/main">
   <p:cSld>
     <p:spTree>
@@ -11209,11 +11900,7 @@
           <a:p>
             <a:r>
               <a:rPr lang="en-US" dirty="0" smtClean="0"/>
-              <a:t>From the file </a:t>
-            </a:r>
-            <a:r>
-              <a:rPr lang="en-US" dirty="0" err="1" smtClean="0"/>
-              <a:t>gpio-keystone.c</a:t>
+              <a:t>From the file gpio-keystone.c</a:t>
             </a:r>
             <a:endParaRPr lang="en-US" dirty="0"/>
           </a:p>
@@ -11237,9 +11924,9 @@
             <a:fld id="{3B20521C-F793-4067-BB07-C7AF74E21EF3}" type="slidenum">
               <a:rPr lang="en-US" smtClean="0"/>
               <a:pPr/>
-              <a:t>31</a:t>
+              <a:t>34</a:t>
             </a:fld>
-            <a:endParaRPr lang="en-US"/>
+            <a:endParaRPr lang="en-US" dirty="0"/>
           </a:p>
         </p:txBody>
       </p:sp>
@@ -11282,10 +11969,17 @@
   <p:clrMapOvr>
     <a:masterClrMapping/>
   </p:clrMapOvr>
+  <p:timing>
+    <p:tnLst>
+      <p:par>
+        <p:cTn id="1" dur="indefinite" restart="never" nodeType="tmRoot"/>
+      </p:par>
+    </p:tnLst>
+  </p:timing>
 </p:sld>
 </file>
 
-<file path=ppt/slides/slide32.xml><?xml version="1.0" encoding="utf-8"?>
+<file path=ppt/slides/slide35.xml><?xml version="1.0" encoding="utf-8"?>
 <p:sld xmlns:a="http://schemas.openxmlformats.org/drawingml/2006/main" xmlns:r="http://schemas.openxmlformats.org/officeDocument/2006/relationships" xmlns:p="http://schemas.openxmlformats.org/presentationml/2006/main">
   <p:cSld>
     <p:spTree>
@@ -11319,11 +12013,7 @@
           <a:p>
             <a:r>
               <a:rPr lang="en-US" dirty="0" smtClean="0"/>
-              <a:t>From the file </a:t>
-            </a:r>
-            <a:r>
-              <a:rPr lang="en-US" dirty="0" err="1" smtClean="0"/>
-              <a:t>gpio-keystone.c</a:t>
+              <a:t>From the file gpio-keystone.c</a:t>
             </a:r>
             <a:endParaRPr lang="en-US" dirty="0"/>
           </a:p>
@@ -11347,9 +12037,9 @@
             <a:fld id="{3B20521C-F793-4067-BB07-C7AF74E21EF3}" type="slidenum">
               <a:rPr lang="en-US" smtClean="0"/>
               <a:pPr/>
-              <a:t>32</a:t>
+              <a:t>35</a:t>
             </a:fld>
-            <a:endParaRPr lang="en-US"/>
+            <a:endParaRPr lang="en-US" dirty="0"/>
           </a:p>
         </p:txBody>
       </p:sp>
@@ -11425,7 +12115,7 @@
 </p:sld>
 </file>
 
-<file path=ppt/slides/slide33.xml><?xml version="1.0" encoding="utf-8"?>
+<file path=ppt/slides/slide36.xml><?xml version="1.0" encoding="utf-8"?>
 <p:sld xmlns:a="http://schemas.openxmlformats.org/drawingml/2006/main" xmlns:r="http://schemas.openxmlformats.org/officeDocument/2006/relationships" xmlns:p="http://schemas.openxmlformats.org/presentationml/2006/main">
   <p:cSld>
     <p:spTree>
@@ -11498,9 +12188,9 @@
             <a:fld id="{803D9FE4-F784-4A94-8F3E-54A098F0E8CC}" type="slidenum">
               <a:rPr lang="en-US" smtClean="0"/>
               <a:pPr/>
-              <a:t>33</a:t>
+              <a:t>36</a:t>
             </a:fld>
-            <a:endParaRPr lang="en-US"/>
+            <a:endParaRPr lang="en-US" dirty="0"/>
           </a:p>
         </p:txBody>
       </p:sp>
@@ -11531,6 +12221,589 @@
       </p:grpSpPr>
       <p:sp>
         <p:nvSpPr>
+          <p:cNvPr id="4" name="Title 3"/>
+          <p:cNvSpPr>
+            <a:spLocks noGrp="1"/>
+          </p:cNvSpPr>
+          <p:nvPr>
+            <p:ph type="title"/>
+          </p:nvPr>
+        </p:nvSpPr>
+        <p:spPr>
+          <a:xfrm>
+            <a:off x="457200" y="274638"/>
+            <a:ext cx="8229600" cy="715962"/>
+          </a:xfrm>
+        </p:spPr>
+        <p:txBody>
+          <a:bodyPr>
+            <a:normAutofit/>
+          </a:bodyPr>
+          <a:lstStyle/>
+          <a:p>
+            <a:r>
+              <a:rPr lang="en-US" sz="3600" dirty="0" smtClean="0"/>
+              <a:t>Link Events to ISR</a:t>
+            </a:r>
+            <a:endParaRPr lang="en-US" sz="3600" dirty="0"/>
+          </a:p>
+        </p:txBody>
+      </p:sp>
+      <p:graphicFrame>
+        <p:nvGraphicFramePr>
+          <p:cNvPr id="2" name="Object 1"/>
+          <p:cNvGraphicFramePr>
+            <a:graphicFrameLocks noChangeAspect="1"/>
+          </p:cNvGraphicFramePr>
+          <p:nvPr>
+            <p:extLst>
+              <p:ext uri="{D42A27DB-BD31-4B8C-83A1-F6EECF244321}">
+                <p14:modId xmlns:p14="http://schemas.microsoft.com/office/powerpoint/2010/main" val="1642275649"/>
+              </p:ext>
+            </p:extLst>
+          </p:nvPr>
+        </p:nvGraphicFramePr>
+        <p:xfrm>
+          <a:off x="705395" y="1296910"/>
+          <a:ext cx="6703559" cy="3997901"/>
+        </p:xfrm>
+        <a:graphic>
+          <a:graphicData uri="http://schemas.openxmlformats.org/presentationml/2006/ole">
+            <mc:AlternateContent xmlns:mc="http://schemas.openxmlformats.org/markup-compatibility/2006">
+              <mc:Choice xmlns:v="urn:schemas-microsoft-com:vml" Requires="v">
+                <p:oleObj spid="_x0000_s1041" name="Visio" r:id="rId3" imgW="8181318" imgH="5750031" progId="Visio.Drawing.11">
+                  <p:embed/>
+                </p:oleObj>
+              </mc:Choice>
+              <mc:Fallback>
+                <p:oleObj name="Visio" r:id="rId3" imgW="8181318" imgH="5750031" progId="Visio.Drawing.11">
+                  <p:embed/>
+                  <p:pic>
+                    <p:nvPicPr>
+                      <p:cNvPr id="0" name=""/>
+                      <p:cNvPicPr/>
+                      <p:nvPr/>
+                    </p:nvPicPr>
+                    <p:blipFill>
+                      <a:blip r:embed="rId4"/>
+                      <a:stretch>
+                        <a:fillRect/>
+                      </a:stretch>
+                    </p:blipFill>
+                    <p:spPr>
+                      <a:xfrm>
+                        <a:off x="705395" y="1296910"/>
+                        <a:ext cx="6703559" cy="3997901"/>
+                      </a:xfrm>
+                      <a:prstGeom prst="rect">
+                        <a:avLst/>
+                      </a:prstGeom>
+                    </p:spPr>
+                  </p:pic>
+                </p:oleObj>
+              </mc:Fallback>
+            </mc:AlternateContent>
+          </a:graphicData>
+        </a:graphic>
+      </p:graphicFrame>
+    </p:spTree>
+  </p:cSld>
+  <p:clrMapOvr>
+    <a:masterClrMapping/>
+  </p:clrMapOvr>
+  <p:timing>
+    <p:tnLst>
+      <p:par>
+        <p:cTn id="1" dur="indefinite" restart="never" nodeType="tmRoot"/>
+      </p:par>
+    </p:tnLst>
+  </p:timing>
+</p:sld>
+</file>
+
+<file path=ppt/slides/slide5.xml><?xml version="1.0" encoding="utf-8"?>
+<p:sld xmlns:a="http://schemas.openxmlformats.org/drawingml/2006/main" xmlns:r="http://schemas.openxmlformats.org/officeDocument/2006/relationships" xmlns:p="http://schemas.openxmlformats.org/presentationml/2006/main">
+  <p:cSld>
+    <p:spTree>
+      <p:nvGrpSpPr>
+        <p:cNvPr id="1" name=""/>
+        <p:cNvGrpSpPr/>
+        <p:nvPr/>
+      </p:nvGrpSpPr>
+      <p:grpSpPr>
+        <a:xfrm>
+          <a:off x="0" y="0"/>
+          <a:ext cx="0" cy="0"/>
+          <a:chOff x="0" y="0"/>
+          <a:chExt cx="0" cy="0"/>
+        </a:xfrm>
+      </p:grpSpPr>
+      <p:sp>
+        <p:nvSpPr>
+          <p:cNvPr id="4" name="Title 3"/>
+          <p:cNvSpPr>
+            <a:spLocks noGrp="1"/>
+          </p:cNvSpPr>
+          <p:nvPr>
+            <p:ph type="title"/>
+          </p:nvPr>
+        </p:nvSpPr>
+        <p:spPr>
+          <a:xfrm>
+            <a:off x="457200" y="274638"/>
+            <a:ext cx="8229600" cy="715962"/>
+          </a:xfrm>
+        </p:spPr>
+        <p:txBody>
+          <a:bodyPr>
+            <a:normAutofit/>
+          </a:bodyPr>
+          <a:lstStyle/>
+          <a:p>
+            <a:r>
+              <a:rPr lang="en-US" sz="3600" dirty="0" smtClean="0"/>
+              <a:t>C66 core input events</a:t>
+            </a:r>
+            <a:endParaRPr lang="en-US" sz="3600" dirty="0"/>
+          </a:p>
+        </p:txBody>
+      </p:sp>
+      <p:graphicFrame>
+        <p:nvGraphicFramePr>
+          <p:cNvPr id="3" name="Object 2"/>
+          <p:cNvGraphicFramePr>
+            <a:graphicFrameLocks noChangeAspect="1"/>
+          </p:cNvGraphicFramePr>
+          <p:nvPr>
+            <p:extLst>
+              <p:ext uri="{D42A27DB-BD31-4B8C-83A1-F6EECF244321}">
+                <p14:modId xmlns:p14="http://schemas.microsoft.com/office/powerpoint/2010/main" val="3433925202"/>
+              </p:ext>
+            </p:extLst>
+          </p:nvPr>
+        </p:nvGraphicFramePr>
+        <p:xfrm>
+          <a:off x="1693599" y="1645919"/>
+          <a:ext cx="5465389" cy="3905205"/>
+        </p:xfrm>
+        <a:graphic>
+          <a:graphicData uri="http://schemas.openxmlformats.org/presentationml/2006/ole">
+            <mc:AlternateContent xmlns:mc="http://schemas.openxmlformats.org/markup-compatibility/2006">
+              <mc:Choice xmlns:v="urn:schemas-microsoft-com:vml" Requires="v">
+                <p:oleObj spid="_x0000_s4107" name="Visio" r:id="rId3" imgW="6401070" imgH="4573925" progId="Visio.Drawing.11">
+                  <p:embed/>
+                </p:oleObj>
+              </mc:Choice>
+              <mc:Fallback>
+                <p:oleObj name="Visio" r:id="rId3" imgW="6401070" imgH="4573925" progId="Visio.Drawing.11">
+                  <p:embed/>
+                  <p:pic>
+                    <p:nvPicPr>
+                      <p:cNvPr id="0" name=""/>
+                      <p:cNvPicPr/>
+                      <p:nvPr/>
+                    </p:nvPicPr>
+                    <p:blipFill>
+                      <a:blip r:embed="rId4"/>
+                      <a:stretch>
+                        <a:fillRect/>
+                      </a:stretch>
+                    </p:blipFill>
+                    <p:spPr>
+                      <a:xfrm>
+                        <a:off x="1693599" y="1645919"/>
+                        <a:ext cx="5465389" cy="3905205"/>
+                      </a:xfrm>
+                      <a:prstGeom prst="rect">
+                        <a:avLst/>
+                      </a:prstGeom>
+                    </p:spPr>
+                  </p:pic>
+                </p:oleObj>
+              </mc:Fallback>
+            </mc:AlternateContent>
+          </a:graphicData>
+        </a:graphic>
+      </p:graphicFrame>
+    </p:spTree>
+    <p:extLst>
+      <p:ext uri="{BB962C8B-B14F-4D97-AF65-F5344CB8AC3E}">
+        <p14:creationId xmlns:p14="http://schemas.microsoft.com/office/powerpoint/2010/main" val="3851018030"/>
+      </p:ext>
+    </p:extLst>
+  </p:cSld>
+  <p:clrMapOvr>
+    <a:masterClrMapping/>
+  </p:clrMapOvr>
+  <p:timing>
+    <p:tnLst>
+      <p:par>
+        <p:cTn id="1" dur="indefinite" restart="never" nodeType="tmRoot"/>
+      </p:par>
+    </p:tnLst>
+  </p:timing>
+</p:sld>
+</file>
+
+<file path=ppt/slides/slide6.xml><?xml version="1.0" encoding="utf-8"?>
+<p:sld xmlns:a="http://schemas.openxmlformats.org/drawingml/2006/main" xmlns:r="http://schemas.openxmlformats.org/officeDocument/2006/relationships" xmlns:p="http://schemas.openxmlformats.org/presentationml/2006/main">
+  <p:cSld>
+    <p:spTree>
+      <p:nvGrpSpPr>
+        <p:cNvPr id="1" name=""/>
+        <p:cNvGrpSpPr/>
+        <p:nvPr/>
+      </p:nvGrpSpPr>
+      <p:grpSpPr>
+        <a:xfrm>
+          <a:off x="0" y="0"/>
+          <a:ext cx="0" cy="0"/>
+          <a:chOff x="0" y="0"/>
+          <a:chExt cx="0" cy="0"/>
+        </a:xfrm>
+      </p:grpSpPr>
+      <p:sp>
+        <p:nvSpPr>
+          <p:cNvPr id="4" name="Title 3"/>
+          <p:cNvSpPr>
+            <a:spLocks noGrp="1"/>
+          </p:cNvSpPr>
+          <p:nvPr>
+            <p:ph type="title"/>
+          </p:nvPr>
+        </p:nvSpPr>
+        <p:spPr>
+          <a:xfrm>
+            <a:off x="416560" y="244158"/>
+            <a:ext cx="8229600" cy="715962"/>
+          </a:xfrm>
+        </p:spPr>
+        <p:txBody>
+          <a:bodyPr>
+            <a:normAutofit/>
+          </a:bodyPr>
+          <a:lstStyle/>
+          <a:p>
+            <a:r>
+              <a:rPr lang="en-US" sz="3600" dirty="0" smtClean="0"/>
+              <a:t>C66 core Primary events</a:t>
+            </a:r>
+            <a:endParaRPr lang="en-US" sz="3600" dirty="0"/>
+          </a:p>
+        </p:txBody>
+      </p:sp>
+      <p:graphicFrame>
+        <p:nvGraphicFramePr>
+          <p:cNvPr id="2" name="Object 1"/>
+          <p:cNvGraphicFramePr>
+            <a:graphicFrameLocks noChangeAspect="1"/>
+          </p:cNvGraphicFramePr>
+          <p:nvPr>
+            <p:extLst>
+              <p:ext uri="{D42A27DB-BD31-4B8C-83A1-F6EECF244321}">
+                <p14:modId xmlns:p14="http://schemas.microsoft.com/office/powerpoint/2010/main" val="4242956769"/>
+              </p:ext>
+            </p:extLst>
+          </p:nvPr>
+        </p:nvGraphicFramePr>
+        <p:xfrm>
+          <a:off x="1420885" y="1114696"/>
+          <a:ext cx="5550325" cy="4131083"/>
+        </p:xfrm>
+        <a:graphic>
+          <a:graphicData uri="http://schemas.openxmlformats.org/presentationml/2006/ole">
+            <mc:AlternateContent xmlns:mc="http://schemas.openxmlformats.org/markup-compatibility/2006">
+              <mc:Choice xmlns:v="urn:schemas-microsoft-com:vml" Requires="v">
+                <p:oleObj spid="_x0000_s5131" name="Visio" r:id="rId3" imgW="6401070" imgH="4764674" progId="Visio.Drawing.11">
+                  <p:embed/>
+                </p:oleObj>
+              </mc:Choice>
+              <mc:Fallback>
+                <p:oleObj name="Visio" r:id="rId3" imgW="6401070" imgH="4764674" progId="Visio.Drawing.11">
+                  <p:embed/>
+                  <p:pic>
+                    <p:nvPicPr>
+                      <p:cNvPr id="0" name=""/>
+                      <p:cNvPicPr/>
+                      <p:nvPr/>
+                    </p:nvPicPr>
+                    <p:blipFill>
+                      <a:blip r:embed="rId4"/>
+                      <a:stretch>
+                        <a:fillRect/>
+                      </a:stretch>
+                    </p:blipFill>
+                    <p:spPr>
+                      <a:xfrm>
+                        <a:off x="1420885" y="1114696"/>
+                        <a:ext cx="5550325" cy="4131083"/>
+                      </a:xfrm>
+                      <a:prstGeom prst="rect">
+                        <a:avLst/>
+                      </a:prstGeom>
+                    </p:spPr>
+                  </p:pic>
+                </p:oleObj>
+              </mc:Fallback>
+            </mc:AlternateContent>
+          </a:graphicData>
+        </a:graphic>
+      </p:graphicFrame>
+      <p:sp>
+        <p:nvSpPr>
+          <p:cNvPr id="5" name="TextBox 4"/>
+          <p:cNvSpPr txBox="1"/>
+          <p:nvPr/>
+        </p:nvSpPr>
+        <p:spPr>
+          <a:xfrm flipH="1">
+            <a:off x="941431" y="4388251"/>
+            <a:ext cx="6749144" cy="1384995"/>
+          </a:xfrm>
+          <a:prstGeom prst="rect">
+            <a:avLst/>
+          </a:prstGeom>
+          <a:noFill/>
+        </p:spPr>
+        <p:txBody>
+          <a:bodyPr wrap="square" rtlCol="0">
+            <a:spAutoFit/>
+          </a:bodyPr>
+          <a:lstStyle/>
+          <a:p>
+            <a:r>
+              <a:rPr lang="en-US" sz="1400" dirty="0" smtClean="0"/>
+              <a:t>To connect event to ISR:</a:t>
+            </a:r>
+          </a:p>
+          <a:p>
+            <a:pPr marL="342900" indent="-342900">
+              <a:buAutoNum type="arabicPeriod"/>
+            </a:pPr>
+            <a:r>
+              <a:rPr lang="en-US" sz="1400" dirty="0" smtClean="0"/>
+              <a:t>Connect  Primary event to one of the 12  maskable interrupt lines</a:t>
+            </a:r>
+          </a:p>
+          <a:p>
+            <a:pPr marL="342900" indent="-342900">
+              <a:buAutoNum type="arabicPeriod"/>
+            </a:pPr>
+            <a:r>
+              <a:rPr lang="en-US" sz="1400" dirty="0" smtClean="0"/>
+              <a:t>Connect interrupt line to ISR</a:t>
+            </a:r>
+          </a:p>
+          <a:p>
+            <a:pPr marL="342900" indent="-342900">
+              <a:buAutoNum type="arabicPeriod"/>
+            </a:pPr>
+            <a:endParaRPr lang="en-US" sz="1400" dirty="0" smtClean="0"/>
+          </a:p>
+          <a:p>
+            <a:r>
+              <a:rPr lang="en-US" sz="1400" dirty="0" smtClean="0"/>
+              <a:t>CSL OR BIOS API are used to connect event to interrupt line and interrupt to ISR</a:t>
+            </a:r>
+            <a:endParaRPr lang="en-US" sz="1400" dirty="0"/>
+          </a:p>
+          <a:p>
+            <a:pPr marL="342900" indent="-342900">
+              <a:buAutoNum type="arabicPeriod"/>
+            </a:pPr>
+            <a:endParaRPr lang="en-US" sz="1400" dirty="0"/>
+          </a:p>
+        </p:txBody>
+      </p:sp>
+      <p:sp>
+        <p:nvSpPr>
+          <p:cNvPr id="6" name="TextBox 5"/>
+          <p:cNvSpPr txBox="1"/>
+          <p:nvPr/>
+        </p:nvSpPr>
+        <p:spPr>
+          <a:xfrm>
+            <a:off x="1171575" y="6019800"/>
+            <a:ext cx="6853158" cy="369332"/>
+          </a:xfrm>
+          <a:prstGeom prst="rect">
+            <a:avLst/>
+          </a:prstGeom>
+          <a:noFill/>
+        </p:spPr>
+        <p:txBody>
+          <a:bodyPr wrap="none" rtlCol="0">
+            <a:spAutoFit/>
+          </a:bodyPr>
+          <a:lstStyle/>
+          <a:p>
+            <a:r>
+              <a:rPr lang="en-US" dirty="0" smtClean="0"/>
+              <a:t>List of Primary event – table 6-22 in 66AK2H14/12/06 Data Sheet</a:t>
+            </a:r>
+            <a:endParaRPr lang="en-US" dirty="0"/>
+          </a:p>
+        </p:txBody>
+      </p:sp>
+    </p:spTree>
+    <p:extLst>
+      <p:ext uri="{BB962C8B-B14F-4D97-AF65-F5344CB8AC3E}">
+        <p14:creationId xmlns:p14="http://schemas.microsoft.com/office/powerpoint/2010/main" val="4229967321"/>
+      </p:ext>
+    </p:extLst>
+  </p:cSld>
+  <p:clrMapOvr>
+    <a:masterClrMapping/>
+  </p:clrMapOvr>
+  <p:timing>
+    <p:tnLst>
+      <p:par>
+        <p:cTn id="1" dur="indefinite" restart="never" nodeType="tmRoot">
+          <p:childTnLst>
+            <p:seq concurrent="1" nextAc="seek">
+              <p:cTn id="2" dur="indefinite" nodeType="mainSeq">
+                <p:childTnLst>
+                  <p:par>
+                    <p:cTn id="3" fill="hold">
+                      <p:stCondLst>
+                        <p:cond delay="indefinite"/>
+                      </p:stCondLst>
+                      <p:childTnLst>
+                        <p:par>
+                          <p:cTn id="4" fill="hold">
+                            <p:stCondLst>
+                              <p:cond delay="0"/>
+                            </p:stCondLst>
+                            <p:childTnLst>
+                              <p:par>
+                                <p:cTn id="5" presetID="1" presetClass="entr" presetSubtype="0" fill="hold" grpId="0" nodeType="clickEffect">
+                                  <p:stCondLst>
+                                    <p:cond delay="0"/>
+                                  </p:stCondLst>
+                                  <p:childTnLst>
+                                    <p:set>
+                                      <p:cBhvr>
+                                        <p:cTn id="6" dur="1" fill="hold">
+                                          <p:stCondLst>
+                                            <p:cond delay="0"/>
+                                          </p:stCondLst>
+                                        </p:cTn>
+                                        <p:tgtEl>
+                                          <p:spTgt spid="5"/>
+                                        </p:tgtEl>
+                                        <p:attrNameLst>
+                                          <p:attrName>style.visibility</p:attrName>
+                                        </p:attrNameLst>
+                                      </p:cBhvr>
+                                      <p:to>
+                                        <p:strVal val="visible"/>
+                                      </p:to>
+                                    </p:set>
+                                  </p:childTnLst>
+                                </p:cTn>
+                              </p:par>
+                            </p:childTnLst>
+                          </p:cTn>
+                        </p:par>
+                      </p:childTnLst>
+                    </p:cTn>
+                  </p:par>
+                  <p:par>
+                    <p:cTn id="7" fill="hold">
+                      <p:stCondLst>
+                        <p:cond delay="indefinite"/>
+                      </p:stCondLst>
+                      <p:childTnLst>
+                        <p:par>
+                          <p:cTn id="8" fill="hold">
+                            <p:stCondLst>
+                              <p:cond delay="0"/>
+                            </p:stCondLst>
+                            <p:childTnLst>
+                              <p:par>
+                                <p:cTn id="9" presetID="1" presetClass="entr" presetSubtype="0" fill="hold" nodeType="clickEffect">
+                                  <p:stCondLst>
+                                    <p:cond delay="0"/>
+                                  </p:stCondLst>
+                                  <p:childTnLst>
+                                    <p:set>
+                                      <p:cBhvr>
+                                        <p:cTn id="10" dur="1" fill="hold">
+                                          <p:stCondLst>
+                                            <p:cond delay="0"/>
+                                          </p:stCondLst>
+                                        </p:cTn>
+                                        <p:tgtEl>
+                                          <p:spTgt spid="6">
+                                            <p:txEl>
+                                              <p:pRg st="0" end="0"/>
+                                            </p:txEl>
+                                          </p:spTgt>
+                                        </p:tgtEl>
+                                        <p:attrNameLst>
+                                          <p:attrName>style.visibility</p:attrName>
+                                        </p:attrNameLst>
+                                      </p:cBhvr>
+                                      <p:to>
+                                        <p:strVal val="visible"/>
+                                      </p:to>
+                                    </p:set>
+                                  </p:childTnLst>
+                                </p:cTn>
+                              </p:par>
+                            </p:childTnLst>
+                          </p:cTn>
+                        </p:par>
+                      </p:childTnLst>
+                    </p:cTn>
+                  </p:par>
+                </p:childTnLst>
+              </p:cTn>
+              <p:prevCondLst>
+                <p:cond evt="onPrev" delay="0">
+                  <p:tgtEl>
+                    <p:sldTgt/>
+                  </p:tgtEl>
+                </p:cond>
+              </p:prevCondLst>
+              <p:nextCondLst>
+                <p:cond evt="onNext" delay="0">
+                  <p:tgtEl>
+                    <p:sldTgt/>
+                  </p:tgtEl>
+                </p:cond>
+              </p:nextCondLst>
+            </p:seq>
+          </p:childTnLst>
+        </p:cTn>
+      </p:par>
+    </p:tnLst>
+    <p:bldLst>
+      <p:bldP spid="5" grpId="0"/>
+    </p:bldLst>
+  </p:timing>
+</p:sld>
+</file>
+
+<file path=ppt/slides/slide7.xml><?xml version="1.0" encoding="utf-8"?>
+<p:sld xmlns:a="http://schemas.openxmlformats.org/drawingml/2006/main" xmlns:r="http://schemas.openxmlformats.org/officeDocument/2006/relationships" xmlns:p="http://schemas.openxmlformats.org/presentationml/2006/main">
+  <p:cSld>
+    <p:spTree>
+      <p:nvGrpSpPr>
+        <p:cNvPr id="1" name=""/>
+        <p:cNvGrpSpPr/>
+        <p:nvPr/>
+      </p:nvGrpSpPr>
+      <p:grpSpPr>
+        <a:xfrm>
+          <a:off x="0" y="0"/>
+          <a:ext cx="0" cy="0"/>
+          <a:chOff x="0" y="0"/>
+          <a:chExt cx="0" cy="0"/>
+        </a:xfrm>
+      </p:grpSpPr>
+      <p:sp>
+        <p:nvSpPr>
           <p:cNvPr id="45058" name="Rectangle 2"/>
           <p:cNvSpPr>
             <a:spLocks noGrp="1" noChangeArrowheads="1"/>
@@ -11541,129 +12814,39 @@
         </p:nvSpPr>
         <p:spPr>
           <a:xfrm>
-            <a:off x="0" y="-31750"/>
-            <a:ext cx="9144000" cy="742950"/>
+            <a:off x="721537" y="-31750"/>
+            <a:ext cx="7774764" cy="1117600"/>
           </a:xfrm>
         </p:spPr>
         <p:txBody>
           <a:bodyPr>
-            <a:normAutofit/>
+            <a:normAutofit fontScale="90000"/>
           </a:bodyPr>
           <a:lstStyle/>
           <a:p>
             <a:pPr eaLnBrk="1" hangingPunct="1"/>
             <a:r>
               <a:rPr lang="en-US" dirty="0" smtClean="0"/>
-              <a:t>Configuring an Hwi: Statically via GUI</a:t>
-            </a:r>
-          </a:p>
-        </p:txBody>
-      </p:sp>
-      <p:sp>
-        <p:nvSpPr>
-          <p:cNvPr id="368651" name="Oval 11"/>
-          <p:cNvSpPr>
-            <a:spLocks noChangeArrowheads="1"/>
-          </p:cNvSpPr>
-          <p:nvPr/>
-        </p:nvSpPr>
-        <p:spPr bwMode="auto">
-          <a:xfrm>
-            <a:off x="228600" y="1219200"/>
-            <a:ext cx="381000" cy="381000"/>
-          </a:xfrm>
-          <a:prstGeom prst="ellipse">
-            <a:avLst/>
-          </a:prstGeom>
-          <a:solidFill>
-            <a:schemeClr val="accent3"/>
-          </a:solidFill>
-          <a:ln w="12700">
-            <a:solidFill>
-              <a:schemeClr val="tx1"/>
-            </a:solidFill>
-            <a:round/>
-            <a:headEnd/>
-            <a:tailEnd/>
-          </a:ln>
-          <a:effectLst/>
-        </p:spPr>
-        <p:txBody>
-          <a:bodyPr wrap="none" anchor="ctr">
-            <a:spAutoFit/>
-          </a:bodyPr>
-          <a:lstStyle/>
-          <a:p>
-            <a:pPr eaLnBrk="0" hangingPunct="0">
-              <a:lnSpc>
-                <a:spcPct val="80000"/>
-              </a:lnSpc>
-              <a:spcBef>
-                <a:spcPct val="50000"/>
-              </a:spcBef>
-              <a:defRPr/>
-            </a:pPr>
-            <a:endParaRPr lang="en-US" dirty="0">
-              <a:solidFill>
-                <a:srgbClr val="000000"/>
-              </a:solidFill>
-              <a:effectLst>
-                <a:outerShdw blurRad="38100" dist="38100" dir="2700000" algn="tl">
-                  <a:srgbClr val="000000">
-                    <a:alpha val="43137"/>
-                  </a:srgbClr>
-                </a:outerShdw>
-              </a:effectLst>
-              <a:cs typeface="+mn-cs"/>
-            </a:endParaRPr>
-          </a:p>
-        </p:txBody>
-      </p:sp>
-      <p:sp>
-        <p:nvSpPr>
-          <p:cNvPr id="45060" name="Text Box 12"/>
-          <p:cNvSpPr txBox="1">
-            <a:spLocks noChangeArrowheads="1"/>
-          </p:cNvSpPr>
-          <p:nvPr/>
-        </p:nvSpPr>
-        <p:spPr bwMode="auto">
-          <a:xfrm>
-            <a:off x="247650" y="1225550"/>
-            <a:ext cx="354013" cy="384175"/>
-          </a:xfrm>
-          <a:prstGeom prst="rect">
-            <a:avLst/>
-          </a:prstGeom>
-          <a:noFill/>
-          <a:ln w="12700">
-            <a:noFill/>
-            <a:miter lim="800000"/>
-            <a:headEnd/>
-            <a:tailEnd/>
-          </a:ln>
-        </p:spPr>
-        <p:txBody>
-          <a:bodyPr wrap="none">
-            <a:spAutoFit/>
-          </a:bodyPr>
-          <a:lstStyle/>
-          <a:p>
-            <a:pPr eaLnBrk="0" hangingPunct="0">
-              <a:lnSpc>
-                <a:spcPct val="80000"/>
-              </a:lnSpc>
-              <a:spcBef>
-                <a:spcPct val="50000"/>
-              </a:spcBef>
-            </a:pPr>
-            <a:r>
-              <a:rPr lang="en-US" dirty="0">
-                <a:solidFill>
-                  <a:srgbClr val="000000"/>
-                </a:solidFill>
-              </a:rPr>
-              <a:t>1</a:t>
+              <a:t>Configuring an </a:t>
+            </a:r>
+            <a:r>
+              <a:rPr lang="en-US" dirty="0" smtClean="0"/>
+              <a:t>Hwi Using BIOS</a:t>
+            </a:r>
+            <a:r>
+              <a:rPr lang="en-US" dirty="0"/>
+              <a:t/>
+            </a:r>
+            <a:br>
+              <a:rPr lang="en-US" dirty="0"/>
+            </a:br>
+            <a:r>
+              <a:rPr lang="en-US" dirty="0" smtClean="0"/>
+              <a:t>Statically </a:t>
+            </a:r>
+            <a:r>
+              <a:rPr lang="en-US" dirty="0" smtClean="0"/>
+              <a:t>via GUI</a:t>
             </a:r>
           </a:p>
         </p:txBody>
@@ -11678,7 +12861,7 @@
         </p:nvSpPr>
         <p:spPr bwMode="auto">
           <a:xfrm>
-            <a:off x="641350" y="1263650"/>
+            <a:off x="721537" y="2516982"/>
             <a:ext cx="7180263" cy="338138"/>
           </a:xfrm>
           <a:prstGeom prst="rect">
@@ -11717,7 +12900,7 @@
               <a:t>Use Hwi module </a:t>
             </a:r>
             <a:r>
-              <a:rPr lang="en-US" sz="1800" b="0" i="1" dirty="0">
+              <a:rPr lang="en-US" i="1" dirty="0">
                 <a:solidFill>
                   <a:srgbClr val="000000"/>
                 </a:solidFill>
@@ -11727,7 +12910,7 @@
               <a:t>(Available Products</a:t>
             </a:r>
             <a:r>
-              <a:rPr lang="en-US" sz="1800" b="0" i="1" dirty="0" smtClean="0">
+              <a:rPr lang="en-US" i="1" dirty="0" smtClean="0">
                 <a:solidFill>
                   <a:srgbClr val="000000"/>
                 </a:solidFill>
@@ -11757,7 +12940,7 @@
               <a:t>insert new Hwi </a:t>
             </a:r>
             <a:r>
-              <a:rPr lang="en-US" sz="1800" b="0" i="1" dirty="0">
+              <a:rPr lang="en-US" i="1" dirty="0">
                 <a:solidFill>
                   <a:srgbClr val="000000"/>
                 </a:solidFill>
@@ -11779,10 +12962,10 @@
         </p:nvGrpSpPr>
         <p:grpSpPr bwMode="auto">
           <a:xfrm>
-            <a:off x="1447800" y="619125"/>
-            <a:ext cx="5181600" cy="412750"/>
+            <a:off x="1489887" y="1047750"/>
+            <a:ext cx="5191125" cy="412750"/>
             <a:chOff x="480" y="390"/>
-            <a:chExt cx="3264" cy="260"/>
+            <a:chExt cx="3270" cy="260"/>
           </a:xfrm>
         </p:grpSpPr>
         <p:sp>
@@ -11915,7 +13098,7 @@
           </p:nvSpPr>
           <p:spPr bwMode="auto">
             <a:xfrm>
-              <a:off x="1344" y="438"/>
+              <a:off x="1350" y="438"/>
               <a:ext cx="2400" cy="192"/>
             </a:xfrm>
             <a:prstGeom prst="rect">
@@ -11949,7 +13132,7 @@
                   <a:latin typeface="Calibri" pitchFamily="34" charset="0"/>
                   <a:cs typeface="Calibri" pitchFamily="34" charset="0"/>
                 </a:rPr>
-                <a:t> Tie </a:t>
+                <a:t> </a:t>
               </a:r>
               <a:r>
                 <a:rPr lang="en-US" sz="2000" dirty="0" smtClean="0">
@@ -11959,7 +13142,17 @@
                   <a:latin typeface="Calibri" pitchFamily="34" charset="0"/>
                   <a:cs typeface="Calibri" pitchFamily="34" charset="0"/>
                 </a:rPr>
-                <a:t>SPI_INT </a:t>
+                <a:t>event 94</a:t>
+              </a:r>
+              <a:r>
+                <a:rPr lang="en-US" sz="2000" dirty="0" smtClean="0">
+                  <a:solidFill>
+                    <a:srgbClr val="000000"/>
+                  </a:solidFill>
+                  <a:latin typeface="Calibri" pitchFamily="34" charset="0"/>
+                  <a:cs typeface="Calibri" pitchFamily="34" charset="0"/>
+                </a:rPr>
+                <a:t> </a:t>
               </a:r>
               <a:r>
                 <a:rPr lang="en-US" sz="2000" dirty="0">
@@ -12014,7 +13207,7 @@
       </p:grpSp>
       <p:pic>
         <p:nvPicPr>
-          <p:cNvPr id="72707" name="Picture 3" descr="C:\Documents and Settings\a0159877\Desktop\hwi_config.png"/>
+          <p:cNvPr id="72708" name="Picture 4" descr="C:\Documents and Settings\a0159877\Desktop\hwi_use_mod.png"/>
           <p:cNvPicPr>
             <a:picLocks noChangeAspect="1" noChangeArrowheads="1"/>
           </p:cNvPicPr>
@@ -12029,45 +13222,7 @@
         </p:blipFill>
         <p:spPr bwMode="auto">
           <a:xfrm>
-            <a:off x="838200" y="3792532"/>
-            <a:ext cx="7239000" cy="2162175"/>
-          </a:xfrm>
-          <a:prstGeom prst="rect">
-            <a:avLst/>
-          </a:prstGeom>
-          <a:noFill/>
-          <a:ln>
-            <a:solidFill>
-              <a:schemeClr val="tx1"/>
-            </a:solidFill>
-          </a:ln>
-          <a:effectLst>
-            <a:outerShdw blurRad="50800" dist="76200" dir="2700000" algn="tl" rotWithShape="0">
-              <a:prstClr val="black">
-                <a:alpha val="40000"/>
-              </a:prstClr>
-            </a:outerShdw>
-          </a:effectLst>
-        </p:spPr>
-      </p:pic>
-      <p:pic>
-        <p:nvPicPr>
-          <p:cNvPr id="72708" name="Picture 4" descr="C:\Documents and Settings\a0159877\Desktop\hwi_use_mod.png"/>
-          <p:cNvPicPr>
-            <a:picLocks noChangeAspect="1" noChangeArrowheads="1"/>
-          </p:cNvPicPr>
-          <p:nvPr/>
-        </p:nvPicPr>
-        <p:blipFill>
-          <a:blip r:embed="rId5" cstate="print"/>
-          <a:srcRect/>
-          <a:stretch>
-            <a:fillRect/>
-          </a:stretch>
-        </p:blipFill>
-        <p:spPr bwMode="auto">
-          <a:xfrm>
-            <a:off x="1295400" y="1665288"/>
+            <a:off x="1375587" y="2918620"/>
             <a:ext cx="1219200" cy="1543050"/>
           </a:xfrm>
           <a:prstGeom prst="rect">
@@ -12097,7 +13252,7 @@
           <p:nvPr/>
         </p:nvPicPr>
         <p:blipFill>
-          <a:blip r:embed="rId6" cstate="print"/>
+          <a:blip r:embed="rId5" cstate="print"/>
           <a:srcRect/>
           <a:stretch>
             <a:fillRect/>
@@ -12105,7 +13260,7 @@
         </p:blipFill>
         <p:spPr bwMode="auto">
           <a:xfrm>
-            <a:off x="3429000" y="1666875"/>
+            <a:off x="3509187" y="2920207"/>
             <a:ext cx="1600200" cy="1549400"/>
           </a:xfrm>
           <a:prstGeom prst="rect">
@@ -12128,37 +13283,34 @@
       </p:pic>
       <p:sp>
         <p:nvSpPr>
-          <p:cNvPr id="39" name="Oval 11"/>
-          <p:cNvSpPr>
-            <a:spLocks noChangeArrowheads="1"/>
-          </p:cNvSpPr>
+          <p:cNvPr id="45" name="Right Arrow 44"/>
+          <p:cNvSpPr/>
           <p:nvPr/>
         </p:nvSpPr>
         <p:spPr bwMode="auto">
           <a:xfrm>
-            <a:off x="228600" y="3335332"/>
-            <a:ext cx="381000" cy="381000"/>
+            <a:off x="2823387" y="3402807"/>
+            <a:ext cx="533400" cy="457200"/>
           </a:xfrm>
-          <a:prstGeom prst="ellipse">
+          <a:prstGeom prst="rightArrow">
             <a:avLst/>
           </a:prstGeom>
           <a:solidFill>
-            <a:schemeClr val="accent3"/>
+            <a:schemeClr val="accent1"/>
           </a:solidFill>
-          <a:ln w="12700">
+          <a:ln w="12700" cap="flat" cmpd="sng" algn="ctr">
             <a:solidFill>
               <a:schemeClr val="tx1"/>
             </a:solidFill>
+            <a:prstDash val="solid"/>
             <a:round/>
-            <a:headEnd/>
-            <a:tailEnd/>
+            <a:headEnd type="none" w="sm" len="sm"/>
+            <a:tailEnd type="none" w="sm" len="sm"/>
           </a:ln>
           <a:effectLst/>
         </p:spPr>
         <p:txBody>
-          <a:bodyPr wrap="none" anchor="ctr">
-            <a:spAutoFit/>
-          </a:bodyPr>
+          <a:bodyPr/>
           <a:lstStyle/>
           <a:p>
             <a:pPr eaLnBrk="0" hangingPunct="0">
@@ -12181,200 +13333,6 @@
                   </a:srgbClr>
                 </a:outerShdw>
               </a:effectLst>
-              <a:cs typeface="+mn-cs"/>
-            </a:endParaRPr>
-          </a:p>
-        </p:txBody>
-      </p:sp>
-      <p:sp>
-        <p:nvSpPr>
-          <p:cNvPr id="45067" name="Text Box 12"/>
-          <p:cNvSpPr txBox="1">
-            <a:spLocks noChangeArrowheads="1"/>
-          </p:cNvSpPr>
-          <p:nvPr/>
-        </p:nvSpPr>
-        <p:spPr bwMode="auto">
-          <a:xfrm>
-            <a:off x="247650" y="3341682"/>
-            <a:ext cx="354013" cy="384175"/>
-          </a:xfrm>
-          <a:prstGeom prst="rect">
-            <a:avLst/>
-          </a:prstGeom>
-          <a:noFill/>
-          <a:ln w="12700">
-            <a:noFill/>
-            <a:miter lim="800000"/>
-            <a:headEnd/>
-            <a:tailEnd/>
-          </a:ln>
-        </p:spPr>
-        <p:txBody>
-          <a:bodyPr wrap="none">
-            <a:spAutoFit/>
-          </a:bodyPr>
-          <a:lstStyle/>
-          <a:p>
-            <a:pPr eaLnBrk="0" hangingPunct="0">
-              <a:lnSpc>
-                <a:spcPct val="80000"/>
-              </a:lnSpc>
-              <a:spcBef>
-                <a:spcPct val="50000"/>
-              </a:spcBef>
-            </a:pPr>
-            <a:r>
-              <a:rPr lang="en-US" dirty="0">
-                <a:solidFill>
-                  <a:srgbClr val="000000"/>
-                </a:solidFill>
-              </a:rPr>
-              <a:t>2</a:t>
-            </a:r>
-          </a:p>
-        </p:txBody>
-      </p:sp>
-      <p:sp>
-        <p:nvSpPr>
-          <p:cNvPr id="45068" name="Text Box 13"/>
-          <p:cNvSpPr txBox="1">
-            <a:spLocks noChangeArrowheads="1"/>
-          </p:cNvSpPr>
-          <p:nvPr/>
-        </p:nvSpPr>
-        <p:spPr bwMode="auto">
-          <a:xfrm>
-            <a:off x="641350" y="3379782"/>
-            <a:ext cx="5050100" cy="338554"/>
-          </a:xfrm>
-          <a:prstGeom prst="rect">
-            <a:avLst/>
-          </a:prstGeom>
-          <a:noFill/>
-          <a:ln w="12700">
-            <a:noFill/>
-            <a:miter lim="800000"/>
-            <a:headEnd/>
-            <a:tailEnd/>
-          </a:ln>
-        </p:spPr>
-        <p:txBody>
-          <a:bodyPr wrap="none">
-            <a:spAutoFit/>
-          </a:bodyPr>
-          <a:lstStyle/>
-          <a:p>
-            <a:pPr eaLnBrk="0" hangingPunct="0">
-              <a:lnSpc>
-                <a:spcPct val="80000"/>
-              </a:lnSpc>
-              <a:spcBef>
-                <a:spcPct val="50000"/>
-              </a:spcBef>
-            </a:pPr>
-            <a:r>
-              <a:rPr lang="en-US" sz="2000" dirty="0">
-                <a:solidFill>
-                  <a:srgbClr val="000000"/>
-                </a:solidFill>
-                <a:latin typeface="Calibri" pitchFamily="34" charset="0"/>
-                <a:cs typeface="Calibri" pitchFamily="34" charset="0"/>
-              </a:rPr>
-              <a:t>Configure </a:t>
-            </a:r>
-            <a:r>
-              <a:rPr lang="en-US" sz="2000" dirty="0" smtClean="0">
-                <a:solidFill>
-                  <a:srgbClr val="000000"/>
-                </a:solidFill>
-                <a:latin typeface="Calibri" pitchFamily="34" charset="0"/>
-                <a:cs typeface="Calibri" pitchFamily="34" charset="0"/>
-              </a:rPr>
-              <a:t>Hwi</a:t>
-            </a:r>
-            <a:r>
-              <a:rPr lang="en-US" sz="2000" dirty="0">
-                <a:solidFill>
-                  <a:srgbClr val="000000"/>
-                </a:solidFill>
-                <a:latin typeface="Calibri" pitchFamily="34" charset="0"/>
-                <a:cs typeface="Calibri" pitchFamily="34" charset="0"/>
-              </a:rPr>
-              <a:t>:</a:t>
-            </a:r>
-            <a:r>
-              <a:rPr lang="en-US" sz="2000" dirty="0" smtClean="0">
-                <a:solidFill>
-                  <a:srgbClr val="000000"/>
-                </a:solidFill>
-                <a:latin typeface="Calibri" pitchFamily="34" charset="0"/>
-                <a:cs typeface="Calibri" pitchFamily="34" charset="0"/>
-              </a:rPr>
-              <a:t> </a:t>
-            </a:r>
-            <a:r>
-              <a:rPr lang="en-US" sz="2000" dirty="0">
-                <a:solidFill>
-                  <a:srgbClr val="000000"/>
-                </a:solidFill>
-                <a:latin typeface="Calibri" pitchFamily="34" charset="0"/>
-                <a:cs typeface="Calibri" pitchFamily="34" charset="0"/>
-              </a:rPr>
-              <a:t>Event ID, CPU Int #, ISR vector:</a:t>
-            </a:r>
-          </a:p>
-        </p:txBody>
-      </p:sp>
-      <p:sp>
-        <p:nvSpPr>
-          <p:cNvPr id="45" name="Right Arrow 44"/>
-          <p:cNvSpPr/>
-          <p:nvPr/>
-        </p:nvSpPr>
-        <p:spPr bwMode="auto">
-          <a:xfrm>
-            <a:off x="2743200" y="2149475"/>
-            <a:ext cx="533400" cy="457200"/>
-          </a:xfrm>
-          <a:prstGeom prst="rightArrow">
-            <a:avLst/>
-          </a:prstGeom>
-          <a:solidFill>
-            <a:schemeClr val="accent1"/>
-          </a:solidFill>
-          <a:ln w="12700" cap="flat" cmpd="sng" algn="ctr">
-            <a:solidFill>
-              <a:schemeClr val="tx1"/>
-            </a:solidFill>
-            <a:prstDash val="solid"/>
-            <a:round/>
-            <a:headEnd type="none" w="sm" len="sm"/>
-            <a:tailEnd type="none" w="sm" len="sm"/>
-          </a:ln>
-          <a:effectLst/>
-        </p:spPr>
-        <p:txBody>
-          <a:bodyPr/>
-          <a:lstStyle/>
-          <a:p>
-            <a:pPr eaLnBrk="0" hangingPunct="0">
-              <a:lnSpc>
-                <a:spcPct val="80000"/>
-              </a:lnSpc>
-              <a:spcBef>
-                <a:spcPct val="50000"/>
-              </a:spcBef>
-              <a:defRPr/>
-            </a:pPr>
-            <a:endParaRPr lang="en-US" dirty="0">
-              <a:effectLst>
-                <a:outerShdw blurRad="38100" dist="38100" dir="2700000" algn="tl">
-                  <a:srgbClr val="000000">
-                    <a:alpha val="43137"/>
-                  </a:srgbClr>
-                </a:outerShdw>
-              </a:effectLst>
               <a:latin typeface="Calibri" pitchFamily="34" charset="0"/>
               <a:cs typeface="Calibri" pitchFamily="34" charset="0"/>
             </a:endParaRPr>
@@ -12383,146 +13341,13 @@
       </p:sp>
       <p:sp>
         <p:nvSpPr>
-          <p:cNvPr id="46" name="TextBox 45"/>
-          <p:cNvSpPr txBox="1"/>
-          <p:nvPr/>
-        </p:nvSpPr>
-        <p:spPr>
-          <a:xfrm>
-            <a:off x="1425575" y="5745157"/>
-            <a:ext cx="3831049" cy="313932"/>
-          </a:xfrm>
-          <a:prstGeom prst="rect">
-            <a:avLst/>
-          </a:prstGeom>
-          <a:solidFill>
-            <a:schemeClr val="accent1">
-              <a:lumMod val="90000"/>
-            </a:schemeClr>
-          </a:solidFill>
-          <a:ln>
-            <a:solidFill>
-              <a:schemeClr val="tx1"/>
-            </a:solidFill>
-          </a:ln>
-          <a:effectLst>
-            <a:outerShdw blurRad="50800" dist="63500" dir="2700000" algn="tl" rotWithShape="0">
-              <a:prstClr val="black">
-                <a:alpha val="40000"/>
-              </a:prstClr>
-            </a:outerShdw>
-          </a:effectLst>
-        </p:spPr>
-        <p:txBody>
-          <a:bodyPr wrap="none">
-            <a:spAutoFit/>
-          </a:bodyPr>
-          <a:lstStyle/>
-          <a:p>
-            <a:pPr eaLnBrk="0" hangingPunct="0">
-              <a:lnSpc>
-                <a:spcPct val="80000"/>
-              </a:lnSpc>
-              <a:spcBef>
-                <a:spcPct val="50000"/>
-              </a:spcBef>
-              <a:defRPr/>
-            </a:pPr>
-            <a:r>
-              <a:rPr lang="en-US" sz="1800" b="0" dirty="0">
-                <a:latin typeface="Calibri" pitchFamily="34" charset="0"/>
-                <a:cs typeface="Calibri" pitchFamily="34" charset="0"/>
-              </a:rPr>
-              <a:t>To enable INT at startup, check the box</a:t>
-            </a:r>
-          </a:p>
-        </p:txBody>
-      </p:sp>
-      <p:cxnSp>
-        <p:nvCxnSpPr>
-          <p:cNvPr id="45071" name="Straight Arrow Connector 47"/>
-          <p:cNvCxnSpPr>
-            <a:cxnSpLocks noChangeShapeType="1"/>
-            <a:stCxn id="46" idx="3"/>
-          </p:cNvCxnSpPr>
-          <p:nvPr/>
-        </p:nvCxnSpPr>
-        <p:spPr bwMode="auto">
-          <a:xfrm flipV="1">
-            <a:off x="5256624" y="5773733"/>
-            <a:ext cx="77376" cy="128390"/>
-          </a:xfrm>
-          <a:prstGeom prst="straightConnector1">
-            <a:avLst/>
-          </a:prstGeom>
-          <a:noFill/>
-          <a:ln w="28575" algn="ctr">
-            <a:solidFill>
-              <a:schemeClr val="tx1"/>
-            </a:solidFill>
-            <a:round/>
-            <a:headEnd type="none" w="sm" len="sm"/>
-            <a:tailEnd type="arrow" w="med" len="med"/>
-          </a:ln>
-        </p:spPr>
-      </p:cxnSp>
-      <p:sp>
-        <p:nvSpPr>
-          <p:cNvPr id="49" name="Leading Question"/>
-          <p:cNvSpPr txBox="1">
-            <a:spLocks noChangeArrowheads="1"/>
-          </p:cNvSpPr>
-          <p:nvPr/>
-        </p:nvSpPr>
-        <p:spPr bwMode="auto">
-          <a:xfrm>
-            <a:off x="4662846" y="6076786"/>
-            <a:ext cx="3541354" cy="246221"/>
-          </a:xfrm>
-          <a:prstGeom prst="rect">
-            <a:avLst/>
-          </a:prstGeom>
-          <a:noFill/>
-          <a:ln w="9525">
-            <a:noFill/>
-            <a:miter lim="800000"/>
-            <a:headEnd/>
-            <a:tailEnd/>
-          </a:ln>
-        </p:spPr>
-        <p:txBody>
-          <a:bodyPr wrap="none" lIns="0" tIns="0" rIns="0" bIns="0" anchor="b">
-            <a:spAutoFit/>
-          </a:bodyPr>
-          <a:lstStyle/>
-          <a:p>
-            <a:pPr algn="r" eaLnBrk="0" hangingPunct="0">
-              <a:lnSpc>
-                <a:spcPct val="80000"/>
-              </a:lnSpc>
-            </a:pPr>
-            <a:r>
-              <a:rPr lang="en-US" sz="2000" b="0" dirty="0">
-                <a:solidFill>
-                  <a:schemeClr val="tx2"/>
-                </a:solidFill>
-                <a:latin typeface="Calibri" pitchFamily="34" charset="0"/>
-                <a:cs typeface="Calibri" pitchFamily="34" charset="0"/>
-              </a:rPr>
-              <a:t>Where do you find the Event Id #?</a:t>
-            </a:r>
-          </a:p>
-        </p:txBody>
-      </p:sp>
-      <p:sp>
-        <p:nvSpPr>
           <p:cNvPr id="22" name="TextBox 21"/>
           <p:cNvSpPr txBox="1"/>
           <p:nvPr/>
         </p:nvSpPr>
         <p:spPr>
           <a:xfrm>
-            <a:off x="5811063" y="2055317"/>
+            <a:off x="5405475" y="3377706"/>
             <a:ext cx="3252750" cy="923330"/>
           </a:xfrm>
           <a:prstGeom prst="rect">
@@ -12557,9 +13382,9 @@
               <a:defRPr/>
             </a:pPr>
             <a:r>
-              <a:rPr lang="en-US" sz="1800" b="0" dirty="0" smtClean="0">
+              <a:rPr lang="en-US" dirty="0" smtClean="0">
                 <a:solidFill>
-                  <a:schemeClr val="dk1"/>
+                  <a:srgbClr val="000000"/>
                 </a:solidFill>
                 <a:latin typeface="Calibri" pitchFamily="34" charset="0"/>
                 <a:cs typeface="Calibri" pitchFamily="34" charset="0"/>
@@ -12567,9 +13392,9 @@
               <a:t>NOTE: </a:t>
             </a:r>
             <a:r>
-              <a:rPr lang="en-US" sz="1800" b="0" dirty="0">
+              <a:rPr lang="en-US" dirty="0">
                 <a:solidFill>
-                  <a:schemeClr val="dk1"/>
+                  <a:srgbClr val="000000"/>
                 </a:solidFill>
                 <a:latin typeface="Calibri" pitchFamily="34" charset="0"/>
                 <a:cs typeface="Calibri" pitchFamily="34" charset="0"/>
@@ -12577,18 +13402,18 @@
               <a:t>BIOS objects</a:t>
             </a:r>
             <a:br>
-              <a:rPr lang="en-US" sz="1800" b="0" dirty="0">
+              <a:rPr lang="en-US" dirty="0">
                 <a:solidFill>
-                  <a:schemeClr val="dk1"/>
+                  <a:srgbClr val="000000"/>
                 </a:solidFill>
                 <a:latin typeface="Calibri" pitchFamily="34" charset="0"/>
                 <a:cs typeface="Calibri" pitchFamily="34" charset="0"/>
               </a:rPr>
             </a:br>
             <a:r>
-              <a:rPr lang="en-US" sz="1800" b="0" dirty="0">
+              <a:rPr lang="en-US" dirty="0">
                 <a:solidFill>
-                  <a:schemeClr val="dk1"/>
+                  <a:srgbClr val="000000"/>
                 </a:solidFill>
                 <a:latin typeface="Calibri" pitchFamily="34" charset="0"/>
                 <a:cs typeface="Calibri" pitchFamily="34" charset="0"/>
@@ -12596,18 +13421,18 @@
               <a:t>can be created via the GUI,</a:t>
             </a:r>
             <a:br>
-              <a:rPr lang="en-US" sz="1800" b="0" dirty="0">
+              <a:rPr lang="en-US" dirty="0">
                 <a:solidFill>
-                  <a:schemeClr val="dk1"/>
+                  <a:srgbClr val="000000"/>
                 </a:solidFill>
                 <a:latin typeface="Calibri" pitchFamily="34" charset="0"/>
                 <a:cs typeface="Calibri" pitchFamily="34" charset="0"/>
               </a:rPr>
             </a:br>
             <a:r>
-              <a:rPr lang="en-US" sz="1800" b="0" dirty="0">
+              <a:rPr lang="en-US" dirty="0">
                 <a:solidFill>
-                  <a:schemeClr val="dk1"/>
+                  <a:srgbClr val="000000"/>
                 </a:solidFill>
                 <a:latin typeface="Calibri" pitchFamily="34" charset="0"/>
                 <a:cs typeface="Calibri" pitchFamily="34" charset="0"/>
@@ -12615,9 +13440,9 @@
               <a:t>script </a:t>
             </a:r>
             <a:r>
-              <a:rPr lang="en-US" sz="1800" b="0" dirty="0" smtClean="0">
+              <a:rPr lang="en-US" dirty="0" smtClean="0">
                 <a:solidFill>
-                  <a:schemeClr val="dk1"/>
+                  <a:srgbClr val="000000"/>
                 </a:solidFill>
                 <a:latin typeface="Calibri" pitchFamily="34" charset="0"/>
                 <a:cs typeface="Calibri" pitchFamily="34" charset="0"/>
@@ -12625,9 +13450,9 @@
               <a:t>code, </a:t>
             </a:r>
             <a:r>
-              <a:rPr lang="en-US" sz="1800" b="0" dirty="0">
+              <a:rPr lang="en-US" dirty="0">
                 <a:solidFill>
-                  <a:schemeClr val="dk1"/>
+                  <a:srgbClr val="000000"/>
                 </a:solidFill>
                 <a:latin typeface="Calibri" pitchFamily="34" charset="0"/>
                 <a:cs typeface="Calibri" pitchFamily="34" charset="0"/>
@@ -12635,18 +13460,18 @@
               <a:t>or C code (dynamic</a:t>
             </a:r>
             <a:r>
-              <a:rPr lang="en-US" sz="1800" b="0" dirty="0" smtClean="0">
+              <a:rPr lang="en-US" dirty="0" smtClean="0">
                 <a:solidFill>
-                  <a:schemeClr val="dk1"/>
+                  <a:srgbClr val="000000"/>
                 </a:solidFill>
                 <a:latin typeface="Calibri" pitchFamily="34" charset="0"/>
                 <a:cs typeface="Calibri" pitchFamily="34" charset="0"/>
               </a:rPr>
               <a:t>).</a:t>
             </a:r>
-            <a:endParaRPr lang="en-US" sz="1800" b="0" dirty="0">
+            <a:endParaRPr lang="en-US" dirty="0">
               <a:solidFill>
-                <a:schemeClr val="dk1"/>
+                <a:srgbClr val="000000"/>
               </a:solidFill>
               <a:latin typeface="Calibri" pitchFamily="34" charset="0"/>
               <a:cs typeface="Calibri" pitchFamily="34" charset="0"/>
@@ -12670,154 +13495,25 @@
           <a:lstStyle/>
           <a:p>
             <a:fld id="{803D9FE4-F784-4A94-8F3E-54A098F0E8CC}" type="slidenum">
-              <a:rPr lang="en-US" smtClean="0"/>
+              <a:rPr lang="en-US" smtClean="0">
+                <a:solidFill>
+                  <a:srgbClr val="000000"/>
+                </a:solidFill>
+              </a:rPr>
               <a:pPr/>
-              <a:t>4</a:t>
+              <a:t>7</a:t>
             </a:fld>
-            <a:endParaRPr lang="en-US"/>
-          </a:p>
-        </p:txBody>
-      </p:sp>
-    </p:spTree>
-    <p:custDataLst>
-      <p:tags r:id="rId1"/>
-    </p:custDataLst>
-  </p:cSld>
-  <p:clrMapOvr>
-    <a:masterClrMapping/>
-  </p:clrMapOvr>
-  <p:transition/>
-  <p:timing>
-    <p:tnLst>
-      <p:par>
-        <p:cTn id="1" dur="indefinite" restart="never" nodeType="tmRoot">
-          <p:childTnLst>
-            <p:seq concurrent="1" nextAc="seek">
-              <p:cTn id="2" dur="indefinite" nodeType="mainSeq">
-                <p:childTnLst>
-                  <p:par>
-                    <p:cTn id="3" fill="hold">
-                      <p:stCondLst>
-                        <p:cond delay="indefinite"/>
-                      </p:stCondLst>
-                      <p:childTnLst>
-                        <p:par>
-                          <p:cTn id="4" fill="hold">
-                            <p:stCondLst>
-                              <p:cond delay="0"/>
-                            </p:stCondLst>
-                            <p:childTnLst>
-                              <p:par>
-                                <p:cTn id="5" presetID="1" presetClass="entr" presetSubtype="0" fill="hold" grpId="0" nodeType="clickEffect">
-                                  <p:stCondLst>
-                                    <p:cond delay="0"/>
-                                  </p:stCondLst>
-                                  <p:childTnLst>
-                                    <p:set>
-                                      <p:cBhvr>
-                                        <p:cTn id="6" dur="1" fill="hold">
-                                          <p:stCondLst>
-                                            <p:cond delay="499"/>
-                                          </p:stCondLst>
-                                        </p:cTn>
-                                        <p:tgtEl>
-                                          <p:spTgt spid="49"/>
-                                        </p:tgtEl>
-                                        <p:attrNameLst>
-                                          <p:attrName>style.visibility</p:attrName>
-                                        </p:attrNameLst>
-                                      </p:cBhvr>
-                                      <p:to>
-                                        <p:strVal val="visible"/>
-                                      </p:to>
-                                    </p:set>
-                                  </p:childTnLst>
-                                </p:cTn>
-                              </p:par>
-                            </p:childTnLst>
-                          </p:cTn>
-                        </p:par>
-                      </p:childTnLst>
-                    </p:cTn>
-                  </p:par>
-                </p:childTnLst>
-              </p:cTn>
-              <p:prevCondLst>
-                <p:cond evt="onPrev" delay="0">
-                  <p:tgtEl>
-                    <p:sldTgt/>
-                  </p:tgtEl>
-                </p:cond>
-              </p:prevCondLst>
-              <p:nextCondLst>
-                <p:cond evt="onNext" delay="0">
-                  <p:tgtEl>
-                    <p:sldTgt/>
-                  </p:tgtEl>
-                </p:cond>
-              </p:nextCondLst>
-            </p:seq>
-          </p:childTnLst>
-        </p:cTn>
-      </p:par>
-    </p:tnLst>
-    <p:bldLst>
-      <p:bldP spid="49" grpId="0" autoUpdateAnimBg="0"/>
-    </p:bldLst>
-  </p:timing>
-</p:sld>
-</file>
-
-<file path=ppt/slides/slide5.xml><?xml version="1.0" encoding="utf-8"?>
-<p:sld xmlns:a="http://schemas.openxmlformats.org/drawingml/2006/main" xmlns:r="http://schemas.openxmlformats.org/officeDocument/2006/relationships" xmlns:p="http://schemas.openxmlformats.org/presentationml/2006/main">
-  <p:cSld>
-    <p:spTree>
-      <p:nvGrpSpPr>
-        <p:cNvPr id="1" name=""/>
-        <p:cNvGrpSpPr/>
-        <p:nvPr/>
-      </p:nvGrpSpPr>
-      <p:grpSpPr>
-        <a:xfrm>
-          <a:off x="0" y="0"/>
-          <a:ext cx="0" cy="0"/>
-          <a:chOff x="0" y="0"/>
-          <a:chExt cx="0" cy="0"/>
-        </a:xfrm>
-      </p:grpSpPr>
-      <p:sp>
-        <p:nvSpPr>
-          <p:cNvPr id="46082" name="Rectangle 2"/>
-          <p:cNvSpPr>
-            <a:spLocks noGrp="1" noChangeArrowheads="1"/>
-          </p:cNvSpPr>
-          <p:nvPr>
-            <p:ph type="title"/>
-          </p:nvPr>
-        </p:nvSpPr>
-        <p:spPr>
-          <a:xfrm>
-            <a:off x="457200" y="152400"/>
-            <a:ext cx="8229600" cy="609600"/>
-          </a:xfrm>
-        </p:spPr>
-        <p:txBody>
-          <a:bodyPr>
-            <a:normAutofit/>
-          </a:bodyPr>
-          <a:lstStyle/>
-          <a:p>
-            <a:pPr eaLnBrk="1" hangingPunct="1"/>
-            <a:r>
-              <a:rPr lang="en-US" dirty="0" smtClean="0"/>
-              <a:t>Hardware Event IDs</a:t>
-            </a:r>
-          </a:p>
-        </p:txBody>
-      </p:sp>
-      <p:sp>
-        <p:nvSpPr>
-          <p:cNvPr id="46083" name="Text Box 11"/>
+            <a:endParaRPr lang="en-US" dirty="0">
+              <a:solidFill>
+                <a:srgbClr val="000000"/>
+              </a:solidFill>
+            </a:endParaRPr>
+          </a:p>
+        </p:txBody>
+      </p:sp>
+      <p:sp>
+        <p:nvSpPr>
+          <p:cNvPr id="23" name="Text Box 13"/>
           <p:cNvSpPr txBox="1">
             <a:spLocks noChangeArrowheads="1"/>
           </p:cNvSpPr>
@@ -12825,8 +13521,8 @@
         </p:nvSpPr>
         <p:spPr bwMode="auto">
           <a:xfrm>
-            <a:off x="304800" y="685800"/>
-            <a:ext cx="7058214" cy="757130"/>
+            <a:off x="797737" y="5384007"/>
+            <a:ext cx="6924460" cy="338554"/>
           </a:xfrm>
           <a:prstGeom prst="rect">
             <a:avLst/>
@@ -12845,92 +13541,6 @@
           </a:bodyPr>
           <a:lstStyle/>
           <a:p>
-            <a:pPr marL="342900" indent="-342900" eaLnBrk="0" hangingPunct="0">
-              <a:lnSpc>
-                <a:spcPct val="90000"/>
-              </a:lnSpc>
-              <a:spcBef>
-                <a:spcPct val="50000"/>
-              </a:spcBef>
-              <a:buClr>
-                <a:schemeClr val="tx2"/>
-              </a:buClr>
-              <a:buSzPct val="75000"/>
-              <a:buFont typeface="Wingdings" pitchFamily="2" charset="2"/>
-              <a:buChar char=""/>
-            </a:pPr>
-            <a:r>
-              <a:rPr lang="en-US" b="0" dirty="0" smtClean="0">
-                <a:solidFill>
-                  <a:srgbClr val="000000"/>
-                </a:solidFill>
-                <a:latin typeface="Calibri" pitchFamily="34" charset="0"/>
-                <a:cs typeface="Calibri" pitchFamily="34" charset="0"/>
-              </a:rPr>
-              <a:t>How </a:t>
-            </a:r>
-            <a:r>
-              <a:rPr lang="en-US" b="0" dirty="0">
-                <a:solidFill>
-                  <a:srgbClr val="000000"/>
-                </a:solidFill>
-                <a:latin typeface="Calibri" pitchFamily="34" charset="0"/>
-                <a:cs typeface="Calibri" pitchFamily="34" charset="0"/>
-              </a:rPr>
-              <a:t>do you know the names of the interrupt events</a:t>
-            </a:r>
-            <a:br>
-              <a:rPr lang="en-US" b="0" dirty="0">
-                <a:solidFill>
-                  <a:srgbClr val="000000"/>
-                </a:solidFill>
-                <a:latin typeface="Calibri" pitchFamily="34" charset="0"/>
-                <a:cs typeface="Calibri" pitchFamily="34" charset="0"/>
-              </a:rPr>
-            </a:br>
-            <a:r>
-              <a:rPr lang="en-US" b="0" dirty="0">
-                <a:solidFill>
-                  <a:srgbClr val="000000"/>
-                </a:solidFill>
-                <a:latin typeface="Calibri" pitchFamily="34" charset="0"/>
-                <a:cs typeface="Calibri" pitchFamily="34" charset="0"/>
-              </a:rPr>
-              <a:t>and their corresponding event numbers?</a:t>
-            </a:r>
-          </a:p>
-        </p:txBody>
-      </p:sp>
-      <p:sp>
-        <p:nvSpPr>
-          <p:cNvPr id="46084" name="Text Box 12"/>
-          <p:cNvSpPr txBox="1">
-            <a:spLocks noChangeArrowheads="1"/>
-          </p:cNvSpPr>
-          <p:nvPr/>
-        </p:nvSpPr>
-        <p:spPr bwMode="auto">
-          <a:xfrm>
-            <a:off x="652463" y="1339850"/>
-            <a:ext cx="3590727" cy="387798"/>
-          </a:xfrm>
-          <a:prstGeom prst="rect">
-            <a:avLst/>
-          </a:prstGeom>
-          <a:noFill/>
-          <a:ln w="12700">
-            <a:noFill/>
-            <a:miter lim="800000"/>
-            <a:headEnd/>
-            <a:tailEnd/>
-          </a:ln>
-        </p:spPr>
-        <p:txBody>
-          <a:bodyPr wrap="none">
-            <a:spAutoFit/>
-          </a:bodyPr>
-          <a:lstStyle/>
-          <a:p>
             <a:pPr eaLnBrk="0" hangingPunct="0">
               <a:lnSpc>
                 <a:spcPct val="80000"/>
@@ -12940,106 +13550,16 @@
               </a:spcBef>
             </a:pPr>
             <a:r>
-              <a:rPr lang="en-US" b="0" dirty="0">
-                <a:solidFill>
-                  <a:srgbClr val="0066FF"/>
-                </a:solidFill>
-                <a:latin typeface="Calibri" pitchFamily="34" charset="0"/>
-                <a:cs typeface="Calibri" pitchFamily="34" charset="0"/>
-              </a:rPr>
-              <a:t>Look it </a:t>
-            </a:r>
-            <a:r>
-              <a:rPr lang="en-US" b="0" dirty="0" smtClean="0">
-                <a:solidFill>
-                  <a:srgbClr val="0066FF"/>
-                </a:solidFill>
-                <a:latin typeface="Calibri" pitchFamily="34" charset="0"/>
-                <a:cs typeface="Calibri" pitchFamily="34" charset="0"/>
-              </a:rPr>
-              <a:t>up in </a:t>
-            </a:r>
-            <a:r>
-              <a:rPr lang="en-US" b="0" dirty="0">
-                <a:solidFill>
-                  <a:srgbClr val="0066FF"/>
-                </a:solidFill>
-                <a:latin typeface="Calibri" pitchFamily="34" charset="0"/>
-                <a:cs typeface="Calibri" pitchFamily="34" charset="0"/>
-              </a:rPr>
-              <a:t>the </a:t>
-            </a:r>
-            <a:r>
-              <a:rPr lang="en-US" b="0" dirty="0" smtClean="0">
-                <a:solidFill>
-                  <a:srgbClr val="0066FF"/>
-                </a:solidFill>
-                <a:latin typeface="Calibri" pitchFamily="34" charset="0"/>
-                <a:cs typeface="Calibri" pitchFamily="34" charset="0"/>
-              </a:rPr>
-              <a:t>datasheet.</a:t>
-            </a:r>
-            <a:endParaRPr lang="en-US" b="0" dirty="0">
-              <a:solidFill>
-                <a:srgbClr val="0066FF"/>
-              </a:solidFill>
-              <a:latin typeface="Calibri" pitchFamily="34" charset="0"/>
-              <a:cs typeface="Calibri" pitchFamily="34" charset="0"/>
-            </a:endParaRPr>
-          </a:p>
-        </p:txBody>
-      </p:sp>
-      <p:sp>
-        <p:nvSpPr>
-          <p:cNvPr id="46085" name="Text Box 13"/>
-          <p:cNvSpPr txBox="1">
-            <a:spLocks noChangeArrowheads="1"/>
-          </p:cNvSpPr>
-          <p:nvPr/>
-        </p:nvSpPr>
-        <p:spPr bwMode="auto">
-          <a:xfrm>
-            <a:off x="4572000" y="1382233"/>
-            <a:ext cx="3603807" cy="338554"/>
-          </a:xfrm>
-          <a:prstGeom prst="rect">
-            <a:avLst/>
-          </a:prstGeom>
-          <a:noFill/>
-          <a:ln w="12700">
-            <a:solidFill>
-              <a:schemeClr val="tx1"/>
-            </a:solidFill>
-            <a:miter lim="800000"/>
-            <a:headEnd/>
-            <a:tailEnd/>
-          </a:ln>
-        </p:spPr>
-        <p:txBody>
-          <a:bodyPr wrap="none">
-            <a:spAutoFit/>
-          </a:bodyPr>
-          <a:lstStyle/>
-          <a:p>
-            <a:pPr eaLnBrk="0" hangingPunct="0">
-              <a:lnSpc>
-                <a:spcPct val="80000"/>
-              </a:lnSpc>
-              <a:spcBef>
-                <a:spcPct val="50000"/>
-              </a:spcBef>
-            </a:pPr>
-            <a:r>
-              <a:rPr lang="en-US" sz="2000" b="0" i="1" dirty="0" smtClean="0">
+              <a:rPr lang="en-US" sz="2000" dirty="0" smtClean="0">
                 <a:solidFill>
                   <a:srgbClr val="000000"/>
                 </a:solidFill>
                 <a:latin typeface="Calibri" pitchFamily="34" charset="0"/>
                 <a:cs typeface="Calibri" pitchFamily="34" charset="0"/>
               </a:rPr>
-              <a:t>Source: TMS320C6678 datasheet</a:t>
-            </a:r>
-            <a:endParaRPr lang="en-US" sz="2000" b="0" i="1" dirty="0">
+              <a:t>By the way, event 94 is not connected to anything – it is reserved</a:t>
+            </a:r>
+            <a:endParaRPr lang="en-US" i="1" dirty="0">
               <a:solidFill>
                 <a:srgbClr val="000000"/>
               </a:solidFill>
@@ -13049,189 +13569,15 @@
           </a:p>
         </p:txBody>
       </p:sp>
-      <p:sp>
-        <p:nvSpPr>
-          <p:cNvPr id="46087" name="Text Box 11"/>
-          <p:cNvSpPr txBox="1">
-            <a:spLocks noChangeArrowheads="1"/>
-          </p:cNvSpPr>
-          <p:nvPr/>
-        </p:nvSpPr>
-        <p:spPr bwMode="auto">
-          <a:xfrm>
-            <a:off x="171775" y="5986701"/>
-            <a:ext cx="8355492" cy="424732"/>
-          </a:xfrm>
-          <a:prstGeom prst="rect">
-            <a:avLst/>
-          </a:prstGeom>
-          <a:noFill/>
-          <a:ln w="12700">
-            <a:noFill/>
-            <a:miter lim="800000"/>
-            <a:headEnd/>
-            <a:tailEnd/>
-          </a:ln>
-        </p:spPr>
-        <p:txBody>
-          <a:bodyPr wrap="none">
-            <a:spAutoFit/>
-          </a:bodyPr>
-          <a:lstStyle/>
-          <a:p>
-            <a:pPr marL="342900" indent="-342900" eaLnBrk="0" hangingPunct="0">
-              <a:lnSpc>
-                <a:spcPct val="90000"/>
-              </a:lnSpc>
-              <a:spcBef>
-                <a:spcPct val="50000"/>
-              </a:spcBef>
-              <a:buClr>
-                <a:schemeClr val="tx2"/>
-              </a:buClr>
-              <a:buSzPct val="75000"/>
-              <a:buFont typeface="Wingdings" pitchFamily="2" charset="2"/>
-              <a:buChar char=""/>
-            </a:pPr>
-            <a:r>
-              <a:rPr lang="en-US" b="0" dirty="0" smtClean="0">
-                <a:solidFill>
-                  <a:srgbClr val="000000"/>
-                </a:solidFill>
-                <a:latin typeface="Calibri" pitchFamily="34" charset="0"/>
-                <a:cs typeface="Calibri" pitchFamily="34" charset="0"/>
-              </a:rPr>
-              <a:t>As appropriate, refer to the datasheet for your target platform.</a:t>
-            </a:r>
-            <a:endParaRPr lang="en-US" b="0" dirty="0">
-              <a:solidFill>
-                <a:srgbClr val="000000"/>
-              </a:solidFill>
-              <a:latin typeface="Calibri" pitchFamily="34" charset="0"/>
-              <a:cs typeface="Calibri" pitchFamily="34" charset="0"/>
-            </a:endParaRPr>
-          </a:p>
-        </p:txBody>
-      </p:sp>
-      <p:pic>
-        <p:nvPicPr>
-          <p:cNvPr id="1026" name="Picture 2"/>
-          <p:cNvPicPr>
-            <a:picLocks noChangeAspect="1" noChangeArrowheads="1"/>
-          </p:cNvPicPr>
-          <p:nvPr/>
-        </p:nvPicPr>
-        <p:blipFill>
-          <a:blip r:embed="rId4" cstate="print"/>
-          <a:srcRect/>
-          <a:stretch>
-            <a:fillRect/>
-          </a:stretch>
-        </p:blipFill>
-        <p:spPr bwMode="auto">
-          <a:xfrm>
-            <a:off x="152400" y="1752600"/>
-            <a:ext cx="8915400" cy="1940289"/>
-          </a:xfrm>
-          <a:prstGeom prst="rect">
-            <a:avLst/>
-          </a:prstGeom>
-          <a:noFill/>
-          <a:ln w="9525">
-            <a:noFill/>
-            <a:miter lim="800000"/>
-            <a:headEnd/>
-            <a:tailEnd/>
-          </a:ln>
-        </p:spPr>
-      </p:pic>
-      <p:pic>
-        <p:nvPicPr>
-          <p:cNvPr id="1027" name="Picture 3"/>
-          <p:cNvPicPr>
-            <a:picLocks noChangeAspect="1" noChangeArrowheads="1"/>
-          </p:cNvPicPr>
-          <p:nvPr/>
-        </p:nvPicPr>
-        <p:blipFill>
-          <a:blip r:embed="rId5" cstate="print"/>
-          <a:srcRect/>
-          <a:stretch>
-            <a:fillRect/>
-          </a:stretch>
-        </p:blipFill>
-        <p:spPr bwMode="auto">
-          <a:xfrm>
-            <a:off x="2209800" y="3157536"/>
-            <a:ext cx="4976107" cy="2874334"/>
-          </a:xfrm>
-          <a:prstGeom prst="rect">
-            <a:avLst/>
-          </a:prstGeom>
-          <a:noFill/>
-          <a:ln w="9525">
-            <a:noFill/>
-            <a:miter lim="800000"/>
-            <a:headEnd/>
-            <a:tailEnd/>
-          </a:ln>
-        </p:spPr>
-      </p:pic>
-      <p:cxnSp>
-        <p:nvCxnSpPr>
-          <p:cNvPr id="46090" name="Straight Arrow Connector 14"/>
-          <p:cNvCxnSpPr>
-            <a:cxnSpLocks noChangeShapeType="1"/>
-          </p:cNvCxnSpPr>
-          <p:nvPr/>
-        </p:nvCxnSpPr>
-        <p:spPr bwMode="auto">
-          <a:xfrm>
-            <a:off x="457200" y="3005136"/>
-            <a:ext cx="3145466" cy="2021963"/>
-          </a:xfrm>
-          <a:prstGeom prst="straightConnector1">
-            <a:avLst/>
-          </a:prstGeom>
-          <a:noFill/>
-          <a:ln w="28575" algn="ctr">
-            <a:solidFill>
-              <a:schemeClr val="tx2"/>
-            </a:solidFill>
-            <a:round/>
-            <a:headEnd type="none" w="sm" len="sm"/>
-            <a:tailEnd type="arrow" w="med" len="med"/>
-          </a:ln>
-        </p:spPr>
-      </p:cxnSp>
-      <p:sp>
-        <p:nvSpPr>
-          <p:cNvPr id="11" name="Slide Number Placeholder 10"/>
-          <p:cNvSpPr>
-            <a:spLocks noGrp="1"/>
-          </p:cNvSpPr>
-          <p:nvPr>
-            <p:ph type="sldNum" sz="quarter" idx="10"/>
-          </p:nvPr>
-        </p:nvSpPr>
-        <p:spPr/>
-        <p:txBody>
-          <a:bodyPr/>
-          <a:lstStyle/>
-          <a:p>
-            <a:fld id="{3B20521C-F793-4067-BB07-C7AF74E21EF3}" type="slidenum">
-              <a:rPr lang="en-US" smtClean="0"/>
-              <a:pPr/>
-              <a:t>5</a:t>
-            </a:fld>
-            <a:endParaRPr lang="en-US"/>
-          </a:p>
-        </p:txBody>
-      </p:sp>
     </p:spTree>
     <p:custDataLst>
       <p:tags r:id="rId1"/>
     </p:custDataLst>
+    <p:extLst>
+      <p:ext uri="{BB962C8B-B14F-4D97-AF65-F5344CB8AC3E}">
+        <p14:creationId xmlns:p14="http://schemas.microsoft.com/office/powerpoint/2010/main" val="1014699890"/>
+      </p:ext>
+    </p:extLst>
   </p:cSld>
   <p:clrMapOvr>
     <a:masterClrMapping/>
@@ -13244,243 +13590,6 @@
       </p:par>
     </p:tnLst>
   </p:timing>
-</p:sld>
-</file>
-
-<file path=ppt/slides/slide6.xml><?xml version="1.0" encoding="utf-8"?>
-<p:sld xmlns:a="http://schemas.openxmlformats.org/drawingml/2006/main" xmlns:r="http://schemas.openxmlformats.org/officeDocument/2006/relationships" xmlns:p="http://schemas.openxmlformats.org/presentationml/2006/main">
-  <p:cSld>
-    <p:spTree>
-      <p:nvGrpSpPr>
-        <p:cNvPr id="1" name=""/>
-        <p:cNvGrpSpPr/>
-        <p:nvPr/>
-      </p:nvGrpSpPr>
-      <p:grpSpPr>
-        <a:xfrm>
-          <a:off x="0" y="0"/>
-          <a:ext cx="0" cy="0"/>
-          <a:chOff x="0" y="0"/>
-          <a:chExt cx="0" cy="0"/>
-        </a:xfrm>
-      </p:grpSpPr>
-      <p:sp>
-        <p:nvSpPr>
-          <p:cNvPr id="10242" name="Rectangle 2"/>
-          <p:cNvSpPr>
-            <a:spLocks noGrp="1" noChangeArrowheads="1"/>
-          </p:cNvSpPr>
-          <p:nvPr>
-            <p:ph type="ctrTitle"/>
-          </p:nvPr>
-        </p:nvSpPr>
-        <p:spPr/>
-        <p:txBody>
-          <a:bodyPr/>
-          <a:lstStyle/>
-          <a:p>
-            <a:pPr algn="l" eaLnBrk="1" hangingPunct="1"/>
-            <a:r>
-              <a:rPr lang="en-US" dirty="0" smtClean="0">
-                <a:solidFill>
-                  <a:srgbClr val="DE0000"/>
-                </a:solidFill>
-              </a:rPr>
-              <a:t>Interrupt Scheme</a:t>
-            </a:r>
-            <a:endParaRPr lang="en-US" dirty="0" smtClean="0"/>
-          </a:p>
-        </p:txBody>
-      </p:sp>
-      <p:sp>
-        <p:nvSpPr>
-          <p:cNvPr id="10243" name="Rectangle 3"/>
-          <p:cNvSpPr>
-            <a:spLocks noGrp="1" noChangeArrowheads="1"/>
-          </p:cNvSpPr>
-          <p:nvPr>
-            <p:ph type="subTitle" idx="1"/>
-          </p:nvPr>
-        </p:nvSpPr>
-        <p:spPr/>
-        <p:txBody>
-          <a:bodyPr/>
-          <a:lstStyle/>
-          <a:p>
-            <a:pPr eaLnBrk="1" hangingPunct="1"/>
-            <a:r>
-              <a:rPr lang="en-US" dirty="0" smtClean="0"/>
-              <a:t>KeyStone Interrupts</a:t>
-            </a:r>
-          </a:p>
-        </p:txBody>
-      </p:sp>
-      <p:sp>
-        <p:nvSpPr>
-          <p:cNvPr id="10244" name="Slide Number Placeholder 3"/>
-          <p:cNvSpPr>
-            <a:spLocks noGrp="1"/>
-          </p:cNvSpPr>
-          <p:nvPr>
-            <p:ph type="sldNum" sz="quarter" idx="10"/>
-          </p:nvPr>
-        </p:nvSpPr>
-        <p:spPr>
-          <a:noFill/>
-        </p:spPr>
-        <p:txBody>
-          <a:bodyPr/>
-          <a:lstStyle/>
-          <a:p>
-            <a:fld id="{47D32EE0-5F6C-48D8-BBE6-18ABEB0052A3}" type="slidenum">
-              <a:rPr lang="en-US"/>
-              <a:pPr/>
-              <a:t>6</a:t>
-            </a:fld>
-            <a:endParaRPr lang="en-US"/>
-          </a:p>
-        </p:txBody>
-      </p:sp>
-    </p:spTree>
-  </p:cSld>
-  <p:clrMapOvr>
-    <a:masterClrMapping/>
-  </p:clrMapOvr>
-  <p:timing>
-    <p:tnLst>
-      <p:par>
-        <p:cTn id="1" dur="indefinite" restart="never" nodeType="tmRoot"/>
-      </p:par>
-    </p:tnLst>
-  </p:timing>
-</p:sld>
-</file>
-
-<file path=ppt/slides/slide7.xml><?xml version="1.0" encoding="utf-8"?>
-<p:sld xmlns:a="http://schemas.openxmlformats.org/drawingml/2006/main" xmlns:r="http://schemas.openxmlformats.org/officeDocument/2006/relationships" xmlns:p="http://schemas.openxmlformats.org/presentationml/2006/main">
-  <p:cSld>
-    <p:spTree>
-      <p:nvGrpSpPr>
-        <p:cNvPr id="1" name=""/>
-        <p:cNvGrpSpPr/>
-        <p:nvPr/>
-      </p:nvGrpSpPr>
-      <p:grpSpPr>
-        <a:xfrm>
-          <a:off x="0" y="0"/>
-          <a:ext cx="0" cy="0"/>
-          <a:chOff x="0" y="0"/>
-          <a:chExt cx="0" cy="0"/>
-        </a:xfrm>
-      </p:grpSpPr>
-      <p:sp>
-        <p:nvSpPr>
-          <p:cNvPr id="4" name="Title 3"/>
-          <p:cNvSpPr>
-            <a:spLocks noGrp="1"/>
-          </p:cNvSpPr>
-          <p:nvPr>
-            <p:ph type="title"/>
-          </p:nvPr>
-        </p:nvSpPr>
-        <p:spPr>
-          <a:xfrm>
-            <a:off x="457200" y="274638"/>
-            <a:ext cx="8229600" cy="715962"/>
-          </a:xfrm>
-        </p:spPr>
-        <p:txBody>
-          <a:bodyPr>
-            <a:normAutofit/>
-          </a:bodyPr>
-          <a:lstStyle/>
-          <a:p>
-            <a:r>
-              <a:rPr lang="en-US" sz="3600" dirty="0" smtClean="0"/>
-              <a:t>System Events</a:t>
-            </a:r>
-            <a:endParaRPr lang="en-US" sz="3600" dirty="0"/>
-          </a:p>
-        </p:txBody>
-      </p:sp>
-      <p:graphicFrame>
-        <p:nvGraphicFramePr>
-          <p:cNvPr id="6" name="Object 5"/>
-          <p:cNvGraphicFramePr>
-            <a:graphicFrameLocks noChangeAspect="1"/>
-          </p:cNvGraphicFramePr>
-          <p:nvPr/>
-        </p:nvGraphicFramePr>
-        <p:xfrm>
-          <a:off x="838200" y="1600200"/>
-          <a:ext cx="7540625" cy="4283075"/>
-        </p:xfrm>
-        <a:graphic>
-          <a:graphicData uri="http://schemas.openxmlformats.org/presentationml/2006/ole">
-            <p:oleObj spid="_x0000_s1026" name="Visio" r:id="rId3" imgW="7539951" imgH="4282332" progId="Visio.Drawing.11">
-              <p:embed/>
-            </p:oleObj>
-          </a:graphicData>
-        </a:graphic>
-      </p:graphicFrame>
-      <p:sp>
-        <p:nvSpPr>
-          <p:cNvPr id="5" name="Rectangle 4"/>
-          <p:cNvSpPr/>
-          <p:nvPr/>
-        </p:nvSpPr>
-        <p:spPr>
-          <a:xfrm>
-            <a:off x="364331" y="5910575"/>
-            <a:ext cx="7893844" cy="369332"/>
-          </a:xfrm>
-          <a:prstGeom prst="rect">
-            <a:avLst/>
-          </a:prstGeom>
-        </p:spPr>
-        <p:txBody>
-          <a:bodyPr wrap="square">
-            <a:spAutoFit/>
-          </a:bodyPr>
-          <a:lstStyle/>
-          <a:p>
-            <a:r>
-              <a:rPr lang="en-US" dirty="0" smtClean="0"/>
-              <a:t>Some events are connected directly to the cores; But not SPI.</a:t>
-            </a:r>
-            <a:endParaRPr lang="en-US" dirty="0"/>
-          </a:p>
-        </p:txBody>
-      </p:sp>
-      <p:sp>
-        <p:nvSpPr>
-          <p:cNvPr id="7" name="Slide Number Placeholder 6"/>
-          <p:cNvSpPr>
-            <a:spLocks noGrp="1"/>
-          </p:cNvSpPr>
-          <p:nvPr>
-            <p:ph type="sldNum" sz="quarter" idx="10"/>
-          </p:nvPr>
-        </p:nvSpPr>
-        <p:spPr/>
-        <p:txBody>
-          <a:bodyPr/>
-          <a:lstStyle/>
-          <a:p>
-            <a:fld id="{803D9FE4-F784-4A94-8F3E-54A098F0E8CC}" type="slidenum">
-              <a:rPr lang="en-US" smtClean="0"/>
-              <a:pPr/>
-              <a:t>7</a:t>
-            </a:fld>
-            <a:endParaRPr lang="en-US"/>
-          </a:p>
-        </p:txBody>
-      </p:sp>
-    </p:spTree>
-  </p:cSld>
-  <p:clrMapOvr>
-    <a:masterClrMapping/>
-  </p:clrMapOvr>
 </p:sld>
 </file>
 
@@ -13503,7 +13612,7 @@
       </p:grpSpPr>
       <p:sp>
         <p:nvSpPr>
-          <p:cNvPr id="4" name="Title 3"/>
+          <p:cNvPr id="2" name="Title 1"/>
           <p:cNvSpPr>
             <a:spLocks noGrp="1"/>
           </p:cNvSpPr>
@@ -13511,49 +13620,36 @@
             <p:ph type="title"/>
           </p:nvPr>
         </p:nvSpPr>
-        <p:spPr>
-          <a:xfrm>
-            <a:off x="457200" y="64290"/>
-            <a:ext cx="8229600" cy="1138230"/>
-          </a:xfrm>
-        </p:spPr>
-        <p:txBody>
-          <a:bodyPr>
-            <a:normAutofit/>
-          </a:bodyPr>
+        <p:spPr/>
+        <p:txBody>
+          <a:bodyPr/>
           <a:lstStyle/>
           <a:p>
             <a:r>
+              <a:rPr lang="en-US" sz="3600" dirty="0"/>
+              <a:t>Configuring an Hwi Using </a:t>
+            </a:r>
+            <a:r>
               <a:rPr lang="en-US" sz="3600" dirty="0" smtClean="0"/>
-              <a:t>System Events</a:t>
-            </a:r>
-            <a:endParaRPr lang="en-US" sz="3600" dirty="0"/>
-          </a:p>
-        </p:txBody>
-      </p:sp>
-      <p:graphicFrame>
-        <p:nvGraphicFramePr>
-          <p:cNvPr id="5" name="Object 4"/>
-          <p:cNvGraphicFramePr>
-            <a:graphicFrameLocks noChangeAspect="1"/>
-          </p:cNvGraphicFramePr>
-          <p:nvPr/>
-        </p:nvGraphicFramePr>
-        <p:xfrm>
-          <a:off x="838200" y="1531136"/>
-          <a:ext cx="7540625" cy="4356100"/>
-        </p:xfrm>
-        <a:graphic>
-          <a:graphicData uri="http://schemas.openxmlformats.org/presentationml/2006/ole">
-            <p:oleObj spid="_x0000_s2050" name="Visio" r:id="rId3" imgW="7539951" imgH="4356370" progId="Visio.Drawing.11">
-              <p:embed/>
-            </p:oleObj>
-          </a:graphicData>
-        </a:graphic>
-      </p:graphicFrame>
-      <p:sp>
-        <p:nvSpPr>
-          <p:cNvPr id="6" name="Slide Number Placeholder 5"/>
+              <a:t>BIOS</a:t>
+            </a:r>
+            <a:br>
+              <a:rPr lang="en-US" sz="3600" dirty="0" smtClean="0"/>
+            </a:br>
+            <a:r>
+              <a:rPr lang="en-US" sz="3600" dirty="0" smtClean="0"/>
+              <a:t>Statically </a:t>
+            </a:r>
+            <a:r>
+              <a:rPr lang="en-US" sz="3600" dirty="0"/>
+              <a:t>via GUI</a:t>
+            </a:r>
+          </a:p>
+        </p:txBody>
+      </p:sp>
+      <p:sp>
+        <p:nvSpPr>
+          <p:cNvPr id="3" name="Slide Number Placeholder 2"/>
           <p:cNvSpPr>
             <a:spLocks noGrp="1"/>
           </p:cNvSpPr>
@@ -13571,15 +13667,91 @@
               <a:pPr/>
               <a:t>8</a:t>
             </a:fld>
-            <a:endParaRPr lang="en-US"/>
-          </a:p>
-        </p:txBody>
-      </p:sp>
+            <a:endParaRPr lang="en-US" dirty="0"/>
+          </a:p>
+        </p:txBody>
+      </p:sp>
+      <p:pic>
+        <p:nvPicPr>
+          <p:cNvPr id="7170" name="Picture 2"/>
+          <p:cNvPicPr>
+            <a:picLocks noChangeAspect="1" noChangeArrowheads="1"/>
+          </p:cNvPicPr>
+          <p:nvPr/>
+        </p:nvPicPr>
+        <p:blipFill>
+          <a:blip r:embed="rId2">
+            <a:extLst>
+              <a:ext uri="{28A0092B-C50C-407E-A947-70E740481C1C}">
+                <a14:useLocalDpi xmlns:a14="http://schemas.microsoft.com/office/drawing/2010/main" val="0"/>
+              </a:ext>
+            </a:extLst>
+          </a:blip>
+          <a:srcRect/>
+          <a:stretch>
+            <a:fillRect/>
+          </a:stretch>
+        </p:blipFill>
+        <p:spPr bwMode="auto">
+          <a:xfrm>
+            <a:off x="1347788" y="1038225"/>
+            <a:ext cx="6219825" cy="4800600"/>
+          </a:xfrm>
+          <a:prstGeom prst="rect">
+            <a:avLst/>
+          </a:prstGeom>
+          <a:noFill/>
+          <a:ln>
+            <a:noFill/>
+          </a:ln>
+          <a:effectLst/>
+          <a:extLst>
+            <a:ext uri="{909E8E84-426E-40DD-AFC4-6F175D3DCCD1}">
+              <a14:hiddenFill xmlns:a14="http://schemas.microsoft.com/office/drawing/2010/main">
+                <a:solidFill>
+                  <a:schemeClr val="accent1"/>
+                </a:solidFill>
+              </a14:hiddenFill>
+            </a:ext>
+            <a:ext uri="{91240B29-F687-4F45-9708-019B960494DF}">
+              <a14:hiddenLine xmlns:a14="http://schemas.microsoft.com/office/drawing/2010/main" w="9525">
+                <a:solidFill>
+                  <a:schemeClr val="tx1"/>
+                </a:solidFill>
+                <a:miter lim="800000"/>
+                <a:headEnd/>
+                <a:tailEnd/>
+              </a14:hiddenLine>
+            </a:ext>
+            <a:ext uri="{AF507438-7753-43E0-B8FC-AC1667EBCBE1}">
+              <a14:hiddenEffects xmlns:a14="http://schemas.microsoft.com/office/drawing/2010/main">
+                <a:effectLst>
+                  <a:outerShdw dist="35921" dir="2700000" algn="ctr" rotWithShape="0">
+                    <a:schemeClr val="bg2"/>
+                  </a:outerShdw>
+                </a:effectLst>
+              </a14:hiddenEffects>
+            </a:ext>
+          </a:extLst>
+        </p:spPr>
+      </p:pic>
     </p:spTree>
+    <p:extLst>
+      <p:ext uri="{BB962C8B-B14F-4D97-AF65-F5344CB8AC3E}">
+        <p14:creationId xmlns:p14="http://schemas.microsoft.com/office/powerpoint/2010/main" val="676858217"/>
+      </p:ext>
+    </p:extLst>
   </p:cSld>
   <p:clrMapOvr>
     <a:masterClrMapping/>
   </p:clrMapOvr>
+  <p:timing>
+    <p:tnLst>
+      <p:par>
+        <p:cTn id="1" dur="indefinite" restart="never" nodeType="tmRoot"/>
+      </p:par>
+    </p:tnLst>
+  </p:timing>
 </p:sld>
 </file>
 
@@ -13602,35 +13774,7 @@
       </p:grpSpPr>
       <p:sp>
         <p:nvSpPr>
-          <p:cNvPr id="5" name="TextBox 4"/>
-          <p:cNvSpPr txBox="1"/>
-          <p:nvPr/>
-        </p:nvSpPr>
-        <p:spPr>
-          <a:xfrm>
-            <a:off x="0" y="6243642"/>
-            <a:ext cx="8886825" cy="550068"/>
-          </a:xfrm>
-          <a:prstGeom prst="rect">
-            <a:avLst/>
-          </a:prstGeom>
-          <a:solidFill>
-            <a:schemeClr val="bg1"/>
-          </a:solidFill>
-        </p:spPr>
-        <p:txBody>
-          <a:bodyPr wrap="square" rtlCol="0">
-            <a:noAutofit/>
-          </a:bodyPr>
-          <a:lstStyle/>
-          <a:p>
-            <a:endParaRPr lang="en-US" dirty="0"/>
-          </a:p>
-        </p:txBody>
-      </p:sp>
-      <p:sp>
-        <p:nvSpPr>
-          <p:cNvPr id="4" name="Title 3"/>
+          <p:cNvPr id="2" name="Title 1"/>
           <p:cNvSpPr>
             <a:spLocks noGrp="1"/>
           </p:cNvSpPr>
@@ -13638,45 +13782,173 @@
             <p:ph type="title"/>
           </p:nvPr>
         </p:nvSpPr>
-        <p:spPr>
-          <a:xfrm>
-            <a:off x="428625" y="153195"/>
-            <a:ext cx="8229600" cy="411162"/>
-          </a:xfrm>
-        </p:spPr>
-        <p:txBody>
-          <a:bodyPr>
-            <a:normAutofit fontScale="90000"/>
-          </a:bodyPr>
+        <p:spPr/>
+        <p:txBody>
+          <a:bodyPr/>
           <a:lstStyle/>
           <a:p>
             <a:r>
+              <a:rPr lang="en-US" sz="3600" dirty="0"/>
+              <a:t>Configuring an Hwi Using BIOS</a:t>
+            </a:r>
+            <a:br>
+              <a:rPr lang="en-US" sz="3600" dirty="0"/>
+            </a:br>
+            <a:r>
               <a:rPr lang="en-US" sz="3600" dirty="0" smtClean="0"/>
-              <a:t>C66x Event Mapping  </a:t>
+              <a:t>using run-time functions</a:t>
             </a:r>
             <a:endParaRPr lang="en-US" sz="3600" dirty="0"/>
+          </a:p>
+        </p:txBody>
+      </p:sp>
+      <p:sp>
+        <p:nvSpPr>
+          <p:cNvPr id="3" name="Slide Number Placeholder 2"/>
+          <p:cNvSpPr>
+            <a:spLocks noGrp="1"/>
+          </p:cNvSpPr>
+          <p:nvPr>
+            <p:ph type="sldNum" sz="quarter" idx="10"/>
+          </p:nvPr>
+        </p:nvSpPr>
+        <p:spPr/>
+        <p:txBody>
+          <a:bodyPr/>
+          <a:lstStyle/>
+          <a:p>
+            <a:fld id="{803D9FE4-F784-4A94-8F3E-54A098F0E8CC}" type="slidenum">
+              <a:rPr lang="en-US" smtClean="0"/>
+              <a:pPr/>
+              <a:t>9</a:t>
+            </a:fld>
+            <a:endParaRPr lang="en-US" dirty="0"/>
           </a:p>
         </p:txBody>
       </p:sp>
       <p:pic>
         <p:nvPicPr>
-          <p:cNvPr id="3075" name="Picture 3"/>
+          <p:cNvPr id="8194" name="Picture 2"/>
           <p:cNvPicPr>
             <a:picLocks noChangeAspect="1" noChangeArrowheads="1"/>
           </p:cNvPicPr>
           <p:nvPr/>
         </p:nvPicPr>
         <p:blipFill>
-          <a:blip r:embed="rId2" cstate="print"/>
-          <a:srcRect l="3504" r="18686"/>
+          <a:blip r:embed="rId2">
+            <a:extLst>
+              <a:ext uri="{28A0092B-C50C-407E-A947-70E740481C1C}">
+                <a14:useLocalDpi xmlns:a14="http://schemas.microsoft.com/office/drawing/2010/main" val="0"/>
+              </a:ext>
+            </a:extLst>
+          </a:blip>
+          <a:srcRect/>
           <a:stretch>
             <a:fillRect/>
           </a:stretch>
         </p:blipFill>
         <p:spPr bwMode="auto">
           <a:xfrm>
-            <a:off x="214475" y="715845"/>
-            <a:ext cx="4763648" cy="6085003"/>
+            <a:off x="491454" y="1543050"/>
+            <a:ext cx="8081045" cy="1809750"/>
+          </a:xfrm>
+          <a:prstGeom prst="rect">
+            <a:avLst/>
+          </a:prstGeom>
+          <a:noFill/>
+          <a:ln>
+            <a:noFill/>
+          </a:ln>
+          <a:effectLst/>
+          <a:extLst>
+            <a:ext uri="{909E8E84-426E-40DD-AFC4-6F175D3DCCD1}">
+              <a14:hiddenFill xmlns:a14="http://schemas.microsoft.com/office/drawing/2010/main">
+                <a:solidFill>
+                  <a:schemeClr val="accent1"/>
+                </a:solidFill>
+              </a14:hiddenFill>
+            </a:ext>
+            <a:ext uri="{91240B29-F687-4F45-9708-019B960494DF}">
+              <a14:hiddenLine xmlns:a14="http://schemas.microsoft.com/office/drawing/2010/main" w="9525">
+                <a:solidFill>
+                  <a:schemeClr val="tx1"/>
+                </a:solidFill>
+                <a:miter lim="800000"/>
+                <a:headEnd/>
+                <a:tailEnd/>
+              </a14:hiddenLine>
+            </a:ext>
+            <a:ext uri="{AF507438-7753-43E0-B8FC-AC1667EBCBE1}">
+              <a14:hiddenEffects xmlns:a14="http://schemas.microsoft.com/office/drawing/2010/main">
+                <a:effectLst>
+                  <a:outerShdw dist="35921" dir="2700000" algn="ctr" rotWithShape="0">
+                    <a:schemeClr val="bg2"/>
+                  </a:outerShdw>
+                </a:effectLst>
+              </a14:hiddenEffects>
+            </a:ext>
+          </a:extLst>
+        </p:spPr>
+      </p:pic>
+      <p:sp>
+        <p:nvSpPr>
+          <p:cNvPr id="4" name="TextBox 3"/>
+          <p:cNvSpPr txBox="1"/>
+          <p:nvPr/>
+        </p:nvSpPr>
+        <p:spPr>
+          <a:xfrm>
+            <a:off x="491454" y="4295775"/>
+            <a:ext cx="7947695" cy="1138773"/>
+          </a:xfrm>
+          <a:prstGeom prst="rect">
+            <a:avLst/>
+          </a:prstGeom>
+          <a:noFill/>
+        </p:spPr>
+        <p:txBody>
+          <a:bodyPr wrap="square" rtlCol="0">
+            <a:spAutoFit/>
+          </a:bodyPr>
+          <a:lstStyle/>
+          <a:p>
+            <a:r>
+              <a:rPr lang="en-US" dirty="0"/>
+              <a:t>The </a:t>
+            </a:r>
+            <a:r>
+              <a:rPr lang="en-US" dirty="0" smtClean="0"/>
+              <a:t>include file Hwi.h in the release </a:t>
+            </a:r>
+            <a:r>
+              <a:rPr lang="en-US" sz="1600" dirty="0" smtClean="0"/>
+              <a:t>MCSDK_3_0_4_18\bios_6_37_00_20\packages\ti\sysbios\family\c64p\Hwi.h</a:t>
+            </a:r>
+          </a:p>
+          <a:p>
+            <a:endParaRPr lang="en-US" sz="1600" dirty="0"/>
+          </a:p>
+          <a:p>
+            <a:r>
+              <a:rPr lang="en-US" sz="1600" dirty="0" smtClean="0"/>
+              <a:t>Has the definition of the Hwi class</a:t>
+            </a:r>
+            <a:endParaRPr lang="en-US" sz="1600" dirty="0"/>
+          </a:p>
+        </p:txBody>
+      </p:sp>
+      <p:sp>
+        <p:nvSpPr>
+          <p:cNvPr id="8" name="Leading Question"/>
+          <p:cNvSpPr txBox="1">
+            <a:spLocks noChangeArrowheads="1"/>
+          </p:cNvSpPr>
+          <p:nvPr/>
+        </p:nvSpPr>
+        <p:spPr bwMode="auto">
+          <a:xfrm>
+            <a:off x="4465301" y="5914861"/>
+            <a:ext cx="3541354" cy="246221"/>
           </a:xfrm>
           <a:prstGeom prst="rect">
             <a:avLst/>
@@ -13689,139 +13961,47 @@
             <a:tailEnd/>
           </a:ln>
         </p:spPr>
-      </p:pic>
-      <p:sp>
-        <p:nvSpPr>
-          <p:cNvPr id="6" name="TextBox 5"/>
-          <p:cNvSpPr txBox="1"/>
-          <p:nvPr/>
-        </p:nvSpPr>
-        <p:spPr>
-          <a:xfrm>
-            <a:off x="5150644" y="1143000"/>
-            <a:ext cx="3764756" cy="3693319"/>
-          </a:xfrm>
-          <a:prstGeom prst="rect">
-            <a:avLst/>
-          </a:prstGeom>
-          <a:noFill/>
-        </p:spPr>
-        <p:txBody>
-          <a:bodyPr wrap="square" rtlCol="0">
+        <p:txBody>
+          <a:bodyPr wrap="none" lIns="0" tIns="0" rIns="0" bIns="0" anchor="b">
             <a:spAutoFit/>
           </a:bodyPr>
           <a:lstStyle/>
           <a:p>
-            <a:r>
-              <a:rPr lang="en-US" dirty="0" smtClean="0"/>
-              <a:t>From the C66x User’s Guide:</a:t>
-            </a:r>
-          </a:p>
-          <a:p>
-            <a:pPr marL="342900" indent="-342900">
-              <a:buFont typeface="Arial" pitchFamily="34" charset="0"/>
-              <a:buChar char="•"/>
+            <a:pPr algn="r" eaLnBrk="0" hangingPunct="0">
+              <a:lnSpc>
+                <a:spcPct val="80000"/>
+              </a:lnSpc>
             </a:pPr>
             <a:r>
-              <a:rPr lang="en-US" dirty="0" smtClean="0"/>
-              <a:t>22 assigned events</a:t>
-            </a:r>
-          </a:p>
-          <a:p>
-            <a:pPr marL="800100" lvl="1" indent="-342900">
-              <a:buFont typeface="Arial" pitchFamily="34" charset="0"/>
-              <a:buChar char="•"/>
-            </a:pPr>
-            <a:r>
-              <a:rPr lang="en-US" dirty="0" smtClean="0"/>
-              <a:t>5 reserve primary events</a:t>
-            </a:r>
-          </a:p>
-          <a:p>
-            <a:pPr marL="800100" lvl="1" indent="-342900">
-              <a:buFont typeface="Arial" pitchFamily="34" charset="0"/>
-              <a:buChar char="•"/>
-            </a:pPr>
-            <a:r>
-              <a:rPr lang="en-US" dirty="0" smtClean="0"/>
-              <a:t>17 secondary events</a:t>
-            </a:r>
-          </a:p>
-          <a:p>
-            <a:pPr marL="342900" indent="-342900">
-              <a:buFont typeface="Arial" pitchFamily="34" charset="0"/>
-              <a:buChar char="•"/>
-            </a:pPr>
-            <a:r>
-              <a:rPr lang="en-US" dirty="0" smtClean="0"/>
-              <a:t>7 reserved events</a:t>
-            </a:r>
-          </a:p>
-          <a:p>
-            <a:pPr marL="342900" indent="-342900">
-              <a:buFont typeface="Arial" pitchFamily="34" charset="0"/>
-              <a:buChar char="•"/>
-            </a:pPr>
-            <a:r>
-              <a:rPr lang="en-US" dirty="0" smtClean="0"/>
-              <a:t>99 Available events</a:t>
-            </a:r>
-          </a:p>
-          <a:p>
-            <a:pPr marL="342900" indent="-342900">
-              <a:buFont typeface="Arial" pitchFamily="34" charset="0"/>
-              <a:buChar char="•"/>
-            </a:pPr>
-            <a:r>
-              <a:rPr lang="en-US" dirty="0" smtClean="0"/>
-              <a:t>The available events are connected to the device.</a:t>
-            </a:r>
-            <a:br>
-              <a:rPr lang="en-US" dirty="0" smtClean="0"/>
-            </a:br>
-            <a:endParaRPr lang="en-US" dirty="0" smtClean="0"/>
-          </a:p>
-          <a:p>
-            <a:pPr indent="-342900"/>
-            <a:r>
-              <a:rPr lang="en-US" dirty="0" smtClean="0"/>
-              <a:t>The next slides show how and what is connected to the available events within the C6638 device. </a:t>
-            </a:r>
-          </a:p>
-          <a:p>
-            <a:endParaRPr lang="en-US" dirty="0"/>
-          </a:p>
-        </p:txBody>
-      </p:sp>
-      <p:sp>
-        <p:nvSpPr>
-          <p:cNvPr id="7" name="Slide Number Placeholder 6"/>
-          <p:cNvSpPr>
-            <a:spLocks noGrp="1"/>
-          </p:cNvSpPr>
-          <p:nvPr>
-            <p:ph type="sldNum" sz="quarter" idx="10"/>
-          </p:nvPr>
-        </p:nvSpPr>
-        <p:spPr/>
-        <p:txBody>
-          <a:bodyPr/>
-          <a:lstStyle/>
-          <a:p>
-            <a:fld id="{803D9FE4-F784-4A94-8F3E-54A098F0E8CC}" type="slidenum">
-              <a:rPr lang="en-US" smtClean="0"/>
-              <a:pPr/>
-              <a:t>9</a:t>
-            </a:fld>
-            <a:endParaRPr lang="en-US"/>
+              <a:rPr lang="en-US" sz="2000" dirty="0">
+                <a:solidFill>
+                  <a:srgbClr val="DE0000"/>
+                </a:solidFill>
+                <a:latin typeface="Calibri" pitchFamily="34" charset="0"/>
+                <a:cs typeface="Calibri" pitchFamily="34" charset="0"/>
+              </a:rPr>
+              <a:t>Where do you find the Event Id #?</a:t>
+            </a:r>
           </a:p>
         </p:txBody>
       </p:sp>
     </p:spTree>
+    <p:extLst>
+      <p:ext uri="{BB962C8B-B14F-4D97-AF65-F5344CB8AC3E}">
+        <p14:creationId xmlns:p14="http://schemas.microsoft.com/office/powerpoint/2010/main" val="2267725419"/>
+      </p:ext>
+    </p:extLst>
   </p:cSld>
   <p:clrMapOvr>
     <a:masterClrMapping/>
   </p:clrMapOvr>
+  <p:timing>
+    <p:tnLst>
+      <p:par>
+        <p:cTn id="1" dur="indefinite" restart="never" nodeType="tmRoot"/>
+      </p:par>
+    </p:tnLst>
+  </p:timing>
 </p:sld>
 </file>
 
@@ -13838,13 +14018,6 @@
 </file>
 
 <file path=ppt/tags/tag3.xml><?xml version="1.0" encoding="utf-8"?>
-<p:tagLst xmlns:a="http://schemas.openxmlformats.org/drawingml/2006/main" xmlns:r="http://schemas.openxmlformats.org/officeDocument/2006/relationships" xmlns:p="http://schemas.openxmlformats.org/presentationml/2006/main">
-  <p:tag name="NO LOGOS" val="true"/>
-  <p:tag name="COLORSCHEMEINDEX" val="4"/>
-</p:tagLst>
-</file>
-
-<file path=ppt/tags/tag4.xml><?xml version="1.0" encoding="utf-8"?>
 <p:tagLst xmlns:a="http://schemas.openxmlformats.org/drawingml/2006/main" xmlns:r="http://schemas.openxmlformats.org/officeDocument/2006/relationships" xmlns:p="http://schemas.openxmlformats.org/presentationml/2006/main">
   <p:tag name="ARTICULATE_PUBLISH_MODE" val="2"/>
 </p:tagLst>

--- a/slides/KeyStone_Interrupts.pptx
+++ b/slides/KeyStone_Interrupts.pptx
@@ -5,10 +5,10 @@
     <p:sldMasterId id="2147483648" r:id="rId1"/>
   </p:sldMasterIdLst>
   <p:notesMasterIdLst>
-    <p:notesMasterId r:id="rId38"/>
+    <p:notesMasterId r:id="rId40"/>
   </p:notesMasterIdLst>
   <p:handoutMasterIdLst>
-    <p:handoutMasterId r:id="rId39"/>
+    <p:handoutMasterId r:id="rId41"/>
   </p:handoutMasterIdLst>
   <p:sldIdLst>
     <p:sldId id="265" r:id="rId2"/>
@@ -26,32 +26,34 @@
     <p:sldId id="323" r:id="rId14"/>
     <p:sldId id="324" r:id="rId15"/>
     <p:sldId id="279" r:id="rId16"/>
-    <p:sldId id="280" r:id="rId17"/>
-    <p:sldId id="281" r:id="rId18"/>
-    <p:sldId id="282" r:id="rId19"/>
-    <p:sldId id="283" r:id="rId20"/>
-    <p:sldId id="298" r:id="rId21"/>
-    <p:sldId id="285" r:id="rId22"/>
-    <p:sldId id="286" r:id="rId23"/>
-    <p:sldId id="287" r:id="rId24"/>
-    <p:sldId id="288" r:id="rId25"/>
-    <p:sldId id="290" r:id="rId26"/>
-    <p:sldId id="291" r:id="rId27"/>
-    <p:sldId id="292" r:id="rId28"/>
-    <p:sldId id="293" r:id="rId29"/>
-    <p:sldId id="294" r:id="rId30"/>
-    <p:sldId id="299" r:id="rId31"/>
-    <p:sldId id="301" r:id="rId32"/>
-    <p:sldId id="300" r:id="rId33"/>
-    <p:sldId id="302" r:id="rId34"/>
-    <p:sldId id="307" r:id="rId35"/>
-    <p:sldId id="308" r:id="rId36"/>
-    <p:sldId id="295" r:id="rId37"/>
+    <p:sldId id="326" r:id="rId17"/>
+    <p:sldId id="328" r:id="rId18"/>
+    <p:sldId id="327" r:id="rId19"/>
+    <p:sldId id="329" r:id="rId20"/>
+    <p:sldId id="280" r:id="rId21"/>
+    <p:sldId id="331" r:id="rId22"/>
+    <p:sldId id="330" r:id="rId23"/>
+    <p:sldId id="332" r:id="rId24"/>
+    <p:sldId id="333" r:id="rId25"/>
+    <p:sldId id="283" r:id="rId26"/>
+    <p:sldId id="286" r:id="rId27"/>
+    <p:sldId id="287" r:id="rId28"/>
+    <p:sldId id="290" r:id="rId29"/>
+    <p:sldId id="291" r:id="rId30"/>
+    <p:sldId id="292" r:id="rId31"/>
+    <p:sldId id="293" r:id="rId32"/>
+    <p:sldId id="299" r:id="rId33"/>
+    <p:sldId id="301" r:id="rId34"/>
+    <p:sldId id="300" r:id="rId35"/>
+    <p:sldId id="302" r:id="rId36"/>
+    <p:sldId id="307" r:id="rId37"/>
+    <p:sldId id="308" r:id="rId38"/>
+    <p:sldId id="295" r:id="rId39"/>
   </p:sldIdLst>
   <p:sldSz cx="9144000" cy="6858000" type="screen4x3"/>
   <p:notesSz cx="7010400" cy="9296400"/>
   <p:custDataLst>
-    <p:tags r:id="rId40"/>
+    <p:tags r:id="rId42"/>
   </p:custDataLst>
   <p:defaultTextStyle>
     <a:defPPr>
@@ -8723,7 +8725,7 @@
           <a:graphicData uri="http://schemas.openxmlformats.org/presentationml/2006/ole">
             <mc:AlternateContent xmlns:mc="http://schemas.openxmlformats.org/markup-compatibility/2006">
               <mc:Choice xmlns:v="urn:schemas-microsoft-com:vml" Requires="v">
-                <p:oleObj spid="_x0000_s10244" name="Visio" r:id="rId3" imgW="9044738" imgH="6169084" progId="Visio.Drawing.11">
+                <p:oleObj spid="_x0000_s10249" name="Visio" r:id="rId3" imgW="9044738" imgH="6169084" progId="Visio.Drawing.11">
                   <p:embed/>
                 </p:oleObj>
               </mc:Choice>
@@ -8804,7 +8806,7 @@
           <p:nvPr/>
         </p:nvPicPr>
         <p:blipFill>
-          <a:blip r:embed="rId2" cstate="print"/>
+          <a:blip r:embed="rId3" cstate="print"/>
           <a:srcRect/>
           <a:stretch>
             <a:fillRect/>
@@ -8812,7 +8814,7 @@
         </p:blipFill>
         <p:spPr bwMode="auto">
           <a:xfrm>
-            <a:off x="1163090" y="1343025"/>
+            <a:off x="167514" y="1266824"/>
             <a:ext cx="5933648" cy="4943475"/>
           </a:xfrm>
           <a:prstGeom prst="rect">
@@ -8885,7 +8887,12 @@
             <p:ph type="sldNum" sz="quarter" idx="10"/>
           </p:nvPr>
         </p:nvSpPr>
-        <p:spPr/>
+        <p:spPr>
+          <a:xfrm>
+            <a:off x="6720714" y="6003924"/>
+            <a:ext cx="2133600" cy="206375"/>
+          </a:xfrm>
+        </p:spPr>
         <p:txBody>
           <a:bodyPr/>
           <a:lstStyle/>
@@ -8929,21 +8936,1437 @@
               <a:rPr lang="en-US" sz="3600" dirty="0" smtClean="0"/>
             </a:br>
             <a:r>
-              <a:rPr lang="en-US" sz="3600" dirty="0" smtClean="0"/>
+              <a:rPr lang="en-US" sz="2700" dirty="0" smtClean="0">
+                <a:solidFill>
+                  <a:schemeClr val="tx1"/>
+                </a:solidFill>
+              </a:rPr>
               <a:t>Event No – the core input event</a:t>
             </a:r>
             <a:br>
-              <a:rPr lang="en-US" sz="3600" dirty="0" smtClean="0"/>
+              <a:rPr lang="en-US" sz="2700" dirty="0" smtClean="0">
+                <a:solidFill>
+                  <a:schemeClr val="tx1"/>
+                </a:solidFill>
+              </a:rPr>
             </a:br>
             <a:r>
-              <a:rPr lang="en-US" sz="3600" dirty="0" smtClean="0"/>
+              <a:rPr lang="en-US" sz="2700" dirty="0" smtClean="0">
+                <a:solidFill>
+                  <a:schemeClr val="tx1"/>
+                </a:solidFill>
+              </a:rPr>
               <a:t>Event</a:t>
             </a:r>
             <a:r>
-              <a:rPr lang="en-US" sz="3600" dirty="0" smtClean="0"/>
+              <a:rPr lang="en-US" sz="2700" dirty="0" smtClean="0">
+                <a:solidFill>
+                  <a:schemeClr val="tx1"/>
+                </a:solidFill>
+              </a:rPr>
               <a:t> name – the CIC output line</a:t>
             </a:r>
-            <a:endParaRPr lang="en-US" sz="3600" dirty="0"/>
+            <a:endParaRPr lang="en-US" sz="2700" dirty="0">
+              <a:solidFill>
+                <a:schemeClr val="tx1"/>
+              </a:solidFill>
+            </a:endParaRPr>
+          </a:p>
+        </p:txBody>
+      </p:sp>
+      <p:graphicFrame>
+        <p:nvGraphicFramePr>
+          <p:cNvPr id="2" name="Object 1"/>
+          <p:cNvGraphicFramePr>
+            <a:graphicFrameLocks noChangeAspect="1"/>
+          </p:cNvGraphicFramePr>
+          <p:nvPr>
+            <p:extLst>
+              <p:ext uri="{D42A27DB-BD31-4B8C-83A1-F6EECF244321}">
+                <p14:modId xmlns:p14="http://schemas.microsoft.com/office/powerpoint/2010/main" val="1796621520"/>
+              </p:ext>
+            </p:extLst>
+          </p:nvPr>
+        </p:nvGraphicFramePr>
+        <p:xfrm>
+          <a:off x="5867400" y="2515393"/>
+          <a:ext cx="3208337" cy="2598738"/>
+        </p:xfrm>
+        <a:graphic>
+          <a:graphicData uri="http://schemas.openxmlformats.org/presentationml/2006/ole">
+            <mc:AlternateContent xmlns:mc="http://schemas.openxmlformats.org/markup-compatibility/2006">
+              <mc:Choice xmlns:v="urn:schemas-microsoft-com:vml" Requires="v">
+                <p:oleObj spid="_x0000_s11272" name="Visio" r:id="rId4" imgW="9044738" imgH="6169084" progId="Visio.Drawing.11">
+                  <p:embed/>
+                </p:oleObj>
+              </mc:Choice>
+              <mc:Fallback>
+                <p:oleObj name="Visio" r:id="rId4" imgW="9044738" imgH="6169084" progId="Visio.Drawing.11">
+                  <p:embed/>
+                  <p:pic>
+                    <p:nvPicPr>
+                      <p:cNvPr id="0" name="Object 2"/>
+                      <p:cNvPicPr>
+                        <a:picLocks noChangeAspect="1" noChangeArrowheads="1"/>
+                      </p:cNvPicPr>
+                      <p:nvPr/>
+                    </p:nvPicPr>
+                    <p:blipFill>
+                      <a:blip r:embed="rId5">
+                        <a:extLst>
+                          <a:ext uri="{28A0092B-C50C-407E-A947-70E740481C1C}">
+                            <a14:useLocalDpi xmlns:a14="http://schemas.microsoft.com/office/drawing/2010/main" val="0"/>
+                          </a:ext>
+                        </a:extLst>
+                      </a:blip>
+                      <a:srcRect/>
+                      <a:stretch>
+                        <a:fillRect/>
+                      </a:stretch>
+                    </p:blipFill>
+                    <p:spPr bwMode="auto">
+                      <a:xfrm>
+                        <a:off x="5867400" y="2515393"/>
+                        <a:ext cx="3208337" cy="2598738"/>
+                      </a:xfrm>
+                      <a:prstGeom prst="rect">
+                        <a:avLst/>
+                      </a:prstGeom>
+                      <a:noFill/>
+                      <a:ln>
+                        <a:noFill/>
+                      </a:ln>
+                    </p:spPr>
+                  </p:pic>
+                </p:oleObj>
+              </mc:Fallback>
+            </mc:AlternateContent>
+          </a:graphicData>
+        </a:graphic>
+      </p:graphicFrame>
+      <p:sp>
+        <p:nvSpPr>
+          <p:cNvPr id="14" name="Freeform 13"/>
+          <p:cNvSpPr/>
+          <p:nvPr/>
+        </p:nvSpPr>
+        <p:spPr>
+          <a:xfrm>
+            <a:off x="6505575" y="733425"/>
+            <a:ext cx="1779007" cy="2945311"/>
+          </a:xfrm>
+          <a:custGeom>
+            <a:avLst/>
+            <a:gdLst>
+              <a:gd name="connsiteX0" fmla="*/ 0 w 1779007"/>
+              <a:gd name="connsiteY0" fmla="*/ 0 h 2945311"/>
+              <a:gd name="connsiteX1" fmla="*/ 542925 w 1779007"/>
+              <a:gd name="connsiteY1" fmla="*/ 9525 h 2945311"/>
+              <a:gd name="connsiteX2" fmla="*/ 647700 w 1779007"/>
+              <a:gd name="connsiteY2" fmla="*/ 47625 h 2945311"/>
+              <a:gd name="connsiteX3" fmla="*/ 704850 w 1779007"/>
+              <a:gd name="connsiteY3" fmla="*/ 66675 h 2945311"/>
+              <a:gd name="connsiteX4" fmla="*/ 742950 w 1779007"/>
+              <a:gd name="connsiteY4" fmla="*/ 85725 h 2945311"/>
+              <a:gd name="connsiteX5" fmla="*/ 819150 w 1779007"/>
+              <a:gd name="connsiteY5" fmla="*/ 95250 h 2945311"/>
+              <a:gd name="connsiteX6" fmla="*/ 857250 w 1779007"/>
+              <a:gd name="connsiteY6" fmla="*/ 104775 h 2945311"/>
+              <a:gd name="connsiteX7" fmla="*/ 933450 w 1779007"/>
+              <a:gd name="connsiteY7" fmla="*/ 142875 h 2945311"/>
+              <a:gd name="connsiteX8" fmla="*/ 971550 w 1779007"/>
+              <a:gd name="connsiteY8" fmla="*/ 161925 h 2945311"/>
+              <a:gd name="connsiteX9" fmla="*/ 1000125 w 1779007"/>
+              <a:gd name="connsiteY9" fmla="*/ 171450 h 2945311"/>
+              <a:gd name="connsiteX10" fmla="*/ 1047750 w 1779007"/>
+              <a:gd name="connsiteY10" fmla="*/ 200025 h 2945311"/>
+              <a:gd name="connsiteX11" fmla="*/ 1152525 w 1779007"/>
+              <a:gd name="connsiteY11" fmla="*/ 238125 h 2945311"/>
+              <a:gd name="connsiteX12" fmla="*/ 1181100 w 1779007"/>
+              <a:gd name="connsiteY12" fmla="*/ 257175 h 2945311"/>
+              <a:gd name="connsiteX13" fmla="*/ 1238250 w 1779007"/>
+              <a:gd name="connsiteY13" fmla="*/ 285750 h 2945311"/>
+              <a:gd name="connsiteX14" fmla="*/ 1295400 w 1779007"/>
+              <a:gd name="connsiteY14" fmla="*/ 304800 h 2945311"/>
+              <a:gd name="connsiteX15" fmla="*/ 1343025 w 1779007"/>
+              <a:gd name="connsiteY15" fmla="*/ 342900 h 2945311"/>
+              <a:gd name="connsiteX16" fmla="*/ 1381125 w 1779007"/>
+              <a:gd name="connsiteY16" fmla="*/ 381000 h 2945311"/>
+              <a:gd name="connsiteX17" fmla="*/ 1495425 w 1779007"/>
+              <a:gd name="connsiteY17" fmla="*/ 457200 h 2945311"/>
+              <a:gd name="connsiteX18" fmla="*/ 1524000 w 1779007"/>
+              <a:gd name="connsiteY18" fmla="*/ 485775 h 2945311"/>
+              <a:gd name="connsiteX19" fmla="*/ 1562100 w 1779007"/>
+              <a:gd name="connsiteY19" fmla="*/ 542925 h 2945311"/>
+              <a:gd name="connsiteX20" fmla="*/ 1609725 w 1779007"/>
+              <a:gd name="connsiteY20" fmla="*/ 581025 h 2945311"/>
+              <a:gd name="connsiteX21" fmla="*/ 1628775 w 1779007"/>
+              <a:gd name="connsiteY21" fmla="*/ 609600 h 2945311"/>
+              <a:gd name="connsiteX22" fmla="*/ 1676400 w 1779007"/>
+              <a:gd name="connsiteY22" fmla="*/ 676275 h 2945311"/>
+              <a:gd name="connsiteX23" fmla="*/ 1714500 w 1779007"/>
+              <a:gd name="connsiteY23" fmla="*/ 800100 h 2945311"/>
+              <a:gd name="connsiteX24" fmla="*/ 1724025 w 1779007"/>
+              <a:gd name="connsiteY24" fmla="*/ 923925 h 2945311"/>
+              <a:gd name="connsiteX25" fmla="*/ 1752600 w 1779007"/>
+              <a:gd name="connsiteY25" fmla="*/ 1200150 h 2945311"/>
+              <a:gd name="connsiteX26" fmla="*/ 1762125 w 1779007"/>
+              <a:gd name="connsiteY26" fmla="*/ 1266825 h 2945311"/>
+              <a:gd name="connsiteX27" fmla="*/ 1771650 w 1779007"/>
+              <a:gd name="connsiteY27" fmla="*/ 1295400 h 2945311"/>
+              <a:gd name="connsiteX28" fmla="*/ 1752600 w 1779007"/>
+              <a:gd name="connsiteY28" fmla="*/ 1895475 h 2945311"/>
+              <a:gd name="connsiteX29" fmla="*/ 1724025 w 1779007"/>
+              <a:gd name="connsiteY29" fmla="*/ 2009775 h 2945311"/>
+              <a:gd name="connsiteX30" fmla="*/ 1714500 w 1779007"/>
+              <a:gd name="connsiteY30" fmla="*/ 2047875 h 2945311"/>
+              <a:gd name="connsiteX31" fmla="*/ 1704975 w 1779007"/>
+              <a:gd name="connsiteY31" fmla="*/ 2085975 h 2945311"/>
+              <a:gd name="connsiteX32" fmla="*/ 1685925 w 1779007"/>
+              <a:gd name="connsiteY32" fmla="*/ 2114550 h 2945311"/>
+              <a:gd name="connsiteX33" fmla="*/ 1638300 w 1779007"/>
+              <a:gd name="connsiteY33" fmla="*/ 2228850 h 2945311"/>
+              <a:gd name="connsiteX34" fmla="*/ 1619250 w 1779007"/>
+              <a:gd name="connsiteY34" fmla="*/ 2266950 h 2945311"/>
+              <a:gd name="connsiteX35" fmla="*/ 1562100 w 1779007"/>
+              <a:gd name="connsiteY35" fmla="*/ 2362200 h 2945311"/>
+              <a:gd name="connsiteX36" fmla="*/ 1552575 w 1779007"/>
+              <a:gd name="connsiteY36" fmla="*/ 2390775 h 2945311"/>
+              <a:gd name="connsiteX37" fmla="*/ 1543050 w 1779007"/>
+              <a:gd name="connsiteY37" fmla="*/ 2495550 h 2945311"/>
+              <a:gd name="connsiteX38" fmla="*/ 1524000 w 1779007"/>
+              <a:gd name="connsiteY38" fmla="*/ 2581275 h 2945311"/>
+              <a:gd name="connsiteX39" fmla="*/ 1514475 w 1779007"/>
+              <a:gd name="connsiteY39" fmla="*/ 2657475 h 2945311"/>
+              <a:gd name="connsiteX40" fmla="*/ 1504950 w 1779007"/>
+              <a:gd name="connsiteY40" fmla="*/ 2943225 h 2945311"/>
+              <a:gd name="connsiteX41" fmla="*/ 1495425 w 1779007"/>
+              <a:gd name="connsiteY41" fmla="*/ 2914650 h 2945311"/>
+              <a:gd name="connsiteX42" fmla="*/ 1495425 w 1779007"/>
+              <a:gd name="connsiteY42" fmla="*/ 2895600 h 2945311"/>
+            </a:gdLst>
+            <a:ahLst/>
+            <a:cxnLst>
+              <a:cxn ang="0">
+                <a:pos x="connsiteX0" y="connsiteY0"/>
+              </a:cxn>
+              <a:cxn ang="0">
+                <a:pos x="connsiteX1" y="connsiteY1"/>
+              </a:cxn>
+              <a:cxn ang="0">
+                <a:pos x="connsiteX2" y="connsiteY2"/>
+              </a:cxn>
+              <a:cxn ang="0">
+                <a:pos x="connsiteX3" y="connsiteY3"/>
+              </a:cxn>
+              <a:cxn ang="0">
+                <a:pos x="connsiteX4" y="connsiteY4"/>
+              </a:cxn>
+              <a:cxn ang="0">
+                <a:pos x="connsiteX5" y="connsiteY5"/>
+              </a:cxn>
+              <a:cxn ang="0">
+                <a:pos x="connsiteX6" y="connsiteY6"/>
+              </a:cxn>
+              <a:cxn ang="0">
+                <a:pos x="connsiteX7" y="connsiteY7"/>
+              </a:cxn>
+              <a:cxn ang="0">
+                <a:pos x="connsiteX8" y="connsiteY8"/>
+              </a:cxn>
+              <a:cxn ang="0">
+                <a:pos x="connsiteX9" y="connsiteY9"/>
+              </a:cxn>
+              <a:cxn ang="0">
+                <a:pos x="connsiteX10" y="connsiteY10"/>
+              </a:cxn>
+              <a:cxn ang="0">
+                <a:pos x="connsiteX11" y="connsiteY11"/>
+              </a:cxn>
+              <a:cxn ang="0">
+                <a:pos x="connsiteX12" y="connsiteY12"/>
+              </a:cxn>
+              <a:cxn ang="0">
+                <a:pos x="connsiteX13" y="connsiteY13"/>
+              </a:cxn>
+              <a:cxn ang="0">
+                <a:pos x="connsiteX14" y="connsiteY14"/>
+              </a:cxn>
+              <a:cxn ang="0">
+                <a:pos x="connsiteX15" y="connsiteY15"/>
+              </a:cxn>
+              <a:cxn ang="0">
+                <a:pos x="connsiteX16" y="connsiteY16"/>
+              </a:cxn>
+              <a:cxn ang="0">
+                <a:pos x="connsiteX17" y="connsiteY17"/>
+              </a:cxn>
+              <a:cxn ang="0">
+                <a:pos x="connsiteX18" y="connsiteY18"/>
+              </a:cxn>
+              <a:cxn ang="0">
+                <a:pos x="connsiteX19" y="connsiteY19"/>
+              </a:cxn>
+              <a:cxn ang="0">
+                <a:pos x="connsiteX20" y="connsiteY20"/>
+              </a:cxn>
+              <a:cxn ang="0">
+                <a:pos x="connsiteX21" y="connsiteY21"/>
+              </a:cxn>
+              <a:cxn ang="0">
+                <a:pos x="connsiteX22" y="connsiteY22"/>
+              </a:cxn>
+              <a:cxn ang="0">
+                <a:pos x="connsiteX23" y="connsiteY23"/>
+              </a:cxn>
+              <a:cxn ang="0">
+                <a:pos x="connsiteX24" y="connsiteY24"/>
+              </a:cxn>
+              <a:cxn ang="0">
+                <a:pos x="connsiteX25" y="connsiteY25"/>
+              </a:cxn>
+              <a:cxn ang="0">
+                <a:pos x="connsiteX26" y="connsiteY26"/>
+              </a:cxn>
+              <a:cxn ang="0">
+                <a:pos x="connsiteX27" y="connsiteY27"/>
+              </a:cxn>
+              <a:cxn ang="0">
+                <a:pos x="connsiteX28" y="connsiteY28"/>
+              </a:cxn>
+              <a:cxn ang="0">
+                <a:pos x="connsiteX29" y="connsiteY29"/>
+              </a:cxn>
+              <a:cxn ang="0">
+                <a:pos x="connsiteX30" y="connsiteY30"/>
+              </a:cxn>
+              <a:cxn ang="0">
+                <a:pos x="connsiteX31" y="connsiteY31"/>
+              </a:cxn>
+              <a:cxn ang="0">
+                <a:pos x="connsiteX32" y="connsiteY32"/>
+              </a:cxn>
+              <a:cxn ang="0">
+                <a:pos x="connsiteX33" y="connsiteY33"/>
+              </a:cxn>
+              <a:cxn ang="0">
+                <a:pos x="connsiteX34" y="connsiteY34"/>
+              </a:cxn>
+              <a:cxn ang="0">
+                <a:pos x="connsiteX35" y="connsiteY35"/>
+              </a:cxn>
+              <a:cxn ang="0">
+                <a:pos x="connsiteX36" y="connsiteY36"/>
+              </a:cxn>
+              <a:cxn ang="0">
+                <a:pos x="connsiteX37" y="connsiteY37"/>
+              </a:cxn>
+              <a:cxn ang="0">
+                <a:pos x="connsiteX38" y="connsiteY38"/>
+              </a:cxn>
+              <a:cxn ang="0">
+                <a:pos x="connsiteX39" y="connsiteY39"/>
+              </a:cxn>
+              <a:cxn ang="0">
+                <a:pos x="connsiteX40" y="connsiteY40"/>
+              </a:cxn>
+              <a:cxn ang="0">
+                <a:pos x="connsiteX41" y="connsiteY41"/>
+              </a:cxn>
+              <a:cxn ang="0">
+                <a:pos x="connsiteX42" y="connsiteY42"/>
+              </a:cxn>
+            </a:cxnLst>
+            <a:rect l="l" t="t" r="r" b="b"/>
+            <a:pathLst>
+              <a:path w="1779007" h="2945311">
+                <a:moveTo>
+                  <a:pt x="0" y="0"/>
+                </a:moveTo>
+                <a:lnTo>
+                  <a:pt x="542925" y="9525"/>
+                </a:lnTo>
+                <a:cubicBezTo>
+                  <a:pt x="593343" y="11151"/>
+                  <a:pt x="599871" y="27696"/>
+                  <a:pt x="647700" y="47625"/>
+                </a:cubicBezTo>
+                <a:cubicBezTo>
+                  <a:pt x="666236" y="55348"/>
+                  <a:pt x="686889" y="57695"/>
+                  <a:pt x="704850" y="66675"/>
+                </a:cubicBezTo>
+                <a:cubicBezTo>
+                  <a:pt x="717550" y="73025"/>
+                  <a:pt x="729175" y="82281"/>
+                  <a:pt x="742950" y="85725"/>
+                </a:cubicBezTo>
+                <a:cubicBezTo>
+                  <a:pt x="767783" y="91933"/>
+                  <a:pt x="793901" y="91042"/>
+                  <a:pt x="819150" y="95250"/>
+                </a:cubicBezTo>
+                <a:cubicBezTo>
+                  <a:pt x="832063" y="97402"/>
+                  <a:pt x="844550" y="101600"/>
+                  <a:pt x="857250" y="104775"/>
+                </a:cubicBezTo>
+                <a:cubicBezTo>
+                  <a:pt x="907852" y="138510"/>
+                  <a:pt x="863545" y="111806"/>
+                  <a:pt x="933450" y="142875"/>
+                </a:cubicBezTo>
+                <a:cubicBezTo>
+                  <a:pt x="946425" y="148642"/>
+                  <a:pt x="958499" y="156332"/>
+                  <a:pt x="971550" y="161925"/>
+                </a:cubicBezTo>
+                <a:cubicBezTo>
+                  <a:pt x="980778" y="165880"/>
+                  <a:pt x="991145" y="166960"/>
+                  <a:pt x="1000125" y="171450"/>
+                </a:cubicBezTo>
+                <a:cubicBezTo>
+                  <a:pt x="1016684" y="179729"/>
+                  <a:pt x="1030896" y="192364"/>
+                  <a:pt x="1047750" y="200025"/>
+                </a:cubicBezTo>
+                <a:cubicBezTo>
+                  <a:pt x="1145551" y="244480"/>
+                  <a:pt x="1065454" y="194590"/>
+                  <a:pt x="1152525" y="238125"/>
+                </a:cubicBezTo>
+                <a:cubicBezTo>
+                  <a:pt x="1162764" y="243245"/>
+                  <a:pt x="1171093" y="251616"/>
+                  <a:pt x="1181100" y="257175"/>
+                </a:cubicBezTo>
+                <a:cubicBezTo>
+                  <a:pt x="1199718" y="267518"/>
+                  <a:pt x="1218590" y="277558"/>
+                  <a:pt x="1238250" y="285750"/>
+                </a:cubicBezTo>
+                <a:cubicBezTo>
+                  <a:pt x="1256786" y="293473"/>
+                  <a:pt x="1295400" y="304800"/>
+                  <a:pt x="1295400" y="304800"/>
+                </a:cubicBezTo>
+                <a:cubicBezTo>
+                  <a:pt x="1341820" y="374429"/>
+                  <a:pt x="1284470" y="301075"/>
+                  <a:pt x="1343025" y="342900"/>
+                </a:cubicBezTo>
+                <a:cubicBezTo>
+                  <a:pt x="1357640" y="353339"/>
+                  <a:pt x="1367414" y="369399"/>
+                  <a:pt x="1381125" y="381000"/>
+                </a:cubicBezTo>
+                <a:cubicBezTo>
+                  <a:pt x="1462289" y="449677"/>
+                  <a:pt x="1435970" y="437382"/>
+                  <a:pt x="1495425" y="457200"/>
+                </a:cubicBezTo>
+                <a:cubicBezTo>
+                  <a:pt x="1504950" y="466725"/>
+                  <a:pt x="1515730" y="475142"/>
+                  <a:pt x="1524000" y="485775"/>
+                </a:cubicBezTo>
+                <a:cubicBezTo>
+                  <a:pt x="1538056" y="503847"/>
+                  <a:pt x="1546784" y="525907"/>
+                  <a:pt x="1562100" y="542925"/>
+                </a:cubicBezTo>
+                <a:cubicBezTo>
+                  <a:pt x="1575700" y="558036"/>
+                  <a:pt x="1595350" y="566650"/>
+                  <a:pt x="1609725" y="581025"/>
+                </a:cubicBezTo>
+                <a:cubicBezTo>
+                  <a:pt x="1617820" y="589120"/>
+                  <a:pt x="1622121" y="600285"/>
+                  <a:pt x="1628775" y="609600"/>
+                </a:cubicBezTo>
+                <a:cubicBezTo>
+                  <a:pt x="1632914" y="615395"/>
+                  <a:pt x="1671118" y="664391"/>
+                  <a:pt x="1676400" y="676275"/>
+                </a:cubicBezTo>
+                <a:cubicBezTo>
+                  <a:pt x="1686944" y="699998"/>
+                  <a:pt x="1708139" y="777835"/>
+                  <a:pt x="1714500" y="800100"/>
+                </a:cubicBezTo>
+                <a:cubicBezTo>
+                  <a:pt x="1717675" y="841375"/>
+                  <a:pt x="1721791" y="882588"/>
+                  <a:pt x="1724025" y="923925"/>
+                </a:cubicBezTo>
+                <a:cubicBezTo>
+                  <a:pt x="1737781" y="1178405"/>
+                  <a:pt x="1704437" y="1079741"/>
+                  <a:pt x="1752600" y="1200150"/>
+                </a:cubicBezTo>
+                <a:cubicBezTo>
+                  <a:pt x="1755775" y="1222375"/>
+                  <a:pt x="1757722" y="1244810"/>
+                  <a:pt x="1762125" y="1266825"/>
+                </a:cubicBezTo>
+                <a:cubicBezTo>
+                  <a:pt x="1764094" y="1276670"/>
+                  <a:pt x="1771650" y="1285360"/>
+                  <a:pt x="1771650" y="1295400"/>
+                </a:cubicBezTo>
+                <a:cubicBezTo>
+                  <a:pt x="1771650" y="1475367"/>
+                  <a:pt x="1797383" y="1701414"/>
+                  <a:pt x="1752600" y="1895475"/>
+                </a:cubicBezTo>
+                <a:cubicBezTo>
+                  <a:pt x="1743769" y="1933742"/>
+                  <a:pt x="1733550" y="1971675"/>
+                  <a:pt x="1724025" y="2009775"/>
+                </a:cubicBezTo>
+                <a:lnTo>
+                  <a:pt x="1714500" y="2047875"/>
+                </a:lnTo>
+                <a:cubicBezTo>
+                  <a:pt x="1711325" y="2060575"/>
+                  <a:pt x="1712237" y="2075083"/>
+                  <a:pt x="1704975" y="2085975"/>
+                </a:cubicBezTo>
+                <a:lnTo>
+                  <a:pt x="1685925" y="2114550"/>
+                </a:lnTo>
+                <a:cubicBezTo>
+                  <a:pt x="1669512" y="2180200"/>
+                  <a:pt x="1682254" y="2140941"/>
+                  <a:pt x="1638300" y="2228850"/>
+                </a:cubicBezTo>
+                <a:cubicBezTo>
+                  <a:pt x="1631950" y="2241550"/>
+                  <a:pt x="1627126" y="2255136"/>
+                  <a:pt x="1619250" y="2266950"/>
+                </a:cubicBezTo>
+                <a:cubicBezTo>
+                  <a:pt x="1592165" y="2307578"/>
+                  <a:pt x="1579673" y="2321195"/>
+                  <a:pt x="1562100" y="2362200"/>
+                </a:cubicBezTo>
+                <a:cubicBezTo>
+                  <a:pt x="1558145" y="2371428"/>
+                  <a:pt x="1555750" y="2381250"/>
+                  <a:pt x="1552575" y="2390775"/>
+                </a:cubicBezTo>
+                <a:cubicBezTo>
+                  <a:pt x="1549400" y="2425700"/>
+                  <a:pt x="1547400" y="2460752"/>
+                  <a:pt x="1543050" y="2495550"/>
+                </a:cubicBezTo>
+                <a:cubicBezTo>
+                  <a:pt x="1532461" y="2580264"/>
+                  <a:pt x="1536236" y="2507858"/>
+                  <a:pt x="1524000" y="2581275"/>
+                </a:cubicBezTo>
+                <a:cubicBezTo>
+                  <a:pt x="1519792" y="2606524"/>
+                  <a:pt x="1517650" y="2632075"/>
+                  <a:pt x="1514475" y="2657475"/>
+                </a:cubicBezTo>
+                <a:cubicBezTo>
+                  <a:pt x="1511300" y="2752725"/>
+                  <a:pt x="1511990" y="2848182"/>
+                  <a:pt x="1504950" y="2943225"/>
+                </a:cubicBezTo>
+                <a:cubicBezTo>
+                  <a:pt x="1504208" y="2953238"/>
+                  <a:pt x="1497394" y="2924495"/>
+                  <a:pt x="1495425" y="2914650"/>
+                </a:cubicBezTo>
+                <a:cubicBezTo>
+                  <a:pt x="1494180" y="2908423"/>
+                  <a:pt x="1495425" y="2901950"/>
+                  <a:pt x="1495425" y="2895600"/>
+                </a:cubicBezTo>
+              </a:path>
+            </a:pathLst>
+          </a:custGeom>
+          <a:noFill/>
+        </p:spPr>
+        <p:style>
+          <a:lnRef idx="2">
+            <a:schemeClr val="accent1">
+              <a:shade val="50000"/>
+            </a:schemeClr>
+          </a:lnRef>
+          <a:fillRef idx="1">
+            <a:schemeClr val="accent1"/>
+          </a:fillRef>
+          <a:effectRef idx="0">
+            <a:schemeClr val="accent1"/>
+          </a:effectRef>
+          <a:fontRef idx="minor">
+            <a:schemeClr val="lt1"/>
+          </a:fontRef>
+        </p:style>
+        <p:txBody>
+          <a:bodyPr rtlCol="0" anchor="ctr"/>
+          <a:lstStyle/>
+          <a:p>
+            <a:pPr algn="ctr"/>
+            <a:endParaRPr lang="en-US"/>
+          </a:p>
+        </p:txBody>
+      </p:sp>
+      <p:sp>
+        <p:nvSpPr>
+          <p:cNvPr id="15" name="Freeform 14"/>
+          <p:cNvSpPr/>
+          <p:nvPr/>
+        </p:nvSpPr>
+        <p:spPr>
+          <a:xfrm>
+            <a:off x="6543675" y="1095375"/>
+            <a:ext cx="552788" cy="1828947"/>
+          </a:xfrm>
+          <a:custGeom>
+            <a:avLst/>
+            <a:gdLst>
+              <a:gd name="connsiteX0" fmla="*/ 0 w 552788"/>
+              <a:gd name="connsiteY0" fmla="*/ 0 h 1828947"/>
+              <a:gd name="connsiteX1" fmla="*/ 200025 w 552788"/>
+              <a:gd name="connsiteY1" fmla="*/ 123825 h 1828947"/>
+              <a:gd name="connsiteX2" fmla="*/ 247650 w 552788"/>
+              <a:gd name="connsiteY2" fmla="*/ 142875 h 1828947"/>
+              <a:gd name="connsiteX3" fmla="*/ 276225 w 552788"/>
+              <a:gd name="connsiteY3" fmla="*/ 171450 h 1828947"/>
+              <a:gd name="connsiteX4" fmla="*/ 304800 w 552788"/>
+              <a:gd name="connsiteY4" fmla="*/ 180975 h 1828947"/>
+              <a:gd name="connsiteX5" fmla="*/ 361950 w 552788"/>
+              <a:gd name="connsiteY5" fmla="*/ 266700 h 1828947"/>
+              <a:gd name="connsiteX6" fmla="*/ 419100 w 552788"/>
+              <a:gd name="connsiteY6" fmla="*/ 323850 h 1828947"/>
+              <a:gd name="connsiteX7" fmla="*/ 457200 w 552788"/>
+              <a:gd name="connsiteY7" fmla="*/ 419100 h 1828947"/>
+              <a:gd name="connsiteX8" fmla="*/ 504825 w 552788"/>
+              <a:gd name="connsiteY8" fmla="*/ 523875 h 1828947"/>
+              <a:gd name="connsiteX9" fmla="*/ 523875 w 552788"/>
+              <a:gd name="connsiteY9" fmla="*/ 638175 h 1828947"/>
+              <a:gd name="connsiteX10" fmla="*/ 542925 w 552788"/>
+              <a:gd name="connsiteY10" fmla="*/ 666750 h 1828947"/>
+              <a:gd name="connsiteX11" fmla="*/ 542925 w 552788"/>
+              <a:gd name="connsiteY11" fmla="*/ 1447800 h 1828947"/>
+              <a:gd name="connsiteX12" fmla="*/ 523875 w 552788"/>
+              <a:gd name="connsiteY12" fmla="*/ 1524000 h 1828947"/>
+              <a:gd name="connsiteX13" fmla="*/ 504825 w 552788"/>
+              <a:gd name="connsiteY13" fmla="*/ 1704975 h 1828947"/>
+              <a:gd name="connsiteX14" fmla="*/ 542925 w 552788"/>
+              <a:gd name="connsiteY14" fmla="*/ 1828800 h 1828947"/>
+            </a:gdLst>
+            <a:ahLst/>
+            <a:cxnLst>
+              <a:cxn ang="0">
+                <a:pos x="connsiteX0" y="connsiteY0"/>
+              </a:cxn>
+              <a:cxn ang="0">
+                <a:pos x="connsiteX1" y="connsiteY1"/>
+              </a:cxn>
+              <a:cxn ang="0">
+                <a:pos x="connsiteX2" y="connsiteY2"/>
+              </a:cxn>
+              <a:cxn ang="0">
+                <a:pos x="connsiteX3" y="connsiteY3"/>
+              </a:cxn>
+              <a:cxn ang="0">
+                <a:pos x="connsiteX4" y="connsiteY4"/>
+              </a:cxn>
+              <a:cxn ang="0">
+                <a:pos x="connsiteX5" y="connsiteY5"/>
+              </a:cxn>
+              <a:cxn ang="0">
+                <a:pos x="connsiteX6" y="connsiteY6"/>
+              </a:cxn>
+              <a:cxn ang="0">
+                <a:pos x="connsiteX7" y="connsiteY7"/>
+              </a:cxn>
+              <a:cxn ang="0">
+                <a:pos x="connsiteX8" y="connsiteY8"/>
+              </a:cxn>
+              <a:cxn ang="0">
+                <a:pos x="connsiteX9" y="connsiteY9"/>
+              </a:cxn>
+              <a:cxn ang="0">
+                <a:pos x="connsiteX10" y="connsiteY10"/>
+              </a:cxn>
+              <a:cxn ang="0">
+                <a:pos x="connsiteX11" y="connsiteY11"/>
+              </a:cxn>
+              <a:cxn ang="0">
+                <a:pos x="connsiteX12" y="connsiteY12"/>
+              </a:cxn>
+              <a:cxn ang="0">
+                <a:pos x="connsiteX13" y="connsiteY13"/>
+              </a:cxn>
+              <a:cxn ang="0">
+                <a:pos x="connsiteX14" y="connsiteY14"/>
+              </a:cxn>
+            </a:cxnLst>
+            <a:rect l="l" t="t" r="r" b="b"/>
+            <a:pathLst>
+              <a:path w="552788" h="1828947">
+                <a:moveTo>
+                  <a:pt x="0" y="0"/>
+                </a:moveTo>
+                <a:cubicBezTo>
+                  <a:pt x="119293" y="47717"/>
+                  <a:pt x="-18492" y="-11448"/>
+                  <a:pt x="200025" y="123825"/>
+                </a:cubicBezTo>
+                <a:cubicBezTo>
+                  <a:pt x="214563" y="132825"/>
+                  <a:pt x="231775" y="136525"/>
+                  <a:pt x="247650" y="142875"/>
+                </a:cubicBezTo>
+                <a:cubicBezTo>
+                  <a:pt x="257175" y="152400"/>
+                  <a:pt x="265017" y="163978"/>
+                  <a:pt x="276225" y="171450"/>
+                </a:cubicBezTo>
+                <a:cubicBezTo>
+                  <a:pt x="284579" y="177019"/>
+                  <a:pt x="297177" y="174441"/>
+                  <a:pt x="304800" y="180975"/>
+                </a:cubicBezTo>
+                <a:cubicBezTo>
+                  <a:pt x="381723" y="246909"/>
+                  <a:pt x="312888" y="205373"/>
+                  <a:pt x="361950" y="266700"/>
+                </a:cubicBezTo>
+                <a:cubicBezTo>
+                  <a:pt x="378780" y="287737"/>
+                  <a:pt x="400050" y="304800"/>
+                  <a:pt x="419100" y="323850"/>
+                </a:cubicBezTo>
+                <a:cubicBezTo>
+                  <a:pt x="431800" y="355600"/>
+                  <a:pt x="441907" y="388514"/>
+                  <a:pt x="457200" y="419100"/>
+                </a:cubicBezTo>
+                <a:cubicBezTo>
+                  <a:pt x="493421" y="491543"/>
+                  <a:pt x="477865" y="456475"/>
+                  <a:pt x="504825" y="523875"/>
+                </a:cubicBezTo>
+                <a:cubicBezTo>
+                  <a:pt x="506239" y="533776"/>
+                  <a:pt x="517447" y="621033"/>
+                  <a:pt x="523875" y="638175"/>
+                </a:cubicBezTo>
+                <a:cubicBezTo>
+                  <a:pt x="527895" y="648894"/>
+                  <a:pt x="536575" y="657225"/>
+                  <a:pt x="542925" y="666750"/>
+                </a:cubicBezTo>
+                <a:cubicBezTo>
+                  <a:pt x="545418" y="813815"/>
+                  <a:pt x="563815" y="1231937"/>
+                  <a:pt x="542925" y="1447800"/>
+                </a:cubicBezTo>
+                <a:cubicBezTo>
+                  <a:pt x="540403" y="1473860"/>
+                  <a:pt x="528700" y="1498267"/>
+                  <a:pt x="523875" y="1524000"/>
+                </a:cubicBezTo>
+                <a:cubicBezTo>
+                  <a:pt x="516530" y="1563176"/>
+                  <a:pt x="507722" y="1673105"/>
+                  <a:pt x="504825" y="1704975"/>
+                </a:cubicBezTo>
+                <a:cubicBezTo>
+                  <a:pt x="515081" y="1838297"/>
+                  <a:pt x="472953" y="1828800"/>
+                  <a:pt x="542925" y="1828800"/>
+                </a:cubicBezTo>
+              </a:path>
+            </a:pathLst>
+          </a:custGeom>
+          <a:noFill/>
+        </p:spPr>
+        <p:style>
+          <a:lnRef idx="2">
+            <a:schemeClr val="accent1">
+              <a:shade val="50000"/>
+            </a:schemeClr>
+          </a:lnRef>
+          <a:fillRef idx="1">
+            <a:schemeClr val="accent1"/>
+          </a:fillRef>
+          <a:effectRef idx="0">
+            <a:schemeClr val="accent1"/>
+          </a:effectRef>
+          <a:fontRef idx="minor">
+            <a:schemeClr val="lt1"/>
+          </a:fontRef>
+        </p:style>
+        <p:txBody>
+          <a:bodyPr rtlCol="0" anchor="ctr"/>
+          <a:lstStyle/>
+          <a:p>
+            <a:pPr algn="ctr"/>
+            <a:endParaRPr lang="en-US"/>
+          </a:p>
+        </p:txBody>
+      </p:sp>
+      <p:sp>
+        <p:nvSpPr>
+          <p:cNvPr id="16" name="Freeform 15"/>
+          <p:cNvSpPr/>
+          <p:nvPr/>
+        </p:nvSpPr>
+        <p:spPr>
+          <a:xfrm>
+            <a:off x="370101" y="502461"/>
+            <a:ext cx="2230224" cy="1297764"/>
+          </a:xfrm>
+          <a:custGeom>
+            <a:avLst/>
+            <a:gdLst>
+              <a:gd name="connsiteX0" fmla="*/ 2230224 w 2230224"/>
+              <a:gd name="connsiteY0" fmla="*/ 211914 h 1297764"/>
+              <a:gd name="connsiteX1" fmla="*/ 2068299 w 2230224"/>
+              <a:gd name="connsiteY1" fmla="*/ 183339 h 1297764"/>
+              <a:gd name="connsiteX2" fmla="*/ 2011149 w 2230224"/>
+              <a:gd name="connsiteY2" fmla="*/ 173814 h 1297764"/>
+              <a:gd name="connsiteX3" fmla="*/ 1973049 w 2230224"/>
+              <a:gd name="connsiteY3" fmla="*/ 164289 h 1297764"/>
+              <a:gd name="connsiteX4" fmla="*/ 1915899 w 2230224"/>
+              <a:gd name="connsiteY4" fmla="*/ 154764 h 1297764"/>
+              <a:gd name="connsiteX5" fmla="*/ 1839699 w 2230224"/>
+              <a:gd name="connsiteY5" fmla="*/ 135714 h 1297764"/>
+              <a:gd name="connsiteX6" fmla="*/ 1811124 w 2230224"/>
+              <a:gd name="connsiteY6" fmla="*/ 126189 h 1297764"/>
+              <a:gd name="connsiteX7" fmla="*/ 1763499 w 2230224"/>
+              <a:gd name="connsiteY7" fmla="*/ 116664 h 1297764"/>
+              <a:gd name="connsiteX8" fmla="*/ 1725399 w 2230224"/>
+              <a:gd name="connsiteY8" fmla="*/ 97614 h 1297764"/>
+              <a:gd name="connsiteX9" fmla="*/ 1468224 w 2230224"/>
+              <a:gd name="connsiteY9" fmla="*/ 78564 h 1297764"/>
+              <a:gd name="connsiteX10" fmla="*/ 1411074 w 2230224"/>
+              <a:gd name="connsiteY10" fmla="*/ 59514 h 1297764"/>
+              <a:gd name="connsiteX11" fmla="*/ 1182474 w 2230224"/>
+              <a:gd name="connsiteY11" fmla="*/ 30939 h 1297764"/>
+              <a:gd name="connsiteX12" fmla="*/ 782424 w 2230224"/>
+              <a:gd name="connsiteY12" fmla="*/ 21414 h 1297764"/>
+              <a:gd name="connsiteX13" fmla="*/ 630024 w 2230224"/>
+              <a:gd name="connsiteY13" fmla="*/ 30939 h 1297764"/>
+              <a:gd name="connsiteX14" fmla="*/ 591924 w 2230224"/>
+              <a:gd name="connsiteY14" fmla="*/ 49989 h 1297764"/>
+              <a:gd name="connsiteX15" fmla="*/ 563349 w 2230224"/>
+              <a:gd name="connsiteY15" fmla="*/ 59514 h 1297764"/>
+              <a:gd name="connsiteX16" fmla="*/ 534774 w 2230224"/>
+              <a:gd name="connsiteY16" fmla="*/ 78564 h 1297764"/>
+              <a:gd name="connsiteX17" fmla="*/ 449049 w 2230224"/>
+              <a:gd name="connsiteY17" fmla="*/ 107139 h 1297764"/>
+              <a:gd name="connsiteX18" fmla="*/ 401424 w 2230224"/>
+              <a:gd name="connsiteY18" fmla="*/ 135714 h 1297764"/>
+              <a:gd name="connsiteX19" fmla="*/ 344274 w 2230224"/>
+              <a:gd name="connsiteY19" fmla="*/ 154764 h 1297764"/>
+              <a:gd name="connsiteX20" fmla="*/ 268074 w 2230224"/>
+              <a:gd name="connsiteY20" fmla="*/ 192864 h 1297764"/>
+              <a:gd name="connsiteX21" fmla="*/ 191874 w 2230224"/>
+              <a:gd name="connsiteY21" fmla="*/ 259539 h 1297764"/>
+              <a:gd name="connsiteX22" fmla="*/ 172824 w 2230224"/>
+              <a:gd name="connsiteY22" fmla="*/ 316689 h 1297764"/>
+              <a:gd name="connsiteX23" fmla="*/ 153774 w 2230224"/>
+              <a:gd name="connsiteY23" fmla="*/ 345264 h 1297764"/>
+              <a:gd name="connsiteX24" fmla="*/ 125199 w 2230224"/>
+              <a:gd name="connsiteY24" fmla="*/ 373839 h 1297764"/>
+              <a:gd name="connsiteX25" fmla="*/ 96624 w 2230224"/>
+              <a:gd name="connsiteY25" fmla="*/ 421464 h 1297764"/>
+              <a:gd name="connsiteX26" fmla="*/ 48999 w 2230224"/>
+              <a:gd name="connsiteY26" fmla="*/ 516714 h 1297764"/>
+              <a:gd name="connsiteX27" fmla="*/ 29949 w 2230224"/>
+              <a:gd name="connsiteY27" fmla="*/ 554814 h 1297764"/>
+              <a:gd name="connsiteX28" fmla="*/ 10899 w 2230224"/>
+              <a:gd name="connsiteY28" fmla="*/ 640539 h 1297764"/>
+              <a:gd name="connsiteX29" fmla="*/ 1374 w 2230224"/>
+              <a:gd name="connsiteY29" fmla="*/ 678639 h 1297764"/>
+              <a:gd name="connsiteX30" fmla="*/ 20424 w 2230224"/>
+              <a:gd name="connsiteY30" fmla="*/ 897714 h 1297764"/>
+              <a:gd name="connsiteX31" fmla="*/ 29949 w 2230224"/>
+              <a:gd name="connsiteY31" fmla="*/ 935814 h 1297764"/>
+              <a:gd name="connsiteX32" fmla="*/ 48999 w 2230224"/>
+              <a:gd name="connsiteY32" fmla="*/ 964389 h 1297764"/>
+              <a:gd name="connsiteX33" fmla="*/ 58524 w 2230224"/>
+              <a:gd name="connsiteY33" fmla="*/ 1021539 h 1297764"/>
+              <a:gd name="connsiteX34" fmla="*/ 68049 w 2230224"/>
+              <a:gd name="connsiteY34" fmla="*/ 1050114 h 1297764"/>
+              <a:gd name="connsiteX35" fmla="*/ 58524 w 2230224"/>
+              <a:gd name="connsiteY35" fmla="*/ 1212039 h 1297764"/>
+              <a:gd name="connsiteX36" fmla="*/ 68049 w 2230224"/>
+              <a:gd name="connsiteY36" fmla="*/ 1297764 h 1297764"/>
+            </a:gdLst>
+            <a:ahLst/>
+            <a:cxnLst>
+              <a:cxn ang="0">
+                <a:pos x="connsiteX0" y="connsiteY0"/>
+              </a:cxn>
+              <a:cxn ang="0">
+                <a:pos x="connsiteX1" y="connsiteY1"/>
+              </a:cxn>
+              <a:cxn ang="0">
+                <a:pos x="connsiteX2" y="connsiteY2"/>
+              </a:cxn>
+              <a:cxn ang="0">
+                <a:pos x="connsiteX3" y="connsiteY3"/>
+              </a:cxn>
+              <a:cxn ang="0">
+                <a:pos x="connsiteX4" y="connsiteY4"/>
+              </a:cxn>
+              <a:cxn ang="0">
+                <a:pos x="connsiteX5" y="connsiteY5"/>
+              </a:cxn>
+              <a:cxn ang="0">
+                <a:pos x="connsiteX6" y="connsiteY6"/>
+              </a:cxn>
+              <a:cxn ang="0">
+                <a:pos x="connsiteX7" y="connsiteY7"/>
+              </a:cxn>
+              <a:cxn ang="0">
+                <a:pos x="connsiteX8" y="connsiteY8"/>
+              </a:cxn>
+              <a:cxn ang="0">
+                <a:pos x="connsiteX9" y="connsiteY9"/>
+              </a:cxn>
+              <a:cxn ang="0">
+                <a:pos x="connsiteX10" y="connsiteY10"/>
+              </a:cxn>
+              <a:cxn ang="0">
+                <a:pos x="connsiteX11" y="connsiteY11"/>
+              </a:cxn>
+              <a:cxn ang="0">
+                <a:pos x="connsiteX12" y="connsiteY12"/>
+              </a:cxn>
+              <a:cxn ang="0">
+                <a:pos x="connsiteX13" y="connsiteY13"/>
+              </a:cxn>
+              <a:cxn ang="0">
+                <a:pos x="connsiteX14" y="connsiteY14"/>
+              </a:cxn>
+              <a:cxn ang="0">
+                <a:pos x="connsiteX15" y="connsiteY15"/>
+              </a:cxn>
+              <a:cxn ang="0">
+                <a:pos x="connsiteX16" y="connsiteY16"/>
+              </a:cxn>
+              <a:cxn ang="0">
+                <a:pos x="connsiteX17" y="connsiteY17"/>
+              </a:cxn>
+              <a:cxn ang="0">
+                <a:pos x="connsiteX18" y="connsiteY18"/>
+              </a:cxn>
+              <a:cxn ang="0">
+                <a:pos x="connsiteX19" y="connsiteY19"/>
+              </a:cxn>
+              <a:cxn ang="0">
+                <a:pos x="connsiteX20" y="connsiteY20"/>
+              </a:cxn>
+              <a:cxn ang="0">
+                <a:pos x="connsiteX21" y="connsiteY21"/>
+              </a:cxn>
+              <a:cxn ang="0">
+                <a:pos x="connsiteX22" y="connsiteY22"/>
+              </a:cxn>
+              <a:cxn ang="0">
+                <a:pos x="connsiteX23" y="connsiteY23"/>
+              </a:cxn>
+              <a:cxn ang="0">
+                <a:pos x="connsiteX24" y="connsiteY24"/>
+              </a:cxn>
+              <a:cxn ang="0">
+                <a:pos x="connsiteX25" y="connsiteY25"/>
+              </a:cxn>
+              <a:cxn ang="0">
+                <a:pos x="connsiteX26" y="connsiteY26"/>
+              </a:cxn>
+              <a:cxn ang="0">
+                <a:pos x="connsiteX27" y="connsiteY27"/>
+              </a:cxn>
+              <a:cxn ang="0">
+                <a:pos x="connsiteX28" y="connsiteY28"/>
+              </a:cxn>
+              <a:cxn ang="0">
+                <a:pos x="connsiteX29" y="connsiteY29"/>
+              </a:cxn>
+              <a:cxn ang="0">
+                <a:pos x="connsiteX30" y="connsiteY30"/>
+              </a:cxn>
+              <a:cxn ang="0">
+                <a:pos x="connsiteX31" y="connsiteY31"/>
+              </a:cxn>
+              <a:cxn ang="0">
+                <a:pos x="connsiteX32" y="connsiteY32"/>
+              </a:cxn>
+              <a:cxn ang="0">
+                <a:pos x="connsiteX33" y="connsiteY33"/>
+              </a:cxn>
+              <a:cxn ang="0">
+                <a:pos x="connsiteX34" y="connsiteY34"/>
+              </a:cxn>
+              <a:cxn ang="0">
+                <a:pos x="connsiteX35" y="connsiteY35"/>
+              </a:cxn>
+              <a:cxn ang="0">
+                <a:pos x="connsiteX36" y="connsiteY36"/>
+              </a:cxn>
+            </a:cxnLst>
+            <a:rect l="l" t="t" r="r" b="b"/>
+            <a:pathLst>
+              <a:path w="2230224" h="1297764">
+                <a:moveTo>
+                  <a:pt x="2230224" y="211914"/>
+                </a:moveTo>
+                <a:cubicBezTo>
+                  <a:pt x="2108729" y="194558"/>
+                  <a:pt x="2218398" y="211483"/>
+                  <a:pt x="2068299" y="183339"/>
+                </a:cubicBezTo>
+                <a:cubicBezTo>
+                  <a:pt x="2049317" y="179780"/>
+                  <a:pt x="2030087" y="177602"/>
+                  <a:pt x="2011149" y="173814"/>
+                </a:cubicBezTo>
+                <a:cubicBezTo>
+                  <a:pt x="1998312" y="171247"/>
+                  <a:pt x="1985886" y="166856"/>
+                  <a:pt x="1973049" y="164289"/>
+                </a:cubicBezTo>
+                <a:cubicBezTo>
+                  <a:pt x="1954111" y="160501"/>
+                  <a:pt x="1934783" y="158811"/>
+                  <a:pt x="1915899" y="154764"/>
+                </a:cubicBezTo>
+                <a:cubicBezTo>
+                  <a:pt x="1890298" y="149278"/>
+                  <a:pt x="1864537" y="143993"/>
+                  <a:pt x="1839699" y="135714"/>
+                </a:cubicBezTo>
+                <a:cubicBezTo>
+                  <a:pt x="1830174" y="132539"/>
+                  <a:pt x="1820864" y="128624"/>
+                  <a:pt x="1811124" y="126189"/>
+                </a:cubicBezTo>
+                <a:cubicBezTo>
+                  <a:pt x="1795418" y="122262"/>
+                  <a:pt x="1779374" y="119839"/>
+                  <a:pt x="1763499" y="116664"/>
+                </a:cubicBezTo>
+                <a:cubicBezTo>
+                  <a:pt x="1750799" y="110314"/>
+                  <a:pt x="1739481" y="99431"/>
+                  <a:pt x="1725399" y="97614"/>
+                </a:cubicBezTo>
+                <a:cubicBezTo>
+                  <a:pt x="1640146" y="86614"/>
+                  <a:pt x="1468224" y="78564"/>
+                  <a:pt x="1468224" y="78564"/>
+                </a:cubicBezTo>
+                <a:cubicBezTo>
+                  <a:pt x="1449174" y="72214"/>
+                  <a:pt x="1430765" y="63452"/>
+                  <a:pt x="1411074" y="59514"/>
+                </a:cubicBezTo>
+                <a:cubicBezTo>
+                  <a:pt x="1340386" y="45376"/>
+                  <a:pt x="1255425" y="38234"/>
+                  <a:pt x="1182474" y="30939"/>
+                </a:cubicBezTo>
+                <a:cubicBezTo>
+                  <a:pt x="1018679" y="-23659"/>
+                  <a:pt x="1134966" y="7855"/>
+                  <a:pt x="782424" y="21414"/>
+                </a:cubicBezTo>
+                <a:cubicBezTo>
+                  <a:pt x="731562" y="23370"/>
+                  <a:pt x="680824" y="27764"/>
+                  <a:pt x="630024" y="30939"/>
+                </a:cubicBezTo>
+                <a:cubicBezTo>
+                  <a:pt x="617324" y="37289"/>
+                  <a:pt x="604975" y="44396"/>
+                  <a:pt x="591924" y="49989"/>
+                </a:cubicBezTo>
+                <a:cubicBezTo>
+                  <a:pt x="582696" y="53944"/>
+                  <a:pt x="572329" y="55024"/>
+                  <a:pt x="563349" y="59514"/>
+                </a:cubicBezTo>
+                <a:cubicBezTo>
+                  <a:pt x="553110" y="64634"/>
+                  <a:pt x="545013" y="73444"/>
+                  <a:pt x="534774" y="78564"/>
+                </a:cubicBezTo>
+                <a:cubicBezTo>
+                  <a:pt x="498906" y="96498"/>
+                  <a:pt x="485429" y="98044"/>
+                  <a:pt x="449049" y="107139"/>
+                </a:cubicBezTo>
+                <a:cubicBezTo>
+                  <a:pt x="433174" y="116664"/>
+                  <a:pt x="418278" y="128053"/>
+                  <a:pt x="401424" y="135714"/>
+                </a:cubicBezTo>
+                <a:cubicBezTo>
+                  <a:pt x="383143" y="144023"/>
+                  <a:pt x="362235" y="145784"/>
+                  <a:pt x="344274" y="154764"/>
+                </a:cubicBezTo>
+                <a:cubicBezTo>
+                  <a:pt x="247129" y="203337"/>
+                  <a:pt x="361629" y="169475"/>
+                  <a:pt x="268074" y="192864"/>
+                </a:cubicBezTo>
+                <a:cubicBezTo>
+                  <a:pt x="231478" y="217261"/>
+                  <a:pt x="208585" y="221940"/>
+                  <a:pt x="191874" y="259539"/>
+                </a:cubicBezTo>
+                <a:cubicBezTo>
+                  <a:pt x="183719" y="277889"/>
+                  <a:pt x="183963" y="299981"/>
+                  <a:pt x="172824" y="316689"/>
+                </a:cubicBezTo>
+                <a:cubicBezTo>
+                  <a:pt x="166474" y="326214"/>
+                  <a:pt x="161103" y="336470"/>
+                  <a:pt x="153774" y="345264"/>
+                </a:cubicBezTo>
+                <a:cubicBezTo>
+                  <a:pt x="145150" y="355612"/>
+                  <a:pt x="133281" y="363063"/>
+                  <a:pt x="125199" y="373839"/>
+                </a:cubicBezTo>
+                <a:cubicBezTo>
+                  <a:pt x="114091" y="388650"/>
+                  <a:pt x="105336" y="405129"/>
+                  <a:pt x="96624" y="421464"/>
+                </a:cubicBezTo>
+                <a:cubicBezTo>
+                  <a:pt x="79919" y="452785"/>
+                  <a:pt x="64874" y="484964"/>
+                  <a:pt x="48999" y="516714"/>
+                </a:cubicBezTo>
+                <a:lnTo>
+                  <a:pt x="29949" y="554814"/>
+                </a:lnTo>
+                <a:cubicBezTo>
+                  <a:pt x="23599" y="583389"/>
+                  <a:pt x="17481" y="612017"/>
+                  <a:pt x="10899" y="640539"/>
+                </a:cubicBezTo>
+                <a:cubicBezTo>
+                  <a:pt x="7955" y="653295"/>
+                  <a:pt x="1374" y="665548"/>
+                  <a:pt x="1374" y="678639"/>
+                </a:cubicBezTo>
+                <a:cubicBezTo>
+                  <a:pt x="1374" y="937891"/>
+                  <a:pt x="-7623" y="799549"/>
+                  <a:pt x="20424" y="897714"/>
+                </a:cubicBezTo>
+                <a:cubicBezTo>
+                  <a:pt x="24020" y="910301"/>
+                  <a:pt x="24792" y="923782"/>
+                  <a:pt x="29949" y="935814"/>
+                </a:cubicBezTo>
+                <a:cubicBezTo>
+                  <a:pt x="34458" y="946336"/>
+                  <a:pt x="42649" y="954864"/>
+                  <a:pt x="48999" y="964389"/>
+                </a:cubicBezTo>
+                <a:cubicBezTo>
+                  <a:pt x="52174" y="983439"/>
+                  <a:pt x="54334" y="1002686"/>
+                  <a:pt x="58524" y="1021539"/>
+                </a:cubicBezTo>
+                <a:cubicBezTo>
+                  <a:pt x="60702" y="1031340"/>
+                  <a:pt x="68049" y="1040074"/>
+                  <a:pt x="68049" y="1050114"/>
+                </a:cubicBezTo>
+                <a:cubicBezTo>
+                  <a:pt x="68049" y="1104182"/>
+                  <a:pt x="61699" y="1158064"/>
+                  <a:pt x="58524" y="1212039"/>
+                </a:cubicBezTo>
+                <a:lnTo>
+                  <a:pt x="68049" y="1297764"/>
+                </a:lnTo>
+              </a:path>
+            </a:pathLst>
+          </a:custGeom>
+          <a:noFill/>
+        </p:spPr>
+        <p:style>
+          <a:lnRef idx="2">
+            <a:schemeClr val="accent1">
+              <a:shade val="50000"/>
+            </a:schemeClr>
+          </a:lnRef>
+          <a:fillRef idx="1">
+            <a:schemeClr val="accent1"/>
+          </a:fillRef>
+          <a:effectRef idx="0">
+            <a:schemeClr val="accent1"/>
+          </a:effectRef>
+          <a:fontRef idx="minor">
+            <a:schemeClr val="lt1"/>
+          </a:fontRef>
+        </p:style>
+        <p:txBody>
+          <a:bodyPr rtlCol="0" anchor="ctr"/>
+          <a:lstStyle/>
+          <a:p>
+            <a:pPr algn="ctr"/>
+            <a:endParaRPr lang="en-US"/>
+          </a:p>
+        </p:txBody>
+      </p:sp>
+      <p:sp>
+        <p:nvSpPr>
+          <p:cNvPr id="17" name="Freeform 16"/>
+          <p:cNvSpPr/>
+          <p:nvPr/>
+        </p:nvSpPr>
+        <p:spPr>
+          <a:xfrm>
+            <a:off x="1645977" y="981049"/>
+            <a:ext cx="868623" cy="862669"/>
+          </a:xfrm>
+          <a:custGeom>
+            <a:avLst/>
+            <a:gdLst>
+              <a:gd name="connsiteX0" fmla="*/ 868623 w 868623"/>
+              <a:gd name="connsiteY0" fmla="*/ 76226 h 862669"/>
+              <a:gd name="connsiteX1" fmla="*/ 811473 w 868623"/>
+              <a:gd name="connsiteY1" fmla="*/ 9551 h 862669"/>
+              <a:gd name="connsiteX2" fmla="*/ 782898 w 868623"/>
+              <a:gd name="connsiteY2" fmla="*/ 26 h 862669"/>
+              <a:gd name="connsiteX3" fmla="*/ 544773 w 868623"/>
+              <a:gd name="connsiteY3" fmla="*/ 19076 h 862669"/>
+              <a:gd name="connsiteX4" fmla="*/ 382848 w 868623"/>
+              <a:gd name="connsiteY4" fmla="*/ 38126 h 862669"/>
+              <a:gd name="connsiteX5" fmla="*/ 287598 w 868623"/>
+              <a:gd name="connsiteY5" fmla="*/ 114326 h 862669"/>
+              <a:gd name="connsiteX6" fmla="*/ 259023 w 868623"/>
+              <a:gd name="connsiteY6" fmla="*/ 133376 h 862669"/>
+              <a:gd name="connsiteX7" fmla="*/ 220923 w 868623"/>
+              <a:gd name="connsiteY7" fmla="*/ 171476 h 862669"/>
+              <a:gd name="connsiteX8" fmla="*/ 182823 w 868623"/>
+              <a:gd name="connsiteY8" fmla="*/ 200051 h 862669"/>
+              <a:gd name="connsiteX9" fmla="*/ 154248 w 868623"/>
+              <a:gd name="connsiteY9" fmla="*/ 228626 h 862669"/>
+              <a:gd name="connsiteX10" fmla="*/ 106623 w 868623"/>
+              <a:gd name="connsiteY10" fmla="*/ 266726 h 862669"/>
+              <a:gd name="connsiteX11" fmla="*/ 87573 w 868623"/>
+              <a:gd name="connsiteY11" fmla="*/ 304826 h 862669"/>
+              <a:gd name="connsiteX12" fmla="*/ 39948 w 868623"/>
+              <a:gd name="connsiteY12" fmla="*/ 381026 h 862669"/>
+              <a:gd name="connsiteX13" fmla="*/ 30423 w 868623"/>
+              <a:gd name="connsiteY13" fmla="*/ 409601 h 862669"/>
+              <a:gd name="connsiteX14" fmla="*/ 20898 w 868623"/>
+              <a:gd name="connsiteY14" fmla="*/ 476276 h 862669"/>
+              <a:gd name="connsiteX15" fmla="*/ 11373 w 868623"/>
+              <a:gd name="connsiteY15" fmla="*/ 628676 h 862669"/>
+              <a:gd name="connsiteX16" fmla="*/ 1848 w 868623"/>
+              <a:gd name="connsiteY16" fmla="*/ 742976 h 862669"/>
+              <a:gd name="connsiteX17" fmla="*/ 11373 w 868623"/>
+              <a:gd name="connsiteY17" fmla="*/ 857276 h 862669"/>
+              <a:gd name="connsiteX18" fmla="*/ 68523 w 868623"/>
+              <a:gd name="connsiteY18" fmla="*/ 847751 h 862669"/>
+            </a:gdLst>
+            <a:ahLst/>
+            <a:cxnLst>
+              <a:cxn ang="0">
+                <a:pos x="connsiteX0" y="connsiteY0"/>
+              </a:cxn>
+              <a:cxn ang="0">
+                <a:pos x="connsiteX1" y="connsiteY1"/>
+              </a:cxn>
+              <a:cxn ang="0">
+                <a:pos x="connsiteX2" y="connsiteY2"/>
+              </a:cxn>
+              <a:cxn ang="0">
+                <a:pos x="connsiteX3" y="connsiteY3"/>
+              </a:cxn>
+              <a:cxn ang="0">
+                <a:pos x="connsiteX4" y="connsiteY4"/>
+              </a:cxn>
+              <a:cxn ang="0">
+                <a:pos x="connsiteX5" y="connsiteY5"/>
+              </a:cxn>
+              <a:cxn ang="0">
+                <a:pos x="connsiteX6" y="connsiteY6"/>
+              </a:cxn>
+              <a:cxn ang="0">
+                <a:pos x="connsiteX7" y="connsiteY7"/>
+              </a:cxn>
+              <a:cxn ang="0">
+                <a:pos x="connsiteX8" y="connsiteY8"/>
+              </a:cxn>
+              <a:cxn ang="0">
+                <a:pos x="connsiteX9" y="connsiteY9"/>
+              </a:cxn>
+              <a:cxn ang="0">
+                <a:pos x="connsiteX10" y="connsiteY10"/>
+              </a:cxn>
+              <a:cxn ang="0">
+                <a:pos x="connsiteX11" y="connsiteY11"/>
+              </a:cxn>
+              <a:cxn ang="0">
+                <a:pos x="connsiteX12" y="connsiteY12"/>
+              </a:cxn>
+              <a:cxn ang="0">
+                <a:pos x="connsiteX13" y="connsiteY13"/>
+              </a:cxn>
+              <a:cxn ang="0">
+                <a:pos x="connsiteX14" y="connsiteY14"/>
+              </a:cxn>
+              <a:cxn ang="0">
+                <a:pos x="connsiteX15" y="connsiteY15"/>
+              </a:cxn>
+              <a:cxn ang="0">
+                <a:pos x="connsiteX16" y="connsiteY16"/>
+              </a:cxn>
+              <a:cxn ang="0">
+                <a:pos x="connsiteX17" y="connsiteY17"/>
+              </a:cxn>
+              <a:cxn ang="0">
+                <a:pos x="connsiteX18" y="connsiteY18"/>
+              </a:cxn>
+            </a:cxnLst>
+            <a:rect l="l" t="t" r="r" b="b"/>
+            <a:pathLst>
+              <a:path w="868623" h="862669">
+                <a:moveTo>
+                  <a:pt x="868623" y="76226"/>
+                </a:moveTo>
+                <a:cubicBezTo>
+                  <a:pt x="849573" y="54001"/>
+                  <a:pt x="833351" y="28998"/>
+                  <a:pt x="811473" y="9551"/>
+                </a:cubicBezTo>
+                <a:cubicBezTo>
+                  <a:pt x="803969" y="2881"/>
+                  <a:pt x="792932" y="-332"/>
+                  <a:pt x="782898" y="26"/>
+                </a:cubicBezTo>
+                <a:cubicBezTo>
+                  <a:pt x="703320" y="2868"/>
+                  <a:pt x="624127" y="12463"/>
+                  <a:pt x="544773" y="19076"/>
+                </a:cubicBezTo>
+                <a:cubicBezTo>
+                  <a:pt x="432038" y="28471"/>
+                  <a:pt x="468381" y="23870"/>
+                  <a:pt x="382848" y="38126"/>
+                </a:cubicBezTo>
+                <a:cubicBezTo>
+                  <a:pt x="258850" y="120792"/>
+                  <a:pt x="382604" y="32892"/>
+                  <a:pt x="287598" y="114326"/>
+                </a:cubicBezTo>
+                <a:cubicBezTo>
+                  <a:pt x="278906" y="121776"/>
+                  <a:pt x="267715" y="125926"/>
+                  <a:pt x="259023" y="133376"/>
+                </a:cubicBezTo>
+                <a:cubicBezTo>
+                  <a:pt x="245386" y="145065"/>
+                  <a:pt x="234440" y="159649"/>
+                  <a:pt x="220923" y="171476"/>
+                </a:cubicBezTo>
+                <a:cubicBezTo>
+                  <a:pt x="208976" y="181930"/>
+                  <a:pt x="194876" y="189720"/>
+                  <a:pt x="182823" y="200051"/>
+                </a:cubicBezTo>
+                <a:cubicBezTo>
+                  <a:pt x="172596" y="208817"/>
+                  <a:pt x="164385" y="219756"/>
+                  <a:pt x="154248" y="228626"/>
+                </a:cubicBezTo>
+                <a:cubicBezTo>
+                  <a:pt x="138948" y="242013"/>
+                  <a:pt x="122498" y="254026"/>
+                  <a:pt x="106623" y="266726"/>
+                </a:cubicBezTo>
+                <a:cubicBezTo>
+                  <a:pt x="100273" y="279426"/>
+                  <a:pt x="94618" y="292498"/>
+                  <a:pt x="87573" y="304826"/>
+                </a:cubicBezTo>
+                <a:cubicBezTo>
+                  <a:pt x="57349" y="357718"/>
+                  <a:pt x="75875" y="309171"/>
+                  <a:pt x="39948" y="381026"/>
+                </a:cubicBezTo>
+                <a:cubicBezTo>
+                  <a:pt x="35458" y="390006"/>
+                  <a:pt x="33598" y="400076"/>
+                  <a:pt x="30423" y="409601"/>
+                </a:cubicBezTo>
+                <a:cubicBezTo>
+                  <a:pt x="27248" y="431826"/>
+                  <a:pt x="22843" y="453910"/>
+                  <a:pt x="20898" y="476276"/>
+                </a:cubicBezTo>
+                <a:cubicBezTo>
+                  <a:pt x="16489" y="526984"/>
+                  <a:pt x="14999" y="577906"/>
+                  <a:pt x="11373" y="628676"/>
+                </a:cubicBezTo>
+                <a:cubicBezTo>
+                  <a:pt x="8649" y="666811"/>
+                  <a:pt x="5023" y="704876"/>
+                  <a:pt x="1848" y="742976"/>
+                </a:cubicBezTo>
+                <a:cubicBezTo>
+                  <a:pt x="5023" y="781076"/>
+                  <a:pt x="-9153" y="825021"/>
+                  <a:pt x="11373" y="857276"/>
+                </a:cubicBezTo>
+                <a:cubicBezTo>
+                  <a:pt x="21742" y="873569"/>
+                  <a:pt x="68523" y="847751"/>
+                  <a:pt x="68523" y="847751"/>
+                </a:cubicBezTo>
+              </a:path>
+            </a:pathLst>
+          </a:custGeom>
+          <a:noFill/>
+        </p:spPr>
+        <p:style>
+          <a:lnRef idx="2">
+            <a:schemeClr val="accent1">
+              <a:shade val="50000"/>
+            </a:schemeClr>
+          </a:lnRef>
+          <a:fillRef idx="1">
+            <a:schemeClr val="accent1"/>
+          </a:fillRef>
+          <a:effectRef idx="0">
+            <a:schemeClr val="accent1"/>
+          </a:effectRef>
+          <a:fontRef idx="minor">
+            <a:schemeClr val="lt1"/>
+          </a:fontRef>
+        </p:style>
+        <p:txBody>
+          <a:bodyPr rtlCol="0" anchor="ctr"/>
+          <a:lstStyle/>
+          <a:p>
+            <a:pPr algn="ctr"/>
+            <a:endParaRPr lang="en-US"/>
           </a:p>
         </p:txBody>
       </p:sp>
@@ -9003,57 +10426,9 @@
           <a:p>
             <a:r>
               <a:rPr lang="en-US" sz="3600" dirty="0" smtClean="0"/>
-              <a:t>Where is SPIXEVT?</a:t>
+              <a:t>Connecting System Event </a:t>
             </a:r>
             <a:endParaRPr lang="en-US" sz="3600" dirty="0"/>
-          </a:p>
-        </p:txBody>
-      </p:sp>
-      <p:sp>
-        <p:nvSpPr>
-          <p:cNvPr id="3" name="Content Placeholder 2"/>
-          <p:cNvSpPr>
-            <a:spLocks noGrp="1"/>
-          </p:cNvSpPr>
-          <p:nvPr>
-            <p:ph idx="1"/>
-          </p:nvPr>
-        </p:nvSpPr>
-        <p:spPr/>
-        <p:txBody>
-          <a:bodyPr>
-            <a:normAutofit fontScale="92500"/>
-          </a:bodyPr>
-          <a:lstStyle/>
-          <a:p>
-            <a:r>
-              <a:rPr lang="en-US" sz="2800" dirty="0" smtClean="0"/>
-              <a:t>Not on the above page</a:t>
-            </a:r>
-          </a:p>
-          <a:p>
-            <a:r>
-              <a:rPr lang="en-US" sz="2800" dirty="0" smtClean="0"/>
-              <a:t>Not on any of the other two pages in the table</a:t>
-            </a:r>
-          </a:p>
-          <a:p>
-            <a:r>
-              <a:rPr lang="en-US" sz="2800" dirty="0" smtClean="0"/>
-              <a:t>But we see that there are eight events (56 to 63) that come out of the interrupt controller. We can connect SPIXEVT through the interrupt controller to one of these events (broadcast events). We will connect to broadcast event 63</a:t>
-            </a:r>
-          </a:p>
-          <a:p>
-            <a:r>
-              <a:rPr lang="en-US" sz="2800" dirty="0" smtClean="0"/>
-              <a:t>They are other events from the interrupt controller that could be considered (Both, broadcast and single core)</a:t>
-            </a:r>
-          </a:p>
-          <a:p>
-            <a:r>
-              <a:rPr lang="en-US" sz="2800" dirty="0" smtClean="0"/>
-              <a:t>The ARM GIC has 480 input events and 12 of them are connected to SPI</a:t>
-            </a:r>
           </a:p>
         </p:txBody>
       </p:sp>
@@ -9081,7 +10456,126 @@
           </a:p>
         </p:txBody>
       </p:sp>
+      <p:graphicFrame>
+        <p:nvGraphicFramePr>
+          <p:cNvPr id="5" name="Object 4"/>
+          <p:cNvGraphicFramePr>
+            <a:graphicFrameLocks noChangeAspect="1"/>
+          </p:cNvGraphicFramePr>
+          <p:nvPr>
+            <p:extLst>
+              <p:ext uri="{D42A27DB-BD31-4B8C-83A1-F6EECF244321}">
+                <p14:modId xmlns:p14="http://schemas.microsoft.com/office/powerpoint/2010/main" val="3654909779"/>
+              </p:ext>
+            </p:extLst>
+          </p:nvPr>
+        </p:nvGraphicFramePr>
+        <p:xfrm>
+          <a:off x="2512369" y="2266950"/>
+          <a:ext cx="5849038" cy="3989387"/>
+        </p:xfrm>
+        <a:graphic>
+          <a:graphicData uri="http://schemas.openxmlformats.org/presentationml/2006/ole">
+            <mc:AlternateContent xmlns:mc="http://schemas.openxmlformats.org/markup-compatibility/2006">
+              <mc:Choice xmlns:v="urn:schemas-microsoft-com:vml" Requires="v">
+                <p:oleObj spid="_x0000_s12293" name="Visio" r:id="rId3" imgW="9044738" imgH="6169084" progId="Visio.Drawing.11">
+                  <p:embed/>
+                </p:oleObj>
+              </mc:Choice>
+              <mc:Fallback>
+                <p:oleObj name="Visio" r:id="rId3" imgW="9044738" imgH="6169084" progId="Visio.Drawing.11">
+                  <p:embed/>
+                  <p:pic>
+                    <p:nvPicPr>
+                      <p:cNvPr id="0" name="Object 2"/>
+                      <p:cNvPicPr>
+                        <a:picLocks noChangeAspect="1" noChangeArrowheads="1"/>
+                      </p:cNvPicPr>
+                      <p:nvPr/>
+                    </p:nvPicPr>
+                    <p:blipFill>
+                      <a:blip r:embed="rId4"/>
+                      <a:srcRect/>
+                      <a:stretch>
+                        <a:fillRect/>
+                      </a:stretch>
+                    </p:blipFill>
+                    <p:spPr bwMode="auto">
+                      <a:xfrm>
+                        <a:off x="2512369" y="2266950"/>
+                        <a:ext cx="5849038" cy="3989387"/>
+                      </a:xfrm>
+                      <a:prstGeom prst="rect">
+                        <a:avLst/>
+                      </a:prstGeom>
+                      <a:noFill/>
+                      <a:ln>
+                        <a:noFill/>
+                      </a:ln>
+                    </p:spPr>
+                  </p:pic>
+                </p:oleObj>
+              </mc:Fallback>
+            </mc:AlternateContent>
+          </a:graphicData>
+        </a:graphic>
+      </p:graphicFrame>
+      <p:sp>
+        <p:nvSpPr>
+          <p:cNvPr id="6" name="TextBox 5"/>
+          <p:cNvSpPr txBox="1"/>
+          <p:nvPr/>
+        </p:nvSpPr>
+        <p:spPr>
+          <a:xfrm>
+            <a:off x="1571625" y="1162050"/>
+            <a:ext cx="5865708" cy="646331"/>
+          </a:xfrm>
+          <a:prstGeom prst="rect">
+            <a:avLst/>
+          </a:prstGeom>
+          <a:noFill/>
+        </p:spPr>
+        <p:txBody>
+          <a:bodyPr wrap="none" rtlCol="0">
+            <a:spAutoFit/>
+          </a:bodyPr>
+          <a:lstStyle/>
+          <a:p>
+            <a:pPr algn="ctr"/>
+            <a:r>
+              <a:rPr lang="en-US" b="1" dirty="0" smtClean="0">
+                <a:solidFill>
+                  <a:schemeClr val="tx2"/>
+                </a:solidFill>
+              </a:rPr>
+              <a:t>Mapping (Connecting) system events (input to CIC) </a:t>
+            </a:r>
+          </a:p>
+          <a:p>
+            <a:pPr algn="ctr"/>
+            <a:r>
+              <a:rPr lang="en-US" b="1" dirty="0" smtClean="0">
+                <a:solidFill>
+                  <a:schemeClr val="tx2"/>
+                </a:solidFill>
+              </a:rPr>
+              <a:t>to channels (output of CIC)</a:t>
+            </a:r>
+            <a:endParaRPr lang="en-US" b="1" dirty="0">
+              <a:solidFill>
+                <a:schemeClr val="tx2"/>
+              </a:solidFill>
+            </a:endParaRPr>
+          </a:p>
+        </p:txBody>
+      </p:sp>
     </p:spTree>
+    <p:extLst>
+      <p:ext uri="{BB962C8B-B14F-4D97-AF65-F5344CB8AC3E}">
+        <p14:creationId xmlns:p14="http://schemas.microsoft.com/office/powerpoint/2010/main" val="3701767742"/>
+      </p:ext>
+    </p:extLst>
   </p:cSld>
   <p:clrMapOvr>
     <a:masterClrMapping/>
@@ -9097,125 +10591,6 @@
 </file>
 
 <file path=ppt/slides/slide17.xml><?xml version="1.0" encoding="utf-8"?>
-<p:sld xmlns:a="http://schemas.openxmlformats.org/drawingml/2006/main" xmlns:r="http://schemas.openxmlformats.org/officeDocument/2006/relationships" xmlns:p="http://schemas.openxmlformats.org/presentationml/2006/main">
-  <p:cSld>
-    <p:spTree>
-      <p:nvGrpSpPr>
-        <p:cNvPr id="1" name=""/>
-        <p:cNvGrpSpPr/>
-        <p:nvPr/>
-      </p:nvGrpSpPr>
-      <p:grpSpPr>
-        <a:xfrm>
-          <a:off x="0" y="0"/>
-          <a:ext cx="0" cy="0"/>
-          <a:chOff x="0" y="0"/>
-          <a:chExt cx="0" cy="0"/>
-        </a:xfrm>
-      </p:grpSpPr>
-      <p:sp>
-        <p:nvSpPr>
-          <p:cNvPr id="2" name="Title 1"/>
-          <p:cNvSpPr>
-            <a:spLocks noGrp="1"/>
-          </p:cNvSpPr>
-          <p:nvPr>
-            <p:ph type="title"/>
-          </p:nvPr>
-        </p:nvSpPr>
-        <p:spPr>
-          <a:xfrm>
-            <a:off x="457200" y="274638"/>
-            <a:ext cx="8229600" cy="715962"/>
-          </a:xfrm>
-        </p:spPr>
-        <p:txBody>
-          <a:bodyPr>
-            <a:normAutofit/>
-          </a:bodyPr>
-          <a:lstStyle/>
-          <a:p>
-            <a:r>
-              <a:rPr lang="en-US" sz="3600" dirty="0" smtClean="0"/>
-              <a:t>Connecting SPIXEVT to Core 3</a:t>
-            </a:r>
-            <a:endParaRPr lang="en-US" sz="3600" dirty="0"/>
-          </a:p>
-        </p:txBody>
-      </p:sp>
-      <p:sp>
-        <p:nvSpPr>
-          <p:cNvPr id="3" name="Content Placeholder 2"/>
-          <p:cNvSpPr>
-            <a:spLocks noGrp="1"/>
-          </p:cNvSpPr>
-          <p:nvPr>
-            <p:ph idx="1"/>
-          </p:nvPr>
-        </p:nvSpPr>
-        <p:spPr/>
-        <p:txBody>
-          <a:bodyPr>
-            <a:normAutofit/>
-          </a:bodyPr>
-          <a:lstStyle/>
-          <a:p>
-            <a:r>
-              <a:rPr lang="en-US" sz="2800" dirty="0" smtClean="0"/>
-              <a:t>66AK2H12 has multiple instances of SPI; We will look at SPI 0</a:t>
-            </a:r>
-          </a:p>
-          <a:p>
-            <a:r>
-              <a:rPr lang="en-US" sz="2800" dirty="0" smtClean="0"/>
-              <a:t>The next slide shows one page from the input table for CIC0. The same events are connected to CIC1 as well.</a:t>
-            </a:r>
-          </a:p>
-          <a:p>
-            <a:endParaRPr lang="en-US" sz="2800" dirty="0" smtClean="0"/>
-          </a:p>
-        </p:txBody>
-      </p:sp>
-      <p:sp>
-        <p:nvSpPr>
-          <p:cNvPr id="4" name="Slide Number Placeholder 3"/>
-          <p:cNvSpPr>
-            <a:spLocks noGrp="1"/>
-          </p:cNvSpPr>
-          <p:nvPr>
-            <p:ph type="sldNum" sz="quarter" idx="10"/>
-          </p:nvPr>
-        </p:nvSpPr>
-        <p:spPr/>
-        <p:txBody>
-          <a:bodyPr/>
-          <a:lstStyle/>
-          <a:p>
-            <a:fld id="{3B20521C-F793-4067-BB07-C7AF74E21EF3}" type="slidenum">
-              <a:rPr lang="en-US" smtClean="0"/>
-              <a:pPr/>
-              <a:t>17</a:t>
-            </a:fld>
-            <a:endParaRPr lang="en-US" dirty="0"/>
-          </a:p>
-        </p:txBody>
-      </p:sp>
-    </p:spTree>
-  </p:cSld>
-  <p:clrMapOvr>
-    <a:masterClrMapping/>
-  </p:clrMapOvr>
-  <p:timing>
-    <p:tnLst>
-      <p:par>
-        <p:cTn id="1" dur="indefinite" restart="never" nodeType="tmRoot"/>
-      </p:par>
-    </p:tnLst>
-  </p:timing>
-</p:sld>
-</file>
-
-<file path=ppt/slides/slide18.xml><?xml version="1.0" encoding="utf-8"?>
 <p:sld xmlns:a="http://schemas.openxmlformats.org/drawingml/2006/main" xmlns:r="http://schemas.openxmlformats.org/officeDocument/2006/relationships" xmlns:p="http://schemas.openxmlformats.org/presentationml/2006/main">
   <p:cSld>
     <p:spTree>
@@ -9330,7 +10705,7 @@
             <a:fld id="{803D9FE4-F784-4A94-8F3E-54A098F0E8CC}" type="slidenum">
               <a:rPr lang="en-US" smtClean="0"/>
               <a:pPr/>
-              <a:t>18</a:t>
+              <a:t>17</a:t>
             </a:fld>
             <a:endParaRPr lang="en-US" dirty="0"/>
           </a:p>
@@ -9360,17 +10735,197 @@
           <a:p>
             <a:r>
               <a:rPr lang="en-US" sz="3600" dirty="0" smtClean="0"/>
-              <a:t>KeyStone II CIC input events</a:t>
+              <a:t>KeyStone II CIC input </a:t>
+            </a:r>
+            <a:r>
+              <a:rPr lang="en-US" sz="3600" dirty="0" smtClean="0"/>
+              <a:t>system events</a:t>
             </a:r>
             <a:endParaRPr lang="en-US" sz="3600" dirty="0"/>
           </a:p>
         </p:txBody>
       </p:sp>
     </p:spTree>
+    <p:extLst>
+      <p:ext uri="{BB962C8B-B14F-4D97-AF65-F5344CB8AC3E}">
+        <p14:creationId xmlns:p14="http://schemas.microsoft.com/office/powerpoint/2010/main" val="2577305559"/>
+      </p:ext>
+    </p:extLst>
   </p:cSld>
   <p:clrMapOvr>
     <a:masterClrMapping/>
   </p:clrMapOvr>
+  <p:timing>
+    <p:tnLst>
+      <p:par>
+        <p:cTn id="1" dur="indefinite" restart="never" nodeType="tmRoot"/>
+      </p:par>
+    </p:tnLst>
+  </p:timing>
+</p:sld>
+</file>
+
+<file path=ppt/slides/slide18.xml><?xml version="1.0" encoding="utf-8"?>
+<p:sld xmlns:a="http://schemas.openxmlformats.org/drawingml/2006/main" xmlns:r="http://schemas.openxmlformats.org/officeDocument/2006/relationships" xmlns:p="http://schemas.openxmlformats.org/presentationml/2006/main">
+  <p:cSld>
+    <p:spTree>
+      <p:nvGrpSpPr>
+        <p:cNvPr id="1" name=""/>
+        <p:cNvGrpSpPr/>
+        <p:nvPr/>
+      </p:nvGrpSpPr>
+      <p:grpSpPr>
+        <a:xfrm>
+          <a:off x="0" y="0"/>
+          <a:ext cx="0" cy="0"/>
+          <a:chOff x="0" y="0"/>
+          <a:chExt cx="0" cy="0"/>
+        </a:xfrm>
+      </p:grpSpPr>
+      <p:sp>
+        <p:nvSpPr>
+          <p:cNvPr id="2" name="Title 1"/>
+          <p:cNvSpPr>
+            <a:spLocks noGrp="1"/>
+          </p:cNvSpPr>
+          <p:nvPr>
+            <p:ph type="title"/>
+          </p:nvPr>
+        </p:nvSpPr>
+        <p:spPr>
+          <a:xfrm>
+            <a:off x="457200" y="274638"/>
+            <a:ext cx="8229600" cy="715962"/>
+          </a:xfrm>
+        </p:spPr>
+        <p:txBody>
+          <a:bodyPr>
+            <a:normAutofit/>
+          </a:bodyPr>
+          <a:lstStyle/>
+          <a:p>
+            <a:r>
+              <a:rPr lang="en-US" sz="3600" dirty="0" smtClean="0"/>
+              <a:t>Mapping CIC - </a:t>
+            </a:r>
+            <a:r>
+              <a:rPr lang="en-US" sz="3600" dirty="0" smtClean="0"/>
+              <a:t> </a:t>
+            </a:r>
+            <a:r>
+              <a:rPr lang="en-US" sz="3600" dirty="0" smtClean="0"/>
+              <a:t>API</a:t>
+            </a:r>
+            <a:endParaRPr lang="en-US" sz="3600" dirty="0"/>
+          </a:p>
+        </p:txBody>
+      </p:sp>
+      <p:sp>
+        <p:nvSpPr>
+          <p:cNvPr id="3" name="Content Placeholder 2"/>
+          <p:cNvSpPr>
+            <a:spLocks noGrp="1"/>
+          </p:cNvSpPr>
+          <p:nvPr>
+            <p:ph idx="1"/>
+          </p:nvPr>
+        </p:nvSpPr>
+        <p:spPr/>
+        <p:txBody>
+          <a:bodyPr>
+            <a:normAutofit/>
+          </a:bodyPr>
+          <a:lstStyle/>
+          <a:p>
+            <a:r>
+              <a:rPr lang="en-US" sz="2800" dirty="0" smtClean="0"/>
+              <a:t>Read the following Wiki: </a:t>
+            </a:r>
+            <a:r>
+              <a:rPr lang="en-US" sz="1600" i="1" dirty="0" smtClean="0">
+                <a:hlinkClick r:id="rId2"/>
+              </a:rPr>
+              <a:t>http://processors.wiki.ti.com/index.php/Configuring_Interrupts_on_Keystone_Devices</a:t>
+            </a:r>
+            <a:endParaRPr lang="en-US" sz="1600" i="1" dirty="0" smtClean="0"/>
+          </a:p>
+          <a:p>
+            <a:r>
+              <a:rPr lang="en-US" sz="2800" dirty="0" smtClean="0"/>
+              <a:t>csl APIs- For KeyStone II (MCSDK 3.x), look at the two include files to see all the API that are needed:</a:t>
+            </a:r>
+          </a:p>
+          <a:p>
+            <a:pPr lvl="1"/>
+            <a:r>
+              <a:rPr lang="en-US" sz="2600" dirty="0" smtClean="0"/>
+              <a:t>csl_cpIntc.h</a:t>
+            </a:r>
+          </a:p>
+          <a:p>
+            <a:pPr lvl="1"/>
+            <a:r>
+              <a:rPr lang="en-US" sz="2600" dirty="0" smtClean="0"/>
+              <a:t>csl_cpIntCAux.h</a:t>
+            </a:r>
+          </a:p>
+          <a:p>
+            <a:r>
+              <a:rPr lang="en-US" sz="2800" dirty="0" smtClean="0"/>
+              <a:t>SysBios APIs – look at cpInitc.h and cpInitc.c </a:t>
+            </a:r>
+            <a:r>
+              <a:rPr lang="en-US" sz="2800" dirty="0"/>
+              <a:t>in directory </a:t>
+            </a:r>
+            <a:r>
+              <a:rPr lang="en-US" sz="2400" dirty="0" smtClean="0"/>
+              <a:t>MCSDK_Y_XX\bios_6_BB_AA_ZZ\packages\ti\sysbios\family\c66\tci66xx</a:t>
+            </a:r>
+          </a:p>
+        </p:txBody>
+      </p:sp>
+      <p:sp>
+        <p:nvSpPr>
+          <p:cNvPr id="4" name="Slide Number Placeholder 3"/>
+          <p:cNvSpPr>
+            <a:spLocks noGrp="1"/>
+          </p:cNvSpPr>
+          <p:nvPr>
+            <p:ph type="sldNum" sz="quarter" idx="10"/>
+          </p:nvPr>
+        </p:nvSpPr>
+        <p:spPr/>
+        <p:txBody>
+          <a:bodyPr/>
+          <a:lstStyle/>
+          <a:p>
+            <a:fld id="{3B20521C-F793-4067-BB07-C7AF74E21EF3}" type="slidenum">
+              <a:rPr lang="en-US" smtClean="0"/>
+              <a:pPr/>
+              <a:t>18</a:t>
+            </a:fld>
+            <a:endParaRPr lang="en-US" dirty="0"/>
+          </a:p>
+        </p:txBody>
+      </p:sp>
+    </p:spTree>
+    <p:extLst>
+      <p:ext uri="{BB962C8B-B14F-4D97-AF65-F5344CB8AC3E}">
+        <p14:creationId xmlns:p14="http://schemas.microsoft.com/office/powerpoint/2010/main" val="1259010899"/>
+      </p:ext>
+    </p:extLst>
+  </p:cSld>
+  <p:clrMapOvr>
+    <a:masterClrMapping/>
+  </p:clrMapOvr>
+  <p:timing>
+    <p:tnLst>
+      <p:par>
+        <p:cTn id="1" dur="indefinite" restart="never" nodeType="tmRoot"/>
+      </p:par>
+    </p:tnLst>
+  </p:timing>
 </p:sld>
 </file>
 
@@ -9393,6 +10948,987 @@
       </p:grpSpPr>
       <p:sp>
         <p:nvSpPr>
+          <p:cNvPr id="2" name="Title 1"/>
+          <p:cNvSpPr>
+            <a:spLocks noGrp="1"/>
+          </p:cNvSpPr>
+          <p:nvPr>
+            <p:ph type="title"/>
+          </p:nvPr>
+        </p:nvSpPr>
+        <p:spPr>
+          <a:xfrm>
+            <a:off x="457200" y="274638"/>
+            <a:ext cx="8229600" cy="715962"/>
+          </a:xfrm>
+        </p:spPr>
+        <p:txBody>
+          <a:bodyPr>
+            <a:normAutofit/>
+          </a:bodyPr>
+          <a:lstStyle/>
+          <a:p>
+            <a:r>
+              <a:rPr lang="en-US" dirty="0" smtClean="0"/>
+              <a:t>Example 1</a:t>
+            </a:r>
+            <a:endParaRPr lang="en-US" dirty="0"/>
+          </a:p>
+        </p:txBody>
+      </p:sp>
+      <p:sp>
+        <p:nvSpPr>
+          <p:cNvPr id="3" name="Content Placeholder 2"/>
+          <p:cNvSpPr>
+            <a:spLocks noGrp="1"/>
+          </p:cNvSpPr>
+          <p:nvPr>
+            <p:ph idx="1"/>
+          </p:nvPr>
+        </p:nvSpPr>
+        <p:spPr/>
+        <p:txBody>
+          <a:bodyPr>
+            <a:normAutofit/>
+          </a:bodyPr>
+          <a:lstStyle/>
+          <a:p>
+            <a:r>
+              <a:rPr lang="en-US" sz="3600" dirty="0" smtClean="0"/>
+              <a:t>SPIXEVT    - Get an </a:t>
+            </a:r>
+            <a:r>
+              <a:rPr lang="en-US" sz="3600" dirty="0" err="1" smtClean="0"/>
+              <a:t>interrup</a:t>
+            </a:r>
+            <a:r>
+              <a:rPr lang="en-US" sz="3600" dirty="0" smtClean="0"/>
+              <a:t> </a:t>
+            </a:r>
+            <a:endParaRPr lang="en-US" sz="3600" dirty="0" smtClean="0"/>
+          </a:p>
+        </p:txBody>
+      </p:sp>
+      <p:sp>
+        <p:nvSpPr>
+          <p:cNvPr id="4" name="Slide Number Placeholder 3"/>
+          <p:cNvSpPr>
+            <a:spLocks noGrp="1"/>
+          </p:cNvSpPr>
+          <p:nvPr>
+            <p:ph type="sldNum" sz="quarter" idx="10"/>
+          </p:nvPr>
+        </p:nvSpPr>
+        <p:spPr/>
+        <p:txBody>
+          <a:bodyPr/>
+          <a:lstStyle/>
+          <a:p>
+            <a:fld id="{3B20521C-F793-4067-BB07-C7AF74E21EF3}" type="slidenum">
+              <a:rPr lang="en-US" smtClean="0"/>
+              <a:pPr/>
+              <a:t>19</a:t>
+            </a:fld>
+            <a:endParaRPr lang="en-US" dirty="0"/>
+          </a:p>
+        </p:txBody>
+      </p:sp>
+    </p:spTree>
+    <p:extLst>
+      <p:ext uri="{BB962C8B-B14F-4D97-AF65-F5344CB8AC3E}">
+        <p14:creationId xmlns:p14="http://schemas.microsoft.com/office/powerpoint/2010/main" val="1187852695"/>
+      </p:ext>
+    </p:extLst>
+  </p:cSld>
+  <p:clrMapOvr>
+    <a:masterClrMapping/>
+  </p:clrMapOvr>
+  <p:timing>
+    <p:tnLst>
+      <p:par>
+        <p:cTn id="1" dur="indefinite" restart="never" nodeType="tmRoot"/>
+      </p:par>
+    </p:tnLst>
+  </p:timing>
+</p:sld>
+</file>
+
+<file path=ppt/slides/slide2.xml><?xml version="1.0" encoding="utf-8"?>
+<p:sld xmlns:a="http://schemas.openxmlformats.org/drawingml/2006/main" xmlns:r="http://schemas.openxmlformats.org/officeDocument/2006/relationships" xmlns:p="http://schemas.openxmlformats.org/presentationml/2006/main">
+  <p:cSld>
+    <p:spTree>
+      <p:nvGrpSpPr>
+        <p:cNvPr id="1" name=""/>
+        <p:cNvGrpSpPr/>
+        <p:nvPr/>
+      </p:nvGrpSpPr>
+      <p:grpSpPr>
+        <a:xfrm>
+          <a:off x="0" y="0"/>
+          <a:ext cx="0" cy="0"/>
+          <a:chOff x="0" y="0"/>
+          <a:chExt cx="0" cy="0"/>
+        </a:xfrm>
+      </p:grpSpPr>
+      <p:sp>
+        <p:nvSpPr>
+          <p:cNvPr id="2" name="Title 1"/>
+          <p:cNvSpPr>
+            <a:spLocks noGrp="1"/>
+          </p:cNvSpPr>
+          <p:nvPr>
+            <p:ph type="title"/>
+          </p:nvPr>
+        </p:nvSpPr>
+        <p:spPr>
+          <a:xfrm>
+            <a:off x="457200" y="274638"/>
+            <a:ext cx="8229600" cy="715962"/>
+          </a:xfrm>
+        </p:spPr>
+        <p:txBody>
+          <a:bodyPr>
+            <a:normAutofit/>
+          </a:bodyPr>
+          <a:lstStyle/>
+          <a:p>
+            <a:r>
+              <a:rPr lang="en-US" sz="3600" dirty="0" smtClean="0"/>
+              <a:t>Agenda</a:t>
+            </a:r>
+            <a:endParaRPr lang="en-US" sz="3600" dirty="0"/>
+          </a:p>
+        </p:txBody>
+      </p:sp>
+      <p:sp>
+        <p:nvSpPr>
+          <p:cNvPr id="3" name="Content Placeholder 2"/>
+          <p:cNvSpPr>
+            <a:spLocks noGrp="1"/>
+          </p:cNvSpPr>
+          <p:nvPr>
+            <p:ph idx="1"/>
+          </p:nvPr>
+        </p:nvSpPr>
+        <p:spPr/>
+        <p:txBody>
+          <a:bodyPr>
+            <a:normAutofit/>
+          </a:bodyPr>
+          <a:lstStyle/>
+          <a:p>
+            <a:r>
+              <a:rPr lang="en-US" sz="2800" dirty="0" smtClean="0"/>
+              <a:t>Interrupt Scheme (SPI 0 Example)</a:t>
+            </a:r>
+          </a:p>
+          <a:p>
+            <a:r>
+              <a:rPr lang="en-US" sz="2800" dirty="0" smtClean="0"/>
+              <a:t>Configuring Interrupts (Hyperlink Example)</a:t>
+            </a:r>
+          </a:p>
+        </p:txBody>
+      </p:sp>
+      <p:sp>
+        <p:nvSpPr>
+          <p:cNvPr id="4" name="Slide Number Placeholder 3"/>
+          <p:cNvSpPr>
+            <a:spLocks noGrp="1"/>
+          </p:cNvSpPr>
+          <p:nvPr>
+            <p:ph type="sldNum" sz="quarter" idx="10"/>
+          </p:nvPr>
+        </p:nvSpPr>
+        <p:spPr/>
+        <p:txBody>
+          <a:bodyPr/>
+          <a:lstStyle/>
+          <a:p>
+            <a:fld id="{3B20521C-F793-4067-BB07-C7AF74E21EF3}" type="slidenum">
+              <a:rPr lang="en-US" smtClean="0"/>
+              <a:pPr/>
+              <a:t>2</a:t>
+            </a:fld>
+            <a:endParaRPr lang="en-US" dirty="0"/>
+          </a:p>
+        </p:txBody>
+      </p:sp>
+    </p:spTree>
+  </p:cSld>
+  <p:clrMapOvr>
+    <a:masterClrMapping/>
+  </p:clrMapOvr>
+</p:sld>
+</file>
+
+<file path=ppt/slides/slide20.xml><?xml version="1.0" encoding="utf-8"?>
+<p:sld xmlns:a="http://schemas.openxmlformats.org/drawingml/2006/main" xmlns:r="http://schemas.openxmlformats.org/officeDocument/2006/relationships" xmlns:p="http://schemas.openxmlformats.org/presentationml/2006/main">
+  <p:cSld>
+    <p:spTree>
+      <p:nvGrpSpPr>
+        <p:cNvPr id="1" name=""/>
+        <p:cNvGrpSpPr/>
+        <p:nvPr/>
+      </p:nvGrpSpPr>
+      <p:grpSpPr>
+        <a:xfrm>
+          <a:off x="0" y="0"/>
+          <a:ext cx="0" cy="0"/>
+          <a:chOff x="0" y="0"/>
+          <a:chExt cx="0" cy="0"/>
+        </a:xfrm>
+      </p:grpSpPr>
+      <p:sp>
+        <p:nvSpPr>
+          <p:cNvPr id="2" name="Title 1"/>
+          <p:cNvSpPr>
+            <a:spLocks noGrp="1"/>
+          </p:cNvSpPr>
+          <p:nvPr>
+            <p:ph type="title"/>
+          </p:nvPr>
+        </p:nvSpPr>
+        <p:spPr>
+          <a:xfrm>
+            <a:off x="457200" y="274638"/>
+            <a:ext cx="8229600" cy="715962"/>
+          </a:xfrm>
+        </p:spPr>
+        <p:txBody>
+          <a:bodyPr>
+            <a:normAutofit/>
+          </a:bodyPr>
+          <a:lstStyle/>
+          <a:p>
+            <a:r>
+              <a:rPr lang="en-US" sz="3600" dirty="0" smtClean="0"/>
+              <a:t>Example 1 – ISR connected to SPIXEVT</a:t>
+            </a:r>
+            <a:endParaRPr lang="en-US" sz="3600" dirty="0"/>
+          </a:p>
+        </p:txBody>
+      </p:sp>
+      <p:sp>
+        <p:nvSpPr>
+          <p:cNvPr id="3" name="Content Placeholder 2"/>
+          <p:cNvSpPr>
+            <a:spLocks noGrp="1"/>
+          </p:cNvSpPr>
+          <p:nvPr>
+            <p:ph idx="1"/>
+          </p:nvPr>
+        </p:nvSpPr>
+        <p:spPr/>
+        <p:txBody>
+          <a:bodyPr>
+            <a:normAutofit/>
+          </a:bodyPr>
+          <a:lstStyle/>
+          <a:p>
+            <a:r>
+              <a:rPr lang="en-US" sz="2800" dirty="0"/>
+              <a:t>66AK2H12 has multiple instances of SPI; We will look at SPI 0</a:t>
+            </a:r>
+          </a:p>
+          <a:p>
+            <a:r>
+              <a:rPr lang="en-US" sz="2800" dirty="0" smtClean="0"/>
+              <a:t>SPIXEVT is NOT a primary event so it should be mapped via CIC</a:t>
+            </a:r>
+          </a:p>
+          <a:p>
+            <a:r>
+              <a:rPr lang="en-US" sz="2800" dirty="0" smtClean="0"/>
+              <a:t>The next slide shows the system events that are associated with SPIXEVT</a:t>
+            </a:r>
+            <a:endParaRPr lang="en-US" sz="2800" dirty="0" smtClean="0"/>
+          </a:p>
+        </p:txBody>
+      </p:sp>
+      <p:sp>
+        <p:nvSpPr>
+          <p:cNvPr id="4" name="Slide Number Placeholder 3"/>
+          <p:cNvSpPr>
+            <a:spLocks noGrp="1"/>
+          </p:cNvSpPr>
+          <p:nvPr>
+            <p:ph type="sldNum" sz="quarter" idx="10"/>
+          </p:nvPr>
+        </p:nvSpPr>
+        <p:spPr/>
+        <p:txBody>
+          <a:bodyPr/>
+          <a:lstStyle/>
+          <a:p>
+            <a:fld id="{3B20521C-F793-4067-BB07-C7AF74E21EF3}" type="slidenum">
+              <a:rPr lang="en-US" smtClean="0"/>
+              <a:pPr/>
+              <a:t>20</a:t>
+            </a:fld>
+            <a:endParaRPr lang="en-US" dirty="0"/>
+          </a:p>
+        </p:txBody>
+      </p:sp>
+    </p:spTree>
+  </p:cSld>
+  <p:clrMapOvr>
+    <a:masterClrMapping/>
+  </p:clrMapOvr>
+  <p:timing>
+    <p:tnLst>
+      <p:par>
+        <p:cTn id="1" dur="indefinite" restart="never" nodeType="tmRoot"/>
+      </p:par>
+    </p:tnLst>
+  </p:timing>
+</p:sld>
+</file>
+
+<file path=ppt/slides/slide21.xml><?xml version="1.0" encoding="utf-8"?>
+<p:sld xmlns:a="http://schemas.openxmlformats.org/drawingml/2006/main" xmlns:r="http://schemas.openxmlformats.org/officeDocument/2006/relationships" xmlns:p="http://schemas.openxmlformats.org/presentationml/2006/main">
+  <p:cSld>
+    <p:spTree>
+      <p:nvGrpSpPr>
+        <p:cNvPr id="1" name=""/>
+        <p:cNvGrpSpPr/>
+        <p:nvPr/>
+      </p:nvGrpSpPr>
+      <p:grpSpPr>
+        <a:xfrm>
+          <a:off x="0" y="0"/>
+          <a:ext cx="0" cy="0"/>
+          <a:chOff x="0" y="0"/>
+          <a:chExt cx="0" cy="0"/>
+        </a:xfrm>
+      </p:grpSpPr>
+      <p:pic>
+        <p:nvPicPr>
+          <p:cNvPr id="6146" name="Picture 2"/>
+          <p:cNvPicPr>
+            <a:picLocks noChangeAspect="1" noChangeArrowheads="1"/>
+          </p:cNvPicPr>
+          <p:nvPr/>
+        </p:nvPicPr>
+        <p:blipFill>
+          <a:blip r:embed="rId2" cstate="print"/>
+          <a:srcRect l="6146" t="7649"/>
+          <a:stretch>
+            <a:fillRect/>
+          </a:stretch>
+        </p:blipFill>
+        <p:spPr bwMode="auto">
+          <a:xfrm>
+            <a:off x="1671331" y="600891"/>
+            <a:ext cx="5960575" cy="5654917"/>
+          </a:xfrm>
+          <a:prstGeom prst="rect">
+            <a:avLst/>
+          </a:prstGeom>
+          <a:noFill/>
+          <a:ln w="9525">
+            <a:noFill/>
+            <a:miter lim="800000"/>
+            <a:headEnd/>
+            <a:tailEnd/>
+          </a:ln>
+        </p:spPr>
+      </p:pic>
+      <p:sp>
+        <p:nvSpPr>
+          <p:cNvPr id="3" name="Rectangle 2"/>
+          <p:cNvSpPr/>
+          <p:nvPr/>
+        </p:nvSpPr>
+        <p:spPr>
+          <a:xfrm>
+            <a:off x="1357297" y="4557699"/>
+            <a:ext cx="6250781" cy="192882"/>
+          </a:xfrm>
+          <a:prstGeom prst="rect">
+            <a:avLst/>
+          </a:prstGeom>
+          <a:solidFill>
+            <a:srgbClr val="FFFF00">
+              <a:alpha val="23000"/>
+            </a:srgbClr>
+          </a:solidFill>
+          <a:ln>
+            <a:noFill/>
+          </a:ln>
+        </p:spPr>
+        <p:style>
+          <a:lnRef idx="2">
+            <a:schemeClr val="accent1">
+              <a:shade val="50000"/>
+            </a:schemeClr>
+          </a:lnRef>
+          <a:fillRef idx="1">
+            <a:schemeClr val="accent1"/>
+          </a:fillRef>
+          <a:effectRef idx="0">
+            <a:schemeClr val="accent1"/>
+          </a:effectRef>
+          <a:fontRef idx="minor">
+            <a:schemeClr val="lt1"/>
+          </a:fontRef>
+        </p:style>
+        <p:txBody>
+          <a:bodyPr rtlCol="0" anchor="ctr"/>
+          <a:lstStyle/>
+          <a:p>
+            <a:pPr algn="ctr"/>
+            <a:endParaRPr lang="en-US" dirty="0"/>
+          </a:p>
+        </p:txBody>
+      </p:sp>
+      <p:sp>
+        <p:nvSpPr>
+          <p:cNvPr id="4" name="Slide Number Placeholder 3"/>
+          <p:cNvSpPr>
+            <a:spLocks noGrp="1"/>
+          </p:cNvSpPr>
+          <p:nvPr>
+            <p:ph type="sldNum" sz="quarter" idx="10"/>
+          </p:nvPr>
+        </p:nvSpPr>
+        <p:spPr/>
+        <p:txBody>
+          <a:bodyPr/>
+          <a:lstStyle/>
+          <a:p>
+            <a:fld id="{803D9FE4-F784-4A94-8F3E-54A098F0E8CC}" type="slidenum">
+              <a:rPr lang="en-US" smtClean="0"/>
+              <a:pPr/>
+              <a:t>21</a:t>
+            </a:fld>
+            <a:endParaRPr lang="en-US" dirty="0"/>
+          </a:p>
+        </p:txBody>
+      </p:sp>
+      <p:sp>
+        <p:nvSpPr>
+          <p:cNvPr id="5" name="Title 3"/>
+          <p:cNvSpPr>
+            <a:spLocks noGrp="1"/>
+          </p:cNvSpPr>
+          <p:nvPr>
+            <p:ph type="title"/>
+          </p:nvPr>
+        </p:nvSpPr>
+        <p:spPr>
+          <a:xfrm>
+            <a:off x="457200" y="103188"/>
+            <a:ext cx="8229600" cy="488995"/>
+          </a:xfrm>
+        </p:spPr>
+        <p:txBody>
+          <a:bodyPr>
+            <a:normAutofit fontScale="90000"/>
+          </a:bodyPr>
+          <a:lstStyle/>
+          <a:p>
+            <a:r>
+              <a:rPr lang="en-US" sz="3600" dirty="0" smtClean="0"/>
+              <a:t>KeyStone II CIC input events</a:t>
+            </a:r>
+            <a:endParaRPr lang="en-US" sz="3600" dirty="0"/>
+          </a:p>
+        </p:txBody>
+      </p:sp>
+    </p:spTree>
+    <p:extLst>
+      <p:ext uri="{BB962C8B-B14F-4D97-AF65-F5344CB8AC3E}">
+        <p14:creationId xmlns:p14="http://schemas.microsoft.com/office/powerpoint/2010/main" val="140882993"/>
+      </p:ext>
+    </p:extLst>
+  </p:cSld>
+  <p:clrMapOvr>
+    <a:masterClrMapping/>
+  </p:clrMapOvr>
+  <p:timing>
+    <p:tnLst>
+      <p:par>
+        <p:cTn id="1" dur="indefinite" restart="never" nodeType="tmRoot"/>
+      </p:par>
+    </p:tnLst>
+  </p:timing>
+</p:sld>
+</file>
+
+<file path=ppt/slides/slide22.xml><?xml version="1.0" encoding="utf-8"?>
+<p:sld xmlns:a="http://schemas.openxmlformats.org/drawingml/2006/main" xmlns:r="http://schemas.openxmlformats.org/officeDocument/2006/relationships" xmlns:p="http://schemas.openxmlformats.org/presentationml/2006/main">
+  <p:cSld>
+    <p:spTree>
+      <p:nvGrpSpPr>
+        <p:cNvPr id="1" name=""/>
+        <p:cNvGrpSpPr/>
+        <p:nvPr/>
+      </p:nvGrpSpPr>
+      <p:grpSpPr>
+        <a:xfrm>
+          <a:off x="0" y="0"/>
+          <a:ext cx="0" cy="0"/>
+          <a:chOff x="0" y="0"/>
+          <a:chExt cx="0" cy="0"/>
+        </a:xfrm>
+      </p:grpSpPr>
+      <p:sp>
+        <p:nvSpPr>
+          <p:cNvPr id="2" name="Title 1"/>
+          <p:cNvSpPr>
+            <a:spLocks noGrp="1"/>
+          </p:cNvSpPr>
+          <p:nvPr>
+            <p:ph type="title"/>
+          </p:nvPr>
+        </p:nvSpPr>
+        <p:spPr>
+          <a:xfrm>
+            <a:off x="457200" y="274638"/>
+            <a:ext cx="8229600" cy="715962"/>
+          </a:xfrm>
+        </p:spPr>
+        <p:txBody>
+          <a:bodyPr>
+            <a:normAutofit/>
+          </a:bodyPr>
+          <a:lstStyle/>
+          <a:p>
+            <a:r>
+              <a:rPr lang="en-US" sz="3600" dirty="0" smtClean="0"/>
+              <a:t>ISR connected to SPIXEVT</a:t>
+            </a:r>
+            <a:endParaRPr lang="en-US" sz="3600" dirty="0"/>
+          </a:p>
+        </p:txBody>
+      </p:sp>
+      <p:sp>
+        <p:nvSpPr>
+          <p:cNvPr id="3" name="Content Placeholder 2"/>
+          <p:cNvSpPr>
+            <a:spLocks noGrp="1"/>
+          </p:cNvSpPr>
+          <p:nvPr>
+            <p:ph idx="1"/>
+          </p:nvPr>
+        </p:nvSpPr>
+        <p:spPr>
+          <a:xfrm>
+            <a:off x="333375" y="1048467"/>
+            <a:ext cx="8467725" cy="4752257"/>
+          </a:xfrm>
+        </p:spPr>
+        <p:txBody>
+          <a:bodyPr>
+            <a:normAutofit/>
+          </a:bodyPr>
+          <a:lstStyle/>
+          <a:p>
+            <a:r>
+              <a:rPr lang="en-US" sz="2800" dirty="0" smtClean="0"/>
+              <a:t>SPI_0_XEVT is input event number 56 to CIC </a:t>
+            </a:r>
+          </a:p>
+          <a:p>
+            <a:r>
+              <a:rPr lang="en-US" sz="2800" dirty="0" smtClean="0"/>
+              <a:t>What channel should be used?</a:t>
+            </a:r>
+          </a:p>
+          <a:p>
+            <a:r>
+              <a:rPr lang="en-US" sz="2800" dirty="0" smtClean="0"/>
+              <a:t>Table 5-22 shows the C66 core input event. There are multiple CIC output events that are connected to C66 core</a:t>
+            </a:r>
+          </a:p>
+          <a:p>
+            <a:r>
+              <a:rPr lang="en-US" sz="2800" dirty="0" smtClean="0"/>
+              <a:t>Some of these events are broadcast event (meaning – they are connected to all 4 cores that CIC supports) and some are individual core events.</a:t>
+            </a:r>
+            <a:endParaRPr lang="en-US" sz="2800" dirty="0" smtClean="0"/>
+          </a:p>
+          <a:p>
+            <a:endParaRPr lang="en-US" sz="2800" dirty="0" smtClean="0"/>
+          </a:p>
+        </p:txBody>
+      </p:sp>
+      <p:sp>
+        <p:nvSpPr>
+          <p:cNvPr id="4" name="Slide Number Placeholder 3"/>
+          <p:cNvSpPr>
+            <a:spLocks noGrp="1"/>
+          </p:cNvSpPr>
+          <p:nvPr>
+            <p:ph type="sldNum" sz="quarter" idx="10"/>
+          </p:nvPr>
+        </p:nvSpPr>
+        <p:spPr/>
+        <p:txBody>
+          <a:bodyPr/>
+          <a:lstStyle/>
+          <a:p>
+            <a:fld id="{3B20521C-F793-4067-BB07-C7AF74E21EF3}" type="slidenum">
+              <a:rPr lang="en-US" smtClean="0"/>
+              <a:pPr/>
+              <a:t>22</a:t>
+            </a:fld>
+            <a:endParaRPr lang="en-US" dirty="0"/>
+          </a:p>
+        </p:txBody>
+      </p:sp>
+    </p:spTree>
+    <p:extLst>
+      <p:ext uri="{BB962C8B-B14F-4D97-AF65-F5344CB8AC3E}">
+        <p14:creationId xmlns:p14="http://schemas.microsoft.com/office/powerpoint/2010/main" val="1368754799"/>
+      </p:ext>
+    </p:extLst>
+  </p:cSld>
+  <p:clrMapOvr>
+    <a:masterClrMapping/>
+  </p:clrMapOvr>
+  <p:timing>
+    <p:tnLst>
+      <p:par>
+        <p:cTn id="1" dur="indefinite" restart="never" nodeType="tmRoot"/>
+      </p:par>
+    </p:tnLst>
+  </p:timing>
+</p:sld>
+</file>
+
+<file path=ppt/slides/slide23.xml><?xml version="1.0" encoding="utf-8"?>
+<p:sld xmlns:a="http://schemas.openxmlformats.org/drawingml/2006/main" xmlns:r="http://schemas.openxmlformats.org/officeDocument/2006/relationships" xmlns:p="http://schemas.openxmlformats.org/presentationml/2006/main">
+  <p:cSld>
+    <p:spTree>
+      <p:nvGrpSpPr>
+        <p:cNvPr id="1" name=""/>
+        <p:cNvGrpSpPr/>
+        <p:nvPr/>
+      </p:nvGrpSpPr>
+      <p:grpSpPr>
+        <a:xfrm>
+          <a:off x="0" y="0"/>
+          <a:ext cx="0" cy="0"/>
+          <a:chOff x="0" y="0"/>
+          <a:chExt cx="0" cy="0"/>
+        </a:xfrm>
+      </p:grpSpPr>
+      <p:sp>
+        <p:nvSpPr>
+          <p:cNvPr id="2" name="Title 1"/>
+          <p:cNvSpPr>
+            <a:spLocks noGrp="1"/>
+          </p:cNvSpPr>
+          <p:nvPr>
+            <p:ph type="title"/>
+          </p:nvPr>
+        </p:nvSpPr>
+        <p:spPr>
+          <a:xfrm>
+            <a:off x="457200" y="274638"/>
+            <a:ext cx="8229600" cy="715962"/>
+          </a:xfrm>
+        </p:spPr>
+        <p:txBody>
+          <a:bodyPr>
+            <a:normAutofit/>
+          </a:bodyPr>
+          <a:lstStyle/>
+          <a:p>
+            <a:r>
+              <a:rPr lang="en-US" sz="3600" dirty="0" smtClean="0"/>
+              <a:t>ISR connected to SPIXEVT</a:t>
+            </a:r>
+            <a:endParaRPr lang="en-US" sz="3600" dirty="0"/>
+          </a:p>
+        </p:txBody>
+      </p:sp>
+      <p:sp>
+        <p:nvSpPr>
+          <p:cNvPr id="3" name="Content Placeholder 2"/>
+          <p:cNvSpPr>
+            <a:spLocks noGrp="1"/>
+          </p:cNvSpPr>
+          <p:nvPr>
+            <p:ph idx="1"/>
+          </p:nvPr>
+        </p:nvSpPr>
+        <p:spPr>
+          <a:xfrm>
+            <a:off x="5705475" y="1048468"/>
+            <a:ext cx="3095625" cy="4266482"/>
+          </a:xfrm>
+        </p:spPr>
+        <p:txBody>
+          <a:bodyPr>
+            <a:normAutofit fontScale="85000" lnSpcReduction="20000"/>
+          </a:bodyPr>
+          <a:lstStyle/>
+          <a:p>
+            <a:pPr marL="0" indent="0">
+              <a:buNone/>
+            </a:pPr>
+            <a:endParaRPr lang="en-US" sz="2800" dirty="0" smtClean="0"/>
+          </a:p>
+          <a:p>
+            <a:r>
+              <a:rPr lang="en-US" sz="2800" dirty="0"/>
+              <a:t>E</a:t>
+            </a:r>
+            <a:r>
+              <a:rPr lang="en-US" sz="2800" dirty="0" smtClean="0"/>
+              <a:t>ight </a:t>
+            </a:r>
+            <a:r>
+              <a:rPr lang="en-US" sz="2800" dirty="0" smtClean="0"/>
+              <a:t>events (56 to 63</a:t>
+            </a:r>
+            <a:r>
+              <a:rPr lang="en-US" sz="2800" dirty="0" smtClean="0"/>
+              <a:t>) </a:t>
+            </a:r>
+            <a:r>
+              <a:rPr lang="en-US" sz="2800" dirty="0" smtClean="0"/>
+              <a:t>come out of the interrupt </a:t>
+            </a:r>
+            <a:r>
+              <a:rPr lang="en-US" sz="2800" dirty="0" smtClean="0"/>
+              <a:t>controller</a:t>
+            </a:r>
+            <a:r>
+              <a:rPr lang="en-US" sz="2800" dirty="0"/>
+              <a:t> </a:t>
+            </a:r>
+            <a:r>
+              <a:rPr lang="en-US" sz="2800" dirty="0" smtClean="0"/>
+              <a:t>are broadcast events, they are connected to CIC output channel 0 to 7 respectively. This example uses C66 input event 63 that is connected to CIC_OUT7 </a:t>
+            </a:r>
+            <a:endParaRPr lang="en-US" sz="2800" dirty="0" smtClean="0"/>
+          </a:p>
+        </p:txBody>
+      </p:sp>
+      <p:sp>
+        <p:nvSpPr>
+          <p:cNvPr id="4" name="Slide Number Placeholder 3"/>
+          <p:cNvSpPr>
+            <a:spLocks noGrp="1"/>
+          </p:cNvSpPr>
+          <p:nvPr>
+            <p:ph type="sldNum" sz="quarter" idx="10"/>
+          </p:nvPr>
+        </p:nvSpPr>
+        <p:spPr/>
+        <p:txBody>
+          <a:bodyPr/>
+          <a:lstStyle/>
+          <a:p>
+            <a:fld id="{3B20521C-F793-4067-BB07-C7AF74E21EF3}" type="slidenum">
+              <a:rPr lang="en-US" smtClean="0"/>
+              <a:pPr/>
+              <a:t>23</a:t>
+            </a:fld>
+            <a:endParaRPr lang="en-US" dirty="0"/>
+          </a:p>
+        </p:txBody>
+      </p:sp>
+      <p:pic>
+        <p:nvPicPr>
+          <p:cNvPr id="5" name="Picture 2"/>
+          <p:cNvPicPr>
+            <a:picLocks noChangeAspect="1" noChangeArrowheads="1"/>
+          </p:cNvPicPr>
+          <p:nvPr/>
+        </p:nvPicPr>
+        <p:blipFill>
+          <a:blip r:embed="rId2" cstate="print"/>
+          <a:srcRect/>
+          <a:stretch>
+            <a:fillRect/>
+          </a:stretch>
+        </p:blipFill>
+        <p:spPr bwMode="auto">
+          <a:xfrm>
+            <a:off x="148706" y="857250"/>
+            <a:ext cx="5590663" cy="5019675"/>
+          </a:xfrm>
+          <a:prstGeom prst="rect">
+            <a:avLst/>
+          </a:prstGeom>
+          <a:noFill/>
+          <a:ln w="9525">
+            <a:noFill/>
+            <a:miter lim="800000"/>
+            <a:headEnd/>
+            <a:tailEnd/>
+          </a:ln>
+        </p:spPr>
+      </p:pic>
+    </p:spTree>
+    <p:extLst>
+      <p:ext uri="{BB962C8B-B14F-4D97-AF65-F5344CB8AC3E}">
+        <p14:creationId xmlns:p14="http://schemas.microsoft.com/office/powerpoint/2010/main" val="1980341018"/>
+      </p:ext>
+    </p:extLst>
+  </p:cSld>
+  <p:clrMapOvr>
+    <a:masterClrMapping/>
+  </p:clrMapOvr>
+  <p:timing>
+    <p:tnLst>
+      <p:par>
+        <p:cTn id="1" dur="indefinite" restart="never" nodeType="tmRoot"/>
+      </p:par>
+    </p:tnLst>
+  </p:timing>
+</p:sld>
+</file>
+
+<file path=ppt/slides/slide24.xml><?xml version="1.0" encoding="utf-8"?>
+<p:sld xmlns:a="http://schemas.openxmlformats.org/drawingml/2006/main" xmlns:r="http://schemas.openxmlformats.org/officeDocument/2006/relationships" xmlns:p="http://schemas.openxmlformats.org/presentationml/2006/main">
+  <p:cSld>
+    <p:spTree>
+      <p:nvGrpSpPr>
+        <p:cNvPr id="1" name=""/>
+        <p:cNvGrpSpPr/>
+        <p:nvPr/>
+      </p:nvGrpSpPr>
+      <p:grpSpPr>
+        <a:xfrm>
+          <a:off x="0" y="0"/>
+          <a:ext cx="0" cy="0"/>
+          <a:chOff x="0" y="0"/>
+          <a:chExt cx="0" cy="0"/>
+        </a:xfrm>
+      </p:grpSpPr>
+      <p:sp>
+        <p:nvSpPr>
+          <p:cNvPr id="2" name="Title 1"/>
+          <p:cNvSpPr>
+            <a:spLocks noGrp="1"/>
+          </p:cNvSpPr>
+          <p:nvPr>
+            <p:ph type="title"/>
+          </p:nvPr>
+        </p:nvSpPr>
+        <p:spPr>
+          <a:xfrm>
+            <a:off x="457200" y="274638"/>
+            <a:ext cx="8229600" cy="715962"/>
+          </a:xfrm>
+        </p:spPr>
+        <p:txBody>
+          <a:bodyPr>
+            <a:normAutofit/>
+          </a:bodyPr>
+          <a:lstStyle/>
+          <a:p>
+            <a:r>
+              <a:rPr lang="en-US" sz="3600" dirty="0" smtClean="0"/>
+              <a:t>ISR connected to SPIXEVT</a:t>
+            </a:r>
+            <a:endParaRPr lang="en-US" sz="3600" dirty="0"/>
+          </a:p>
+        </p:txBody>
+      </p:sp>
+      <p:sp>
+        <p:nvSpPr>
+          <p:cNvPr id="3" name="Content Placeholder 2"/>
+          <p:cNvSpPr>
+            <a:spLocks noGrp="1"/>
+          </p:cNvSpPr>
+          <p:nvPr>
+            <p:ph idx="1"/>
+          </p:nvPr>
+        </p:nvSpPr>
+        <p:spPr/>
+        <p:txBody>
+          <a:bodyPr>
+            <a:normAutofit/>
+          </a:bodyPr>
+          <a:lstStyle/>
+          <a:p>
+            <a:r>
+              <a:rPr lang="en-US" sz="2800" dirty="0" smtClean="0"/>
+              <a:t>They </a:t>
+            </a:r>
+            <a:r>
+              <a:rPr lang="en-US" sz="2800" dirty="0" smtClean="0"/>
+              <a:t>are other events from the interrupt controller that could be considered (Both, broadcast and single core)</a:t>
+            </a:r>
+          </a:p>
+          <a:p>
+            <a:r>
+              <a:rPr lang="en-US" sz="2800" dirty="0" smtClean="0"/>
+              <a:t>The ARM GIC has 480 input events and 12 of them are connected to SPI</a:t>
+            </a:r>
+          </a:p>
+        </p:txBody>
+      </p:sp>
+      <p:sp>
+        <p:nvSpPr>
+          <p:cNvPr id="4" name="Slide Number Placeholder 3"/>
+          <p:cNvSpPr>
+            <a:spLocks noGrp="1"/>
+          </p:cNvSpPr>
+          <p:nvPr>
+            <p:ph type="sldNum" sz="quarter" idx="10"/>
+          </p:nvPr>
+        </p:nvSpPr>
+        <p:spPr/>
+        <p:txBody>
+          <a:bodyPr/>
+          <a:lstStyle/>
+          <a:p>
+            <a:fld id="{3B20521C-F793-4067-BB07-C7AF74E21EF3}" type="slidenum">
+              <a:rPr lang="en-US" smtClean="0"/>
+              <a:pPr/>
+              <a:t>24</a:t>
+            </a:fld>
+            <a:endParaRPr lang="en-US" dirty="0"/>
+          </a:p>
+        </p:txBody>
+      </p:sp>
+    </p:spTree>
+    <p:extLst>
+      <p:ext uri="{BB962C8B-B14F-4D97-AF65-F5344CB8AC3E}">
+        <p14:creationId xmlns:p14="http://schemas.microsoft.com/office/powerpoint/2010/main" val="826013894"/>
+      </p:ext>
+    </p:extLst>
+  </p:cSld>
+  <p:clrMapOvr>
+    <a:masterClrMapping/>
+  </p:clrMapOvr>
+  <p:timing>
+    <p:tnLst>
+      <p:par>
+        <p:cTn id="1" dur="indefinite" restart="never" nodeType="tmRoot"/>
+      </p:par>
+    </p:tnLst>
+  </p:timing>
+</p:sld>
+</file>
+
+<file path=ppt/slides/slide25.xml><?xml version="1.0" encoding="utf-8"?>
+<p:sld xmlns:a="http://schemas.openxmlformats.org/drawingml/2006/main" xmlns:r="http://schemas.openxmlformats.org/officeDocument/2006/relationships" xmlns:p="http://schemas.openxmlformats.org/presentationml/2006/main">
+  <p:cSld>
+    <p:spTree>
+      <p:nvGrpSpPr>
+        <p:cNvPr id="1" name=""/>
+        <p:cNvGrpSpPr/>
+        <p:nvPr/>
+      </p:nvGrpSpPr>
+      <p:grpSpPr>
+        <a:xfrm>
+          <a:off x="0" y="0"/>
+          <a:ext cx="0" cy="0"/>
+          <a:chOff x="0" y="0"/>
+          <a:chExt cx="0" cy="0"/>
+        </a:xfrm>
+      </p:grpSpPr>
+      <p:sp>
+        <p:nvSpPr>
           <p:cNvPr id="4" name="Title 3"/>
           <p:cNvSpPr>
             <a:spLocks noGrp="1"/>
@@ -9437,7 +11973,7 @@
           <a:graphicData uri="http://schemas.openxmlformats.org/presentationml/2006/ole">
             <mc:AlternateContent xmlns:mc="http://schemas.openxmlformats.org/markup-compatibility/2006">
               <mc:Choice xmlns:v="urn:schemas-microsoft-com:vml" Requires="v">
-                <p:oleObj spid="_x0000_s3087" name="Visio" r:id="rId3" imgW="8397082" imgH="6796932" progId="Visio.Drawing.11">
+                <p:oleObj spid="_x0000_s3090" name="Visio" r:id="rId3" imgW="8397082" imgH="6796932" progId="Visio.Drawing.11">
                   <p:embed/>
                 </p:oleObj>
               </mc:Choice>
@@ -9509,7 +12045,7 @@
             <a:fld id="{803D9FE4-F784-4A94-8F3E-54A098F0E8CC}" type="slidenum">
               <a:rPr lang="en-US" smtClean="0"/>
               <a:pPr/>
-              <a:t>19</a:t>
+              <a:t>25</a:t>
             </a:fld>
             <a:endParaRPr lang="en-US" dirty="0"/>
           </a:p>
@@ -9520,10 +12056,17 @@
   <p:clrMapOvr>
     <a:masterClrMapping/>
   </p:clrMapOvr>
+  <p:timing>
+    <p:tnLst>
+      <p:par>
+        <p:cTn id="1" dur="indefinite" restart="never" nodeType="tmRoot"/>
+      </p:par>
+    </p:tnLst>
+  </p:timing>
 </p:sld>
 </file>
 
-<file path=ppt/slides/slide2.xml><?xml version="1.0" encoding="utf-8"?>
+<file path=ppt/slides/slide26.xml><?xml version="1.0" encoding="utf-8"?>
 <p:sld xmlns:a="http://schemas.openxmlformats.org/drawingml/2006/main" xmlns:r="http://schemas.openxmlformats.org/officeDocument/2006/relationships" xmlns:p="http://schemas.openxmlformats.org/presentationml/2006/main">
   <p:cSld>
     <p:spTree>
@@ -9542,36 +12085,6 @@
       </p:grpSpPr>
       <p:sp>
         <p:nvSpPr>
-          <p:cNvPr id="2" name="Title 1"/>
-          <p:cNvSpPr>
-            <a:spLocks noGrp="1"/>
-          </p:cNvSpPr>
-          <p:nvPr>
-            <p:ph type="title"/>
-          </p:nvPr>
-        </p:nvSpPr>
-        <p:spPr>
-          <a:xfrm>
-            <a:off x="457200" y="274638"/>
-            <a:ext cx="8229600" cy="715962"/>
-          </a:xfrm>
-        </p:spPr>
-        <p:txBody>
-          <a:bodyPr>
-            <a:normAutofit/>
-          </a:bodyPr>
-          <a:lstStyle/>
-          <a:p>
-            <a:r>
-              <a:rPr lang="en-US" sz="3600" dirty="0" smtClean="0"/>
-              <a:t>Agenda</a:t>
-            </a:r>
-            <a:endParaRPr lang="en-US" sz="3600" dirty="0"/>
-          </a:p>
-        </p:txBody>
-      </p:sp>
-      <p:sp>
-        <p:nvSpPr>
           <p:cNvPr id="3" name="Content Placeholder 2"/>
           <p:cNvSpPr>
             <a:spLocks noGrp="1"/>
@@ -9580,22 +12093,34 @@
             <p:ph idx="1"/>
           </p:nvPr>
         </p:nvSpPr>
-        <p:spPr/>
+        <p:spPr>
+          <a:xfrm>
+            <a:off x="514350" y="672232"/>
+            <a:ext cx="7817644" cy="2366244"/>
+          </a:xfrm>
+        </p:spPr>
         <p:txBody>
           <a:bodyPr>
             <a:normAutofit/>
           </a:bodyPr>
           <a:lstStyle/>
           <a:p>
-            <a:r>
-              <a:rPr lang="en-US" sz="2800" dirty="0" smtClean="0"/>
-              <a:t>Interrupt Scheme (SPI 0 Example)</a:t>
-            </a:r>
-          </a:p>
-          <a:p>
-            <a:r>
-              <a:rPr lang="en-US" sz="2800" dirty="0" smtClean="0"/>
-              <a:t>Configuring Interrupts (Hyperlink Example)</a:t>
+            <a:pPr marL="227013" lvl="1" indent="-227013">
+              <a:spcBef>
+                <a:spcPts val="800"/>
+              </a:spcBef>
+              <a:buFontTx/>
+              <a:buChar char="•"/>
+            </a:pPr>
+            <a:r>
+              <a:rPr lang="en-US" sz="2400" dirty="0" smtClean="0"/>
+              <a:t>csl_cpIntCAux.h shows the APIs that connect system events to channels (e.g., the output of the CIC). </a:t>
+            </a:r>
+          </a:p>
+          <a:p>
+            <a:r>
+              <a:rPr lang="en-US" sz="2400" dirty="0" smtClean="0"/>
+              <a:t>Connecting channel events to interrupt queues is done using CSL or SYSBIOS, as described previously.</a:t>
             </a:r>
           </a:p>
         </p:txBody>
@@ -9618,8 +12143,173 @@
             <a:fld id="{3B20521C-F793-4067-BB07-C7AF74E21EF3}" type="slidenum">
               <a:rPr lang="en-US" smtClean="0"/>
               <a:pPr/>
-              <a:t>2</a:t>
+              <a:t>26</a:t>
             </a:fld>
+            <a:endParaRPr lang="en-US" dirty="0"/>
+          </a:p>
+        </p:txBody>
+      </p:sp>
+      <p:sp>
+        <p:nvSpPr>
+          <p:cNvPr id="5" name="Title 1"/>
+          <p:cNvSpPr>
+            <a:spLocks noGrp="1"/>
+          </p:cNvSpPr>
+          <p:nvPr>
+            <p:ph type="title"/>
+          </p:nvPr>
+        </p:nvSpPr>
+        <p:spPr>
+          <a:xfrm>
+            <a:off x="457200" y="274638"/>
+            <a:ext cx="8229600" cy="543968"/>
+          </a:xfrm>
+        </p:spPr>
+        <p:txBody>
+          <a:bodyPr>
+            <a:normAutofit fontScale="90000"/>
+          </a:bodyPr>
+          <a:lstStyle/>
+          <a:p>
+            <a:r>
+              <a:rPr lang="en-US" sz="3600" dirty="0"/>
+              <a:t>c</a:t>
+            </a:r>
+            <a:r>
+              <a:rPr lang="en-US" sz="3600" dirty="0" smtClean="0"/>
+              <a:t>sl map system event (input) to output </a:t>
+            </a:r>
+            <a:endParaRPr lang="en-US" sz="3600" dirty="0"/>
+          </a:p>
+        </p:txBody>
+      </p:sp>
+      <p:pic>
+        <p:nvPicPr>
+          <p:cNvPr id="13314" name="Picture 2"/>
+          <p:cNvPicPr>
+            <a:picLocks noChangeAspect="1" noChangeArrowheads="1"/>
+          </p:cNvPicPr>
+          <p:nvPr/>
+        </p:nvPicPr>
+        <p:blipFill>
+          <a:blip r:embed="rId2">
+            <a:extLst>
+              <a:ext uri="{28A0092B-C50C-407E-A947-70E740481C1C}">
+                <a14:useLocalDpi xmlns:a14="http://schemas.microsoft.com/office/drawing/2010/main" val="0"/>
+              </a:ext>
+            </a:extLst>
+          </a:blip>
+          <a:srcRect/>
+          <a:stretch>
+            <a:fillRect/>
+          </a:stretch>
+        </p:blipFill>
+        <p:spPr bwMode="auto">
+          <a:xfrm>
+            <a:off x="442912" y="2366963"/>
+            <a:ext cx="8258175" cy="2943225"/>
+          </a:xfrm>
+          <a:prstGeom prst="rect">
+            <a:avLst/>
+          </a:prstGeom>
+          <a:noFill/>
+          <a:ln>
+            <a:noFill/>
+          </a:ln>
+          <a:effectLst/>
+          <a:extLst>
+            <a:ext uri="{909E8E84-426E-40DD-AFC4-6F175D3DCCD1}">
+              <a14:hiddenFill xmlns:a14="http://schemas.microsoft.com/office/drawing/2010/main">
+                <a:solidFill>
+                  <a:schemeClr val="accent1"/>
+                </a:solidFill>
+              </a14:hiddenFill>
+            </a:ext>
+            <a:ext uri="{91240B29-F687-4F45-9708-019B960494DF}">
+              <a14:hiddenLine xmlns:a14="http://schemas.microsoft.com/office/drawing/2010/main" w="9525">
+                <a:solidFill>
+                  <a:schemeClr val="tx1"/>
+                </a:solidFill>
+                <a:miter lim="800000"/>
+                <a:headEnd/>
+                <a:tailEnd/>
+              </a14:hiddenLine>
+            </a:ext>
+            <a:ext uri="{AF507438-7753-43E0-B8FC-AC1667EBCBE1}">
+              <a14:hiddenEffects xmlns:a14="http://schemas.microsoft.com/office/drawing/2010/main">
+                <a:effectLst>
+                  <a:outerShdw dist="35921" dir="2700000" algn="ctr" rotWithShape="0">
+                    <a:schemeClr val="bg2"/>
+                  </a:outerShdw>
+                </a:effectLst>
+              </a14:hiddenEffects>
+            </a:ext>
+          </a:extLst>
+        </p:spPr>
+      </p:pic>
+      <p:sp>
+        <p:nvSpPr>
+          <p:cNvPr id="6" name="TextBox 5"/>
+          <p:cNvSpPr txBox="1"/>
+          <p:nvPr/>
+        </p:nvSpPr>
+        <p:spPr>
+          <a:xfrm>
+            <a:off x="571500" y="5125522"/>
+            <a:ext cx="7353300" cy="923330"/>
+          </a:xfrm>
+          <a:prstGeom prst="rect">
+            <a:avLst/>
+          </a:prstGeom>
+          <a:noFill/>
+        </p:spPr>
+        <p:txBody>
+          <a:bodyPr wrap="square" rtlCol="0">
+            <a:spAutoFit/>
+          </a:bodyPr>
+          <a:lstStyle/>
+          <a:p>
+            <a:r>
+              <a:rPr lang="en-US" dirty="0" smtClean="0"/>
+              <a:t>Error = </a:t>
+            </a:r>
+            <a:r>
+              <a:rPr lang="en-US" dirty="0" err="1" smtClean="0"/>
+              <a:t>CSL_CPINTC_mapSystemToChannel</a:t>
+            </a:r>
+            <a:r>
+              <a:rPr lang="en-US" dirty="0" smtClean="0"/>
+              <a:t>(hnd, 56,7) ;//CSL</a:t>
+            </a:r>
+          </a:p>
+          <a:p>
+            <a:r>
+              <a:rPr lang="en-US" dirty="0" smtClean="0"/>
+              <a:t>Error = </a:t>
+            </a:r>
+            <a:r>
+              <a:rPr lang="en-US" dirty="0" err="1" smtClean="0"/>
+              <a:t>CpIntc_mapSysIntToHostInt</a:t>
+            </a:r>
+            <a:r>
+              <a:rPr lang="en-US" dirty="0" smtClean="0"/>
+              <a:t>(0, </a:t>
+            </a:r>
+            <a:r>
+              <a:rPr lang="en-US" dirty="0"/>
+              <a:t>UInt </a:t>
+            </a:r>
+            <a:r>
+              <a:rPr lang="en-US" dirty="0" smtClean="0"/>
+              <a:t>56, 7); // BIOS</a:t>
+            </a:r>
+            <a:endParaRPr lang="en-US" dirty="0"/>
+          </a:p>
+          <a:p>
+            <a:r>
+              <a:rPr lang="en-US" dirty="0" smtClean="0"/>
+              <a:t> </a:t>
+            </a:r>
             <a:endParaRPr lang="en-US" dirty="0"/>
           </a:p>
         </p:txBody>
@@ -9629,10 +12319,17 @@
   <p:clrMapOvr>
     <a:masterClrMapping/>
   </p:clrMapOvr>
+  <p:timing>
+    <p:tnLst>
+      <p:par>
+        <p:cTn id="1" dur="indefinite" restart="never" nodeType="tmRoot"/>
+      </p:par>
+    </p:tnLst>
+  </p:timing>
 </p:sld>
 </file>
 
-<file path=ppt/slides/slide20.xml><?xml version="1.0" encoding="utf-8"?>
+<file path=ppt/slides/slide27.xml><?xml version="1.0" encoding="utf-8"?>
 <p:sld xmlns:a="http://schemas.openxmlformats.org/drawingml/2006/main" xmlns:r="http://schemas.openxmlformats.org/officeDocument/2006/relationships" xmlns:p="http://schemas.openxmlformats.org/presentationml/2006/main">
   <p:cSld>
     <p:spTree>
@@ -9651,58 +12348,84 @@
       </p:grpSpPr>
       <p:sp>
         <p:nvSpPr>
-          <p:cNvPr id="10242" name="Rectangle 2"/>
+          <p:cNvPr id="2" name="Title 1"/>
           <p:cNvSpPr>
-            <a:spLocks noGrp="1" noChangeArrowheads="1"/>
+            <a:spLocks noGrp="1"/>
           </p:cNvSpPr>
           <p:nvPr>
-            <p:ph type="ctrTitle"/>
+            <p:ph type="title"/>
           </p:nvPr>
         </p:nvSpPr>
-        <p:spPr/>
-        <p:txBody>
-          <a:bodyPr/>
+        <p:spPr>
+          <a:xfrm>
+            <a:off x="457200" y="274638"/>
+            <a:ext cx="8229600" cy="715962"/>
+          </a:xfrm>
+        </p:spPr>
+        <p:txBody>
+          <a:bodyPr>
+            <a:normAutofit/>
+          </a:bodyPr>
           <a:lstStyle/>
           <a:p>
-            <a:pPr algn="l" eaLnBrk="1" hangingPunct="1"/>
-            <a:r>
-              <a:rPr lang="en-US" dirty="0" smtClean="0">
-                <a:solidFill>
-                  <a:srgbClr val="DE0000"/>
-                </a:solidFill>
-              </a:rPr>
-              <a:t>Configuring Interrupts</a:t>
-            </a:r>
-            <a:endParaRPr lang="en-US" dirty="0" smtClean="0"/>
-          </a:p>
-        </p:txBody>
-      </p:sp>
-      <p:sp>
-        <p:nvSpPr>
-          <p:cNvPr id="10243" name="Rectangle 3"/>
+            <a:r>
+              <a:rPr lang="en-US" sz="3600" dirty="0" smtClean="0"/>
+              <a:t> Examples 2 Hyperlink</a:t>
+            </a:r>
+            <a:endParaRPr lang="en-US" sz="3600" dirty="0"/>
+          </a:p>
+        </p:txBody>
+      </p:sp>
+      <p:sp>
+        <p:nvSpPr>
+          <p:cNvPr id="3" name="Content Placeholder 2"/>
           <p:cNvSpPr>
-            <a:spLocks noGrp="1" noChangeArrowheads="1"/>
+            <a:spLocks noGrp="1"/>
           </p:cNvSpPr>
           <p:nvPr>
-            <p:ph type="subTitle" idx="1"/>
+            <p:ph idx="1"/>
           </p:nvPr>
         </p:nvSpPr>
         <p:spPr/>
         <p:txBody>
-          <a:bodyPr/>
+          <a:bodyPr>
+            <a:normAutofit/>
+          </a:bodyPr>
           <a:lstStyle/>
           <a:p>
-            <a:pPr eaLnBrk="1" hangingPunct="1"/>
-            <a:r>
-              <a:rPr lang="en-US" dirty="0" smtClean="0"/>
-              <a:t>KeyStone Interrupts</a:t>
-            </a:r>
-          </a:p>
-        </p:txBody>
-      </p:sp>
-      <p:sp>
-        <p:nvSpPr>
-          <p:cNvPr id="10244" name="Slide Number Placeholder 3"/>
+            <a:r>
+              <a:rPr lang="en-US" sz="2800" dirty="0" smtClean="0"/>
+              <a:t>MCSDK includes examples of interrupts originating from peripherals: </a:t>
+            </a:r>
+            <a:r>
+              <a:rPr lang="en-US" sz="1800" b="1" dirty="0" smtClean="0">
+                <a:latin typeface="Courier New" pitchFamily="49" charset="0"/>
+                <a:cs typeface="Courier New" pitchFamily="49" charset="0"/>
+              </a:rPr>
+              <a:t>MCSDK_3_01_12\pdk_keystone2_3_00_01_12\packages\ti\drv</a:t>
+            </a:r>
+            <a:br>
+              <a:rPr lang="en-US" sz="1800" b="1" dirty="0" smtClean="0">
+                <a:latin typeface="Courier New" pitchFamily="49" charset="0"/>
+                <a:cs typeface="Courier New" pitchFamily="49" charset="0"/>
+              </a:rPr>
+            </a:br>
+            <a:endParaRPr lang="en-US" sz="1800" b="1" dirty="0" smtClean="0">
+              <a:latin typeface="Courier New" pitchFamily="49" charset="0"/>
+              <a:cs typeface="Courier New" pitchFamily="49" charset="0"/>
+            </a:endParaRPr>
+          </a:p>
+          <a:p>
+            <a:r>
+              <a:rPr lang="en-US" sz="2800" dirty="0" smtClean="0"/>
+              <a:t>Consider an example using HyperLink, where an interrupt is sent from Hyperlink 0 to a DSP core.</a:t>
+            </a:r>
+          </a:p>
+        </p:txBody>
+      </p:sp>
+      <p:sp>
+        <p:nvSpPr>
+          <p:cNvPr id="4" name="Slide Number Placeholder 3"/>
           <p:cNvSpPr>
             <a:spLocks noGrp="1"/>
           </p:cNvSpPr>
@@ -9710,17 +12433,15 @@
             <p:ph type="sldNum" sz="quarter" idx="10"/>
           </p:nvPr>
         </p:nvSpPr>
-        <p:spPr>
-          <a:noFill/>
-        </p:spPr>
+        <p:spPr/>
         <p:txBody>
           <a:bodyPr/>
           <a:lstStyle/>
           <a:p>
-            <a:fld id="{47D32EE0-5F6C-48D8-BBE6-18ABEB0052A3}" type="slidenum">
-              <a:rPr lang="en-US"/>
+            <a:fld id="{3B20521C-F793-4067-BB07-C7AF74E21EF3}" type="slidenum">
+              <a:rPr lang="en-US" smtClean="0"/>
               <a:pPr/>
-              <a:t>20</a:t>
+              <a:t>27</a:t>
             </a:fld>
             <a:endParaRPr lang="en-US" dirty="0"/>
           </a:p>
@@ -9741,558 +12462,7 @@
 </p:sld>
 </file>
 
-<file path=ppt/slides/slide21.xml><?xml version="1.0" encoding="utf-8"?>
-<p:sld xmlns:a="http://schemas.openxmlformats.org/drawingml/2006/main" xmlns:r="http://schemas.openxmlformats.org/officeDocument/2006/relationships" xmlns:p="http://schemas.openxmlformats.org/presentationml/2006/main">
-  <p:cSld>
-    <p:spTree>
-      <p:nvGrpSpPr>
-        <p:cNvPr id="1" name=""/>
-        <p:cNvGrpSpPr/>
-        <p:nvPr/>
-      </p:nvGrpSpPr>
-      <p:grpSpPr>
-        <a:xfrm>
-          <a:off x="0" y="0"/>
-          <a:ext cx="0" cy="0"/>
-          <a:chOff x="0" y="0"/>
-          <a:chExt cx="0" cy="0"/>
-        </a:xfrm>
-      </p:grpSpPr>
-      <p:sp>
-        <p:nvSpPr>
-          <p:cNvPr id="2" name="Title 1"/>
-          <p:cNvSpPr>
-            <a:spLocks noGrp="1"/>
-          </p:cNvSpPr>
-          <p:nvPr>
-            <p:ph type="title"/>
-          </p:nvPr>
-        </p:nvSpPr>
-        <p:spPr>
-          <a:xfrm>
-            <a:off x="457200" y="274638"/>
-            <a:ext cx="8229600" cy="715962"/>
-          </a:xfrm>
-        </p:spPr>
-        <p:txBody>
-          <a:bodyPr>
-            <a:normAutofit/>
-          </a:bodyPr>
-          <a:lstStyle/>
-          <a:p>
-            <a:r>
-              <a:rPr lang="en-US" sz="3600" dirty="0" smtClean="0"/>
-              <a:t>Configuration API</a:t>
-            </a:r>
-            <a:endParaRPr lang="en-US" sz="3600" dirty="0"/>
-          </a:p>
-        </p:txBody>
-      </p:sp>
-      <p:sp>
-        <p:nvSpPr>
-          <p:cNvPr id="3" name="Content Placeholder 2"/>
-          <p:cNvSpPr>
-            <a:spLocks noGrp="1"/>
-          </p:cNvSpPr>
-          <p:nvPr>
-            <p:ph idx="1"/>
-          </p:nvPr>
-        </p:nvSpPr>
-        <p:spPr/>
-        <p:txBody>
-          <a:bodyPr>
-            <a:normAutofit/>
-          </a:bodyPr>
-          <a:lstStyle/>
-          <a:p>
-            <a:r>
-              <a:rPr lang="en-US" sz="2800" dirty="0" smtClean="0"/>
-              <a:t>Read the following Wiki: </a:t>
-            </a:r>
-            <a:r>
-              <a:rPr lang="en-US" sz="1600" i="1" dirty="0" smtClean="0">
-                <a:hlinkClick r:id="rId2"/>
-              </a:rPr>
-              <a:t>http://processors.wiki.ti.com/index.php/Configuring_Interrupts_on_Keystone_Devices</a:t>
-            </a:r>
-            <a:endParaRPr lang="en-US" sz="1600" i="1" dirty="0" smtClean="0"/>
-          </a:p>
-          <a:p>
-            <a:r>
-              <a:rPr lang="en-US" sz="2800" dirty="0" smtClean="0"/>
-              <a:t>csl APIs- For KeyStone II (MCSDK 3.x), look at the two include files to see all the API that are needed:</a:t>
-            </a:r>
-          </a:p>
-          <a:p>
-            <a:pPr lvl="1"/>
-            <a:r>
-              <a:rPr lang="en-US" sz="2600" dirty="0" smtClean="0"/>
-              <a:t>csl_cpIntc.h</a:t>
-            </a:r>
-          </a:p>
-          <a:p>
-            <a:pPr lvl="1"/>
-            <a:r>
-              <a:rPr lang="en-US" sz="2600" dirty="0" smtClean="0"/>
-              <a:t>csl_cpIntCAux.h</a:t>
-            </a:r>
-          </a:p>
-          <a:p>
-            <a:r>
-              <a:rPr lang="en-US" sz="2800" dirty="0" smtClean="0"/>
-              <a:t>SysBios APIs – look at cpInitc.h and cpInitc.c </a:t>
-            </a:r>
-            <a:r>
-              <a:rPr lang="en-US" sz="2800" dirty="0"/>
-              <a:t>in directory </a:t>
-            </a:r>
-            <a:r>
-              <a:rPr lang="en-US" sz="2400" dirty="0" smtClean="0"/>
-              <a:t>MCSDK_Y_XX\bios_6_BB_AA_ZZ\packages\ti\sysbios\family\c66\tci66xx</a:t>
-            </a:r>
-          </a:p>
-        </p:txBody>
-      </p:sp>
-      <p:sp>
-        <p:nvSpPr>
-          <p:cNvPr id="4" name="Slide Number Placeholder 3"/>
-          <p:cNvSpPr>
-            <a:spLocks noGrp="1"/>
-          </p:cNvSpPr>
-          <p:nvPr>
-            <p:ph type="sldNum" sz="quarter" idx="10"/>
-          </p:nvPr>
-        </p:nvSpPr>
-        <p:spPr/>
-        <p:txBody>
-          <a:bodyPr/>
-          <a:lstStyle/>
-          <a:p>
-            <a:fld id="{3B20521C-F793-4067-BB07-C7AF74E21EF3}" type="slidenum">
-              <a:rPr lang="en-US" smtClean="0"/>
-              <a:pPr/>
-              <a:t>21</a:t>
-            </a:fld>
-            <a:endParaRPr lang="en-US" dirty="0"/>
-          </a:p>
-        </p:txBody>
-      </p:sp>
-    </p:spTree>
-  </p:cSld>
-  <p:clrMapOvr>
-    <a:masterClrMapping/>
-  </p:clrMapOvr>
-  <p:timing>
-    <p:tnLst>
-      <p:par>
-        <p:cTn id="1" dur="indefinite" restart="never" nodeType="tmRoot"/>
-      </p:par>
-    </p:tnLst>
-  </p:timing>
-</p:sld>
-</file>
-
-<file path=ppt/slides/slide22.xml><?xml version="1.0" encoding="utf-8"?>
-<p:sld xmlns:a="http://schemas.openxmlformats.org/drawingml/2006/main" xmlns:r="http://schemas.openxmlformats.org/officeDocument/2006/relationships" xmlns:p="http://schemas.openxmlformats.org/presentationml/2006/main">
-  <p:cSld>
-    <p:spTree>
-      <p:nvGrpSpPr>
-        <p:cNvPr id="1" name=""/>
-        <p:cNvGrpSpPr/>
-        <p:nvPr/>
-      </p:nvGrpSpPr>
-      <p:grpSpPr>
-        <a:xfrm>
-          <a:off x="0" y="0"/>
-          <a:ext cx="0" cy="0"/>
-          <a:chOff x="0" y="0"/>
-          <a:chExt cx="0" cy="0"/>
-        </a:xfrm>
-      </p:grpSpPr>
-      <p:pic>
-        <p:nvPicPr>
-          <p:cNvPr id="8194" name="Picture 2"/>
-          <p:cNvPicPr>
-            <a:picLocks noChangeAspect="1" noChangeArrowheads="1"/>
-          </p:cNvPicPr>
-          <p:nvPr/>
-        </p:nvPicPr>
-        <p:blipFill>
-          <a:blip r:embed="rId2" cstate="print"/>
-          <a:srcRect/>
-          <a:stretch>
-            <a:fillRect/>
-          </a:stretch>
-        </p:blipFill>
-        <p:spPr bwMode="auto">
-          <a:xfrm>
-            <a:off x="594666" y="1140823"/>
-            <a:ext cx="4856015" cy="4900508"/>
-          </a:xfrm>
-          <a:prstGeom prst="rect">
-            <a:avLst/>
-          </a:prstGeom>
-          <a:noFill/>
-          <a:ln w="9525">
-            <a:noFill/>
-            <a:miter lim="800000"/>
-            <a:headEnd/>
-            <a:tailEnd/>
-          </a:ln>
-        </p:spPr>
-      </p:pic>
-      <p:sp>
-        <p:nvSpPr>
-          <p:cNvPr id="3" name="Content Placeholder 2"/>
-          <p:cNvSpPr>
-            <a:spLocks noGrp="1"/>
-          </p:cNvSpPr>
-          <p:nvPr>
-            <p:ph idx="1"/>
-          </p:nvPr>
-        </p:nvSpPr>
-        <p:spPr>
-          <a:xfrm>
-            <a:off x="5664994" y="777006"/>
-            <a:ext cx="3314700" cy="4623669"/>
-          </a:xfrm>
-        </p:spPr>
-        <p:txBody>
-          <a:bodyPr>
-            <a:normAutofit fontScale="92500"/>
-          </a:bodyPr>
-          <a:lstStyle/>
-          <a:p>
-            <a:pPr marL="227013" lvl="1" indent="-227013">
-              <a:spcBef>
-                <a:spcPts val="800"/>
-              </a:spcBef>
-              <a:buFontTx/>
-              <a:buChar char="•"/>
-            </a:pPr>
-            <a:r>
-              <a:rPr lang="en-US" sz="2600" dirty="0" smtClean="0"/>
-              <a:t>csl_cpIntCAux.h </a:t>
-            </a:r>
-            <a:r>
-              <a:rPr lang="en-US" sz="2800" dirty="0" smtClean="0"/>
-              <a:t>shows the APIs that connect system events to channels (e.g., the output of the CIC). </a:t>
-            </a:r>
-          </a:p>
-          <a:p>
-            <a:r>
-              <a:rPr lang="en-US" sz="2800" dirty="0" smtClean="0"/>
-              <a:t>Connecting channel events to interrupt queues is done using CSL or SYSBIOS, as described previously.</a:t>
-            </a:r>
-          </a:p>
-        </p:txBody>
-      </p:sp>
-      <p:sp>
-        <p:nvSpPr>
-          <p:cNvPr id="4" name="Slide Number Placeholder 3"/>
-          <p:cNvSpPr>
-            <a:spLocks noGrp="1"/>
-          </p:cNvSpPr>
-          <p:nvPr>
-            <p:ph type="sldNum" sz="quarter" idx="10"/>
-          </p:nvPr>
-        </p:nvSpPr>
-        <p:spPr/>
-        <p:txBody>
-          <a:bodyPr/>
-          <a:lstStyle/>
-          <a:p>
-            <a:fld id="{3B20521C-F793-4067-BB07-C7AF74E21EF3}" type="slidenum">
-              <a:rPr lang="en-US" smtClean="0"/>
-              <a:pPr/>
-              <a:t>22</a:t>
-            </a:fld>
-            <a:endParaRPr lang="en-US" dirty="0"/>
-          </a:p>
-        </p:txBody>
-      </p:sp>
-      <p:sp>
-        <p:nvSpPr>
-          <p:cNvPr id="5" name="Title 1"/>
-          <p:cNvSpPr>
-            <a:spLocks noGrp="1"/>
-          </p:cNvSpPr>
-          <p:nvPr>
-            <p:ph type="title"/>
-          </p:nvPr>
-        </p:nvSpPr>
-        <p:spPr>
-          <a:xfrm>
-            <a:off x="457200" y="274638"/>
-            <a:ext cx="8229600" cy="543968"/>
-          </a:xfrm>
-        </p:spPr>
-        <p:txBody>
-          <a:bodyPr>
-            <a:normAutofit fontScale="90000"/>
-          </a:bodyPr>
-          <a:lstStyle/>
-          <a:p>
-            <a:r>
-              <a:rPr lang="en-US" sz="3600" dirty="0"/>
-              <a:t>c</a:t>
-            </a:r>
-            <a:r>
-              <a:rPr lang="en-US" sz="3600" dirty="0" smtClean="0"/>
-              <a:t>sl map system event (input) to output </a:t>
-            </a:r>
-            <a:endParaRPr lang="en-US" sz="3600" dirty="0"/>
-          </a:p>
-        </p:txBody>
-      </p:sp>
-    </p:spTree>
-  </p:cSld>
-  <p:clrMapOvr>
-    <a:masterClrMapping/>
-  </p:clrMapOvr>
-</p:sld>
-</file>
-
-<file path=ppt/slides/slide23.xml><?xml version="1.0" encoding="utf-8"?>
-<p:sld xmlns:a="http://schemas.openxmlformats.org/drawingml/2006/main" xmlns:r="http://schemas.openxmlformats.org/officeDocument/2006/relationships" xmlns:p="http://schemas.openxmlformats.org/presentationml/2006/main">
-  <p:cSld>
-    <p:spTree>
-      <p:nvGrpSpPr>
-        <p:cNvPr id="1" name=""/>
-        <p:cNvGrpSpPr/>
-        <p:nvPr/>
-      </p:nvGrpSpPr>
-      <p:grpSpPr>
-        <a:xfrm>
-          <a:off x="0" y="0"/>
-          <a:ext cx="0" cy="0"/>
-          <a:chOff x="0" y="0"/>
-          <a:chExt cx="0" cy="0"/>
-        </a:xfrm>
-      </p:grpSpPr>
-      <p:sp>
-        <p:nvSpPr>
-          <p:cNvPr id="2" name="Title 1"/>
-          <p:cNvSpPr>
-            <a:spLocks noGrp="1"/>
-          </p:cNvSpPr>
-          <p:nvPr>
-            <p:ph type="title"/>
-          </p:nvPr>
-        </p:nvSpPr>
-        <p:spPr>
-          <a:xfrm>
-            <a:off x="457200" y="274638"/>
-            <a:ext cx="8229600" cy="715962"/>
-          </a:xfrm>
-        </p:spPr>
-        <p:txBody>
-          <a:bodyPr>
-            <a:normAutofit/>
-          </a:bodyPr>
-          <a:lstStyle/>
-          <a:p>
-            <a:r>
-              <a:rPr lang="en-US" sz="3600" dirty="0" smtClean="0"/>
-              <a:t>Code Examples</a:t>
-            </a:r>
-            <a:endParaRPr lang="en-US" sz="3600" dirty="0"/>
-          </a:p>
-        </p:txBody>
-      </p:sp>
-      <p:sp>
-        <p:nvSpPr>
-          <p:cNvPr id="3" name="Content Placeholder 2"/>
-          <p:cNvSpPr>
-            <a:spLocks noGrp="1"/>
-          </p:cNvSpPr>
-          <p:nvPr>
-            <p:ph idx="1"/>
-          </p:nvPr>
-        </p:nvSpPr>
-        <p:spPr/>
-        <p:txBody>
-          <a:bodyPr>
-            <a:normAutofit/>
-          </a:bodyPr>
-          <a:lstStyle/>
-          <a:p>
-            <a:r>
-              <a:rPr lang="en-US" sz="2800" dirty="0" smtClean="0"/>
-              <a:t>MCSDK includes examples of interrupts originating from peripherals: </a:t>
-            </a:r>
-            <a:r>
-              <a:rPr lang="en-US" sz="1800" b="1" dirty="0" smtClean="0">
-                <a:latin typeface="Courier New" pitchFamily="49" charset="0"/>
-                <a:cs typeface="Courier New" pitchFamily="49" charset="0"/>
-              </a:rPr>
-              <a:t>MCSDK_3_01_12\pdk_keystone2_3_00_01_12\packages\ti\drv</a:t>
-            </a:r>
-            <a:br>
-              <a:rPr lang="en-US" sz="1800" b="1" dirty="0" smtClean="0">
-                <a:latin typeface="Courier New" pitchFamily="49" charset="0"/>
-                <a:cs typeface="Courier New" pitchFamily="49" charset="0"/>
-              </a:rPr>
-            </a:br>
-            <a:endParaRPr lang="en-US" sz="1800" b="1" dirty="0" smtClean="0">
-              <a:latin typeface="Courier New" pitchFamily="49" charset="0"/>
-              <a:cs typeface="Courier New" pitchFamily="49" charset="0"/>
-            </a:endParaRPr>
-          </a:p>
-          <a:p>
-            <a:r>
-              <a:rPr lang="en-US" sz="2800" dirty="0" smtClean="0"/>
-              <a:t>Consider an example using HyperLink, where an interrupt is sent from Hyperlink 0 to a DSP core.</a:t>
-            </a:r>
-          </a:p>
-        </p:txBody>
-      </p:sp>
-      <p:sp>
-        <p:nvSpPr>
-          <p:cNvPr id="4" name="Slide Number Placeholder 3"/>
-          <p:cNvSpPr>
-            <a:spLocks noGrp="1"/>
-          </p:cNvSpPr>
-          <p:nvPr>
-            <p:ph type="sldNum" sz="quarter" idx="10"/>
-          </p:nvPr>
-        </p:nvSpPr>
-        <p:spPr/>
-        <p:txBody>
-          <a:bodyPr/>
-          <a:lstStyle/>
-          <a:p>
-            <a:fld id="{3B20521C-F793-4067-BB07-C7AF74E21EF3}" type="slidenum">
-              <a:rPr lang="en-US" smtClean="0"/>
-              <a:pPr/>
-              <a:t>23</a:t>
-            </a:fld>
-            <a:endParaRPr lang="en-US" dirty="0"/>
-          </a:p>
-        </p:txBody>
-      </p:sp>
-    </p:spTree>
-  </p:cSld>
-  <p:clrMapOvr>
-    <a:masterClrMapping/>
-  </p:clrMapOvr>
-</p:sld>
-</file>
-
-<file path=ppt/slides/slide24.xml><?xml version="1.0" encoding="utf-8"?>
-<p:sld xmlns:a="http://schemas.openxmlformats.org/drawingml/2006/main" xmlns:r="http://schemas.openxmlformats.org/officeDocument/2006/relationships" xmlns:p="http://schemas.openxmlformats.org/presentationml/2006/main">
-  <p:cSld>
-    <p:spTree>
-      <p:nvGrpSpPr>
-        <p:cNvPr id="1" name=""/>
-        <p:cNvGrpSpPr/>
-        <p:nvPr/>
-      </p:nvGrpSpPr>
-      <p:grpSpPr>
-        <a:xfrm>
-          <a:off x="0" y="0"/>
-          <a:ext cx="0" cy="0"/>
-          <a:chOff x="0" y="0"/>
-          <a:chExt cx="0" cy="0"/>
-        </a:xfrm>
-      </p:grpSpPr>
-      <p:pic>
-        <p:nvPicPr>
-          <p:cNvPr id="30722" name="Picture 2"/>
-          <p:cNvPicPr>
-            <a:picLocks noGrp="1" noChangeAspect="1" noChangeArrowheads="1"/>
-          </p:cNvPicPr>
-          <p:nvPr>
-            <p:ph idx="1"/>
-          </p:nvPr>
-        </p:nvPicPr>
-        <p:blipFill>
-          <a:blip r:embed="rId2" cstate="print"/>
-          <a:srcRect/>
-          <a:stretch>
-            <a:fillRect/>
-          </a:stretch>
-        </p:blipFill>
-        <p:spPr bwMode="auto">
-          <a:xfrm>
-            <a:off x="1066800" y="1371600"/>
-            <a:ext cx="6684991" cy="4525963"/>
-          </a:xfrm>
-          <a:prstGeom prst="rect">
-            <a:avLst/>
-          </a:prstGeom>
-          <a:noFill/>
-          <a:ln w="9525">
-            <a:noFill/>
-            <a:miter lim="800000"/>
-            <a:headEnd/>
-            <a:tailEnd/>
-          </a:ln>
-        </p:spPr>
-      </p:pic>
-      <p:sp>
-        <p:nvSpPr>
-          <p:cNvPr id="2" name="Title 1"/>
-          <p:cNvSpPr>
-            <a:spLocks noGrp="1"/>
-          </p:cNvSpPr>
-          <p:nvPr>
-            <p:ph type="title"/>
-          </p:nvPr>
-        </p:nvSpPr>
-        <p:spPr>
-          <a:xfrm>
-            <a:off x="457200" y="274638"/>
-            <a:ext cx="8229600" cy="715962"/>
-          </a:xfrm>
-        </p:spPr>
-        <p:txBody>
-          <a:bodyPr>
-            <a:normAutofit/>
-          </a:bodyPr>
-          <a:lstStyle/>
-          <a:p>
-            <a:r>
-              <a:rPr lang="en-US" sz="3600" dirty="0" smtClean="0"/>
-              <a:t>Hyperlink Interrupt</a:t>
-            </a:r>
-            <a:endParaRPr lang="en-US" sz="3600" dirty="0"/>
-          </a:p>
-        </p:txBody>
-      </p:sp>
-      <p:sp>
-        <p:nvSpPr>
-          <p:cNvPr id="4" name="Slide Number Placeholder 3"/>
-          <p:cNvSpPr>
-            <a:spLocks noGrp="1"/>
-          </p:cNvSpPr>
-          <p:nvPr>
-            <p:ph type="sldNum" sz="quarter" idx="10"/>
-          </p:nvPr>
-        </p:nvSpPr>
-        <p:spPr/>
-        <p:txBody>
-          <a:bodyPr/>
-          <a:lstStyle/>
-          <a:p>
-            <a:fld id="{3B20521C-F793-4067-BB07-C7AF74E21EF3}" type="slidenum">
-              <a:rPr lang="en-US" smtClean="0"/>
-              <a:pPr/>
-              <a:t>24</a:t>
-            </a:fld>
-            <a:endParaRPr lang="en-US" dirty="0"/>
-          </a:p>
-        </p:txBody>
-      </p:sp>
-    </p:spTree>
-  </p:cSld>
-  <p:clrMapOvr>
-    <a:masterClrMapping/>
-  </p:clrMapOvr>
-</p:sld>
-</file>
-
-<file path=ppt/slides/slide25.xml><?xml version="1.0" encoding="utf-8"?>
+<file path=ppt/slides/slide28.xml><?xml version="1.0" encoding="utf-8"?>
 <p:sld xmlns:a="http://schemas.openxmlformats.org/drawingml/2006/main" xmlns:r="http://schemas.openxmlformats.org/officeDocument/2006/relationships" xmlns:p="http://schemas.openxmlformats.org/presentationml/2006/main">
   <p:cSld>
     <p:spTree>
@@ -10479,7 +12649,7 @@
             <a:fld id="{3B20521C-F793-4067-BB07-C7AF74E21EF3}" type="slidenum">
               <a:rPr lang="en-US" smtClean="0"/>
               <a:pPr/>
-              <a:t>25</a:t>
+              <a:t>28</a:t>
             </a:fld>
             <a:endParaRPr lang="en-US" dirty="0"/>
           </a:p>
@@ -10490,10 +12660,17 @@
   <p:clrMapOvr>
     <a:masterClrMapping/>
   </p:clrMapOvr>
+  <p:timing>
+    <p:tnLst>
+      <p:par>
+        <p:cTn id="1" dur="indefinite" restart="never" nodeType="tmRoot"/>
+      </p:par>
+    </p:tnLst>
+  </p:timing>
 </p:sld>
 </file>
 
-<file path=ppt/slides/slide26.xml><?xml version="1.0" encoding="utf-8"?>
+<file path=ppt/slides/slide29.xml><?xml version="1.0" encoding="utf-8"?>
 <p:sld xmlns:a="http://schemas.openxmlformats.org/drawingml/2006/main" xmlns:r="http://schemas.openxmlformats.org/officeDocument/2006/relationships" xmlns:p="http://schemas.openxmlformats.org/presentationml/2006/main">
   <p:cSld>
     <p:spTree>
@@ -10669,7 +12846,7 @@
             <a:fld id="{803D9FE4-F784-4A94-8F3E-54A098F0E8CC}" type="slidenum">
               <a:rPr lang="en-US" smtClean="0"/>
               <a:pPr/>
-              <a:t>26</a:t>
+              <a:t>29</a:t>
             </a:fld>
             <a:endParaRPr lang="en-US" dirty="0"/>
           </a:p>
@@ -10690,7 +12867,116 @@
 </p:sld>
 </file>
 
-<file path=ppt/slides/slide27.xml><?xml version="1.0" encoding="utf-8"?>
+<file path=ppt/slides/slide3.xml><?xml version="1.0" encoding="utf-8"?>
+<p:sld xmlns:a="http://schemas.openxmlformats.org/drawingml/2006/main" xmlns:r="http://schemas.openxmlformats.org/officeDocument/2006/relationships" xmlns:p="http://schemas.openxmlformats.org/presentationml/2006/main">
+  <p:cSld>
+    <p:spTree>
+      <p:nvGrpSpPr>
+        <p:cNvPr id="1" name=""/>
+        <p:cNvGrpSpPr/>
+        <p:nvPr/>
+      </p:nvGrpSpPr>
+      <p:grpSpPr>
+        <a:xfrm>
+          <a:off x="0" y="0"/>
+          <a:ext cx="0" cy="0"/>
+          <a:chOff x="0" y="0"/>
+          <a:chExt cx="0" cy="0"/>
+        </a:xfrm>
+      </p:grpSpPr>
+      <p:sp>
+        <p:nvSpPr>
+          <p:cNvPr id="10242" name="Rectangle 2"/>
+          <p:cNvSpPr>
+            <a:spLocks noGrp="1" noChangeArrowheads="1"/>
+          </p:cNvSpPr>
+          <p:nvPr>
+            <p:ph type="ctrTitle"/>
+          </p:nvPr>
+        </p:nvSpPr>
+        <p:spPr/>
+        <p:txBody>
+          <a:bodyPr/>
+          <a:lstStyle/>
+          <a:p>
+            <a:pPr algn="l" eaLnBrk="1" hangingPunct="1"/>
+            <a:r>
+              <a:rPr lang="en-US" dirty="0" smtClean="0">
+                <a:solidFill>
+                  <a:srgbClr val="DE0000"/>
+                </a:solidFill>
+              </a:rPr>
+              <a:t>Interrupt Scheme</a:t>
+            </a:r>
+            <a:endParaRPr lang="en-US" dirty="0" smtClean="0"/>
+          </a:p>
+        </p:txBody>
+      </p:sp>
+      <p:sp>
+        <p:nvSpPr>
+          <p:cNvPr id="10243" name="Rectangle 3"/>
+          <p:cNvSpPr>
+            <a:spLocks noGrp="1" noChangeArrowheads="1"/>
+          </p:cNvSpPr>
+          <p:nvPr>
+            <p:ph type="subTitle" idx="1"/>
+          </p:nvPr>
+        </p:nvSpPr>
+        <p:spPr/>
+        <p:txBody>
+          <a:bodyPr/>
+          <a:lstStyle/>
+          <a:p>
+            <a:pPr eaLnBrk="1" hangingPunct="1"/>
+            <a:r>
+              <a:rPr lang="en-US" dirty="0" smtClean="0"/>
+              <a:t>KeyStone Interrupts</a:t>
+            </a:r>
+          </a:p>
+        </p:txBody>
+      </p:sp>
+      <p:sp>
+        <p:nvSpPr>
+          <p:cNvPr id="10244" name="Slide Number Placeholder 3"/>
+          <p:cNvSpPr>
+            <a:spLocks noGrp="1"/>
+          </p:cNvSpPr>
+          <p:nvPr>
+            <p:ph type="sldNum" sz="quarter" idx="10"/>
+          </p:nvPr>
+        </p:nvSpPr>
+        <p:spPr>
+          <a:noFill/>
+        </p:spPr>
+        <p:txBody>
+          <a:bodyPr/>
+          <a:lstStyle/>
+          <a:p>
+            <a:fld id="{47D32EE0-5F6C-48D8-BBE6-18ABEB0052A3}" type="slidenum">
+              <a:rPr lang="en-US"/>
+              <a:pPr/>
+              <a:t>3</a:t>
+            </a:fld>
+            <a:endParaRPr lang="en-US" dirty="0"/>
+          </a:p>
+        </p:txBody>
+      </p:sp>
+    </p:spTree>
+  </p:cSld>
+  <p:clrMapOvr>
+    <a:masterClrMapping/>
+  </p:clrMapOvr>
+  <p:timing>
+    <p:tnLst>
+      <p:par>
+        <p:cTn id="1" dur="indefinite" restart="never" nodeType="tmRoot"/>
+      </p:par>
+    </p:tnLst>
+  </p:timing>
+</p:sld>
+</file>
+
+<file path=ppt/slides/slide30.xml><?xml version="1.0" encoding="utf-8"?>
 <p:sld xmlns:a="http://schemas.openxmlformats.org/drawingml/2006/main" xmlns:r="http://schemas.openxmlformats.org/officeDocument/2006/relationships" xmlns:p="http://schemas.openxmlformats.org/presentationml/2006/main">
   <p:cSld>
     <p:spTree>
@@ -10838,7 +13124,7 @@
             <a:fld id="{3B20521C-F793-4067-BB07-C7AF74E21EF3}" type="slidenum">
               <a:rPr lang="en-US" smtClean="0"/>
               <a:pPr/>
-              <a:t>27</a:t>
+              <a:t>30</a:t>
             </a:fld>
             <a:endParaRPr lang="en-US" dirty="0"/>
           </a:p>
@@ -10849,10 +13135,17 @@
   <p:clrMapOvr>
     <a:masterClrMapping/>
   </p:clrMapOvr>
+  <p:timing>
+    <p:tnLst>
+      <p:par>
+        <p:cTn id="1" dur="indefinite" restart="never" nodeType="tmRoot"/>
+      </p:par>
+    </p:tnLst>
+  </p:timing>
 </p:sld>
 </file>
 
-<file path=ppt/slides/slide28.xml><?xml version="1.0" encoding="utf-8"?>
+<file path=ppt/slides/slide31.xml><?xml version="1.0" encoding="utf-8"?>
 <p:sld xmlns:a="http://schemas.openxmlformats.org/drawingml/2006/main" xmlns:r="http://schemas.openxmlformats.org/officeDocument/2006/relationships" xmlns:p="http://schemas.openxmlformats.org/presentationml/2006/main">
   <p:cSld>
     <p:spTree>
@@ -10979,293 +13272,7 @@
             <a:fld id="{3B20521C-F793-4067-BB07-C7AF74E21EF3}" type="slidenum">
               <a:rPr lang="en-US" smtClean="0"/>
               <a:pPr/>
-              <a:t>28</a:t>
-            </a:fld>
-            <a:endParaRPr lang="en-US" dirty="0"/>
-          </a:p>
-        </p:txBody>
-      </p:sp>
-    </p:spTree>
-  </p:cSld>
-  <p:clrMapOvr>
-    <a:masterClrMapping/>
-  </p:clrMapOvr>
-</p:sld>
-</file>
-
-<file path=ppt/slides/slide29.xml><?xml version="1.0" encoding="utf-8"?>
-<p:sld xmlns:a="http://schemas.openxmlformats.org/drawingml/2006/main" xmlns:r="http://schemas.openxmlformats.org/officeDocument/2006/relationships" xmlns:p="http://schemas.openxmlformats.org/presentationml/2006/main">
-  <p:cSld>
-    <p:spTree>
-      <p:nvGrpSpPr>
-        <p:cNvPr id="1" name=""/>
-        <p:cNvGrpSpPr/>
-        <p:nvPr/>
-      </p:nvGrpSpPr>
-      <p:grpSpPr>
-        <a:xfrm>
-          <a:off x="0" y="0"/>
-          <a:ext cx="0" cy="0"/>
-          <a:chOff x="0" y="0"/>
-          <a:chExt cx="0" cy="0"/>
-        </a:xfrm>
-      </p:grpSpPr>
-      <p:sp>
-        <p:nvSpPr>
-          <p:cNvPr id="4" name="Title 3"/>
-          <p:cNvSpPr>
-            <a:spLocks noGrp="1"/>
-          </p:cNvSpPr>
-          <p:nvPr>
-            <p:ph type="title"/>
-          </p:nvPr>
-        </p:nvSpPr>
-        <p:spPr/>
-        <p:txBody>
-          <a:bodyPr>
-            <a:normAutofit/>
-          </a:bodyPr>
-          <a:lstStyle/>
-          <a:p>
-            <a:r>
-              <a:rPr lang="en-US" sz="3600" dirty="0" smtClean="0"/>
-              <a:t>Screen Shot from CCS </a:t>
-            </a:r>
-            <a:endParaRPr lang="en-US" sz="3600" dirty="0"/>
-          </a:p>
-        </p:txBody>
-      </p:sp>
-      <p:pic>
-        <p:nvPicPr>
-          <p:cNvPr id="34818" name="Picture 2"/>
-          <p:cNvPicPr>
-            <a:picLocks noChangeAspect="1" noChangeArrowheads="1"/>
-          </p:cNvPicPr>
-          <p:nvPr/>
-        </p:nvPicPr>
-        <p:blipFill>
-          <a:blip r:embed="rId2" cstate="print"/>
-          <a:srcRect/>
-          <a:stretch>
-            <a:fillRect/>
-          </a:stretch>
-        </p:blipFill>
-        <p:spPr bwMode="auto">
-          <a:xfrm>
-            <a:off x="287021" y="2895600"/>
-            <a:ext cx="7728268" cy="962025"/>
-          </a:xfrm>
-          <a:prstGeom prst="rect">
-            <a:avLst/>
-          </a:prstGeom>
-          <a:noFill/>
-          <a:ln w="9525">
-            <a:noFill/>
-            <a:miter lim="800000"/>
-            <a:headEnd/>
-            <a:tailEnd/>
-          </a:ln>
-        </p:spPr>
-      </p:pic>
-      <p:sp>
-        <p:nvSpPr>
-          <p:cNvPr id="6" name="TextBox 5"/>
-          <p:cNvSpPr txBox="1"/>
-          <p:nvPr/>
-        </p:nvSpPr>
-        <p:spPr>
-          <a:xfrm>
-            <a:off x="990600" y="5257800"/>
-            <a:ext cx="7543800" cy="1200329"/>
-          </a:xfrm>
-          <a:prstGeom prst="rect">
-            <a:avLst/>
-          </a:prstGeom>
-          <a:noFill/>
-        </p:spPr>
-        <p:txBody>
-          <a:bodyPr wrap="square" rtlCol="0">
-            <a:spAutoFit/>
-          </a:bodyPr>
-          <a:lstStyle/>
-          <a:p>
-            <a:r>
-              <a:rPr lang="en-US" dirty="0" smtClean="0"/>
-              <a:t>The value of hyplnk_EXAMPLE_INTC_OUTPUT is (64 + 10 * DNUM)</a:t>
-            </a:r>
-          </a:p>
-          <a:p>
-            <a:endParaRPr lang="en-US" dirty="0" smtClean="0"/>
-          </a:p>
-          <a:p>
-            <a:endParaRPr lang="en-US" dirty="0" smtClean="0"/>
-          </a:p>
-          <a:p>
-            <a:r>
-              <a:rPr lang="en-US" dirty="0" smtClean="0"/>
-              <a:t> </a:t>
-            </a:r>
-            <a:endParaRPr lang="en-US" dirty="0"/>
-          </a:p>
-        </p:txBody>
-      </p:sp>
-      <p:cxnSp>
-        <p:nvCxnSpPr>
-          <p:cNvPr id="8" name="Straight Arrow Connector 7"/>
-          <p:cNvCxnSpPr/>
-          <p:nvPr/>
-        </p:nvCxnSpPr>
-        <p:spPr>
-          <a:xfrm flipV="1">
-            <a:off x="4953000" y="3962400"/>
-            <a:ext cx="685800" cy="1295400"/>
-          </a:xfrm>
-          <a:prstGeom prst="straightConnector1">
-            <a:avLst/>
-          </a:prstGeom>
-          <a:ln w="28575">
-            <a:solidFill>
-              <a:srgbClr val="FF0000"/>
-            </a:solidFill>
-            <a:tailEnd type="arrow"/>
-          </a:ln>
-        </p:spPr>
-        <p:style>
-          <a:lnRef idx="1">
-            <a:schemeClr val="accent1"/>
-          </a:lnRef>
-          <a:fillRef idx="0">
-            <a:schemeClr val="accent1"/>
-          </a:fillRef>
-          <a:effectRef idx="0">
-            <a:schemeClr val="accent1"/>
-          </a:effectRef>
-          <a:fontRef idx="minor">
-            <a:schemeClr val="tx1"/>
-          </a:fontRef>
-        </p:style>
-      </p:cxnSp>
-      <p:sp>
-        <p:nvSpPr>
-          <p:cNvPr id="7" name="Slide Number Placeholder 6"/>
-          <p:cNvSpPr>
-            <a:spLocks noGrp="1"/>
-          </p:cNvSpPr>
-          <p:nvPr>
-            <p:ph type="sldNum" sz="quarter" idx="10"/>
-          </p:nvPr>
-        </p:nvSpPr>
-        <p:spPr/>
-        <p:txBody>
-          <a:bodyPr/>
-          <a:lstStyle/>
-          <a:p>
-            <a:fld id="{803D9FE4-F784-4A94-8F3E-54A098F0E8CC}" type="slidenum">
-              <a:rPr lang="en-US" smtClean="0"/>
-              <a:pPr/>
-              <a:t>29</a:t>
-            </a:fld>
-            <a:endParaRPr lang="en-US" dirty="0"/>
-          </a:p>
-        </p:txBody>
-      </p:sp>
-    </p:spTree>
-  </p:cSld>
-  <p:clrMapOvr>
-    <a:masterClrMapping/>
-  </p:clrMapOvr>
-</p:sld>
-</file>
-
-<file path=ppt/slides/slide3.xml><?xml version="1.0" encoding="utf-8"?>
-<p:sld xmlns:a="http://schemas.openxmlformats.org/drawingml/2006/main" xmlns:r="http://schemas.openxmlformats.org/officeDocument/2006/relationships" xmlns:p="http://schemas.openxmlformats.org/presentationml/2006/main">
-  <p:cSld>
-    <p:spTree>
-      <p:nvGrpSpPr>
-        <p:cNvPr id="1" name=""/>
-        <p:cNvGrpSpPr/>
-        <p:nvPr/>
-      </p:nvGrpSpPr>
-      <p:grpSpPr>
-        <a:xfrm>
-          <a:off x="0" y="0"/>
-          <a:ext cx="0" cy="0"/>
-          <a:chOff x="0" y="0"/>
-          <a:chExt cx="0" cy="0"/>
-        </a:xfrm>
-      </p:grpSpPr>
-      <p:sp>
-        <p:nvSpPr>
-          <p:cNvPr id="10242" name="Rectangle 2"/>
-          <p:cNvSpPr>
-            <a:spLocks noGrp="1" noChangeArrowheads="1"/>
-          </p:cNvSpPr>
-          <p:nvPr>
-            <p:ph type="ctrTitle"/>
-          </p:nvPr>
-        </p:nvSpPr>
-        <p:spPr/>
-        <p:txBody>
-          <a:bodyPr/>
-          <a:lstStyle/>
-          <a:p>
-            <a:pPr algn="l" eaLnBrk="1" hangingPunct="1"/>
-            <a:r>
-              <a:rPr lang="en-US" dirty="0" smtClean="0">
-                <a:solidFill>
-                  <a:srgbClr val="DE0000"/>
-                </a:solidFill>
-              </a:rPr>
-              <a:t>Interrupt Scheme</a:t>
-            </a:r>
-            <a:endParaRPr lang="en-US" dirty="0" smtClean="0"/>
-          </a:p>
-        </p:txBody>
-      </p:sp>
-      <p:sp>
-        <p:nvSpPr>
-          <p:cNvPr id="10243" name="Rectangle 3"/>
-          <p:cNvSpPr>
-            <a:spLocks noGrp="1" noChangeArrowheads="1"/>
-          </p:cNvSpPr>
-          <p:nvPr>
-            <p:ph type="subTitle" idx="1"/>
-          </p:nvPr>
-        </p:nvSpPr>
-        <p:spPr/>
-        <p:txBody>
-          <a:bodyPr/>
-          <a:lstStyle/>
-          <a:p>
-            <a:pPr eaLnBrk="1" hangingPunct="1"/>
-            <a:r>
-              <a:rPr lang="en-US" dirty="0" smtClean="0"/>
-              <a:t>KeyStone Interrupts</a:t>
-            </a:r>
-          </a:p>
-        </p:txBody>
-      </p:sp>
-      <p:sp>
-        <p:nvSpPr>
-          <p:cNvPr id="10244" name="Slide Number Placeholder 3"/>
-          <p:cNvSpPr>
-            <a:spLocks noGrp="1"/>
-          </p:cNvSpPr>
-          <p:nvPr>
-            <p:ph type="sldNum" sz="quarter" idx="10"/>
-          </p:nvPr>
-        </p:nvSpPr>
-        <p:spPr>
-          <a:noFill/>
-        </p:spPr>
-        <p:txBody>
-          <a:bodyPr/>
-          <a:lstStyle/>
-          <a:p>
-            <a:fld id="{47D32EE0-5F6C-48D8-BBE6-18ABEB0052A3}" type="slidenum">
-              <a:rPr lang="en-US"/>
-              <a:pPr/>
-              <a:t>3</a:t>
+              <a:t>31</a:t>
             </a:fld>
             <a:endParaRPr lang="en-US" dirty="0"/>
           </a:p>
@@ -11286,7 +13293,7 @@
 </p:sld>
 </file>
 
-<file path=ppt/slides/slide30.xml><?xml version="1.0" encoding="utf-8"?>
+<file path=ppt/slides/slide32.xml><?xml version="1.0" encoding="utf-8"?>
 <p:sld xmlns:a="http://schemas.openxmlformats.org/drawingml/2006/main" xmlns:r="http://schemas.openxmlformats.org/officeDocument/2006/relationships" xmlns:p="http://schemas.openxmlformats.org/presentationml/2006/main">
   <p:cSld>
     <p:spTree>
@@ -11395,7 +13402,7 @@
             <a:fld id="{4BD60626-1ACC-48B1-8201-AA7BD5684B54}" type="slidenum">
               <a:rPr lang="en-US" smtClean="0"/>
               <a:pPr/>
-              <a:t>30</a:t>
+              <a:t>32</a:t>
             </a:fld>
             <a:endParaRPr lang="en-US" dirty="0"/>
           </a:p>
@@ -11438,10 +13445,17 @@
   <p:clrMapOvr>
     <a:masterClrMapping/>
   </p:clrMapOvr>
+  <p:timing>
+    <p:tnLst>
+      <p:par>
+        <p:cTn id="1" dur="indefinite" restart="never" nodeType="tmRoot"/>
+      </p:par>
+    </p:tnLst>
+  </p:timing>
 </p:sld>
 </file>
 
-<file path=ppt/slides/slide31.xml><?xml version="1.0" encoding="utf-8"?>
+<file path=ppt/slides/slide33.xml><?xml version="1.0" encoding="utf-8"?>
 <p:sld xmlns:a="http://schemas.openxmlformats.org/drawingml/2006/main" xmlns:r="http://schemas.openxmlformats.org/officeDocument/2006/relationships" xmlns:p="http://schemas.openxmlformats.org/presentationml/2006/main">
   <p:cSld>
     <p:spTree>
@@ -11550,7 +13564,7 @@
             <a:fld id="{4BD60626-1ACC-48B1-8201-AA7BD5684B54}" type="slidenum">
               <a:rPr lang="en-US" smtClean="0"/>
               <a:pPr/>
-              <a:t>31</a:t>
+              <a:t>33</a:t>
             </a:fld>
             <a:endParaRPr lang="en-US" dirty="0"/>
           </a:p>
@@ -11596,7 +13610,7 @@
 </p:sld>
 </file>
 
-<file path=ppt/slides/slide32.xml><?xml version="1.0" encoding="utf-8"?>
+<file path=ppt/slides/slide34.xml><?xml version="1.0" encoding="utf-8"?>
 <p:sld xmlns:a="http://schemas.openxmlformats.org/drawingml/2006/main" xmlns:r="http://schemas.openxmlformats.org/officeDocument/2006/relationships" xmlns:p="http://schemas.openxmlformats.org/presentationml/2006/main">
   <p:cSld>
     <p:spTree>
@@ -11631,7 +13645,7 @@
             <a:fld id="{3B20521C-F793-4067-BB07-C7AF74E21EF3}" type="slidenum">
               <a:rPr lang="en-US" smtClean="0"/>
               <a:pPr/>
-              <a:t>32</a:t>
+              <a:t>34</a:t>
             </a:fld>
             <a:endParaRPr lang="en-US" dirty="0"/>
           </a:p>
@@ -11751,7 +13765,7 @@
 </p:sld>
 </file>
 
-<file path=ppt/slides/slide33.xml><?xml version="1.0" encoding="utf-8"?>
+<file path=ppt/slides/slide35.xml><?xml version="1.0" encoding="utf-8"?>
 <p:sld xmlns:a="http://schemas.openxmlformats.org/drawingml/2006/main" xmlns:r="http://schemas.openxmlformats.org/officeDocument/2006/relationships" xmlns:p="http://schemas.openxmlformats.org/presentationml/2006/main">
   <p:cSld>
     <p:spTree>
@@ -11786,7 +13800,7 @@
             <a:fld id="{3B20521C-F793-4067-BB07-C7AF74E21EF3}" type="slidenum">
               <a:rPr lang="en-US" smtClean="0"/>
               <a:pPr/>
-              <a:t>33</a:t>
+              <a:t>35</a:t>
             </a:fld>
             <a:endParaRPr lang="en-US" dirty="0"/>
           </a:p>
@@ -11866,7 +13880,7 @@
 </p:sld>
 </file>
 
-<file path=ppt/slides/slide34.xml><?xml version="1.0" encoding="utf-8"?>
+<file path=ppt/slides/slide36.xml><?xml version="1.0" encoding="utf-8"?>
 <p:sld xmlns:a="http://schemas.openxmlformats.org/drawingml/2006/main" xmlns:r="http://schemas.openxmlformats.org/officeDocument/2006/relationships" xmlns:p="http://schemas.openxmlformats.org/presentationml/2006/main">
   <p:cSld>
     <p:spTree>
@@ -11924,7 +13938,7 @@
             <a:fld id="{3B20521C-F793-4067-BB07-C7AF74E21EF3}" type="slidenum">
               <a:rPr lang="en-US" smtClean="0"/>
               <a:pPr/>
-              <a:t>34</a:t>
+              <a:t>36</a:t>
             </a:fld>
             <a:endParaRPr lang="en-US" dirty="0"/>
           </a:p>
@@ -11979,7 +13993,7 @@
 </p:sld>
 </file>
 
-<file path=ppt/slides/slide35.xml><?xml version="1.0" encoding="utf-8"?>
+<file path=ppt/slides/slide37.xml><?xml version="1.0" encoding="utf-8"?>
 <p:sld xmlns:a="http://schemas.openxmlformats.org/drawingml/2006/main" xmlns:r="http://schemas.openxmlformats.org/officeDocument/2006/relationships" xmlns:p="http://schemas.openxmlformats.org/presentationml/2006/main">
   <p:cSld>
     <p:spTree>
@@ -12037,7 +14051,7 @@
             <a:fld id="{3B20521C-F793-4067-BB07-C7AF74E21EF3}" type="slidenum">
               <a:rPr lang="en-US" smtClean="0"/>
               <a:pPr/>
-              <a:t>35</a:t>
+              <a:t>37</a:t>
             </a:fld>
             <a:endParaRPr lang="en-US" dirty="0"/>
           </a:p>
@@ -12115,7 +14129,7 @@
 </p:sld>
 </file>
 
-<file path=ppt/slides/slide36.xml><?xml version="1.0" encoding="utf-8"?>
+<file path=ppt/slides/slide38.xml><?xml version="1.0" encoding="utf-8"?>
 <p:sld xmlns:a="http://schemas.openxmlformats.org/drawingml/2006/main" xmlns:r="http://schemas.openxmlformats.org/officeDocument/2006/relationships" xmlns:p="http://schemas.openxmlformats.org/presentationml/2006/main">
   <p:cSld>
     <p:spTree>
@@ -12188,7 +14202,7 @@
             <a:fld id="{803D9FE4-F784-4A94-8F3E-54A098F0E8CC}" type="slidenum">
               <a:rPr lang="en-US" smtClean="0"/>
               <a:pPr/>
-              <a:t>36</a:t>
+              <a:t>38</a:t>
             </a:fld>
             <a:endParaRPr lang="en-US" dirty="0"/>
           </a:p>
@@ -12271,7 +14285,7 @@
           <a:graphicData uri="http://schemas.openxmlformats.org/presentationml/2006/ole">
             <mc:AlternateContent xmlns:mc="http://schemas.openxmlformats.org/markup-compatibility/2006">
               <mc:Choice xmlns:v="urn:schemas-microsoft-com:vml" Requires="v">
-                <p:oleObj spid="_x0000_s1041" name="Visio" r:id="rId3" imgW="8181318" imgH="5750031" progId="Visio.Drawing.11">
+                <p:oleObj spid="_x0000_s1044" name="Visio" r:id="rId3" imgW="8181318" imgH="5750031" progId="Visio.Drawing.11">
                   <p:embed/>
                 </p:oleObj>
               </mc:Choice>
@@ -12390,7 +14404,7 @@
           <a:graphicData uri="http://schemas.openxmlformats.org/presentationml/2006/ole">
             <mc:AlternateContent xmlns:mc="http://schemas.openxmlformats.org/markup-compatibility/2006">
               <mc:Choice xmlns:v="urn:schemas-microsoft-com:vml" Requires="v">
-                <p:oleObj spid="_x0000_s4107" name="Visio" r:id="rId3" imgW="6401070" imgH="4573925" progId="Visio.Drawing.11">
+                <p:oleObj spid="_x0000_s4110" name="Visio" r:id="rId3" imgW="6401070" imgH="4573925" progId="Visio.Drawing.11">
                   <p:embed/>
                 </p:oleObj>
               </mc:Choice>
@@ -12514,7 +14528,7 @@
           <a:graphicData uri="http://schemas.openxmlformats.org/presentationml/2006/ole">
             <mc:AlternateContent xmlns:mc="http://schemas.openxmlformats.org/markup-compatibility/2006">
               <mc:Choice xmlns:v="urn:schemas-microsoft-com:vml" Requires="v">
-                <p:oleObj spid="_x0000_s5131" name="Visio" r:id="rId3" imgW="6401070" imgH="4764674" progId="Visio.Drawing.11">
+                <p:oleObj spid="_x0000_s5134" name="Visio" r:id="rId3" imgW="6401070" imgH="4764674" progId="Visio.Drawing.11">
                   <p:embed/>
                 </p:oleObj>
               </mc:Choice>

--- a/slides/KeyStone_Interrupts.pptx
+++ b/slides/KeyStone_Interrupts.pptx
@@ -5,10 +5,10 @@
     <p:sldMasterId id="2147483648" r:id="rId1"/>
   </p:sldMasterIdLst>
   <p:notesMasterIdLst>
-    <p:notesMasterId r:id="rId40"/>
+    <p:notesMasterId r:id="rId39"/>
   </p:notesMasterIdLst>
   <p:handoutMasterIdLst>
-    <p:handoutMasterId r:id="rId41"/>
+    <p:handoutMasterId r:id="rId40"/>
   </p:handoutMasterIdLst>
   <p:sldIdLst>
     <p:sldId id="265" r:id="rId2"/>
@@ -42,18 +42,17 @@
     <p:sldId id="291" r:id="rId30"/>
     <p:sldId id="292" r:id="rId31"/>
     <p:sldId id="293" r:id="rId32"/>
-    <p:sldId id="299" r:id="rId33"/>
-    <p:sldId id="301" r:id="rId34"/>
-    <p:sldId id="300" r:id="rId35"/>
-    <p:sldId id="302" r:id="rId36"/>
-    <p:sldId id="307" r:id="rId37"/>
-    <p:sldId id="308" r:id="rId38"/>
-    <p:sldId id="295" r:id="rId39"/>
+    <p:sldId id="301" r:id="rId33"/>
+    <p:sldId id="300" r:id="rId34"/>
+    <p:sldId id="302" r:id="rId35"/>
+    <p:sldId id="307" r:id="rId36"/>
+    <p:sldId id="308" r:id="rId37"/>
+    <p:sldId id="295" r:id="rId38"/>
   </p:sldIdLst>
   <p:sldSz cx="9144000" cy="6858000" type="screen4x3"/>
   <p:notesSz cx="7010400" cy="9296400"/>
   <p:custDataLst>
-    <p:tags r:id="rId42"/>
+    <p:tags r:id="rId41"/>
   </p:custDataLst>
   <p:defaultTextStyle>
     <a:defPPr>
@@ -8725,7 +8724,7 @@
           <a:graphicData uri="http://schemas.openxmlformats.org/presentationml/2006/ole">
             <mc:AlternateContent xmlns:mc="http://schemas.openxmlformats.org/markup-compatibility/2006">
               <mc:Choice xmlns:v="urn:schemas-microsoft-com:vml" Requires="v">
-                <p:oleObj spid="_x0000_s10249" name="Visio" r:id="rId3" imgW="9044738" imgH="6169084" progId="Visio.Drawing.11">
+                <p:oleObj spid="_x0000_s10250" name="Visio" r:id="rId3" imgW="9044738" imgH="6169084" progId="Visio.Drawing.11">
                   <p:embed/>
                 </p:oleObj>
               </mc:Choice>
@@ -8996,7 +8995,7 @@
           <a:graphicData uri="http://schemas.openxmlformats.org/presentationml/2006/ole">
             <mc:AlternateContent xmlns:mc="http://schemas.openxmlformats.org/markup-compatibility/2006">
               <mc:Choice xmlns:v="urn:schemas-microsoft-com:vml" Requires="v">
-                <p:oleObj spid="_x0000_s11272" name="Visio" r:id="rId4" imgW="9044738" imgH="6169084" progId="Visio.Drawing.11">
+                <p:oleObj spid="_x0000_s11273" name="Visio" r:id="rId4" imgW="9044738" imgH="6169084" progId="Visio.Drawing.11">
                   <p:embed/>
                 </p:oleObj>
               </mc:Choice>
@@ -10478,7 +10477,7 @@
           <a:graphicData uri="http://schemas.openxmlformats.org/presentationml/2006/ole">
             <mc:AlternateContent xmlns:mc="http://schemas.openxmlformats.org/markup-compatibility/2006">
               <mc:Choice xmlns:v="urn:schemas-microsoft-com:vml" Requires="v">
-                <p:oleObj spid="_x0000_s12293" name="Visio" r:id="rId3" imgW="9044738" imgH="6169084" progId="Visio.Drawing.11">
+                <p:oleObj spid="_x0000_s12294" name="Visio" r:id="rId3" imgW="9044738" imgH="6169084" progId="Visio.Drawing.11">
                   <p:embed/>
                 </p:oleObj>
               </mc:Choice>
@@ -11973,7 +11972,7 @@
           <a:graphicData uri="http://schemas.openxmlformats.org/presentationml/2006/ole">
             <mc:AlternateContent xmlns:mc="http://schemas.openxmlformats.org/markup-compatibility/2006">
               <mc:Choice xmlns:v="urn:schemas-microsoft-com:vml" Requires="v">
-                <p:oleObj spid="_x0000_s3090" name="Visio" r:id="rId3" imgW="8397082" imgH="6796932" progId="Visio.Drawing.11">
+                <p:oleObj spid="_x0000_s3091" name="Visio" r:id="rId3" imgW="8397082" imgH="6796932" progId="Visio.Drawing.11">
                   <p:embed/>
                 </p:oleObj>
               </mc:Choice>
@@ -13410,7 +13409,7 @@
       </p:sp>
       <p:pic>
         <p:nvPicPr>
-          <p:cNvPr id="34818" name="Picture 2"/>
+          <p:cNvPr id="35842" name="Picture 2"/>
           <p:cNvPicPr>
             <a:picLocks noChangeAspect="1" noChangeArrowheads="1"/>
           </p:cNvPicPr>
@@ -13425,8 +13424,8 @@
         </p:blipFill>
         <p:spPr bwMode="auto">
           <a:xfrm>
-            <a:off x="1328738" y="1352550"/>
-            <a:ext cx="6486525" cy="4152900"/>
+            <a:off x="576263" y="1619250"/>
+            <a:ext cx="7991475" cy="3619500"/>
           </a:xfrm>
           <a:prstGeom prst="rect">
             <a:avLst/>
@@ -13474,161 +13473,6 @@
       </p:grpSpPr>
       <p:sp>
         <p:nvSpPr>
-          <p:cNvPr id="3" name="Title 1"/>
-          <p:cNvSpPr txBox="1">
-            <a:spLocks/>
-          </p:cNvSpPr>
-          <p:nvPr/>
-        </p:nvSpPr>
-        <p:spPr>
-          <a:xfrm>
-            <a:off x="449279" y="271604"/>
-            <a:ext cx="7391022" cy="1131684"/>
-          </a:xfrm>
-          <a:prstGeom prst="rect">
-            <a:avLst/>
-          </a:prstGeom>
-        </p:spPr>
-        <p:txBody>
-          <a:bodyPr>
-            <a:normAutofit/>
-          </a:bodyPr>
-          <a:lstStyle/>
-          <a:p>
-            <a:pPr marL="0" marR="0" lvl="0" indent="0" algn="ctr" defTabSz="914400" rtl="0" eaLnBrk="0" fontAlgn="base" latinLnBrk="0" hangingPunct="0">
-              <a:lnSpc>
-                <a:spcPct val="85000"/>
-              </a:lnSpc>
-              <a:spcBef>
-                <a:spcPct val="0"/>
-              </a:spcBef>
-              <a:spcAft>
-                <a:spcPct val="0"/>
-              </a:spcAft>
-              <a:buClrTx/>
-              <a:buSzTx/>
-              <a:buFontTx/>
-              <a:buNone/>
-              <a:tabLst/>
-              <a:defRPr/>
-            </a:pPr>
-            <a:r>
-              <a:rPr kumimoji="0" lang="en-US" sz="3600" b="1" i="0" u="none" strike="noStrike" kern="0" cap="none" spc="0" normalizeH="0" baseline="0" noProof="0" dirty="0" smtClean="0">
-                <a:ln>
-                  <a:noFill/>
-                </a:ln>
-                <a:solidFill>
-                  <a:schemeClr val="tx2"/>
-                </a:solidFill>
-                <a:effectLst/>
-                <a:uLnTx/>
-                <a:uFillTx/>
-                <a:latin typeface="Calibri" pitchFamily="34" charset="0"/>
-                <a:ea typeface="+mj-ea"/>
-                <a:cs typeface="Calibri" pitchFamily="34" charset="0"/>
-              </a:rPr>
-              <a:t>ARM A15 Interrupt Scheme</a:t>
-            </a:r>
-            <a:endParaRPr kumimoji="0" lang="en-US" sz="3600" b="1" i="0" u="none" strike="noStrike" kern="0" cap="none" spc="0" normalizeH="0" baseline="0" noProof="0" dirty="0">
-              <a:ln>
-                <a:noFill/>
-              </a:ln>
-              <a:solidFill>
-                <a:schemeClr val="tx2"/>
-              </a:solidFill>
-              <a:effectLst/>
-              <a:uLnTx/>
-              <a:uFillTx/>
-              <a:latin typeface="Calibri" pitchFamily="34" charset="0"/>
-              <a:ea typeface="+mj-ea"/>
-              <a:cs typeface="Calibri" pitchFamily="34" charset="0"/>
-            </a:endParaRPr>
-          </a:p>
-        </p:txBody>
-      </p:sp>
-      <p:sp>
-        <p:nvSpPr>
-          <p:cNvPr id="4" name="Slide Number Placeholder 3"/>
-          <p:cNvSpPr>
-            <a:spLocks noGrp="1"/>
-          </p:cNvSpPr>
-          <p:nvPr>
-            <p:ph type="sldNum" sz="quarter" idx="10"/>
-          </p:nvPr>
-        </p:nvSpPr>
-        <p:spPr/>
-        <p:txBody>
-          <a:bodyPr/>
-          <a:lstStyle/>
-          <a:p>
-            <a:fld id="{4BD60626-1ACC-48B1-8201-AA7BD5684B54}" type="slidenum">
-              <a:rPr lang="en-US" smtClean="0"/>
-              <a:pPr/>
-              <a:t>33</a:t>
-            </a:fld>
-            <a:endParaRPr lang="en-US" dirty="0"/>
-          </a:p>
-        </p:txBody>
-      </p:sp>
-      <p:pic>
-        <p:nvPicPr>
-          <p:cNvPr id="35842" name="Picture 2"/>
-          <p:cNvPicPr>
-            <a:picLocks noChangeAspect="1" noChangeArrowheads="1"/>
-          </p:cNvPicPr>
-          <p:nvPr/>
-        </p:nvPicPr>
-        <p:blipFill>
-          <a:blip r:embed="rId2" cstate="print"/>
-          <a:srcRect/>
-          <a:stretch>
-            <a:fillRect/>
-          </a:stretch>
-        </p:blipFill>
-        <p:spPr bwMode="auto">
-          <a:xfrm>
-            <a:off x="576263" y="1619250"/>
-            <a:ext cx="7991475" cy="3619500"/>
-          </a:xfrm>
-          <a:prstGeom prst="rect">
-            <a:avLst/>
-          </a:prstGeom>
-          <a:noFill/>
-          <a:ln w="9525">
-            <a:noFill/>
-            <a:miter lim="800000"/>
-            <a:headEnd/>
-            <a:tailEnd/>
-          </a:ln>
-        </p:spPr>
-      </p:pic>
-    </p:spTree>
-  </p:cSld>
-  <p:clrMapOvr>
-    <a:masterClrMapping/>
-  </p:clrMapOvr>
-</p:sld>
-</file>
-
-<file path=ppt/slides/slide34.xml><?xml version="1.0" encoding="utf-8"?>
-<p:sld xmlns:a="http://schemas.openxmlformats.org/drawingml/2006/main" xmlns:r="http://schemas.openxmlformats.org/officeDocument/2006/relationships" xmlns:p="http://schemas.openxmlformats.org/presentationml/2006/main">
-  <p:cSld>
-    <p:spTree>
-      <p:nvGrpSpPr>
-        <p:cNvPr id="1" name=""/>
-        <p:cNvGrpSpPr/>
-        <p:nvPr/>
-      </p:nvGrpSpPr>
-      <p:grpSpPr>
-        <a:xfrm>
-          <a:off x="0" y="0"/>
-          <a:ext cx="0" cy="0"/>
-          <a:chOff x="0" y="0"/>
-          <a:chExt cx="0" cy="0"/>
-        </a:xfrm>
-      </p:grpSpPr>
-      <p:sp>
-        <p:nvSpPr>
           <p:cNvPr id="5" name="Slide Number Placeholder 4"/>
           <p:cNvSpPr>
             <a:spLocks noGrp="1"/>
@@ -13645,7 +13489,7 @@
             <a:fld id="{3B20521C-F793-4067-BB07-C7AF74E21EF3}" type="slidenum">
               <a:rPr lang="en-US" smtClean="0"/>
               <a:pPr/>
-              <a:t>34</a:t>
+              <a:t>33</a:t>
             </a:fld>
             <a:endParaRPr lang="en-US" dirty="0"/>
           </a:p>
@@ -13762,10 +13606,17 @@
   <p:clrMapOvr>
     <a:masterClrMapping/>
   </p:clrMapOvr>
+  <p:timing>
+    <p:tnLst>
+      <p:par>
+        <p:cTn id="1" dur="indefinite" restart="never" nodeType="tmRoot"/>
+      </p:par>
+    </p:tnLst>
+  </p:timing>
 </p:sld>
 </file>
 
-<file path=ppt/slides/slide35.xml><?xml version="1.0" encoding="utf-8"?>
+<file path=ppt/slides/slide34.xml><?xml version="1.0" encoding="utf-8"?>
 <p:sld xmlns:a="http://schemas.openxmlformats.org/drawingml/2006/main" xmlns:r="http://schemas.openxmlformats.org/officeDocument/2006/relationships" xmlns:p="http://schemas.openxmlformats.org/presentationml/2006/main">
   <p:cSld>
     <p:spTree>
@@ -13800,7 +13651,7 @@
             <a:fld id="{3B20521C-F793-4067-BB07-C7AF74E21EF3}" type="slidenum">
               <a:rPr lang="en-US" smtClean="0"/>
               <a:pPr/>
-              <a:t>35</a:t>
+              <a:t>34</a:t>
             </a:fld>
             <a:endParaRPr lang="en-US" dirty="0"/>
           </a:p>
@@ -13877,10 +13728,17 @@
   <p:clrMapOvr>
     <a:masterClrMapping/>
   </p:clrMapOvr>
+  <p:timing>
+    <p:tnLst>
+      <p:par>
+        <p:cTn id="1" dur="indefinite" restart="never" nodeType="tmRoot"/>
+      </p:par>
+    </p:tnLst>
+  </p:timing>
 </p:sld>
 </file>
 
-<file path=ppt/slides/slide36.xml><?xml version="1.0" encoding="utf-8"?>
+<file path=ppt/slides/slide35.xml><?xml version="1.0" encoding="utf-8"?>
 <p:sld xmlns:a="http://schemas.openxmlformats.org/drawingml/2006/main" xmlns:r="http://schemas.openxmlformats.org/officeDocument/2006/relationships" xmlns:p="http://schemas.openxmlformats.org/presentationml/2006/main">
   <p:cSld>
     <p:spTree>
@@ -13938,7 +13796,7 @@
             <a:fld id="{3B20521C-F793-4067-BB07-C7AF74E21EF3}" type="slidenum">
               <a:rPr lang="en-US" smtClean="0"/>
               <a:pPr/>
-              <a:t>36</a:t>
+              <a:t>35</a:t>
             </a:fld>
             <a:endParaRPr lang="en-US" dirty="0"/>
           </a:p>
@@ -13969,14 +13827,25 @@
           <a:prstGeom prst="rect">
             <a:avLst/>
           </a:prstGeom>
-          <a:noFill/>
-          <a:ln w="9525">
-            <a:noFill/>
-            <a:miter lim="800000"/>
+          <a:ln>
             <a:headEnd/>
             <a:tailEnd/>
           </a:ln>
         </p:spPr>
+        <p:style>
+          <a:lnRef idx="1">
+            <a:schemeClr val="accent2"/>
+          </a:lnRef>
+          <a:fillRef idx="2">
+            <a:schemeClr val="accent2"/>
+          </a:fillRef>
+          <a:effectRef idx="1">
+            <a:schemeClr val="accent2"/>
+          </a:effectRef>
+          <a:fontRef idx="minor">
+            <a:schemeClr val="dk1"/>
+          </a:fontRef>
+        </p:style>
       </p:pic>
     </p:spTree>
   </p:cSld>
@@ -13993,7 +13862,7 @@
 </p:sld>
 </file>
 
-<file path=ppt/slides/slide37.xml><?xml version="1.0" encoding="utf-8"?>
+<file path=ppt/slides/slide36.xml><?xml version="1.0" encoding="utf-8"?>
 <p:sld xmlns:a="http://schemas.openxmlformats.org/drawingml/2006/main" xmlns:r="http://schemas.openxmlformats.org/officeDocument/2006/relationships" xmlns:p="http://schemas.openxmlformats.org/presentationml/2006/main">
   <p:cSld>
     <p:spTree>
@@ -14051,7 +13920,7 @@
             <a:fld id="{3B20521C-F793-4067-BB07-C7AF74E21EF3}" type="slidenum">
               <a:rPr lang="en-US" smtClean="0"/>
               <a:pPr/>
-              <a:t>37</a:t>
+              <a:t>36</a:t>
             </a:fld>
             <a:endParaRPr lang="en-US" dirty="0"/>
           </a:p>
@@ -14126,10 +13995,17 @@
   <p:clrMapOvr>
     <a:masterClrMapping/>
   </p:clrMapOvr>
+  <p:timing>
+    <p:tnLst>
+      <p:par>
+        <p:cTn id="1" dur="indefinite" restart="never" nodeType="tmRoot"/>
+      </p:par>
+    </p:tnLst>
+  </p:timing>
 </p:sld>
 </file>
 
-<file path=ppt/slides/slide38.xml><?xml version="1.0" encoding="utf-8"?>
+<file path=ppt/slides/slide37.xml><?xml version="1.0" encoding="utf-8"?>
 <p:sld xmlns:a="http://schemas.openxmlformats.org/drawingml/2006/main" xmlns:r="http://schemas.openxmlformats.org/officeDocument/2006/relationships" xmlns:p="http://schemas.openxmlformats.org/presentationml/2006/main">
   <p:cSld>
     <p:spTree>
@@ -14202,7 +14078,7 @@
             <a:fld id="{803D9FE4-F784-4A94-8F3E-54A098F0E8CC}" type="slidenum">
               <a:rPr lang="en-US" smtClean="0"/>
               <a:pPr/>
-              <a:t>38</a:t>
+              <a:t>37</a:t>
             </a:fld>
             <a:endParaRPr lang="en-US" dirty="0"/>
           </a:p>
@@ -14213,6 +14089,13 @@
   <p:clrMapOvr>
     <a:masterClrMapping/>
   </p:clrMapOvr>
+  <p:timing>
+    <p:tnLst>
+      <p:par>
+        <p:cTn id="1" dur="indefinite" restart="never" nodeType="tmRoot"/>
+      </p:par>
+    </p:tnLst>
+  </p:timing>
 </p:sld>
 </file>
 
@@ -14285,7 +14168,7 @@
           <a:graphicData uri="http://schemas.openxmlformats.org/presentationml/2006/ole">
             <mc:AlternateContent xmlns:mc="http://schemas.openxmlformats.org/markup-compatibility/2006">
               <mc:Choice xmlns:v="urn:schemas-microsoft-com:vml" Requires="v">
-                <p:oleObj spid="_x0000_s1044" name="Visio" r:id="rId3" imgW="8181318" imgH="5750031" progId="Visio.Drawing.11">
+                <p:oleObj spid="_x0000_s1045" name="Visio" r:id="rId3" imgW="8181318" imgH="5750031" progId="Visio.Drawing.11">
                   <p:embed/>
                 </p:oleObj>
               </mc:Choice>
@@ -14404,7 +14287,7 @@
           <a:graphicData uri="http://schemas.openxmlformats.org/presentationml/2006/ole">
             <mc:AlternateContent xmlns:mc="http://schemas.openxmlformats.org/markup-compatibility/2006">
               <mc:Choice xmlns:v="urn:schemas-microsoft-com:vml" Requires="v">
-                <p:oleObj spid="_x0000_s4110" name="Visio" r:id="rId3" imgW="6401070" imgH="4573925" progId="Visio.Drawing.11">
+                <p:oleObj spid="_x0000_s4111" name="Visio" r:id="rId3" imgW="6401070" imgH="4573925" progId="Visio.Drawing.11">
                   <p:embed/>
                 </p:oleObj>
               </mc:Choice>
@@ -14528,7 +14411,7 @@
           <a:graphicData uri="http://schemas.openxmlformats.org/presentationml/2006/ole">
             <mc:AlternateContent xmlns:mc="http://schemas.openxmlformats.org/markup-compatibility/2006">
               <mc:Choice xmlns:v="urn:schemas-microsoft-com:vml" Requires="v">
-                <p:oleObj spid="_x0000_s5134" name="Visio" r:id="rId3" imgW="6401070" imgH="4764674" progId="Visio.Drawing.11">
+                <p:oleObj spid="_x0000_s5135" name="Visio" r:id="rId3" imgW="6401070" imgH="4764674" progId="Visio.Drawing.11">
                   <p:embed/>
                 </p:oleObj>
               </mc:Choice>

--- a/slides/KeyStone_Interrupts.pptx
+++ b/slides/KeyStone_Interrupts.pptx
@@ -5,54 +5,55 @@
     <p:sldMasterId id="2147483648" r:id="rId1"/>
   </p:sldMasterIdLst>
   <p:notesMasterIdLst>
-    <p:notesMasterId r:id="rId39"/>
+    <p:notesMasterId r:id="rId40"/>
   </p:notesMasterIdLst>
   <p:handoutMasterIdLst>
-    <p:handoutMasterId r:id="rId40"/>
+    <p:handoutMasterId r:id="rId41"/>
   </p:handoutMasterIdLst>
   <p:sldIdLst>
     <p:sldId id="265" r:id="rId2"/>
     <p:sldId id="271" r:id="rId3"/>
-    <p:sldId id="297" r:id="rId4"/>
-    <p:sldId id="275" r:id="rId5"/>
-    <p:sldId id="314" r:id="rId6"/>
-    <p:sldId id="315" r:id="rId7"/>
-    <p:sldId id="316" r:id="rId8"/>
-    <p:sldId id="320" r:id="rId9"/>
-    <p:sldId id="321" r:id="rId10"/>
-    <p:sldId id="318" r:id="rId11"/>
-    <p:sldId id="325" r:id="rId12"/>
-    <p:sldId id="319" r:id="rId13"/>
-    <p:sldId id="323" r:id="rId14"/>
-    <p:sldId id="324" r:id="rId15"/>
-    <p:sldId id="279" r:id="rId16"/>
-    <p:sldId id="326" r:id="rId17"/>
-    <p:sldId id="328" r:id="rId18"/>
-    <p:sldId id="327" r:id="rId19"/>
-    <p:sldId id="329" r:id="rId20"/>
-    <p:sldId id="280" r:id="rId21"/>
-    <p:sldId id="331" r:id="rId22"/>
-    <p:sldId id="330" r:id="rId23"/>
-    <p:sldId id="332" r:id="rId24"/>
-    <p:sldId id="333" r:id="rId25"/>
-    <p:sldId id="283" r:id="rId26"/>
-    <p:sldId id="286" r:id="rId27"/>
+    <p:sldId id="275" r:id="rId4"/>
+    <p:sldId id="314" r:id="rId5"/>
+    <p:sldId id="315" r:id="rId6"/>
+    <p:sldId id="316" r:id="rId7"/>
+    <p:sldId id="320" r:id="rId8"/>
+    <p:sldId id="321" r:id="rId9"/>
+    <p:sldId id="318" r:id="rId10"/>
+    <p:sldId id="325" r:id="rId11"/>
+    <p:sldId id="319" r:id="rId12"/>
+    <p:sldId id="323" r:id="rId13"/>
+    <p:sldId id="324" r:id="rId14"/>
+    <p:sldId id="279" r:id="rId15"/>
+    <p:sldId id="326" r:id="rId16"/>
+    <p:sldId id="328" r:id="rId17"/>
+    <p:sldId id="327" r:id="rId18"/>
+    <p:sldId id="335" r:id="rId19"/>
+    <p:sldId id="280" r:id="rId20"/>
+    <p:sldId id="331" r:id="rId21"/>
+    <p:sldId id="330" r:id="rId22"/>
+    <p:sldId id="332" r:id="rId23"/>
+    <p:sldId id="333" r:id="rId24"/>
+    <p:sldId id="283" r:id="rId25"/>
+    <p:sldId id="286" r:id="rId26"/>
+    <p:sldId id="336" r:id="rId27"/>
     <p:sldId id="287" r:id="rId28"/>
     <p:sldId id="290" r:id="rId29"/>
     <p:sldId id="291" r:id="rId30"/>
     <p:sldId id="292" r:id="rId31"/>
     <p:sldId id="293" r:id="rId32"/>
-    <p:sldId id="301" r:id="rId33"/>
-    <p:sldId id="300" r:id="rId34"/>
-    <p:sldId id="302" r:id="rId35"/>
-    <p:sldId id="307" r:id="rId36"/>
-    <p:sldId id="308" r:id="rId37"/>
-    <p:sldId id="295" r:id="rId38"/>
+    <p:sldId id="337" r:id="rId33"/>
+    <p:sldId id="301" r:id="rId34"/>
+    <p:sldId id="300" r:id="rId35"/>
+    <p:sldId id="302" r:id="rId36"/>
+    <p:sldId id="307" r:id="rId37"/>
+    <p:sldId id="334" r:id="rId38"/>
+    <p:sldId id="295" r:id="rId39"/>
   </p:sldIdLst>
   <p:sldSz cx="9144000" cy="6858000" type="screen4x3"/>
   <p:notesSz cx="7010400" cy="9296400"/>
   <p:custDataLst>
-    <p:tags r:id="rId41"/>
+    <p:tags r:id="rId42"/>
   </p:custDataLst>
   <p:defaultTextStyle>
     <a:defPPr>
@@ -874,7 +875,7 @@
               <a:pPr>
                 <a:defRPr/>
               </a:pPr>
-              <a:t>7</a:t>
+              <a:t>6</a:t>
             </a:fld>
             <a:endParaRPr lang="en-US" dirty="0" smtClean="0">
               <a:solidFill>
@@ -4884,82 +4885,9 @@
           <a:chExt cx="0" cy="0"/>
         </a:xfrm>
       </p:grpSpPr>
-      <p:sp>
-        <p:nvSpPr>
-          <p:cNvPr id="5" name="TextBox 4"/>
-          <p:cNvSpPr txBox="1"/>
-          <p:nvPr/>
-        </p:nvSpPr>
-        <p:spPr>
-          <a:xfrm>
-            <a:off x="0" y="6243642"/>
-            <a:ext cx="8886825" cy="550068"/>
-          </a:xfrm>
-          <a:prstGeom prst="rect">
-            <a:avLst/>
-          </a:prstGeom>
-          <a:solidFill>
-            <a:schemeClr val="bg1"/>
-          </a:solidFill>
-        </p:spPr>
-        <p:txBody>
-          <a:bodyPr wrap="square" rtlCol="0">
-            <a:noAutofit/>
-          </a:bodyPr>
-          <a:lstStyle/>
-          <a:p>
-            <a:endParaRPr lang="en-US" dirty="0"/>
-          </a:p>
-        </p:txBody>
-      </p:sp>
-      <p:sp>
-        <p:nvSpPr>
-          <p:cNvPr id="4" name="Title 3"/>
-          <p:cNvSpPr>
-            <a:spLocks noGrp="1"/>
-          </p:cNvSpPr>
-          <p:nvPr>
-            <p:ph type="title"/>
-          </p:nvPr>
-        </p:nvSpPr>
-        <p:spPr>
-          <a:xfrm>
-            <a:off x="428625" y="153194"/>
-            <a:ext cx="8229600" cy="704055"/>
-          </a:xfrm>
-        </p:spPr>
-        <p:txBody>
-          <a:bodyPr>
-            <a:normAutofit fontScale="90000"/>
-          </a:bodyPr>
-          <a:lstStyle/>
-          <a:p>
-            <a:r>
-              <a:rPr lang="en-US" sz="3200" dirty="0" smtClean="0"/>
-              <a:t>C66 Core Prime </a:t>
-            </a:r>
-            <a:r>
-              <a:rPr lang="en-US" sz="3200" dirty="0"/>
-              <a:t>Event </a:t>
-            </a:r>
-            <a:r>
-              <a:rPr lang="en-US" sz="3200" dirty="0" smtClean="0"/>
-              <a:t>IDs</a:t>
-            </a:r>
-            <a:br>
-              <a:rPr lang="en-US" sz="3200" dirty="0" smtClean="0"/>
-            </a:br>
-            <a:r>
-              <a:rPr lang="en-US" sz="3200" dirty="0" smtClean="0"/>
-              <a:t>(Core Events Only)</a:t>
-            </a:r>
-            <a:endParaRPr lang="en-US" sz="3600" dirty="0"/>
-          </a:p>
-        </p:txBody>
-      </p:sp>
       <p:pic>
         <p:nvPicPr>
-          <p:cNvPr id="3075" name="Picture 3"/>
+          <p:cNvPr id="5122" name="Picture 2"/>
           <p:cNvPicPr>
             <a:picLocks noChangeAspect="1" noChangeArrowheads="1"/>
           </p:cNvPicPr>
@@ -4967,15 +4895,15 @@
         </p:nvPicPr>
         <p:blipFill>
           <a:blip r:embed="rId2" cstate="print"/>
-          <a:srcRect l="3504" r="18686"/>
+          <a:srcRect/>
           <a:stretch>
             <a:fillRect/>
           </a:stretch>
         </p:blipFill>
         <p:spPr bwMode="auto">
           <a:xfrm>
-            <a:off x="400049" y="952895"/>
-            <a:ext cx="4578073" cy="5847953"/>
+            <a:off x="1245326" y="948692"/>
+            <a:ext cx="6784249" cy="5652133"/>
           </a:xfrm>
           <a:prstGeom prst="rect">
             <a:avLst/>
@@ -4991,100 +4919,55 @@
       </p:pic>
       <p:sp>
         <p:nvSpPr>
-          <p:cNvPr id="6" name="TextBox 5"/>
-          <p:cNvSpPr txBox="1"/>
+          <p:cNvPr id="3" name="Rectangle 2"/>
+          <p:cNvSpPr/>
           <p:nvPr/>
         </p:nvSpPr>
         <p:spPr>
           <a:xfrm>
-            <a:off x="5150644" y="1143000"/>
-            <a:ext cx="3764756" cy="2585323"/>
+            <a:off x="472314" y="3916428"/>
+            <a:ext cx="7315200" cy="1600200"/>
           </a:xfrm>
           <a:prstGeom prst="rect">
             <a:avLst/>
           </a:prstGeom>
-          <a:noFill/>
+          <a:solidFill>
+            <a:srgbClr val="FFFF00">
+              <a:alpha val="23000"/>
+            </a:srgbClr>
+          </a:solidFill>
+          <a:ln>
+            <a:noFill/>
+          </a:ln>
         </p:spPr>
-        <p:txBody>
-          <a:bodyPr wrap="square" rtlCol="0">
-            <a:spAutoFit/>
-          </a:bodyPr>
+        <p:style>
+          <a:lnRef idx="2">
+            <a:schemeClr val="accent1">
+              <a:shade val="50000"/>
+            </a:schemeClr>
+          </a:lnRef>
+          <a:fillRef idx="1">
+            <a:schemeClr val="accent1"/>
+          </a:fillRef>
+          <a:effectRef idx="0">
+            <a:schemeClr val="accent1"/>
+          </a:effectRef>
+          <a:fontRef idx="minor">
+            <a:schemeClr val="lt1"/>
+          </a:fontRef>
+        </p:style>
+        <p:txBody>
+          <a:bodyPr rtlCol="0" anchor="ctr"/>
           <a:lstStyle/>
           <a:p>
-            <a:r>
-              <a:rPr lang="en-US" dirty="0" smtClean="0"/>
-              <a:t>From the C66x User’s Guide:</a:t>
-            </a:r>
-          </a:p>
-          <a:p>
-            <a:pPr marL="342900" indent="-342900">
-              <a:buFont typeface="Arial" pitchFamily="34" charset="0"/>
-              <a:buChar char="•"/>
-            </a:pPr>
-            <a:r>
-              <a:rPr lang="en-US" dirty="0" smtClean="0"/>
-              <a:t>22 assigned events</a:t>
-            </a:r>
-          </a:p>
-          <a:p>
-            <a:pPr marL="800100" lvl="1" indent="-342900">
-              <a:buFont typeface="Arial" pitchFamily="34" charset="0"/>
-              <a:buChar char="•"/>
-            </a:pPr>
-            <a:r>
-              <a:rPr lang="en-US" dirty="0" smtClean="0"/>
-              <a:t>5 reserve primary events</a:t>
-            </a:r>
-          </a:p>
-          <a:p>
-            <a:pPr marL="800100" lvl="1" indent="-342900">
-              <a:buFont typeface="Arial" pitchFamily="34" charset="0"/>
-              <a:buChar char="•"/>
-            </a:pPr>
-            <a:r>
-              <a:rPr lang="en-US" dirty="0" smtClean="0"/>
-              <a:t>17 secondary events</a:t>
-            </a:r>
-          </a:p>
-          <a:p>
-            <a:pPr marL="342900" indent="-342900">
-              <a:buFont typeface="Arial" pitchFamily="34" charset="0"/>
-              <a:buChar char="•"/>
-            </a:pPr>
-            <a:r>
-              <a:rPr lang="en-US" dirty="0" smtClean="0"/>
-              <a:t>7 reserved events</a:t>
-            </a:r>
-          </a:p>
-          <a:p>
-            <a:pPr marL="342900" indent="-342900">
-              <a:buFont typeface="Arial" pitchFamily="34" charset="0"/>
-              <a:buChar char="•"/>
-            </a:pPr>
-            <a:r>
-              <a:rPr lang="en-US" dirty="0" smtClean="0"/>
-              <a:t>99 Available events</a:t>
-            </a:r>
-          </a:p>
-          <a:p>
-            <a:pPr marL="342900" indent="-342900">
-              <a:buFont typeface="Arial" pitchFamily="34" charset="0"/>
-              <a:buChar char="•"/>
-            </a:pPr>
-            <a:r>
-              <a:rPr lang="en-US" dirty="0" smtClean="0"/>
-              <a:t>The available events are connected to the device.</a:t>
-            </a:r>
-            <a:br>
-              <a:rPr lang="en-US" dirty="0" smtClean="0"/>
-            </a:br>
-            <a:endParaRPr lang="en-US" dirty="0" smtClean="0"/>
-          </a:p>
-        </p:txBody>
-      </p:sp>
-      <p:sp>
-        <p:nvSpPr>
-          <p:cNvPr id="7" name="Slide Number Placeholder 6"/>
+            <a:pPr algn="ctr"/>
+            <a:endParaRPr lang="en-US" dirty="0"/>
+          </a:p>
+        </p:txBody>
+      </p:sp>
+      <p:sp>
+        <p:nvSpPr>
+          <p:cNvPr id="4" name="Slide Number Placeholder 3"/>
           <p:cNvSpPr>
             <a:spLocks noGrp="1"/>
           </p:cNvSpPr>
@@ -5106,10 +4989,47 @@
           </a:p>
         </p:txBody>
       </p:sp>
+      <p:sp>
+        <p:nvSpPr>
+          <p:cNvPr id="5" name="Title 3"/>
+          <p:cNvSpPr>
+            <a:spLocks noGrp="1"/>
+          </p:cNvSpPr>
+          <p:nvPr>
+            <p:ph type="title"/>
+          </p:nvPr>
+        </p:nvSpPr>
+        <p:spPr>
+          <a:xfrm>
+            <a:off x="457200" y="103188"/>
+            <a:ext cx="8229600" cy="776378"/>
+          </a:xfrm>
+        </p:spPr>
+        <p:txBody>
+          <a:bodyPr>
+            <a:normAutofit fontScale="90000"/>
+          </a:bodyPr>
+          <a:lstStyle/>
+          <a:p>
+            <a:r>
+              <a:rPr lang="en-US" sz="3600" dirty="0"/>
+              <a:t>C66 Core Prime Event IDs</a:t>
+            </a:r>
+            <a:br>
+              <a:rPr lang="en-US" sz="3600" dirty="0"/>
+            </a:br>
+            <a:r>
+              <a:rPr lang="en-US" sz="3600" dirty="0" smtClean="0"/>
+              <a:t>When it is part of KeyStone 2 Device</a:t>
+            </a:r>
+            <a:endParaRPr lang="en-US" sz="3600" dirty="0"/>
+          </a:p>
+        </p:txBody>
+      </p:sp>
     </p:spTree>
     <p:extLst>
       <p:ext uri="{BB962C8B-B14F-4D97-AF65-F5344CB8AC3E}">
-        <p14:creationId xmlns:p14="http://schemas.microsoft.com/office/powerpoint/2010/main" val="1238034943"/>
+        <p14:creationId xmlns:p14="http://schemas.microsoft.com/office/powerpoint/2010/main" val="3024861948"/>
       </p:ext>
     </p:extLst>
   </p:cSld>
@@ -5143,184 +5063,6 @@
           <a:chExt cx="0" cy="0"/>
         </a:xfrm>
       </p:grpSpPr>
-      <p:pic>
-        <p:nvPicPr>
-          <p:cNvPr id="5122" name="Picture 2"/>
-          <p:cNvPicPr>
-            <a:picLocks noChangeAspect="1" noChangeArrowheads="1"/>
-          </p:cNvPicPr>
-          <p:nvPr/>
-        </p:nvPicPr>
-        <p:blipFill>
-          <a:blip r:embed="rId2" cstate="print"/>
-          <a:srcRect/>
-          <a:stretch>
-            <a:fillRect/>
-          </a:stretch>
-        </p:blipFill>
-        <p:spPr bwMode="auto">
-          <a:xfrm>
-            <a:off x="1245326" y="948692"/>
-            <a:ext cx="6784249" cy="5652133"/>
-          </a:xfrm>
-          <a:prstGeom prst="rect">
-            <a:avLst/>
-          </a:prstGeom>
-          <a:noFill/>
-          <a:ln w="9525">
-            <a:noFill/>
-            <a:miter lim="800000"/>
-            <a:headEnd/>
-            <a:tailEnd/>
-          </a:ln>
-        </p:spPr>
-      </p:pic>
-      <p:sp>
-        <p:nvSpPr>
-          <p:cNvPr id="3" name="Rectangle 2"/>
-          <p:cNvSpPr/>
-          <p:nvPr/>
-        </p:nvSpPr>
-        <p:spPr>
-          <a:xfrm>
-            <a:off x="472314" y="3916428"/>
-            <a:ext cx="7315200" cy="1600200"/>
-          </a:xfrm>
-          <a:prstGeom prst="rect">
-            <a:avLst/>
-          </a:prstGeom>
-          <a:solidFill>
-            <a:srgbClr val="FFFF00">
-              <a:alpha val="23000"/>
-            </a:srgbClr>
-          </a:solidFill>
-          <a:ln>
-            <a:noFill/>
-          </a:ln>
-        </p:spPr>
-        <p:style>
-          <a:lnRef idx="2">
-            <a:schemeClr val="accent1">
-              <a:shade val="50000"/>
-            </a:schemeClr>
-          </a:lnRef>
-          <a:fillRef idx="1">
-            <a:schemeClr val="accent1"/>
-          </a:fillRef>
-          <a:effectRef idx="0">
-            <a:schemeClr val="accent1"/>
-          </a:effectRef>
-          <a:fontRef idx="minor">
-            <a:schemeClr val="lt1"/>
-          </a:fontRef>
-        </p:style>
-        <p:txBody>
-          <a:bodyPr rtlCol="0" anchor="ctr"/>
-          <a:lstStyle/>
-          <a:p>
-            <a:pPr algn="ctr"/>
-            <a:endParaRPr lang="en-US" dirty="0"/>
-          </a:p>
-        </p:txBody>
-      </p:sp>
-      <p:sp>
-        <p:nvSpPr>
-          <p:cNvPr id="4" name="Slide Number Placeholder 3"/>
-          <p:cNvSpPr>
-            <a:spLocks noGrp="1"/>
-          </p:cNvSpPr>
-          <p:nvPr>
-            <p:ph type="sldNum" sz="quarter" idx="10"/>
-          </p:nvPr>
-        </p:nvSpPr>
-        <p:spPr/>
-        <p:txBody>
-          <a:bodyPr/>
-          <a:lstStyle/>
-          <a:p>
-            <a:fld id="{803D9FE4-F784-4A94-8F3E-54A098F0E8CC}" type="slidenum">
-              <a:rPr lang="en-US" smtClean="0"/>
-              <a:pPr/>
-              <a:t>11</a:t>
-            </a:fld>
-            <a:endParaRPr lang="en-US" dirty="0"/>
-          </a:p>
-        </p:txBody>
-      </p:sp>
-      <p:sp>
-        <p:nvSpPr>
-          <p:cNvPr id="5" name="Title 3"/>
-          <p:cNvSpPr>
-            <a:spLocks noGrp="1"/>
-          </p:cNvSpPr>
-          <p:nvPr>
-            <p:ph type="title"/>
-          </p:nvPr>
-        </p:nvSpPr>
-        <p:spPr>
-          <a:xfrm>
-            <a:off x="457200" y="103188"/>
-            <a:ext cx="8229600" cy="776378"/>
-          </a:xfrm>
-        </p:spPr>
-        <p:txBody>
-          <a:bodyPr>
-            <a:normAutofit fontScale="90000"/>
-          </a:bodyPr>
-          <a:lstStyle/>
-          <a:p>
-            <a:r>
-              <a:rPr lang="en-US" sz="3600" dirty="0"/>
-              <a:t>C66 Core Prime Event IDs</a:t>
-            </a:r>
-            <a:br>
-              <a:rPr lang="en-US" sz="3600" dirty="0"/>
-            </a:br>
-            <a:r>
-              <a:rPr lang="en-US" sz="3600" dirty="0" smtClean="0"/>
-              <a:t>When it is part of KeyStone 2 Device</a:t>
-            </a:r>
-            <a:endParaRPr lang="en-US" sz="3600" dirty="0"/>
-          </a:p>
-        </p:txBody>
-      </p:sp>
-    </p:spTree>
-    <p:extLst>
-      <p:ext uri="{BB962C8B-B14F-4D97-AF65-F5344CB8AC3E}">
-        <p14:creationId xmlns:p14="http://schemas.microsoft.com/office/powerpoint/2010/main" val="3024861948"/>
-      </p:ext>
-    </p:extLst>
-  </p:cSld>
-  <p:clrMapOvr>
-    <a:masterClrMapping/>
-  </p:clrMapOvr>
-  <p:timing>
-    <p:tnLst>
-      <p:par>
-        <p:cTn id="1" dur="indefinite" restart="never" nodeType="tmRoot"/>
-      </p:par>
-    </p:tnLst>
-  </p:timing>
-</p:sld>
-</file>
-
-<file path=ppt/slides/slide12.xml><?xml version="1.0" encoding="utf-8"?>
-<p:sld xmlns:a="http://schemas.openxmlformats.org/drawingml/2006/main" xmlns:r="http://schemas.openxmlformats.org/officeDocument/2006/relationships" xmlns:p="http://schemas.openxmlformats.org/presentationml/2006/main">
-  <p:cSld>
-    <p:spTree>
-      <p:nvGrpSpPr>
-        <p:cNvPr id="1" name=""/>
-        <p:cNvGrpSpPr/>
-        <p:nvPr/>
-      </p:nvGrpSpPr>
-      <p:grpSpPr>
-        <a:xfrm>
-          <a:off x="0" y="0"/>
-          <a:ext cx="0" cy="0"/>
-          <a:chOff x="0" y="0"/>
-          <a:chExt cx="0" cy="0"/>
-        </a:xfrm>
-      </p:grpSpPr>
       <p:sp>
         <p:nvSpPr>
           <p:cNvPr id="2" name="Title 1"/>
@@ -5367,7 +5109,7 @@
             <a:fld id="{803D9FE4-F784-4A94-8F3E-54A098F0E8CC}" type="slidenum">
               <a:rPr lang="en-US" smtClean="0"/>
               <a:pPr/>
-              <a:t>12</a:t>
+              <a:t>11</a:t>
             </a:fld>
             <a:endParaRPr lang="en-US" dirty="0"/>
           </a:p>
@@ -5382,7 +5124,7 @@
         <p:spPr>
           <a:xfrm>
             <a:off x="314325" y="1171575"/>
-            <a:ext cx="8321509" cy="4247317"/>
+            <a:ext cx="8411277" cy="4524315"/>
           </a:xfrm>
           <a:prstGeom prst="rect">
             <a:avLst/>
@@ -5545,8 +5287,31 @@
             </a:pPr>
             <a:r>
               <a:rPr lang="en-US" dirty="0" smtClean="0"/>
-              <a:t>Enable the particular interrupt</a:t>
-            </a:r>
+              <a:t>Enable the particular </a:t>
+            </a:r>
+            <a:r>
+              <a:rPr lang="en-US" dirty="0" smtClean="0"/>
+              <a:t>interrupt</a:t>
+            </a:r>
+          </a:p>
+          <a:p>
+            <a:pPr marL="285750" indent="-285750">
+              <a:buFont typeface="Arial" panose="020B0604020202020204" pitchFamily="34" charset="0"/>
+              <a:buChar char="•"/>
+            </a:pPr>
+            <a:r>
+              <a:rPr lang="en-US" dirty="0" smtClean="0">
+                <a:solidFill>
+                  <a:schemeClr val="tx2"/>
+                </a:solidFill>
+              </a:rPr>
+              <a:t>This presentation will not get into details of enabling the interrupts</a:t>
+            </a:r>
+            <a:endParaRPr lang="en-US" dirty="0" smtClean="0">
+              <a:solidFill>
+                <a:schemeClr val="tx2"/>
+              </a:solidFill>
+            </a:endParaRPr>
           </a:p>
           <a:p>
             <a:pPr marL="742950" lvl="1" indent="-285750">
@@ -5577,7 +5342,7 @@
 </p:sld>
 </file>
 
-<file path=ppt/slides/slide13.xml><?xml version="1.0" encoding="utf-8"?>
+<file path=ppt/slides/slide12.xml><?xml version="1.0" encoding="utf-8"?>
 <p:sld xmlns:a="http://schemas.openxmlformats.org/drawingml/2006/main" xmlns:r="http://schemas.openxmlformats.org/officeDocument/2006/relationships" xmlns:p="http://schemas.openxmlformats.org/presentationml/2006/main">
   <p:cSld>
     <p:spTree>
@@ -8629,7 +8394,7 @@
             <a:fld id="{803D9FE4-F784-4A94-8F3E-54A098F0E8CC}" type="slidenum">
               <a:rPr lang="en-US" smtClean="0"/>
               <a:pPr/>
-              <a:t>13</a:t>
+              <a:t>12</a:t>
             </a:fld>
             <a:endParaRPr lang="en-US" dirty="0"/>
           </a:p>
@@ -8655,7 +8420,7 @@
 </p:sld>
 </file>
 
-<file path=ppt/slides/slide14.xml><?xml version="1.0" encoding="utf-8"?>
+<file path=ppt/slides/slide13.xml><?xml version="1.0" encoding="utf-8"?>
 <p:sld xmlns:a="http://schemas.openxmlformats.org/drawingml/2006/main" xmlns:r="http://schemas.openxmlformats.org/officeDocument/2006/relationships" xmlns:p="http://schemas.openxmlformats.org/presentationml/2006/main">
   <p:cSld>
     <p:spTree>
@@ -8724,7 +8489,7 @@
           <a:graphicData uri="http://schemas.openxmlformats.org/presentationml/2006/ole">
             <mc:AlternateContent xmlns:mc="http://schemas.openxmlformats.org/markup-compatibility/2006">
               <mc:Choice xmlns:v="urn:schemas-microsoft-com:vml" Requires="v">
-                <p:oleObj spid="_x0000_s10250" name="Visio" r:id="rId3" imgW="9044738" imgH="6169084" progId="Visio.Drawing.11">
+                <p:oleObj spid="_x0000_s10253" name="Visio" r:id="rId3" imgW="9044738" imgH="6169084" progId="Visio.Drawing.11">
                   <p:embed/>
                 </p:oleObj>
               </mc:Choice>
@@ -8779,7 +8544,7 @@
 </p:sld>
 </file>
 
-<file path=ppt/slides/slide15.xml><?xml version="1.0" encoding="utf-8"?>
+<file path=ppt/slides/slide14.xml><?xml version="1.0" encoding="utf-8"?>
 <p:sld xmlns:a="http://schemas.openxmlformats.org/drawingml/2006/main" xmlns:r="http://schemas.openxmlformats.org/officeDocument/2006/relationships" xmlns:p="http://schemas.openxmlformats.org/presentationml/2006/main">
   <p:cSld>
     <p:spTree>
@@ -8899,7 +8664,7 @@
             <a:fld id="{803D9FE4-F784-4A94-8F3E-54A098F0E8CC}" type="slidenum">
               <a:rPr lang="en-US" smtClean="0"/>
               <a:pPr/>
-              <a:t>15</a:t>
+              <a:t>14</a:t>
             </a:fld>
             <a:endParaRPr lang="en-US" dirty="0"/>
           </a:p>
@@ -8955,15 +8720,7 @@
                   <a:schemeClr val="tx1"/>
                 </a:solidFill>
               </a:rPr>
-              <a:t>Event</a:t>
-            </a:r>
-            <a:r>
-              <a:rPr lang="en-US" sz="2700" dirty="0" smtClean="0">
-                <a:solidFill>
-                  <a:schemeClr val="tx1"/>
-                </a:solidFill>
-              </a:rPr>
-              <a:t> name – the CIC output line</a:t>
+              <a:t>Event name – the CIC output line</a:t>
             </a:r>
             <a:endParaRPr lang="en-US" sz="2700" dirty="0">
               <a:solidFill>
@@ -8995,7 +8752,7 @@
           <a:graphicData uri="http://schemas.openxmlformats.org/presentationml/2006/ole">
             <mc:AlternateContent xmlns:mc="http://schemas.openxmlformats.org/markup-compatibility/2006">
               <mc:Choice xmlns:v="urn:schemas-microsoft-com:vml" Requires="v">
-                <p:oleObj spid="_x0000_s11273" name="Visio" r:id="rId4" imgW="9044738" imgH="6169084" progId="Visio.Drawing.11">
+                <p:oleObj spid="_x0000_s11276" name="Visio" r:id="rId4" imgW="9044738" imgH="6169084" progId="Visio.Drawing.11">
                   <p:embed/>
                 </p:oleObj>
               </mc:Choice>
@@ -9512,7 +9269,7 @@
           <a:lstStyle/>
           <a:p>
             <a:pPr algn="ctr"/>
-            <a:endParaRPr lang="en-US"/>
+            <a:endParaRPr lang="en-US" dirty="0"/>
           </a:p>
         </p:txBody>
       </p:sp>
@@ -9711,7 +9468,7 @@
           <a:lstStyle/>
           <a:p>
             <a:pPr algn="ctr"/>
-            <a:endParaRPr lang="en-US"/>
+            <a:endParaRPr lang="en-US" dirty="0"/>
           </a:p>
         </p:txBody>
       </p:sp>
@@ -10126,7 +9883,7 @@
           <a:lstStyle/>
           <a:p>
             <a:pPr algn="ctr"/>
-            <a:endParaRPr lang="en-US"/>
+            <a:endParaRPr lang="en-US" dirty="0"/>
           </a:p>
         </p:txBody>
       </p:sp>
@@ -10365,7 +10122,7 @@
           <a:lstStyle/>
           <a:p>
             <a:pPr algn="ctr"/>
-            <a:endParaRPr lang="en-US"/>
+            <a:endParaRPr lang="en-US" dirty="0"/>
           </a:p>
         </p:txBody>
       </p:sp>
@@ -10384,7 +10141,7 @@
 </p:sld>
 </file>
 
-<file path=ppt/slides/slide16.xml><?xml version="1.0" encoding="utf-8"?>
+<file path=ppt/slides/slide15.xml><?xml version="1.0" encoding="utf-8"?>
 <p:sld xmlns:a="http://schemas.openxmlformats.org/drawingml/2006/main" xmlns:r="http://schemas.openxmlformats.org/officeDocument/2006/relationships" xmlns:p="http://schemas.openxmlformats.org/presentationml/2006/main">
   <p:cSld>
     <p:spTree>
@@ -10449,7 +10206,7 @@
             <a:fld id="{3B20521C-F793-4067-BB07-C7AF74E21EF3}" type="slidenum">
               <a:rPr lang="en-US" smtClean="0"/>
               <a:pPr/>
-              <a:t>16</a:t>
+              <a:t>15</a:t>
             </a:fld>
             <a:endParaRPr lang="en-US" dirty="0"/>
           </a:p>
@@ -10477,7 +10234,7 @@
           <a:graphicData uri="http://schemas.openxmlformats.org/presentationml/2006/ole">
             <mc:AlternateContent xmlns:mc="http://schemas.openxmlformats.org/markup-compatibility/2006">
               <mc:Choice xmlns:v="urn:schemas-microsoft-com:vml" Requires="v">
-                <p:oleObj spid="_x0000_s12294" name="Visio" r:id="rId3" imgW="9044738" imgH="6169084" progId="Visio.Drawing.11">
+                <p:oleObj spid="_x0000_s12297" name="Visio" r:id="rId3" imgW="9044738" imgH="6169084" progId="Visio.Drawing.11">
                   <p:embed/>
                 </p:oleObj>
               </mc:Choice>
@@ -10589,7 +10346,7 @@
 </p:sld>
 </file>
 
-<file path=ppt/slides/slide17.xml><?xml version="1.0" encoding="utf-8"?>
+<file path=ppt/slides/slide16.xml><?xml version="1.0" encoding="utf-8"?>
 <p:sld xmlns:a="http://schemas.openxmlformats.org/drawingml/2006/main" xmlns:r="http://schemas.openxmlformats.org/officeDocument/2006/relationships" xmlns:p="http://schemas.openxmlformats.org/presentationml/2006/main">
   <p:cSld>
     <p:spTree>
@@ -10704,7 +10461,7 @@
             <a:fld id="{803D9FE4-F784-4A94-8F3E-54A098F0E8CC}" type="slidenum">
               <a:rPr lang="en-US" smtClean="0"/>
               <a:pPr/>
-              <a:t>17</a:t>
+              <a:t>16</a:t>
             </a:fld>
             <a:endParaRPr lang="en-US" dirty="0"/>
           </a:p>
@@ -10734,11 +10491,7 @@
           <a:p>
             <a:r>
               <a:rPr lang="en-US" sz="3600" dirty="0" smtClean="0"/>
-              <a:t>KeyStone II CIC input </a:t>
-            </a:r>
-            <a:r>
-              <a:rPr lang="en-US" sz="3600" dirty="0" smtClean="0"/>
-              <a:t>system events</a:t>
+              <a:t>KeyStone II CIC input system events</a:t>
             </a:r>
             <a:endParaRPr lang="en-US" sz="3600" dirty="0"/>
           </a:p>
@@ -10748,6 +10501,162 @@
     <p:extLst>
       <p:ext uri="{BB962C8B-B14F-4D97-AF65-F5344CB8AC3E}">
         <p14:creationId xmlns:p14="http://schemas.microsoft.com/office/powerpoint/2010/main" val="2577305559"/>
+      </p:ext>
+    </p:extLst>
+  </p:cSld>
+  <p:clrMapOvr>
+    <a:masterClrMapping/>
+  </p:clrMapOvr>
+  <p:timing>
+    <p:tnLst>
+      <p:par>
+        <p:cTn id="1" dur="indefinite" restart="never" nodeType="tmRoot"/>
+      </p:par>
+    </p:tnLst>
+  </p:timing>
+</p:sld>
+</file>
+
+<file path=ppt/slides/slide17.xml><?xml version="1.0" encoding="utf-8"?>
+<p:sld xmlns:a="http://schemas.openxmlformats.org/drawingml/2006/main" xmlns:r="http://schemas.openxmlformats.org/officeDocument/2006/relationships" xmlns:p="http://schemas.openxmlformats.org/presentationml/2006/main">
+  <p:cSld>
+    <p:spTree>
+      <p:nvGrpSpPr>
+        <p:cNvPr id="1" name=""/>
+        <p:cNvGrpSpPr/>
+        <p:nvPr/>
+      </p:nvGrpSpPr>
+      <p:grpSpPr>
+        <a:xfrm>
+          <a:off x="0" y="0"/>
+          <a:ext cx="0" cy="0"/>
+          <a:chOff x="0" y="0"/>
+          <a:chExt cx="0" cy="0"/>
+        </a:xfrm>
+      </p:grpSpPr>
+      <p:sp>
+        <p:nvSpPr>
+          <p:cNvPr id="2" name="Title 1"/>
+          <p:cNvSpPr>
+            <a:spLocks noGrp="1"/>
+          </p:cNvSpPr>
+          <p:nvPr>
+            <p:ph type="title"/>
+          </p:nvPr>
+        </p:nvSpPr>
+        <p:spPr>
+          <a:xfrm>
+            <a:off x="457200" y="274638"/>
+            <a:ext cx="8229600" cy="715962"/>
+          </a:xfrm>
+        </p:spPr>
+        <p:txBody>
+          <a:bodyPr>
+            <a:normAutofit/>
+          </a:bodyPr>
+          <a:lstStyle/>
+          <a:p>
+            <a:r>
+              <a:rPr lang="en-US" sz="3600" dirty="0" smtClean="0"/>
+              <a:t>Mapping CIC -  API</a:t>
+            </a:r>
+            <a:endParaRPr lang="en-US" sz="3600" dirty="0"/>
+          </a:p>
+        </p:txBody>
+      </p:sp>
+      <p:sp>
+        <p:nvSpPr>
+          <p:cNvPr id="3" name="Content Placeholder 2"/>
+          <p:cNvSpPr>
+            <a:spLocks noGrp="1"/>
+          </p:cNvSpPr>
+          <p:nvPr>
+            <p:ph idx="1"/>
+          </p:nvPr>
+        </p:nvSpPr>
+        <p:spPr/>
+        <p:txBody>
+          <a:bodyPr>
+            <a:normAutofit/>
+          </a:bodyPr>
+          <a:lstStyle/>
+          <a:p>
+            <a:r>
+              <a:rPr lang="en-US" sz="2800" dirty="0" smtClean="0"/>
+              <a:t>Read the following Wiki: </a:t>
+            </a:r>
+            <a:r>
+              <a:rPr lang="en-US" sz="1600" i="1" dirty="0" smtClean="0">
+                <a:hlinkClick r:id="rId2"/>
+              </a:rPr>
+              <a:t>http://processors.wiki.ti.com/index.php/Configuring_Interrupts_on_Keystone_Devices</a:t>
+            </a:r>
+            <a:endParaRPr lang="en-US" sz="1600" i="1" dirty="0" smtClean="0"/>
+          </a:p>
+          <a:p>
+            <a:r>
+              <a:rPr lang="en-US" sz="2800" dirty="0" smtClean="0"/>
+              <a:t>csl APIs- For KeyStone II (MCSDK 3.x), look at the two include files to see all the API that are needed:</a:t>
+            </a:r>
+          </a:p>
+          <a:p>
+            <a:pPr lvl="1"/>
+            <a:r>
+              <a:rPr lang="en-US" sz="2600" dirty="0" smtClean="0"/>
+              <a:t>csl_cpIntc.h</a:t>
+            </a:r>
+          </a:p>
+          <a:p>
+            <a:pPr lvl="1"/>
+            <a:r>
+              <a:rPr lang="en-US" sz="2600" dirty="0" smtClean="0"/>
+              <a:t>csl_cpIntCAux.h</a:t>
+            </a:r>
+          </a:p>
+          <a:p>
+            <a:r>
+              <a:rPr lang="en-US" sz="2800" dirty="0" smtClean="0"/>
+              <a:t>SysBios APIs – look at cpInitc.h and cpInitc.c </a:t>
+            </a:r>
+            <a:r>
+              <a:rPr lang="en-US" sz="2800" dirty="0"/>
+              <a:t>in directory </a:t>
+            </a:r>
+            <a:r>
+              <a:rPr lang="en-US" sz="2400" dirty="0" smtClean="0"/>
+              <a:t>MCSDK_Y_XX\bios_6_BB_AA_ZZ\packages\ti\sysbios\family\c66\tci66xx</a:t>
+            </a:r>
+          </a:p>
+        </p:txBody>
+      </p:sp>
+      <p:sp>
+        <p:nvSpPr>
+          <p:cNvPr id="4" name="Slide Number Placeholder 3"/>
+          <p:cNvSpPr>
+            <a:spLocks noGrp="1"/>
+          </p:cNvSpPr>
+          <p:nvPr>
+            <p:ph type="sldNum" sz="quarter" idx="10"/>
+          </p:nvPr>
+        </p:nvSpPr>
+        <p:spPr/>
+        <p:txBody>
+          <a:bodyPr/>
+          <a:lstStyle/>
+          <a:p>
+            <a:fld id="{3B20521C-F793-4067-BB07-C7AF74E21EF3}" type="slidenum">
+              <a:rPr lang="en-US" smtClean="0"/>
+              <a:pPr/>
+              <a:t>17</a:t>
+            </a:fld>
+            <a:endParaRPr lang="en-US" dirty="0"/>
+          </a:p>
+        </p:txBody>
+      </p:sp>
+    </p:spTree>
+    <p:extLst>
+      <p:ext uri="{BB962C8B-B14F-4D97-AF65-F5344CB8AC3E}">
+        <p14:creationId xmlns:p14="http://schemas.microsoft.com/office/powerpoint/2010/main" val="1259010899"/>
       </p:ext>
     </p:extLst>
   </p:cSld>
@@ -10805,15 +10714,7 @@
           <a:p>
             <a:r>
               <a:rPr lang="en-US" sz="3600" dirty="0" smtClean="0"/>
-              <a:t>Mapping CIC - </a:t>
-            </a:r>
-            <a:r>
-              <a:rPr lang="en-US" sz="3600" dirty="0" smtClean="0"/>
-              <a:t> </a:t>
-            </a:r>
-            <a:r>
-              <a:rPr lang="en-US" sz="3600" dirty="0" smtClean="0"/>
-              <a:t>API</a:t>
+              <a:t>Agenda</a:t>
             </a:r>
             <a:endParaRPr lang="en-US" sz="3600" dirty="0"/>
           </a:p>
@@ -10838,49 +10739,29 @@
           <a:p>
             <a:r>
               <a:rPr lang="en-US" sz="2800" dirty="0" smtClean="0"/>
-              <a:t>Read the following Wiki: </a:t>
-            </a:r>
-            <a:r>
-              <a:rPr lang="en-US" sz="1600" i="1" dirty="0" smtClean="0">
-                <a:hlinkClick r:id="rId2"/>
-              </a:rPr>
-              <a:t>http://processors.wiki.ti.com/index.php/Configuring_Interrupts_on_Keystone_Devices</a:t>
-            </a:r>
-            <a:endParaRPr lang="en-US" sz="1600" i="1" dirty="0" smtClean="0"/>
+              <a:t>Interrupt Scheme </a:t>
+            </a:r>
+            <a:endParaRPr lang="en-US" sz="2800" dirty="0"/>
+          </a:p>
+          <a:p>
+            <a:r>
+              <a:rPr lang="en-US" sz="2800" b="1" dirty="0" smtClean="0"/>
+              <a:t>Example 1 – SPI transmit Interrupt</a:t>
+            </a:r>
           </a:p>
           <a:p>
             <a:r>
               <a:rPr lang="en-US" sz="2800" dirty="0" smtClean="0"/>
-              <a:t>csl APIs- For KeyStone II (MCSDK 3.x), look at the two include files to see all the API that are needed:</a:t>
-            </a:r>
-          </a:p>
-          <a:p>
-            <a:pPr lvl="1"/>
-            <a:r>
-              <a:rPr lang="en-US" sz="2600" dirty="0" smtClean="0"/>
-              <a:t>csl_cpIntc.h</a:t>
-            </a:r>
-          </a:p>
-          <a:p>
-            <a:pPr lvl="1"/>
-            <a:r>
-              <a:rPr lang="en-US" sz="2600" dirty="0" smtClean="0"/>
-              <a:t>csl_cpIntCAux.h</a:t>
-            </a:r>
+              <a:t>Example 2 – Hyperlink interrupt</a:t>
+            </a:r>
+            <a:endParaRPr lang="en-US" sz="2800" dirty="0" smtClean="0"/>
           </a:p>
           <a:p>
             <a:r>
               <a:rPr lang="en-US" sz="2800" dirty="0" smtClean="0"/>
-              <a:t>SysBios APIs – look at cpInitc.h and cpInitc.c </a:t>
-            </a:r>
-            <a:r>
-              <a:rPr lang="en-US" sz="2800" dirty="0"/>
-              <a:t>in directory </a:t>
-            </a:r>
-            <a:r>
-              <a:rPr lang="en-US" sz="2400" dirty="0" smtClean="0"/>
-              <a:t>MCSDK_Y_XX\bios_6_BB_AA_ZZ\packages\ti\sysbios\family\c66\tci66xx</a:t>
-            </a:r>
+              <a:t>ARM interrupt scheme</a:t>
+            </a:r>
+            <a:endParaRPr lang="en-US" sz="2800" dirty="0" smtClean="0"/>
           </a:p>
         </p:txBody>
       </p:sp>
@@ -10911,20 +10792,13 @@
     </p:spTree>
     <p:extLst>
       <p:ext uri="{BB962C8B-B14F-4D97-AF65-F5344CB8AC3E}">
-        <p14:creationId xmlns:p14="http://schemas.microsoft.com/office/powerpoint/2010/main" val="1259010899"/>
+        <p14:creationId xmlns:p14="http://schemas.microsoft.com/office/powerpoint/2010/main" val="1427989494"/>
       </p:ext>
     </p:extLst>
   </p:cSld>
   <p:clrMapOvr>
     <a:masterClrMapping/>
   </p:clrMapOvr>
-  <p:timing>
-    <p:tnLst>
-      <p:par>
-        <p:cTn id="1" dur="indefinite" restart="never" nodeType="tmRoot"/>
-      </p:par>
-    </p:tnLst>
-  </p:timing>
 </p:sld>
 </file>
 
@@ -10958,7 +10832,7 @@
         <p:spPr>
           <a:xfrm>
             <a:off x="457200" y="274638"/>
-            <a:ext cx="8229600" cy="715962"/>
+            <a:ext cx="8229600" cy="1477962"/>
           </a:xfrm>
         </p:spPr>
         <p:txBody>
@@ -10968,10 +10842,25 @@
           <a:lstStyle/>
           <a:p>
             <a:r>
-              <a:rPr lang="en-US" dirty="0" smtClean="0"/>
-              <a:t>Example 1</a:t>
-            </a:r>
-            <a:endParaRPr lang="en-US" dirty="0"/>
+              <a:rPr lang="en-US" sz="3600" dirty="0" smtClean="0"/>
+              <a:t>Example 1 – </a:t>
+            </a:r>
+            <a:r>
+              <a:rPr lang="en-US" sz="3600" dirty="0" smtClean="0"/>
+              <a:t/>
+            </a:r>
+            <a:br>
+              <a:rPr lang="en-US" sz="3600" dirty="0" smtClean="0"/>
+            </a:br>
+            <a:r>
+              <a:rPr lang="en-US" sz="3600" dirty="0" smtClean="0"/>
+              <a:t>connected ISR to </a:t>
+            </a:r>
+            <a:r>
+              <a:rPr lang="en-US" sz="3600" dirty="0" smtClean="0"/>
+              <a:t>SPIXEVT</a:t>
+            </a:r>
+            <a:endParaRPr lang="en-US" sz="3600" dirty="0"/>
           </a:p>
         </p:txBody>
       </p:sp>
@@ -10985,7 +10874,12 @@
             <p:ph idx="1"/>
           </p:nvPr>
         </p:nvSpPr>
-        <p:spPr/>
+        <p:spPr>
+          <a:xfrm>
+            <a:off x="333375" y="2057400"/>
+            <a:ext cx="8467725" cy="3937000"/>
+          </a:xfrm>
+        </p:spPr>
         <p:txBody>
           <a:bodyPr>
             <a:normAutofit/>
@@ -10993,18 +10887,21 @@
           <a:lstStyle/>
           <a:p>
             <a:r>
-              <a:rPr lang="en-US" sz="3600" dirty="0" smtClean="0"/>
-              <a:t>SPIXEVT    - Get an </a:t>
-            </a:r>
-            <a:r>
-              <a:rPr lang="en-US" sz="3600" dirty="0" err="1" smtClean="0"/>
-              <a:t>interrup</a:t>
-            </a:r>
-            <a:r>
-              <a:rPr lang="en-US" sz="3600" dirty="0" smtClean="0"/>
-              <a:t> </a:t>
-            </a:r>
-            <a:endParaRPr lang="en-US" sz="3600" dirty="0" smtClean="0"/>
+              <a:rPr lang="en-US" sz="2800" dirty="0"/>
+              <a:t>66AK2H12 has multiple instances of SPI; We will look at SPI 0</a:t>
+            </a:r>
+          </a:p>
+          <a:p>
+            <a:r>
+              <a:rPr lang="en-US" sz="2800" dirty="0" smtClean="0"/>
+              <a:t>SPIXEVT is NOT a primary event so it should be mapped via CIC</a:t>
+            </a:r>
+          </a:p>
+          <a:p>
+            <a:r>
+              <a:rPr lang="en-US" sz="2800" dirty="0" smtClean="0"/>
+              <a:t>The next slide shows the system events that are associated with SPIXEVT</a:t>
+            </a:r>
           </a:p>
         </p:txBody>
       </p:sp>
@@ -11033,11 +10930,6 @@
         </p:txBody>
       </p:sp>
     </p:spTree>
-    <p:extLst>
-      <p:ext uri="{BB962C8B-B14F-4D97-AF65-F5344CB8AC3E}">
-        <p14:creationId xmlns:p14="http://schemas.microsoft.com/office/powerpoint/2010/main" val="1187852695"/>
-      </p:ext>
-    </p:extLst>
   </p:cSld>
   <p:clrMapOvr>
     <a:masterClrMapping/>
@@ -11117,15 +11009,30 @@
           <a:lstStyle/>
           <a:p>
             <a:r>
+              <a:rPr lang="en-US" sz="2800" b="1" dirty="0" smtClean="0"/>
+              <a:t>Interrupt Scheme </a:t>
+            </a:r>
+            <a:endParaRPr lang="en-US" sz="2800" b="1" dirty="0"/>
+          </a:p>
+          <a:p>
+            <a:r>
               <a:rPr lang="en-US" sz="2800" dirty="0" smtClean="0"/>
-              <a:t>Interrupt Scheme (SPI 0 Example)</a:t>
+              <a:t>Example 1 – SPI transmit Interrupt</a:t>
             </a:r>
           </a:p>
           <a:p>
             <a:r>
               <a:rPr lang="en-US" sz="2800" dirty="0" smtClean="0"/>
-              <a:t>Configuring Interrupts (Hyperlink Example)</a:t>
-            </a:r>
+              <a:t>Example 2 – Hyperlink interrupt</a:t>
+            </a:r>
+            <a:endParaRPr lang="en-US" sz="2800" dirty="0" smtClean="0"/>
+          </a:p>
+          <a:p>
+            <a:r>
+              <a:rPr lang="en-US" sz="2800" dirty="0" smtClean="0"/>
+              <a:t>ARM interrupt scheme</a:t>
+            </a:r>
+            <a:endParaRPr lang="en-US" sz="2800" dirty="0" smtClean="0"/>
           </a:p>
         </p:txBody>
       </p:sp>
@@ -11162,129 +11069,6 @@
 </file>
 
 <file path=ppt/slides/slide20.xml><?xml version="1.0" encoding="utf-8"?>
-<p:sld xmlns:a="http://schemas.openxmlformats.org/drawingml/2006/main" xmlns:r="http://schemas.openxmlformats.org/officeDocument/2006/relationships" xmlns:p="http://schemas.openxmlformats.org/presentationml/2006/main">
-  <p:cSld>
-    <p:spTree>
-      <p:nvGrpSpPr>
-        <p:cNvPr id="1" name=""/>
-        <p:cNvGrpSpPr/>
-        <p:nvPr/>
-      </p:nvGrpSpPr>
-      <p:grpSpPr>
-        <a:xfrm>
-          <a:off x="0" y="0"/>
-          <a:ext cx="0" cy="0"/>
-          <a:chOff x="0" y="0"/>
-          <a:chExt cx="0" cy="0"/>
-        </a:xfrm>
-      </p:grpSpPr>
-      <p:sp>
-        <p:nvSpPr>
-          <p:cNvPr id="2" name="Title 1"/>
-          <p:cNvSpPr>
-            <a:spLocks noGrp="1"/>
-          </p:cNvSpPr>
-          <p:nvPr>
-            <p:ph type="title"/>
-          </p:nvPr>
-        </p:nvSpPr>
-        <p:spPr>
-          <a:xfrm>
-            <a:off x="457200" y="274638"/>
-            <a:ext cx="8229600" cy="715962"/>
-          </a:xfrm>
-        </p:spPr>
-        <p:txBody>
-          <a:bodyPr>
-            <a:normAutofit/>
-          </a:bodyPr>
-          <a:lstStyle/>
-          <a:p>
-            <a:r>
-              <a:rPr lang="en-US" sz="3600" dirty="0" smtClean="0"/>
-              <a:t>Example 1 – ISR connected to SPIXEVT</a:t>
-            </a:r>
-            <a:endParaRPr lang="en-US" sz="3600" dirty="0"/>
-          </a:p>
-        </p:txBody>
-      </p:sp>
-      <p:sp>
-        <p:nvSpPr>
-          <p:cNvPr id="3" name="Content Placeholder 2"/>
-          <p:cNvSpPr>
-            <a:spLocks noGrp="1"/>
-          </p:cNvSpPr>
-          <p:nvPr>
-            <p:ph idx="1"/>
-          </p:nvPr>
-        </p:nvSpPr>
-        <p:spPr/>
-        <p:txBody>
-          <a:bodyPr>
-            <a:normAutofit/>
-          </a:bodyPr>
-          <a:lstStyle/>
-          <a:p>
-            <a:r>
-              <a:rPr lang="en-US" sz="2800" dirty="0"/>
-              <a:t>66AK2H12 has multiple instances of SPI; We will look at SPI 0</a:t>
-            </a:r>
-          </a:p>
-          <a:p>
-            <a:r>
-              <a:rPr lang="en-US" sz="2800" dirty="0" smtClean="0"/>
-              <a:t>SPIXEVT is NOT a primary event so it should be mapped via CIC</a:t>
-            </a:r>
-          </a:p>
-          <a:p>
-            <a:r>
-              <a:rPr lang="en-US" sz="2800" dirty="0" smtClean="0"/>
-              <a:t>The next slide shows the system events that are associated with SPIXEVT</a:t>
-            </a:r>
-            <a:endParaRPr lang="en-US" sz="2800" dirty="0" smtClean="0"/>
-          </a:p>
-        </p:txBody>
-      </p:sp>
-      <p:sp>
-        <p:nvSpPr>
-          <p:cNvPr id="4" name="Slide Number Placeholder 3"/>
-          <p:cNvSpPr>
-            <a:spLocks noGrp="1"/>
-          </p:cNvSpPr>
-          <p:nvPr>
-            <p:ph type="sldNum" sz="quarter" idx="10"/>
-          </p:nvPr>
-        </p:nvSpPr>
-        <p:spPr/>
-        <p:txBody>
-          <a:bodyPr/>
-          <a:lstStyle/>
-          <a:p>
-            <a:fld id="{3B20521C-F793-4067-BB07-C7AF74E21EF3}" type="slidenum">
-              <a:rPr lang="en-US" smtClean="0"/>
-              <a:pPr/>
-              <a:t>20</a:t>
-            </a:fld>
-            <a:endParaRPr lang="en-US" dirty="0"/>
-          </a:p>
-        </p:txBody>
-      </p:sp>
-    </p:spTree>
-  </p:cSld>
-  <p:clrMapOvr>
-    <a:masterClrMapping/>
-  </p:clrMapOvr>
-  <p:timing>
-    <p:tnLst>
-      <p:par>
-        <p:cTn id="1" dur="indefinite" restart="never" nodeType="tmRoot"/>
-      </p:par>
-    </p:tnLst>
-  </p:timing>
-</p:sld>
-</file>
-
-<file path=ppt/slides/slide21.xml><?xml version="1.0" encoding="utf-8"?>
 <p:sld xmlns:a="http://schemas.openxmlformats.org/drawingml/2006/main" xmlns:r="http://schemas.openxmlformats.org/officeDocument/2006/relationships" xmlns:p="http://schemas.openxmlformats.org/presentationml/2006/main">
   <p:cSld>
     <p:spTree>
@@ -11399,7 +11183,7 @@
             <a:fld id="{803D9FE4-F784-4A94-8F3E-54A098F0E8CC}" type="slidenum">
               <a:rPr lang="en-US" smtClean="0"/>
               <a:pPr/>
-              <a:t>21</a:t>
+              <a:t>20</a:t>
             </a:fld>
             <a:endParaRPr lang="en-US" dirty="0"/>
           </a:p>
@@ -11439,6 +11223,147 @@
     <p:extLst>
       <p:ext uri="{BB962C8B-B14F-4D97-AF65-F5344CB8AC3E}">
         <p14:creationId xmlns:p14="http://schemas.microsoft.com/office/powerpoint/2010/main" val="140882993"/>
+      </p:ext>
+    </p:extLst>
+  </p:cSld>
+  <p:clrMapOvr>
+    <a:masterClrMapping/>
+  </p:clrMapOvr>
+  <p:timing>
+    <p:tnLst>
+      <p:par>
+        <p:cTn id="1" dur="indefinite" restart="never" nodeType="tmRoot"/>
+      </p:par>
+    </p:tnLst>
+  </p:timing>
+</p:sld>
+</file>
+
+<file path=ppt/slides/slide21.xml><?xml version="1.0" encoding="utf-8"?>
+<p:sld xmlns:a="http://schemas.openxmlformats.org/drawingml/2006/main" xmlns:r="http://schemas.openxmlformats.org/officeDocument/2006/relationships" xmlns:p="http://schemas.openxmlformats.org/presentationml/2006/main">
+  <p:cSld>
+    <p:spTree>
+      <p:nvGrpSpPr>
+        <p:cNvPr id="1" name=""/>
+        <p:cNvGrpSpPr/>
+        <p:nvPr/>
+      </p:nvGrpSpPr>
+      <p:grpSpPr>
+        <a:xfrm>
+          <a:off x="0" y="0"/>
+          <a:ext cx="0" cy="0"/>
+          <a:chOff x="0" y="0"/>
+          <a:chExt cx="0" cy="0"/>
+        </a:xfrm>
+      </p:grpSpPr>
+      <p:sp>
+        <p:nvSpPr>
+          <p:cNvPr id="2" name="Title 1"/>
+          <p:cNvSpPr>
+            <a:spLocks noGrp="1"/>
+          </p:cNvSpPr>
+          <p:nvPr>
+            <p:ph type="title"/>
+          </p:nvPr>
+        </p:nvSpPr>
+        <p:spPr>
+          <a:xfrm>
+            <a:off x="457200" y="274638"/>
+            <a:ext cx="8229600" cy="715962"/>
+          </a:xfrm>
+        </p:spPr>
+        <p:txBody>
+          <a:bodyPr>
+            <a:normAutofit/>
+          </a:bodyPr>
+          <a:lstStyle/>
+          <a:p>
+            <a:r>
+              <a:rPr lang="en-US" sz="3600" dirty="0" smtClean="0"/>
+              <a:t>ISR connected to SPIXEVT</a:t>
+            </a:r>
+            <a:endParaRPr lang="en-US" sz="3600" dirty="0"/>
+          </a:p>
+        </p:txBody>
+      </p:sp>
+      <p:sp>
+        <p:nvSpPr>
+          <p:cNvPr id="3" name="Content Placeholder 2"/>
+          <p:cNvSpPr>
+            <a:spLocks noGrp="1"/>
+          </p:cNvSpPr>
+          <p:nvPr>
+            <p:ph idx="1"/>
+          </p:nvPr>
+        </p:nvSpPr>
+        <p:spPr>
+          <a:xfrm>
+            <a:off x="333375" y="1048467"/>
+            <a:ext cx="8467725" cy="4752257"/>
+          </a:xfrm>
+        </p:spPr>
+        <p:txBody>
+          <a:bodyPr>
+            <a:normAutofit/>
+          </a:bodyPr>
+          <a:lstStyle/>
+          <a:p>
+            <a:r>
+              <a:rPr lang="en-US" sz="2800" dirty="0" smtClean="0"/>
+              <a:t>SPI_0_XEVT is input event number 56 to CIC </a:t>
+            </a:r>
+          </a:p>
+          <a:p>
+            <a:r>
+              <a:rPr lang="en-US" sz="2800" dirty="0" smtClean="0"/>
+              <a:t>What channel should be used?</a:t>
+            </a:r>
+          </a:p>
+          <a:p>
+            <a:r>
+              <a:rPr lang="en-US" sz="2800" dirty="0" smtClean="0"/>
+              <a:t>Table 5-22 shows the C66 core input event. There are multiple CIC output events that are connected to C66 core</a:t>
+            </a:r>
+          </a:p>
+          <a:p>
+            <a:r>
+              <a:rPr lang="en-US" sz="2800" dirty="0" smtClean="0"/>
+              <a:t>Some of these events are broadcast event (meaning – they are connected to all 4 cores that CIC supports) and some are individual core events.</a:t>
+            </a:r>
+          </a:p>
+          <a:p>
+            <a:endParaRPr lang="en-US" sz="2800" dirty="0" smtClean="0"/>
+          </a:p>
+        </p:txBody>
+      </p:sp>
+      <p:sp>
+        <p:nvSpPr>
+          <p:cNvPr id="4" name="Slide Number Placeholder 3"/>
+          <p:cNvSpPr>
+            <a:spLocks noGrp="1"/>
+          </p:cNvSpPr>
+          <p:nvPr>
+            <p:ph type="sldNum" sz="quarter" idx="10"/>
+          </p:nvPr>
+        </p:nvSpPr>
+        <p:spPr/>
+        <p:txBody>
+          <a:bodyPr/>
+          <a:lstStyle/>
+          <a:p>
+            <a:fld id="{3B20521C-F793-4067-BB07-C7AF74E21EF3}" type="slidenum">
+              <a:rPr lang="en-US" smtClean="0"/>
+              <a:pPr/>
+              <a:t>21</a:t>
+            </a:fld>
+            <a:endParaRPr lang="en-US" dirty="0"/>
+          </a:p>
+        </p:txBody>
+      </p:sp>
+    </p:spTree>
+    <p:extLst>
+      <p:ext uri="{BB962C8B-B14F-4D97-AF65-F5344CB8AC3E}">
+        <p14:creationId xmlns:p14="http://schemas.microsoft.com/office/powerpoint/2010/main" val="1368754799"/>
       </p:ext>
     </p:extLst>
   </p:cSld>
@@ -11514,42 +11439,38 @@
         </p:nvSpPr>
         <p:spPr>
           <a:xfrm>
-            <a:off x="333375" y="1048467"/>
-            <a:ext cx="8467725" cy="4752257"/>
+            <a:off x="5705475" y="1048468"/>
+            <a:ext cx="3095625" cy="4266482"/>
           </a:xfrm>
         </p:spPr>
         <p:txBody>
           <a:bodyPr>
-            <a:normAutofit/>
+            <a:normAutofit fontScale="85000" lnSpcReduction="20000"/>
           </a:bodyPr>
           <a:lstStyle/>
           <a:p>
+            <a:pPr marL="0" indent="0">
+              <a:buNone/>
+            </a:pPr>
+            <a:endParaRPr lang="en-US" sz="2800" dirty="0" smtClean="0"/>
+          </a:p>
+          <a:p>
+            <a:r>
+              <a:rPr lang="en-US" sz="2800" dirty="0"/>
+              <a:t>E</a:t>
+            </a:r>
             <a:r>
               <a:rPr lang="en-US" sz="2800" dirty="0" smtClean="0"/>
-              <a:t>SPI_0_XEVT is input event number 56 to CIC </a:t>
-            </a:r>
-          </a:p>
-          <a:p>
+              <a:t>ight events (56 to 63) come out of the interrupt controller</a:t>
+            </a:r>
+            <a:r>
+              <a:rPr lang="en-US" sz="2800" dirty="0"/>
+              <a:t> </a:t>
+            </a:r>
             <a:r>
               <a:rPr lang="en-US" sz="2800" dirty="0" smtClean="0"/>
-              <a:t>What channel should be used?</a:t>
-            </a:r>
-          </a:p>
-          <a:p>
-            <a:r>
-              <a:rPr lang="en-US" sz="2800" dirty="0" smtClean="0"/>
-              <a:t>Table 5-22 shows the C66 core input event. There are multiple CIC output events that are connected to C66 core</a:t>
-            </a:r>
-          </a:p>
-          <a:p>
-            <a:r>
-              <a:rPr lang="en-US" sz="2800" dirty="0" smtClean="0"/>
-              <a:t>Some of these events are broadcast event (meaning – they are connected to all 4 cores that CIC supports) and some are individual core events.</a:t>
-            </a:r>
-            <a:endParaRPr lang="en-US" sz="2800" dirty="0" smtClean="0"/>
-          </a:p>
-          <a:p>
-            <a:endParaRPr lang="en-US" sz="2800" dirty="0" smtClean="0"/>
+              <a:t>are broadcast events, they are connected to CIC output channel 0 to 7 respectively. This example uses C66 input event 63 that is connected to CIC_OUT7 </a:t>
+            </a:r>
           </a:p>
         </p:txBody>
       </p:sp>
@@ -11572,161 +11493,6 @@
               <a:rPr lang="en-US" smtClean="0"/>
               <a:pPr/>
               <a:t>22</a:t>
-            </a:fld>
-            <a:endParaRPr lang="en-US" dirty="0"/>
-          </a:p>
-        </p:txBody>
-      </p:sp>
-    </p:spTree>
-    <p:extLst>
-      <p:ext uri="{BB962C8B-B14F-4D97-AF65-F5344CB8AC3E}">
-        <p14:creationId xmlns:p14="http://schemas.microsoft.com/office/powerpoint/2010/main" val="1368754799"/>
-      </p:ext>
-    </p:extLst>
-  </p:cSld>
-  <p:clrMapOvr>
-    <a:masterClrMapping/>
-  </p:clrMapOvr>
-  <p:timing>
-    <p:tnLst>
-      <p:par>
-        <p:cTn id="1" dur="indefinite" restart="never" nodeType="tmRoot"/>
-      </p:par>
-    </p:tnLst>
-  </p:timing>
-</p:sld>
-</file>
-
-<file path=ppt/slides/slide23.xml><?xml version="1.0" encoding="utf-8"?>
-<p:sld xmlns:a="http://schemas.openxmlformats.org/drawingml/2006/main" xmlns:r="http://schemas.openxmlformats.org/officeDocument/2006/relationships" xmlns:p="http://schemas.openxmlformats.org/presentationml/2006/main">
-  <p:cSld>
-    <p:spTree>
-      <p:nvGrpSpPr>
-        <p:cNvPr id="1" name=""/>
-        <p:cNvGrpSpPr/>
-        <p:nvPr/>
-      </p:nvGrpSpPr>
-      <p:grpSpPr>
-        <a:xfrm>
-          <a:off x="0" y="0"/>
-          <a:ext cx="0" cy="0"/>
-          <a:chOff x="0" y="0"/>
-          <a:chExt cx="0" cy="0"/>
-        </a:xfrm>
-      </p:grpSpPr>
-      <p:sp>
-        <p:nvSpPr>
-          <p:cNvPr id="2" name="Title 1"/>
-          <p:cNvSpPr>
-            <a:spLocks noGrp="1"/>
-          </p:cNvSpPr>
-          <p:nvPr>
-            <p:ph type="title"/>
-          </p:nvPr>
-        </p:nvSpPr>
-        <p:spPr>
-          <a:xfrm>
-            <a:off x="457200" y="274638"/>
-            <a:ext cx="8229600" cy="715962"/>
-          </a:xfrm>
-        </p:spPr>
-        <p:txBody>
-          <a:bodyPr>
-            <a:normAutofit/>
-          </a:bodyPr>
-          <a:lstStyle/>
-          <a:p>
-            <a:r>
-              <a:rPr lang="en-US" sz="3600" dirty="0" smtClean="0"/>
-              <a:t>ISR connected to SPIXEVT</a:t>
-            </a:r>
-            <a:endParaRPr lang="en-US" sz="3600" dirty="0"/>
-          </a:p>
-        </p:txBody>
-      </p:sp>
-      <p:sp>
-        <p:nvSpPr>
-          <p:cNvPr id="3" name="Content Placeholder 2"/>
-          <p:cNvSpPr>
-            <a:spLocks noGrp="1"/>
-          </p:cNvSpPr>
-          <p:nvPr>
-            <p:ph idx="1"/>
-          </p:nvPr>
-        </p:nvSpPr>
-        <p:spPr>
-          <a:xfrm>
-            <a:off x="5705475" y="1048468"/>
-            <a:ext cx="3095625" cy="4266482"/>
-          </a:xfrm>
-        </p:spPr>
-        <p:txBody>
-          <a:bodyPr>
-            <a:normAutofit fontScale="85000" lnSpcReduction="20000"/>
-          </a:bodyPr>
-          <a:lstStyle/>
-          <a:p>
-            <a:pPr marL="0" indent="0">
-              <a:buNone/>
-            </a:pPr>
-            <a:endParaRPr lang="en-US" sz="2800" dirty="0" smtClean="0"/>
-          </a:p>
-          <a:p>
-            <a:r>
-              <a:rPr lang="en-US" sz="2800" dirty="0"/>
-              <a:t>E</a:t>
-            </a:r>
-            <a:r>
-              <a:rPr lang="en-US" sz="2800" dirty="0" smtClean="0"/>
-              <a:t>ight </a:t>
-            </a:r>
-            <a:r>
-              <a:rPr lang="en-US" sz="2800" dirty="0" smtClean="0"/>
-              <a:t>events (56 to 63</a:t>
-            </a:r>
-            <a:r>
-              <a:rPr lang="en-US" sz="2800" dirty="0" smtClean="0"/>
-              <a:t>) </a:t>
-            </a:r>
-            <a:r>
-              <a:rPr lang="en-US" sz="2800" dirty="0" smtClean="0"/>
-              <a:t>come out of the interrupt </a:t>
-            </a:r>
-            <a:r>
-              <a:rPr lang="en-US" sz="2800" dirty="0" smtClean="0"/>
-              <a:t>controller</a:t>
-            </a:r>
-            <a:r>
-              <a:rPr lang="en-US" sz="2800" dirty="0"/>
-              <a:t> </a:t>
-            </a:r>
-            <a:r>
-              <a:rPr lang="en-US" sz="2800" dirty="0" smtClean="0"/>
-              <a:t>are broadcast events, they are connected to CIC output channel 0 to 7 respectively. This example uses C66 input event 63 that is connected to CIC_OUT7 </a:t>
-            </a:r>
-            <a:endParaRPr lang="en-US" sz="2800" dirty="0" smtClean="0"/>
-          </a:p>
-        </p:txBody>
-      </p:sp>
-      <p:sp>
-        <p:nvSpPr>
-          <p:cNvPr id="4" name="Slide Number Placeholder 3"/>
-          <p:cNvSpPr>
-            <a:spLocks noGrp="1"/>
-          </p:cNvSpPr>
-          <p:nvPr>
-            <p:ph type="sldNum" sz="quarter" idx="10"/>
-          </p:nvPr>
-        </p:nvSpPr>
-        <p:spPr/>
-        <p:txBody>
-          <a:bodyPr/>
-          <a:lstStyle/>
-          <a:p>
-            <a:fld id="{3B20521C-F793-4067-BB07-C7AF74E21EF3}" type="slidenum">
-              <a:rPr lang="en-US" smtClean="0"/>
-              <a:pPr/>
-              <a:t>23</a:t>
             </a:fld>
             <a:endParaRPr lang="en-US" dirty="0"/>
           </a:p>
@@ -11784,7 +11550,7 @@
 </p:sld>
 </file>
 
-<file path=ppt/slides/slide24.xml><?xml version="1.0" encoding="utf-8"?>
+<file path=ppt/slides/slide23.xml><?xml version="1.0" encoding="utf-8"?>
 <p:sld xmlns:a="http://schemas.openxmlformats.org/drawingml/2006/main" xmlns:r="http://schemas.openxmlformats.org/officeDocument/2006/relationships" xmlns:p="http://schemas.openxmlformats.org/presentationml/2006/main">
   <p:cSld>
     <p:spTree>
@@ -11850,11 +11616,7 @@
           <a:p>
             <a:r>
               <a:rPr lang="en-US" sz="2800" dirty="0" smtClean="0"/>
-              <a:t>They </a:t>
-            </a:r>
-            <a:r>
-              <a:rPr lang="en-US" sz="2800" dirty="0" smtClean="0"/>
-              <a:t>are other events from the interrupt controller that could be considered (Both, broadcast and single core)</a:t>
+              <a:t>They are other events from the interrupt controller that could be considered (Both, broadcast and single core)</a:t>
             </a:r>
           </a:p>
           <a:p>
@@ -11883,7 +11645,7 @@
             <a:fld id="{3B20521C-F793-4067-BB07-C7AF74E21EF3}" type="slidenum">
               <a:rPr lang="en-US" smtClean="0"/>
               <a:pPr/>
-              <a:t>24</a:t>
+              <a:t>23</a:t>
             </a:fld>
             <a:endParaRPr lang="en-US" dirty="0"/>
           </a:p>
@@ -11909,7 +11671,7 @@
 </p:sld>
 </file>
 
-<file path=ppt/slides/slide25.xml><?xml version="1.0" encoding="utf-8"?>
+<file path=ppt/slides/slide24.xml><?xml version="1.0" encoding="utf-8"?>
 <p:sld xmlns:a="http://schemas.openxmlformats.org/drawingml/2006/main" xmlns:r="http://schemas.openxmlformats.org/officeDocument/2006/relationships" xmlns:p="http://schemas.openxmlformats.org/presentationml/2006/main">
   <p:cSld>
     <p:spTree>
@@ -11972,7 +11734,7 @@
           <a:graphicData uri="http://schemas.openxmlformats.org/presentationml/2006/ole">
             <mc:AlternateContent xmlns:mc="http://schemas.openxmlformats.org/markup-compatibility/2006">
               <mc:Choice xmlns:v="urn:schemas-microsoft-com:vml" Requires="v">
-                <p:oleObj spid="_x0000_s3091" name="Visio" r:id="rId3" imgW="8397082" imgH="6796932" progId="Visio.Drawing.11">
+                <p:oleObj spid="_x0000_s3094" name="Visio" r:id="rId3" imgW="8397082" imgH="6796932" progId="Visio.Drawing.11">
                   <p:embed/>
                 </p:oleObj>
               </mc:Choice>
@@ -12044,7 +11806,7 @@
             <a:fld id="{803D9FE4-F784-4A94-8F3E-54A098F0E8CC}" type="slidenum">
               <a:rPr lang="en-US" smtClean="0"/>
               <a:pPr/>
-              <a:t>25</a:t>
+              <a:t>24</a:t>
             </a:fld>
             <a:endParaRPr lang="en-US" dirty="0"/>
           </a:p>
@@ -12065,7 +11827,7 @@
 </p:sld>
 </file>
 
-<file path=ppt/slides/slide26.xml><?xml version="1.0" encoding="utf-8"?>
+<file path=ppt/slides/slide25.xml><?xml version="1.0" encoding="utf-8"?>
 <p:sld xmlns:a="http://schemas.openxmlformats.org/drawingml/2006/main" xmlns:r="http://schemas.openxmlformats.org/officeDocument/2006/relationships" xmlns:p="http://schemas.openxmlformats.org/presentationml/2006/main">
   <p:cSld>
     <p:spTree>
@@ -12142,7 +11904,7 @@
             <a:fld id="{3B20521C-F793-4067-BB07-C7AF74E21EF3}" type="slidenum">
               <a:rPr lang="en-US" smtClean="0"/>
               <a:pPr/>
-              <a:t>26</a:t>
+              <a:t>25</a:t>
             </a:fld>
             <a:endParaRPr lang="en-US" dirty="0"/>
           </a:p>
@@ -12270,29 +12032,13 @@
           <a:p>
             <a:r>
               <a:rPr lang="en-US" dirty="0" smtClean="0"/>
-              <a:t>Error = </a:t>
-            </a:r>
-            <a:r>
-              <a:rPr lang="en-US" dirty="0" err="1" smtClean="0"/>
-              <a:t>CSL_CPINTC_mapSystemToChannel</a:t>
-            </a:r>
+              <a:t>Error = CSL_CPINTC_mapSystemToChannel(hnd, 56,7) ;//CSL</a:t>
+            </a:r>
+          </a:p>
+          <a:p>
             <a:r>
               <a:rPr lang="en-US" dirty="0" smtClean="0"/>
-              <a:t>(hnd, 56,7) ;//CSL</a:t>
-            </a:r>
-          </a:p>
-          <a:p>
-            <a:r>
-              <a:rPr lang="en-US" dirty="0" smtClean="0"/>
-              <a:t>Error = </a:t>
-            </a:r>
-            <a:r>
-              <a:rPr lang="en-US" dirty="0" err="1" smtClean="0"/>
-              <a:t>CpIntc_mapSysIntToHostInt</a:t>
-            </a:r>
-            <a:r>
-              <a:rPr lang="en-US" dirty="0" smtClean="0"/>
-              <a:t>(0, </a:t>
+              <a:t>Error = CpIntc_mapSysIntToHostInt(0, </a:t>
             </a:r>
             <a:r>
               <a:rPr lang="en-US" dirty="0"/>
@@ -12325,6 +12071,135 @@
       </p:par>
     </p:tnLst>
   </p:timing>
+</p:sld>
+</file>
+
+<file path=ppt/slides/slide26.xml><?xml version="1.0" encoding="utf-8"?>
+<p:sld xmlns:a="http://schemas.openxmlformats.org/drawingml/2006/main" xmlns:r="http://schemas.openxmlformats.org/officeDocument/2006/relationships" xmlns:p="http://schemas.openxmlformats.org/presentationml/2006/main">
+  <p:cSld>
+    <p:spTree>
+      <p:nvGrpSpPr>
+        <p:cNvPr id="1" name=""/>
+        <p:cNvGrpSpPr/>
+        <p:nvPr/>
+      </p:nvGrpSpPr>
+      <p:grpSpPr>
+        <a:xfrm>
+          <a:off x="0" y="0"/>
+          <a:ext cx="0" cy="0"/>
+          <a:chOff x="0" y="0"/>
+          <a:chExt cx="0" cy="0"/>
+        </a:xfrm>
+      </p:grpSpPr>
+      <p:sp>
+        <p:nvSpPr>
+          <p:cNvPr id="2" name="Title 1"/>
+          <p:cNvSpPr>
+            <a:spLocks noGrp="1"/>
+          </p:cNvSpPr>
+          <p:nvPr>
+            <p:ph type="title"/>
+          </p:nvPr>
+        </p:nvSpPr>
+        <p:spPr>
+          <a:xfrm>
+            <a:off x="457200" y="274638"/>
+            <a:ext cx="8229600" cy="715962"/>
+          </a:xfrm>
+        </p:spPr>
+        <p:txBody>
+          <a:bodyPr>
+            <a:normAutofit/>
+          </a:bodyPr>
+          <a:lstStyle/>
+          <a:p>
+            <a:r>
+              <a:rPr lang="en-US" sz="3600" dirty="0" smtClean="0"/>
+              <a:t>Agenda</a:t>
+            </a:r>
+            <a:endParaRPr lang="en-US" sz="3600" dirty="0"/>
+          </a:p>
+        </p:txBody>
+      </p:sp>
+      <p:sp>
+        <p:nvSpPr>
+          <p:cNvPr id="3" name="Content Placeholder 2"/>
+          <p:cNvSpPr>
+            <a:spLocks noGrp="1"/>
+          </p:cNvSpPr>
+          <p:nvPr>
+            <p:ph idx="1"/>
+          </p:nvPr>
+        </p:nvSpPr>
+        <p:spPr/>
+        <p:txBody>
+          <a:bodyPr>
+            <a:normAutofit/>
+          </a:bodyPr>
+          <a:lstStyle/>
+          <a:p>
+            <a:r>
+              <a:rPr lang="en-US" sz="2800" dirty="0" smtClean="0"/>
+              <a:t>Interrupt Scheme </a:t>
+            </a:r>
+            <a:endParaRPr lang="en-US" sz="2800" dirty="0"/>
+          </a:p>
+          <a:p>
+            <a:r>
+              <a:rPr lang="en-US" sz="2800" dirty="0" smtClean="0"/>
+              <a:t>Example 1 – SPI transmit Interrupt</a:t>
+            </a:r>
+          </a:p>
+          <a:p>
+            <a:r>
+              <a:rPr lang="en-US" sz="2800" b="1" dirty="0" smtClean="0"/>
+              <a:t>Example 2 – Hyperlink interrupt</a:t>
+            </a:r>
+            <a:endParaRPr lang="en-US" sz="2800" b="1" dirty="0" smtClean="0"/>
+          </a:p>
+          <a:p>
+            <a:r>
+              <a:rPr lang="en-US" sz="2800" dirty="0" smtClean="0"/>
+              <a:t>ARM interrupt scheme</a:t>
+            </a:r>
+            <a:endParaRPr lang="en-US" sz="2800" dirty="0" smtClean="0"/>
+          </a:p>
+        </p:txBody>
+      </p:sp>
+      <p:sp>
+        <p:nvSpPr>
+          <p:cNvPr id="4" name="Slide Number Placeholder 3"/>
+          <p:cNvSpPr>
+            <a:spLocks noGrp="1"/>
+          </p:cNvSpPr>
+          <p:nvPr>
+            <p:ph type="sldNum" sz="quarter" idx="10"/>
+          </p:nvPr>
+        </p:nvSpPr>
+        <p:spPr/>
+        <p:txBody>
+          <a:bodyPr/>
+          <a:lstStyle/>
+          <a:p>
+            <a:fld id="{3B20521C-F793-4067-BB07-C7AF74E21EF3}" type="slidenum">
+              <a:rPr lang="en-US" smtClean="0"/>
+              <a:pPr/>
+              <a:t>26</a:t>
+            </a:fld>
+            <a:endParaRPr lang="en-US" dirty="0"/>
+          </a:p>
+        </p:txBody>
+      </p:sp>
+    </p:spTree>
+    <p:extLst>
+      <p:ext uri="{BB962C8B-B14F-4D97-AF65-F5344CB8AC3E}">
+        <p14:creationId xmlns:p14="http://schemas.microsoft.com/office/powerpoint/2010/main" val="1427989494"/>
+      </p:ext>
+    </p:extLst>
+  </p:cSld>
+  <p:clrMapOvr>
+    <a:masterClrMapping/>
+  </p:clrMapOvr>
 </p:sld>
 </file>
 
@@ -12357,8 +12232,8 @@
         </p:nvSpPr>
         <p:spPr>
           <a:xfrm>
-            <a:off x="457200" y="274638"/>
-            <a:ext cx="8229600" cy="715962"/>
+            <a:off x="457200" y="274637"/>
+            <a:ext cx="8229600" cy="1335087"/>
           </a:xfrm>
         </p:spPr>
         <p:txBody>
@@ -12369,7 +12244,18 @@
           <a:p>
             <a:r>
               <a:rPr lang="en-US" sz="3600" dirty="0" smtClean="0"/>
-              <a:t> Examples 2 Hyperlink</a:t>
+              <a:t> Examples 2 </a:t>
+            </a:r>
+            <a:r>
+              <a:rPr lang="en-US" sz="3600" dirty="0" smtClean="0"/>
+              <a:t/>
+            </a:r>
+            <a:br>
+              <a:rPr lang="en-US" sz="3600" dirty="0" smtClean="0"/>
+            </a:br>
+            <a:r>
+              <a:rPr lang="en-US" sz="3600" dirty="0" smtClean="0"/>
+              <a:t>Hyperlink Interrupt</a:t>
             </a:r>
             <a:endParaRPr lang="en-US" sz="3600" dirty="0"/>
           </a:p>
@@ -12385,7 +12271,12 @@
             <p:ph idx="1"/>
           </p:nvPr>
         </p:nvSpPr>
-        <p:spPr/>
+        <p:spPr>
+          <a:xfrm>
+            <a:off x="333375" y="2019300"/>
+            <a:ext cx="8467725" cy="3975100"/>
+          </a:xfrm>
+        </p:spPr>
         <p:txBody>
           <a:bodyPr>
             <a:normAutofit/>
@@ -12885,81 +12776,91 @@
       </p:grpSpPr>
       <p:sp>
         <p:nvSpPr>
-          <p:cNvPr id="10242" name="Rectangle 2"/>
-          <p:cNvSpPr>
-            <a:spLocks noGrp="1" noChangeArrowheads="1"/>
-          </p:cNvSpPr>
-          <p:nvPr>
-            <p:ph type="ctrTitle"/>
-          </p:nvPr>
-        </p:nvSpPr>
-        <p:spPr/>
-        <p:txBody>
-          <a:bodyPr/>
-          <a:lstStyle/>
-          <a:p>
-            <a:pPr algn="l" eaLnBrk="1" hangingPunct="1"/>
-            <a:r>
-              <a:rPr lang="en-US" dirty="0" smtClean="0">
-                <a:solidFill>
-                  <a:srgbClr val="DE0000"/>
-                </a:solidFill>
-              </a:rPr>
-              <a:t>Interrupt Scheme</a:t>
-            </a:r>
-            <a:endParaRPr lang="en-US" dirty="0" smtClean="0"/>
-          </a:p>
-        </p:txBody>
-      </p:sp>
-      <p:sp>
-        <p:nvSpPr>
-          <p:cNvPr id="10243" name="Rectangle 3"/>
-          <p:cNvSpPr>
-            <a:spLocks noGrp="1" noChangeArrowheads="1"/>
-          </p:cNvSpPr>
-          <p:nvPr>
-            <p:ph type="subTitle" idx="1"/>
-          </p:nvPr>
-        </p:nvSpPr>
-        <p:spPr/>
-        <p:txBody>
-          <a:bodyPr/>
-          <a:lstStyle/>
-          <a:p>
-            <a:pPr eaLnBrk="1" hangingPunct="1"/>
-            <a:r>
-              <a:rPr lang="en-US" dirty="0" smtClean="0"/>
-              <a:t>KeyStone Interrupts</a:t>
-            </a:r>
-          </a:p>
-        </p:txBody>
-      </p:sp>
-      <p:sp>
-        <p:nvSpPr>
-          <p:cNvPr id="10244" name="Slide Number Placeholder 3"/>
+          <p:cNvPr id="4" name="Title 3"/>
           <p:cNvSpPr>
             <a:spLocks noGrp="1"/>
           </p:cNvSpPr>
           <p:nvPr>
-            <p:ph type="sldNum" sz="quarter" idx="10"/>
+            <p:ph type="title"/>
           </p:nvPr>
         </p:nvSpPr>
         <p:spPr>
-          <a:noFill/>
+          <a:xfrm>
+            <a:off x="457200" y="274638"/>
+            <a:ext cx="8229600" cy="715962"/>
+          </a:xfrm>
         </p:spPr>
         <p:txBody>
-          <a:bodyPr/>
+          <a:bodyPr>
+            <a:normAutofit/>
+          </a:bodyPr>
           <a:lstStyle/>
           <a:p>
-            <a:fld id="{47D32EE0-5F6C-48D8-BBE6-18ABEB0052A3}" type="slidenum">
-              <a:rPr lang="en-US"/>
-              <a:pPr/>
-              <a:t>3</a:t>
-            </a:fld>
-            <a:endParaRPr lang="en-US" dirty="0"/>
-          </a:p>
-        </p:txBody>
-      </p:sp>
+            <a:r>
+              <a:rPr lang="en-US" sz="3600" dirty="0" smtClean="0"/>
+              <a:t>Link Events to ISR</a:t>
+            </a:r>
+            <a:endParaRPr lang="en-US" sz="3600" dirty="0"/>
+          </a:p>
+        </p:txBody>
+      </p:sp>
+      <p:graphicFrame>
+        <p:nvGraphicFramePr>
+          <p:cNvPr id="2" name="Object 1"/>
+          <p:cNvGraphicFramePr>
+            <a:graphicFrameLocks noChangeAspect="1"/>
+          </p:cNvGraphicFramePr>
+          <p:nvPr>
+            <p:extLst>
+              <p:ext uri="{D42A27DB-BD31-4B8C-83A1-F6EECF244321}">
+                <p14:modId xmlns:p14="http://schemas.microsoft.com/office/powerpoint/2010/main" val="1642275649"/>
+              </p:ext>
+            </p:extLst>
+          </p:nvPr>
+        </p:nvGraphicFramePr>
+        <p:xfrm>
+          <a:off x="705395" y="1296910"/>
+          <a:ext cx="6703559" cy="3997901"/>
+        </p:xfrm>
+        <a:graphic>
+          <a:graphicData uri="http://schemas.openxmlformats.org/presentationml/2006/ole">
+            <mc:AlternateContent xmlns:mc="http://schemas.openxmlformats.org/markup-compatibility/2006">
+              <mc:Choice xmlns:v="urn:schemas-microsoft-com:vml" Requires="v">
+                <p:oleObj spid="_x0000_s1048" name="Visio" r:id="rId3" imgW="8181318" imgH="5750031" progId="Visio.Drawing.11">
+                  <p:embed/>
+                </p:oleObj>
+              </mc:Choice>
+              <mc:Fallback>
+                <p:oleObj name="Visio" r:id="rId3" imgW="8181318" imgH="5750031" progId="Visio.Drawing.11">
+                  <p:embed/>
+                  <p:pic>
+                    <p:nvPicPr>
+                      <p:cNvPr id="0" name=""/>
+                      <p:cNvPicPr/>
+                      <p:nvPr/>
+                    </p:nvPicPr>
+                    <p:blipFill>
+                      <a:blip r:embed="rId4"/>
+                      <a:stretch>
+                        <a:fillRect/>
+                      </a:stretch>
+                    </p:blipFill>
+                    <p:spPr>
+                      <a:xfrm>
+                        <a:off x="705395" y="1296910"/>
+                        <a:ext cx="6703559" cy="3997901"/>
+                      </a:xfrm>
+                      <a:prstGeom prst="rect">
+                        <a:avLst/>
+                      </a:prstGeom>
+                    </p:spPr>
+                  </p:pic>
+                </p:oleObj>
+              </mc:Fallback>
+            </mc:AlternateContent>
+          </a:graphicData>
+        </a:graphic>
+      </p:graphicFrame>
     </p:spTree>
   </p:cSld>
   <p:clrMapOvr>
@@ -13311,6 +13212,135 @@
       </p:grpSpPr>
       <p:sp>
         <p:nvSpPr>
+          <p:cNvPr id="2" name="Title 1"/>
+          <p:cNvSpPr>
+            <a:spLocks noGrp="1"/>
+          </p:cNvSpPr>
+          <p:nvPr>
+            <p:ph type="title"/>
+          </p:nvPr>
+        </p:nvSpPr>
+        <p:spPr>
+          <a:xfrm>
+            <a:off x="457200" y="274638"/>
+            <a:ext cx="8229600" cy="715962"/>
+          </a:xfrm>
+        </p:spPr>
+        <p:txBody>
+          <a:bodyPr>
+            <a:normAutofit/>
+          </a:bodyPr>
+          <a:lstStyle/>
+          <a:p>
+            <a:r>
+              <a:rPr lang="en-US" sz="3600" dirty="0" smtClean="0"/>
+              <a:t>Agenda</a:t>
+            </a:r>
+            <a:endParaRPr lang="en-US" sz="3600" dirty="0"/>
+          </a:p>
+        </p:txBody>
+      </p:sp>
+      <p:sp>
+        <p:nvSpPr>
+          <p:cNvPr id="3" name="Content Placeholder 2"/>
+          <p:cNvSpPr>
+            <a:spLocks noGrp="1"/>
+          </p:cNvSpPr>
+          <p:nvPr>
+            <p:ph idx="1"/>
+          </p:nvPr>
+        </p:nvSpPr>
+        <p:spPr/>
+        <p:txBody>
+          <a:bodyPr>
+            <a:normAutofit/>
+          </a:bodyPr>
+          <a:lstStyle/>
+          <a:p>
+            <a:r>
+              <a:rPr lang="en-US" sz="2800" dirty="0" smtClean="0"/>
+              <a:t>Interrupt Scheme </a:t>
+            </a:r>
+            <a:endParaRPr lang="en-US" sz="2800" dirty="0"/>
+          </a:p>
+          <a:p>
+            <a:r>
+              <a:rPr lang="en-US" sz="2800" dirty="0" smtClean="0"/>
+              <a:t>Example 1 – SPI transmit Interrupt</a:t>
+            </a:r>
+          </a:p>
+          <a:p>
+            <a:r>
+              <a:rPr lang="en-US" sz="2800" dirty="0" smtClean="0"/>
+              <a:t>Example 2 – Hyperlink interrupt</a:t>
+            </a:r>
+            <a:endParaRPr lang="en-US" sz="2800" dirty="0" smtClean="0"/>
+          </a:p>
+          <a:p>
+            <a:r>
+              <a:rPr lang="en-US" sz="2800" b="1" dirty="0" smtClean="0"/>
+              <a:t>ARM interrupt scheme</a:t>
+            </a:r>
+            <a:endParaRPr lang="en-US" sz="2800" b="1" dirty="0" smtClean="0"/>
+          </a:p>
+        </p:txBody>
+      </p:sp>
+      <p:sp>
+        <p:nvSpPr>
+          <p:cNvPr id="4" name="Slide Number Placeholder 3"/>
+          <p:cNvSpPr>
+            <a:spLocks noGrp="1"/>
+          </p:cNvSpPr>
+          <p:nvPr>
+            <p:ph type="sldNum" sz="quarter" idx="10"/>
+          </p:nvPr>
+        </p:nvSpPr>
+        <p:spPr/>
+        <p:txBody>
+          <a:bodyPr/>
+          <a:lstStyle/>
+          <a:p>
+            <a:fld id="{3B20521C-F793-4067-BB07-C7AF74E21EF3}" type="slidenum">
+              <a:rPr lang="en-US" smtClean="0"/>
+              <a:pPr/>
+              <a:t>32</a:t>
+            </a:fld>
+            <a:endParaRPr lang="en-US" dirty="0"/>
+          </a:p>
+        </p:txBody>
+      </p:sp>
+    </p:spTree>
+    <p:extLst>
+      <p:ext uri="{BB962C8B-B14F-4D97-AF65-F5344CB8AC3E}">
+        <p14:creationId xmlns:p14="http://schemas.microsoft.com/office/powerpoint/2010/main" val="1427989494"/>
+      </p:ext>
+    </p:extLst>
+  </p:cSld>
+  <p:clrMapOvr>
+    <a:masterClrMapping/>
+  </p:clrMapOvr>
+</p:sld>
+</file>
+
+<file path=ppt/slides/slide33.xml><?xml version="1.0" encoding="utf-8"?>
+<p:sld xmlns:a="http://schemas.openxmlformats.org/drawingml/2006/main" xmlns:r="http://schemas.openxmlformats.org/officeDocument/2006/relationships" xmlns:p="http://schemas.openxmlformats.org/presentationml/2006/main">
+  <p:cSld>
+    <p:spTree>
+      <p:nvGrpSpPr>
+        <p:cNvPr id="1" name=""/>
+        <p:cNvGrpSpPr/>
+        <p:nvPr/>
+      </p:nvGrpSpPr>
+      <p:grpSpPr>
+        <a:xfrm>
+          <a:off x="0" y="0"/>
+          <a:ext cx="0" cy="0"/>
+          <a:chOff x="0" y="0"/>
+          <a:chExt cx="0" cy="0"/>
+        </a:xfrm>
+      </p:grpSpPr>
+      <p:sp>
+        <p:nvSpPr>
           <p:cNvPr id="3" name="Title 1"/>
           <p:cNvSpPr txBox="1">
             <a:spLocks/>
@@ -13319,8 +13349,8 @@
         </p:nvSpPr>
         <p:spPr>
           <a:xfrm>
-            <a:off x="449279" y="271604"/>
-            <a:ext cx="7391022" cy="1131684"/>
+            <a:off x="449279" y="590550"/>
+            <a:ext cx="7391022" cy="812738"/>
           </a:xfrm>
           <a:prstGeom prst="rect">
             <a:avLst/>
@@ -13401,7 +13431,7 @@
             <a:fld id="{4BD60626-1ACC-48B1-8201-AA7BD5684B54}" type="slidenum">
               <a:rPr lang="en-US" smtClean="0"/>
               <a:pPr/>
-              <a:t>32</a:t>
+              <a:t>33</a:t>
             </a:fld>
             <a:endParaRPr lang="en-US" dirty="0"/>
           </a:p>
@@ -13454,7 +13484,7 @@
 </p:sld>
 </file>
 
-<file path=ppt/slides/slide33.xml><?xml version="1.0" encoding="utf-8"?>
+<file path=ppt/slides/slide34.xml><?xml version="1.0" encoding="utf-8"?>
 <p:sld xmlns:a="http://schemas.openxmlformats.org/drawingml/2006/main" xmlns:r="http://schemas.openxmlformats.org/officeDocument/2006/relationships" xmlns:p="http://schemas.openxmlformats.org/presentationml/2006/main">
   <p:cSld>
     <p:spTree>
@@ -13489,7 +13519,7 @@
             <a:fld id="{3B20521C-F793-4067-BB07-C7AF74E21EF3}" type="slidenum">
               <a:rPr lang="en-US" smtClean="0"/>
               <a:pPr/>
-              <a:t>33</a:t>
+              <a:t>34</a:t>
             </a:fld>
             <a:endParaRPr lang="en-US" dirty="0"/>
           </a:p>
@@ -13616,7 +13646,7 @@
 </p:sld>
 </file>
 
-<file path=ppt/slides/slide34.xml><?xml version="1.0" encoding="utf-8"?>
+<file path=ppt/slides/slide35.xml><?xml version="1.0" encoding="utf-8"?>
 <p:sld xmlns:a="http://schemas.openxmlformats.org/drawingml/2006/main" xmlns:r="http://schemas.openxmlformats.org/officeDocument/2006/relationships" xmlns:p="http://schemas.openxmlformats.org/presentationml/2006/main">
   <p:cSld>
     <p:spTree>
@@ -13651,7 +13681,7 @@
             <a:fld id="{3B20521C-F793-4067-BB07-C7AF74E21EF3}" type="slidenum">
               <a:rPr lang="en-US" smtClean="0"/>
               <a:pPr/>
-              <a:t>34</a:t>
+              <a:t>35</a:t>
             </a:fld>
             <a:endParaRPr lang="en-US" dirty="0"/>
           </a:p>
@@ -13738,130 +13768,6 @@
 </p:sld>
 </file>
 
-<file path=ppt/slides/slide35.xml><?xml version="1.0" encoding="utf-8"?>
-<p:sld xmlns:a="http://schemas.openxmlformats.org/drawingml/2006/main" xmlns:r="http://schemas.openxmlformats.org/officeDocument/2006/relationships" xmlns:p="http://schemas.openxmlformats.org/presentationml/2006/main">
-  <p:cSld>
-    <p:spTree>
-      <p:nvGrpSpPr>
-        <p:cNvPr id="1" name=""/>
-        <p:cNvGrpSpPr/>
-        <p:nvPr/>
-      </p:nvGrpSpPr>
-      <p:grpSpPr>
-        <a:xfrm>
-          <a:off x="0" y="0"/>
-          <a:ext cx="0" cy="0"/>
-          <a:chOff x="0" y="0"/>
-          <a:chExt cx="0" cy="0"/>
-        </a:xfrm>
-      </p:grpSpPr>
-      <p:sp>
-        <p:nvSpPr>
-          <p:cNvPr id="2" name="Title 1"/>
-          <p:cNvSpPr>
-            <a:spLocks noGrp="1"/>
-          </p:cNvSpPr>
-          <p:nvPr>
-            <p:ph type="title"/>
-          </p:nvPr>
-        </p:nvSpPr>
-        <p:spPr/>
-        <p:txBody>
-          <a:bodyPr/>
-          <a:lstStyle/>
-          <a:p>
-            <a:r>
-              <a:rPr lang="en-US" dirty="0" smtClean="0"/>
-              <a:t>From the file gpio-keystone.c</a:t>
-            </a:r>
-            <a:endParaRPr lang="en-US" dirty="0"/>
-          </a:p>
-        </p:txBody>
-      </p:sp>
-      <p:sp>
-        <p:nvSpPr>
-          <p:cNvPr id="4" name="Slide Number Placeholder 3"/>
-          <p:cNvSpPr>
-            <a:spLocks noGrp="1"/>
-          </p:cNvSpPr>
-          <p:nvPr>
-            <p:ph type="sldNum" sz="quarter" idx="10"/>
-          </p:nvPr>
-        </p:nvSpPr>
-        <p:spPr/>
-        <p:txBody>
-          <a:bodyPr/>
-          <a:lstStyle/>
-          <a:p>
-            <a:fld id="{3B20521C-F793-4067-BB07-C7AF74E21EF3}" type="slidenum">
-              <a:rPr lang="en-US" smtClean="0"/>
-              <a:pPr/>
-              <a:t>35</a:t>
-            </a:fld>
-            <a:endParaRPr lang="en-US" dirty="0"/>
-          </a:p>
-        </p:txBody>
-      </p:sp>
-      <p:pic>
-        <p:nvPicPr>
-          <p:cNvPr id="38916" name="Picture 4"/>
-          <p:cNvPicPr>
-            <a:picLocks noGrp="1" noChangeAspect="1" noChangeArrowheads="1"/>
-          </p:cNvPicPr>
-          <p:nvPr>
-            <p:ph idx="1"/>
-          </p:nvPr>
-        </p:nvPicPr>
-        <p:blipFill>
-          <a:blip r:embed="rId2" cstate="print"/>
-          <a:srcRect/>
-          <a:stretch>
-            <a:fillRect/>
-          </a:stretch>
-        </p:blipFill>
-        <p:spPr bwMode="auto">
-          <a:xfrm>
-            <a:off x="1195387" y="1249362"/>
-            <a:ext cx="6743700" cy="4543425"/>
-          </a:xfrm>
-          <a:prstGeom prst="rect">
-            <a:avLst/>
-          </a:prstGeom>
-          <a:ln>
-            <a:headEnd/>
-            <a:tailEnd/>
-          </a:ln>
-        </p:spPr>
-        <p:style>
-          <a:lnRef idx="1">
-            <a:schemeClr val="accent2"/>
-          </a:lnRef>
-          <a:fillRef idx="2">
-            <a:schemeClr val="accent2"/>
-          </a:fillRef>
-          <a:effectRef idx="1">
-            <a:schemeClr val="accent2"/>
-          </a:effectRef>
-          <a:fontRef idx="minor">
-            <a:schemeClr val="dk1"/>
-          </a:fontRef>
-        </p:style>
-      </p:pic>
-    </p:spTree>
-  </p:cSld>
-  <p:clrMapOvr>
-    <a:masterClrMapping/>
-  </p:clrMapOvr>
-  <p:timing>
-    <p:tnLst>
-      <p:par>
-        <p:cTn id="1" dur="indefinite" restart="never" nodeType="tmRoot"/>
-      </p:par>
-    </p:tnLst>
-  </p:timing>
-</p:sld>
-</file>
-
 <file path=ppt/slides/slide36.xml><?xml version="1.0" encoding="utf-8"?>
 <p:sld xmlns:a="http://schemas.openxmlformats.org/drawingml/2006/main" xmlns:r="http://schemas.openxmlformats.org/officeDocument/2006/relationships" xmlns:p="http://schemas.openxmlformats.org/presentationml/2006/main">
   <p:cSld>
@@ -13889,14 +13795,34 @@
             <p:ph type="title"/>
           </p:nvPr>
         </p:nvSpPr>
-        <p:spPr/>
+        <p:spPr>
+          <a:xfrm>
+            <a:off x="231775" y="142874"/>
+            <a:ext cx="8458200" cy="1266825"/>
+          </a:xfrm>
+        </p:spPr>
         <p:txBody>
           <a:bodyPr/>
           <a:lstStyle/>
           <a:p>
             <a:r>
               <a:rPr lang="en-US" dirty="0" smtClean="0"/>
-              <a:t>From the file gpio-keystone.c</a:t>
+              <a:t>From the file </a:t>
+            </a:r>
+            <a:r>
+              <a:rPr lang="en-US" dirty="0"/>
+              <a:t>gpio-keystone.c</a:t>
+            </a:r>
+            <a:br>
+              <a:rPr lang="en-US" dirty="0"/>
+            </a:br>
+            <a:r>
+              <a:rPr lang="en-US" sz="3200" dirty="0" smtClean="0"/>
+              <a:t>(/git/linux-keystone/drivers/gpio</a:t>
+            </a:r>
+            <a:r>
+              <a:rPr lang="en-US" dirty="0" smtClean="0"/>
+              <a:t>)</a:t>
             </a:r>
             <a:endParaRPr lang="en-US" dirty="0"/>
           </a:p>
@@ -13926,70 +13852,104 @@
           </a:p>
         </p:txBody>
       </p:sp>
-      <p:pic>
-        <p:nvPicPr>
-          <p:cNvPr id="41986" name="Picture 2"/>
-          <p:cNvPicPr>
-            <a:picLocks noChangeAspect="1" noChangeArrowheads="1"/>
-          </p:cNvPicPr>
+      <p:sp>
+        <p:nvSpPr>
+          <p:cNvPr id="5" name="TextBox 4"/>
+          <p:cNvSpPr txBox="1"/>
           <p:nvPr/>
-        </p:nvPicPr>
-        <p:blipFill>
-          <a:blip r:embed="rId2" cstate="print"/>
-          <a:srcRect/>
-          <a:stretch>
-            <a:fillRect/>
-          </a:stretch>
-        </p:blipFill>
-        <p:spPr bwMode="auto">
+        </p:nvSpPr>
+        <p:spPr>
           <a:xfrm>
-            <a:off x="571370" y="769544"/>
-            <a:ext cx="7463064" cy="3162866"/>
+            <a:off x="790575" y="1524000"/>
+            <a:ext cx="7545655" cy="3970318"/>
           </a:xfrm>
           <a:prstGeom prst="rect">
             <a:avLst/>
           </a:prstGeom>
           <a:noFill/>
-          <a:ln w="9525">
-            <a:noFill/>
-            <a:miter lim="800000"/>
-            <a:headEnd/>
-            <a:tailEnd/>
-          </a:ln>
         </p:spPr>
-      </p:pic>
-      <p:pic>
-        <p:nvPicPr>
-          <p:cNvPr id="41987" name="Picture 3"/>
-          <p:cNvPicPr>
-            <a:picLocks noChangeAspect="1" noChangeArrowheads="1"/>
-          </p:cNvPicPr>
-          <p:nvPr/>
-        </p:nvPicPr>
-        <p:blipFill>
-          <a:blip r:embed="rId3" cstate="print"/>
-          <a:srcRect/>
-          <a:stretch>
-            <a:fillRect/>
-          </a:stretch>
-        </p:blipFill>
-        <p:spPr bwMode="auto">
-          <a:xfrm>
-            <a:off x="705982" y="4043363"/>
-            <a:ext cx="6591300" cy="2428875"/>
-          </a:xfrm>
-          <a:prstGeom prst="rect">
-            <a:avLst/>
-          </a:prstGeom>
-          <a:noFill/>
-          <a:ln w="9525">
-            <a:noFill/>
-            <a:miter lim="800000"/>
-            <a:headEnd/>
-            <a:tailEnd/>
-          </a:ln>
-        </p:spPr>
-      </p:pic>
+        <p:txBody>
+          <a:bodyPr wrap="none" rtlCol="0">
+            <a:spAutoFit/>
+          </a:bodyPr>
+          <a:lstStyle/>
+          <a:p>
+            <a:r>
+              <a:rPr lang="en-US" dirty="0"/>
+              <a:t>static int keystone_gpio_irq_map(struct irq_domain *h, unsigned int virq,</a:t>
+            </a:r>
+          </a:p>
+          <a:p>
+            <a:r>
+              <a:rPr lang="en-US" dirty="0"/>
+              <a:t>                                irq_hw_number_t hw)</a:t>
+            </a:r>
+          </a:p>
+          <a:p>
+            <a:r>
+              <a:rPr lang="en-US" dirty="0"/>
+              <a:t>{</a:t>
+            </a:r>
+          </a:p>
+          <a:p>
+            <a:r>
+              <a:rPr lang="en-US" dirty="0"/>
+              <a:t>        struct gpio_bank *bank = h-&gt;host_data;</a:t>
+            </a:r>
+          </a:p>
+          <a:p>
+            <a:endParaRPr lang="en-US" dirty="0"/>
+          </a:p>
+          <a:p>
+            <a:r>
+              <a:rPr lang="en-US" dirty="0"/>
+              <a:t>        irq_set_chip_data(virq, bank);</a:t>
+            </a:r>
+          </a:p>
+          <a:p>
+            <a:r>
+              <a:rPr lang="en-US" dirty="0"/>
+              <a:t>        irq_set_chip_and_handler(virq, &amp;keystone_gpio_irqchip,</a:t>
+            </a:r>
+          </a:p>
+          <a:p>
+            <a:r>
+              <a:rPr lang="en-US" dirty="0"/>
+              <a:t>                                handle_simple_irq);</a:t>
+            </a:r>
+          </a:p>
+          <a:p>
+            <a:r>
+              <a:rPr lang="en-US" dirty="0"/>
+              <a:t>        set_irq_flags(virq, IRQF_VALID | IRQF_PROBE);</a:t>
+            </a:r>
+          </a:p>
+          <a:p>
+            <a:r>
+              <a:rPr lang="en-US" dirty="0"/>
+              <a:t>        irq_set_irq_type(virq, IRQ_TYPE_NONE);</a:t>
+            </a:r>
+          </a:p>
+          <a:p>
+            <a:endParaRPr lang="en-US" dirty="0"/>
+          </a:p>
+          <a:p>
+            <a:r>
+              <a:rPr lang="en-US" dirty="0"/>
+              <a:t>        return 0;</a:t>
+            </a:r>
+          </a:p>
+          <a:p>
+            <a:r>
+              <a:rPr lang="en-US" dirty="0"/>
+              <a:t>}</a:t>
+            </a:r>
+          </a:p>
+          <a:p>
+            <a:endParaRPr lang="en-US" dirty="0"/>
+          </a:p>
+        </p:txBody>
+      </p:sp>
     </p:spTree>
   </p:cSld>
   <p:clrMapOvr>
@@ -14034,6 +13994,223 @@
         </p:nvSpPr>
         <p:spPr>
           <a:xfrm>
+            <a:off x="231775" y="142874"/>
+            <a:ext cx="8458200" cy="1038225"/>
+          </a:xfrm>
+        </p:spPr>
+        <p:txBody>
+          <a:bodyPr/>
+          <a:lstStyle/>
+          <a:p>
+            <a:r>
+              <a:rPr lang="en-US" dirty="0" smtClean="0"/>
+              <a:t>From the file </a:t>
+            </a:r>
+            <a:r>
+              <a:rPr lang="en-US" dirty="0"/>
+              <a:t>gpio-keystone.c</a:t>
+            </a:r>
+            <a:br>
+              <a:rPr lang="en-US" dirty="0"/>
+            </a:br>
+            <a:r>
+              <a:rPr lang="en-US" sz="3200" dirty="0"/>
+              <a:t>(/</a:t>
+            </a:r>
+            <a:r>
+              <a:rPr lang="en-US" sz="3200" dirty="0" smtClean="0"/>
+              <a:t>git/linux-keystone/drivers/gpio)</a:t>
+            </a:r>
+            <a:endParaRPr lang="en-US" sz="3200" dirty="0"/>
+          </a:p>
+        </p:txBody>
+      </p:sp>
+      <p:sp>
+        <p:nvSpPr>
+          <p:cNvPr id="4" name="Slide Number Placeholder 3"/>
+          <p:cNvSpPr>
+            <a:spLocks noGrp="1"/>
+          </p:cNvSpPr>
+          <p:nvPr>
+            <p:ph type="sldNum" sz="quarter" idx="10"/>
+          </p:nvPr>
+        </p:nvSpPr>
+        <p:spPr/>
+        <p:txBody>
+          <a:bodyPr/>
+          <a:lstStyle/>
+          <a:p>
+            <a:fld id="{3B20521C-F793-4067-BB07-C7AF74E21EF3}" type="slidenum">
+              <a:rPr lang="en-US" smtClean="0"/>
+              <a:pPr/>
+              <a:t>37</a:t>
+            </a:fld>
+            <a:endParaRPr lang="en-US" dirty="0"/>
+          </a:p>
+        </p:txBody>
+      </p:sp>
+      <p:sp>
+        <p:nvSpPr>
+          <p:cNvPr id="3" name="TextBox 2"/>
+          <p:cNvSpPr txBox="1"/>
+          <p:nvPr/>
+        </p:nvSpPr>
+        <p:spPr>
+          <a:xfrm>
+            <a:off x="866775" y="1257300"/>
+            <a:ext cx="7257115" cy="4801314"/>
+          </a:xfrm>
+          <a:prstGeom prst="rect">
+            <a:avLst/>
+          </a:prstGeom>
+          <a:noFill/>
+        </p:spPr>
+        <p:txBody>
+          <a:bodyPr wrap="none" rtlCol="0">
+            <a:spAutoFit/>
+          </a:bodyPr>
+          <a:lstStyle/>
+          <a:p>
+            <a:r>
+              <a:rPr lang="en-US" dirty="0"/>
+              <a:t>static void gpio_irq_enable(struct irq_data *d)</a:t>
+            </a:r>
+          </a:p>
+          <a:p>
+            <a:r>
+              <a:rPr lang="en-US" dirty="0"/>
+              <a:t>{</a:t>
+            </a:r>
+          </a:p>
+          <a:p>
+            <a:r>
+              <a:rPr lang="en-US" dirty="0"/>
+              <a:t>        struct gpio_bank *bank = irq_data_get_irq_chip_data(d);</a:t>
+            </a:r>
+          </a:p>
+          <a:p>
+            <a:r>
+              <a:rPr lang="en-US" dirty="0"/>
+              <a:t>        u32 mask, status = irqd_get_trigger_type(d);</a:t>
+            </a:r>
+          </a:p>
+          <a:p>
+            <a:r>
+              <a:rPr lang="en-US" dirty="0"/>
+              <a:t>        struct gpio_regs *regs = bank-&gt;regs;</a:t>
+            </a:r>
+          </a:p>
+          <a:p>
+            <a:r>
+              <a:rPr lang="en-US" dirty="0"/>
+              <a:t>        int gpio;</a:t>
+            </a:r>
+          </a:p>
+          <a:p>
+            <a:endParaRPr lang="en-US" dirty="0"/>
+          </a:p>
+          <a:p>
+            <a:r>
+              <a:rPr lang="en-US" dirty="0"/>
+              <a:t>        gpio = d-&gt;hwirq - bank-&gt;base;</a:t>
+            </a:r>
+          </a:p>
+          <a:p>
+            <a:r>
+              <a:rPr lang="en-US" dirty="0"/>
+              <a:t>        mask = 1 &lt;&lt; gpio;</a:t>
+            </a:r>
+          </a:p>
+          <a:p>
+            <a:endParaRPr lang="en-US" dirty="0"/>
+          </a:p>
+          <a:p>
+            <a:r>
+              <a:rPr lang="en-US" dirty="0"/>
+              <a:t>        if (status &amp; IRQ_TYPE_EDGE_FALLING)</a:t>
+            </a:r>
+          </a:p>
+          <a:p>
+            <a:r>
+              <a:rPr lang="en-US" dirty="0"/>
+              <a:t>                __raw_writel(mask, bank-&gt;reg_base + regs-&gt;set_fal_trig);</a:t>
+            </a:r>
+          </a:p>
+          <a:p>
+            <a:r>
+              <a:rPr lang="en-US" dirty="0"/>
+              <a:t>        if (status &amp; IRQ_TYPE_EDGE_RISING)</a:t>
+            </a:r>
+          </a:p>
+          <a:p>
+            <a:r>
+              <a:rPr lang="en-US" dirty="0"/>
+              <a:t>                __raw_writel(mask, bank-&gt;reg_base + regs-&gt;set_rise_trig);</a:t>
+            </a:r>
+          </a:p>
+          <a:p>
+            <a:r>
+              <a:rPr lang="en-US" dirty="0"/>
+              <a:t>}</a:t>
+            </a:r>
+          </a:p>
+          <a:p>
+            <a:endParaRPr lang="en-US" dirty="0"/>
+          </a:p>
+          <a:p>
+            <a:endParaRPr lang="en-US" dirty="0"/>
+          </a:p>
+        </p:txBody>
+      </p:sp>
+    </p:spTree>
+    <p:extLst>
+      <p:ext uri="{BB962C8B-B14F-4D97-AF65-F5344CB8AC3E}">
+        <p14:creationId xmlns:p14="http://schemas.microsoft.com/office/powerpoint/2010/main" val="3949338954"/>
+      </p:ext>
+    </p:extLst>
+  </p:cSld>
+  <p:clrMapOvr>
+    <a:masterClrMapping/>
+  </p:clrMapOvr>
+  <p:timing>
+    <p:tnLst>
+      <p:par>
+        <p:cTn id="1" dur="indefinite" restart="never" nodeType="tmRoot"/>
+      </p:par>
+    </p:tnLst>
+  </p:timing>
+</p:sld>
+</file>
+
+<file path=ppt/slides/slide38.xml><?xml version="1.0" encoding="utf-8"?>
+<p:sld xmlns:a="http://schemas.openxmlformats.org/drawingml/2006/main" xmlns:r="http://schemas.openxmlformats.org/officeDocument/2006/relationships" xmlns:p="http://schemas.openxmlformats.org/presentationml/2006/main">
+  <p:cSld>
+    <p:spTree>
+      <p:nvGrpSpPr>
+        <p:cNvPr id="1" name=""/>
+        <p:cNvGrpSpPr/>
+        <p:nvPr/>
+      </p:nvGrpSpPr>
+      <p:grpSpPr>
+        <a:xfrm>
+          <a:off x="0" y="0"/>
+          <a:ext cx="0" cy="0"/>
+          <a:chOff x="0" y="0"/>
+          <a:chExt cx="0" cy="0"/>
+        </a:xfrm>
+      </p:grpSpPr>
+      <p:sp>
+        <p:nvSpPr>
+          <p:cNvPr id="2" name="Title 1"/>
+          <p:cNvSpPr>
+            <a:spLocks noGrp="1"/>
+          </p:cNvSpPr>
+          <p:nvPr>
+            <p:ph type="title"/>
+          </p:nvPr>
+        </p:nvSpPr>
+        <p:spPr>
+          <a:xfrm>
             <a:off x="533400" y="1905000"/>
             <a:ext cx="8229600" cy="2362200"/>
           </a:xfrm>
@@ -14078,7 +14255,7 @@
             <a:fld id="{803D9FE4-F784-4A94-8F3E-54A098F0E8CC}" type="slidenum">
               <a:rPr lang="en-US" smtClean="0"/>
               <a:pPr/>
-              <a:t>37</a:t>
+              <a:t>38</a:t>
             </a:fld>
             <a:endParaRPr lang="en-US" dirty="0"/>
           </a:p>
@@ -14140,125 +14317,6 @@
           <a:p>
             <a:r>
               <a:rPr lang="en-US" sz="3600" dirty="0" smtClean="0"/>
-              <a:t>Link Events to ISR</a:t>
-            </a:r>
-            <a:endParaRPr lang="en-US" sz="3600" dirty="0"/>
-          </a:p>
-        </p:txBody>
-      </p:sp>
-      <p:graphicFrame>
-        <p:nvGraphicFramePr>
-          <p:cNvPr id="2" name="Object 1"/>
-          <p:cNvGraphicFramePr>
-            <a:graphicFrameLocks noChangeAspect="1"/>
-          </p:cNvGraphicFramePr>
-          <p:nvPr>
-            <p:extLst>
-              <p:ext uri="{D42A27DB-BD31-4B8C-83A1-F6EECF244321}">
-                <p14:modId xmlns:p14="http://schemas.microsoft.com/office/powerpoint/2010/main" val="1642275649"/>
-              </p:ext>
-            </p:extLst>
-          </p:nvPr>
-        </p:nvGraphicFramePr>
-        <p:xfrm>
-          <a:off x="705395" y="1296910"/>
-          <a:ext cx="6703559" cy="3997901"/>
-        </p:xfrm>
-        <a:graphic>
-          <a:graphicData uri="http://schemas.openxmlformats.org/presentationml/2006/ole">
-            <mc:AlternateContent xmlns:mc="http://schemas.openxmlformats.org/markup-compatibility/2006">
-              <mc:Choice xmlns:v="urn:schemas-microsoft-com:vml" Requires="v">
-                <p:oleObj spid="_x0000_s1045" name="Visio" r:id="rId3" imgW="8181318" imgH="5750031" progId="Visio.Drawing.11">
-                  <p:embed/>
-                </p:oleObj>
-              </mc:Choice>
-              <mc:Fallback>
-                <p:oleObj name="Visio" r:id="rId3" imgW="8181318" imgH="5750031" progId="Visio.Drawing.11">
-                  <p:embed/>
-                  <p:pic>
-                    <p:nvPicPr>
-                      <p:cNvPr id="0" name=""/>
-                      <p:cNvPicPr/>
-                      <p:nvPr/>
-                    </p:nvPicPr>
-                    <p:blipFill>
-                      <a:blip r:embed="rId4"/>
-                      <a:stretch>
-                        <a:fillRect/>
-                      </a:stretch>
-                    </p:blipFill>
-                    <p:spPr>
-                      <a:xfrm>
-                        <a:off x="705395" y="1296910"/>
-                        <a:ext cx="6703559" cy="3997901"/>
-                      </a:xfrm>
-                      <a:prstGeom prst="rect">
-                        <a:avLst/>
-                      </a:prstGeom>
-                    </p:spPr>
-                  </p:pic>
-                </p:oleObj>
-              </mc:Fallback>
-            </mc:AlternateContent>
-          </a:graphicData>
-        </a:graphic>
-      </p:graphicFrame>
-    </p:spTree>
-  </p:cSld>
-  <p:clrMapOvr>
-    <a:masterClrMapping/>
-  </p:clrMapOvr>
-  <p:timing>
-    <p:tnLst>
-      <p:par>
-        <p:cTn id="1" dur="indefinite" restart="never" nodeType="tmRoot"/>
-      </p:par>
-    </p:tnLst>
-  </p:timing>
-</p:sld>
-</file>
-
-<file path=ppt/slides/slide5.xml><?xml version="1.0" encoding="utf-8"?>
-<p:sld xmlns:a="http://schemas.openxmlformats.org/drawingml/2006/main" xmlns:r="http://schemas.openxmlformats.org/officeDocument/2006/relationships" xmlns:p="http://schemas.openxmlformats.org/presentationml/2006/main">
-  <p:cSld>
-    <p:spTree>
-      <p:nvGrpSpPr>
-        <p:cNvPr id="1" name=""/>
-        <p:cNvGrpSpPr/>
-        <p:nvPr/>
-      </p:nvGrpSpPr>
-      <p:grpSpPr>
-        <a:xfrm>
-          <a:off x="0" y="0"/>
-          <a:ext cx="0" cy="0"/>
-          <a:chOff x="0" y="0"/>
-          <a:chExt cx="0" cy="0"/>
-        </a:xfrm>
-      </p:grpSpPr>
-      <p:sp>
-        <p:nvSpPr>
-          <p:cNvPr id="4" name="Title 3"/>
-          <p:cNvSpPr>
-            <a:spLocks noGrp="1"/>
-          </p:cNvSpPr>
-          <p:nvPr>
-            <p:ph type="title"/>
-          </p:nvPr>
-        </p:nvSpPr>
-        <p:spPr>
-          <a:xfrm>
-            <a:off x="457200" y="274638"/>
-            <a:ext cx="8229600" cy="715962"/>
-          </a:xfrm>
-        </p:spPr>
-        <p:txBody>
-          <a:bodyPr>
-            <a:normAutofit/>
-          </a:bodyPr>
-          <a:lstStyle/>
-          <a:p>
-            <a:r>
-              <a:rPr lang="en-US" sz="3600" dirty="0" smtClean="0"/>
               <a:t>C66 core input events</a:t>
             </a:r>
             <a:endParaRPr lang="en-US" sz="3600" dirty="0"/>
@@ -14287,7 +14345,7 @@
           <a:graphicData uri="http://schemas.openxmlformats.org/presentationml/2006/ole">
             <mc:AlternateContent xmlns:mc="http://schemas.openxmlformats.org/markup-compatibility/2006">
               <mc:Choice xmlns:v="urn:schemas-microsoft-com:vml" Requires="v">
-                <p:oleObj spid="_x0000_s4111" name="Visio" r:id="rId3" imgW="6401070" imgH="4573925" progId="Visio.Drawing.11">
+                <p:oleObj spid="_x0000_s4114" name="Visio" r:id="rId3" imgW="6401070" imgH="4573925" progId="Visio.Drawing.11">
                   <p:embed/>
                 </p:oleObj>
               </mc:Choice>
@@ -14342,7 +14400,7 @@
 </p:sld>
 </file>
 
-<file path=ppt/slides/slide6.xml><?xml version="1.0" encoding="utf-8"?>
+<file path=ppt/slides/slide5.xml><?xml version="1.0" encoding="utf-8"?>
 <p:sld xmlns:a="http://schemas.openxmlformats.org/drawingml/2006/main" xmlns:r="http://schemas.openxmlformats.org/officeDocument/2006/relationships" xmlns:p="http://schemas.openxmlformats.org/presentationml/2006/main">
   <p:cSld>
     <p:spTree>
@@ -14411,7 +14469,7 @@
           <a:graphicData uri="http://schemas.openxmlformats.org/presentationml/2006/ole">
             <mc:AlternateContent xmlns:mc="http://schemas.openxmlformats.org/markup-compatibility/2006">
               <mc:Choice xmlns:v="urn:schemas-microsoft-com:vml" Requires="v">
-                <p:oleObj spid="_x0000_s5135" name="Visio" r:id="rId3" imgW="6401070" imgH="4764674" progId="Visio.Drawing.11">
+                <p:oleObj spid="_x0000_s5138" name="Visio" r:id="rId3" imgW="6401070" imgH="4764674" progId="Visio.Drawing.11">
                   <p:embed/>
                 </p:oleObj>
               </mc:Choice>
@@ -14682,7 +14740,7 @@
 </p:sld>
 </file>
 
-<file path=ppt/slides/slide7.xml><?xml version="1.0" encoding="utf-8"?>
+<file path=ppt/slides/slide6.xml><?xml version="1.0" encoding="utf-8"?>
 <p:sld xmlns:a="http://schemas.openxmlformats.org/drawingml/2006/main" xmlns:r="http://schemas.openxmlformats.org/officeDocument/2006/relationships" xmlns:p="http://schemas.openxmlformats.org/presentationml/2006/main">
   <p:cSld>
     <p:spTree>
@@ -14724,11 +14782,7 @@
             <a:pPr eaLnBrk="1" hangingPunct="1"/>
             <a:r>
               <a:rPr lang="en-US" dirty="0" smtClean="0"/>
-              <a:t>Configuring an </a:t>
-            </a:r>
-            <a:r>
-              <a:rPr lang="en-US" dirty="0" smtClean="0"/>
-              <a:t>Hwi Using BIOS</a:t>
+              <a:t>Configuring an Hwi Using BIOS</a:t>
             </a:r>
             <a:r>
               <a:rPr lang="en-US" dirty="0"/>
@@ -14739,11 +14793,7 @@
             </a:br>
             <a:r>
               <a:rPr lang="en-US" dirty="0" smtClean="0"/>
-              <a:t>Statically </a:t>
-            </a:r>
-            <a:r>
-              <a:rPr lang="en-US" dirty="0" smtClean="0"/>
-              <a:t>via GUI</a:t>
+              <a:t>Statically via GUI</a:t>
             </a:r>
           </a:p>
         </p:txBody>
@@ -15039,17 +15089,7 @@
                   <a:latin typeface="Calibri" pitchFamily="34" charset="0"/>
                   <a:cs typeface="Calibri" pitchFamily="34" charset="0"/>
                 </a:rPr>
-                <a:t>event 94</a:t>
-              </a:r>
-              <a:r>
-                <a:rPr lang="en-US" sz="2000" dirty="0" smtClean="0">
-                  <a:solidFill>
-                    <a:srgbClr val="000000"/>
-                  </a:solidFill>
-                  <a:latin typeface="Calibri" pitchFamily="34" charset="0"/>
-                  <a:cs typeface="Calibri" pitchFamily="34" charset="0"/>
-                </a:rPr>
-                <a:t> </a:t>
+                <a:t>event 94 </a:t>
               </a:r>
               <a:r>
                 <a:rPr lang="en-US" sz="2000" dirty="0">
@@ -15398,7 +15438,7 @@
                 </a:solidFill>
               </a:rPr>
               <a:pPr/>
-              <a:t>7</a:t>
+              <a:t>6</a:t>
             </a:fld>
             <a:endParaRPr lang="en-US" dirty="0">
               <a:solidFill>
@@ -15490,7 +15530,7 @@
 </p:sld>
 </file>
 
-<file path=ppt/slides/slide8.xml><?xml version="1.0" encoding="utf-8"?>
+<file path=ppt/slides/slide7.xml><?xml version="1.0" encoding="utf-8"?>
 <p:sld xmlns:a="http://schemas.openxmlformats.org/drawingml/2006/main" xmlns:r="http://schemas.openxmlformats.org/officeDocument/2006/relationships" xmlns:p="http://schemas.openxmlformats.org/presentationml/2006/main">
   <p:cSld>
     <p:spTree>
@@ -15562,7 +15602,7 @@
             <a:fld id="{803D9FE4-F784-4A94-8F3E-54A098F0E8CC}" type="slidenum">
               <a:rPr lang="en-US" smtClean="0"/>
               <a:pPr/>
-              <a:t>8</a:t>
+              <a:t>7</a:t>
             </a:fld>
             <a:endParaRPr lang="en-US" dirty="0"/>
           </a:p>
@@ -15652,7 +15692,7 @@
 </p:sld>
 </file>
 
-<file path=ppt/slides/slide9.xml><?xml version="1.0" encoding="utf-8"?>
+<file path=ppt/slides/slide8.xml><?xml version="1.0" encoding="utf-8"?>
 <p:sld xmlns:a="http://schemas.openxmlformats.org/drawingml/2006/main" xmlns:r="http://schemas.openxmlformats.org/officeDocument/2006/relationships" xmlns:p="http://schemas.openxmlformats.org/presentationml/2006/main">
   <p:cSld>
     <p:spTree>
@@ -15717,7 +15757,7 @@
             <a:fld id="{803D9FE4-F784-4A94-8F3E-54A098F0E8CC}" type="slidenum">
               <a:rPr lang="en-US" smtClean="0"/>
               <a:pPr/>
-              <a:t>9</a:t>
+              <a:t>8</a:t>
             </a:fld>
             <a:endParaRPr lang="en-US" dirty="0"/>
           </a:p>
@@ -15886,6 +15926,265 @@
     <p:extLst>
       <p:ext uri="{BB962C8B-B14F-4D97-AF65-F5344CB8AC3E}">
         <p14:creationId xmlns:p14="http://schemas.microsoft.com/office/powerpoint/2010/main" val="2267725419"/>
+      </p:ext>
+    </p:extLst>
+  </p:cSld>
+  <p:clrMapOvr>
+    <a:masterClrMapping/>
+  </p:clrMapOvr>
+  <p:timing>
+    <p:tnLst>
+      <p:par>
+        <p:cTn id="1" dur="indefinite" restart="never" nodeType="tmRoot"/>
+      </p:par>
+    </p:tnLst>
+  </p:timing>
+</p:sld>
+</file>
+
+<file path=ppt/slides/slide9.xml><?xml version="1.0" encoding="utf-8"?>
+<p:sld xmlns:a="http://schemas.openxmlformats.org/drawingml/2006/main" xmlns:r="http://schemas.openxmlformats.org/officeDocument/2006/relationships" xmlns:p="http://schemas.openxmlformats.org/presentationml/2006/main">
+  <p:cSld>
+    <p:spTree>
+      <p:nvGrpSpPr>
+        <p:cNvPr id="1" name=""/>
+        <p:cNvGrpSpPr/>
+        <p:nvPr/>
+      </p:nvGrpSpPr>
+      <p:grpSpPr>
+        <a:xfrm>
+          <a:off x="0" y="0"/>
+          <a:ext cx="0" cy="0"/>
+          <a:chOff x="0" y="0"/>
+          <a:chExt cx="0" cy="0"/>
+        </a:xfrm>
+      </p:grpSpPr>
+      <p:sp>
+        <p:nvSpPr>
+          <p:cNvPr id="5" name="TextBox 4"/>
+          <p:cNvSpPr txBox="1"/>
+          <p:nvPr/>
+        </p:nvSpPr>
+        <p:spPr>
+          <a:xfrm>
+            <a:off x="0" y="6243642"/>
+            <a:ext cx="8886825" cy="550068"/>
+          </a:xfrm>
+          <a:prstGeom prst="rect">
+            <a:avLst/>
+          </a:prstGeom>
+          <a:solidFill>
+            <a:schemeClr val="bg1"/>
+          </a:solidFill>
+        </p:spPr>
+        <p:txBody>
+          <a:bodyPr wrap="square" rtlCol="0">
+            <a:noAutofit/>
+          </a:bodyPr>
+          <a:lstStyle/>
+          <a:p>
+            <a:endParaRPr lang="en-US" dirty="0"/>
+          </a:p>
+        </p:txBody>
+      </p:sp>
+      <p:sp>
+        <p:nvSpPr>
+          <p:cNvPr id="4" name="Title 3"/>
+          <p:cNvSpPr>
+            <a:spLocks noGrp="1"/>
+          </p:cNvSpPr>
+          <p:nvPr>
+            <p:ph type="title"/>
+          </p:nvPr>
+        </p:nvSpPr>
+        <p:spPr>
+          <a:xfrm>
+            <a:off x="428625" y="153194"/>
+            <a:ext cx="8229600" cy="704055"/>
+          </a:xfrm>
+        </p:spPr>
+        <p:txBody>
+          <a:bodyPr>
+            <a:normAutofit fontScale="90000"/>
+          </a:bodyPr>
+          <a:lstStyle/>
+          <a:p>
+            <a:r>
+              <a:rPr lang="en-US" sz="3200" dirty="0" smtClean="0"/>
+              <a:t>C66 Core Prime </a:t>
+            </a:r>
+            <a:r>
+              <a:rPr lang="en-US" sz="3200" dirty="0"/>
+              <a:t>Event </a:t>
+            </a:r>
+            <a:r>
+              <a:rPr lang="en-US" sz="3200" dirty="0" smtClean="0"/>
+              <a:t>IDs</a:t>
+            </a:r>
+            <a:br>
+              <a:rPr lang="en-US" sz="3200" dirty="0" smtClean="0"/>
+            </a:br>
+            <a:r>
+              <a:rPr lang="en-US" sz="3200" dirty="0" smtClean="0"/>
+              <a:t>(Core Events Only)</a:t>
+            </a:r>
+            <a:endParaRPr lang="en-US" sz="3600" dirty="0"/>
+          </a:p>
+        </p:txBody>
+      </p:sp>
+      <p:pic>
+        <p:nvPicPr>
+          <p:cNvPr id="3075" name="Picture 3"/>
+          <p:cNvPicPr>
+            <a:picLocks noChangeAspect="1" noChangeArrowheads="1"/>
+          </p:cNvPicPr>
+          <p:nvPr/>
+        </p:nvPicPr>
+        <p:blipFill>
+          <a:blip r:embed="rId2" cstate="print"/>
+          <a:srcRect l="3504" r="18686"/>
+          <a:stretch>
+            <a:fillRect/>
+          </a:stretch>
+        </p:blipFill>
+        <p:spPr bwMode="auto">
+          <a:xfrm>
+            <a:off x="400049" y="952895"/>
+            <a:ext cx="4578073" cy="5847953"/>
+          </a:xfrm>
+          <a:prstGeom prst="rect">
+            <a:avLst/>
+          </a:prstGeom>
+          <a:noFill/>
+          <a:ln w="9525">
+            <a:noFill/>
+            <a:miter lim="800000"/>
+            <a:headEnd/>
+            <a:tailEnd/>
+          </a:ln>
+        </p:spPr>
+      </p:pic>
+      <p:sp>
+        <p:nvSpPr>
+          <p:cNvPr id="6" name="TextBox 5"/>
+          <p:cNvSpPr txBox="1"/>
+          <p:nvPr/>
+        </p:nvSpPr>
+        <p:spPr>
+          <a:xfrm>
+            <a:off x="5150644" y="1143000"/>
+            <a:ext cx="3764756" cy="2585323"/>
+          </a:xfrm>
+          <a:prstGeom prst="rect">
+            <a:avLst/>
+          </a:prstGeom>
+          <a:noFill/>
+        </p:spPr>
+        <p:txBody>
+          <a:bodyPr wrap="square" rtlCol="0">
+            <a:spAutoFit/>
+          </a:bodyPr>
+          <a:lstStyle/>
+          <a:p>
+            <a:r>
+              <a:rPr lang="en-US" dirty="0" smtClean="0"/>
+              <a:t>From the C66x User’s Guide:</a:t>
+            </a:r>
+          </a:p>
+          <a:p>
+            <a:pPr marL="342900" indent="-342900">
+              <a:buFont typeface="Arial" pitchFamily="34" charset="0"/>
+              <a:buChar char="•"/>
+            </a:pPr>
+            <a:r>
+              <a:rPr lang="en-US" dirty="0" smtClean="0"/>
+              <a:t>22 assigned events</a:t>
+            </a:r>
+          </a:p>
+          <a:p>
+            <a:pPr marL="800100" lvl="1" indent="-342900">
+              <a:buFont typeface="Arial" pitchFamily="34" charset="0"/>
+              <a:buChar char="•"/>
+            </a:pPr>
+            <a:r>
+              <a:rPr lang="en-US" dirty="0" smtClean="0"/>
+              <a:t>5 reserve primary events</a:t>
+            </a:r>
+          </a:p>
+          <a:p>
+            <a:pPr marL="800100" lvl="1" indent="-342900">
+              <a:buFont typeface="Arial" pitchFamily="34" charset="0"/>
+              <a:buChar char="•"/>
+            </a:pPr>
+            <a:r>
+              <a:rPr lang="en-US" dirty="0" smtClean="0"/>
+              <a:t>17 secondary events</a:t>
+            </a:r>
+          </a:p>
+          <a:p>
+            <a:pPr marL="342900" indent="-342900">
+              <a:buFont typeface="Arial" pitchFamily="34" charset="0"/>
+              <a:buChar char="•"/>
+            </a:pPr>
+            <a:r>
+              <a:rPr lang="en-US" dirty="0" smtClean="0"/>
+              <a:t>7 reserved events</a:t>
+            </a:r>
+          </a:p>
+          <a:p>
+            <a:pPr marL="342900" indent="-342900">
+              <a:buFont typeface="Arial" pitchFamily="34" charset="0"/>
+              <a:buChar char="•"/>
+            </a:pPr>
+            <a:r>
+              <a:rPr lang="en-US" dirty="0" smtClean="0"/>
+              <a:t>99 Available events</a:t>
+            </a:r>
+          </a:p>
+          <a:p>
+            <a:pPr marL="342900" indent="-342900">
+              <a:buFont typeface="Arial" pitchFamily="34" charset="0"/>
+              <a:buChar char="•"/>
+            </a:pPr>
+            <a:r>
+              <a:rPr lang="en-US" dirty="0" smtClean="0"/>
+              <a:t>The available events are connected to the device.</a:t>
+            </a:r>
+            <a:br>
+              <a:rPr lang="en-US" dirty="0" smtClean="0"/>
+            </a:br>
+            <a:endParaRPr lang="en-US" dirty="0" smtClean="0"/>
+          </a:p>
+        </p:txBody>
+      </p:sp>
+      <p:sp>
+        <p:nvSpPr>
+          <p:cNvPr id="7" name="Slide Number Placeholder 6"/>
+          <p:cNvSpPr>
+            <a:spLocks noGrp="1"/>
+          </p:cNvSpPr>
+          <p:nvPr>
+            <p:ph type="sldNum" sz="quarter" idx="10"/>
+          </p:nvPr>
+        </p:nvSpPr>
+        <p:spPr/>
+        <p:txBody>
+          <a:bodyPr/>
+          <a:lstStyle/>
+          <a:p>
+            <a:fld id="{803D9FE4-F784-4A94-8F3E-54A098F0E8CC}" type="slidenum">
+              <a:rPr lang="en-US" smtClean="0"/>
+              <a:pPr/>
+              <a:t>9</a:t>
+            </a:fld>
+            <a:endParaRPr lang="en-US" dirty="0"/>
+          </a:p>
+        </p:txBody>
+      </p:sp>
+    </p:spTree>
+    <p:extLst>
+      <p:ext uri="{BB962C8B-B14F-4D97-AF65-F5344CB8AC3E}">
+        <p14:creationId xmlns:p14="http://schemas.microsoft.com/office/powerpoint/2010/main" val="1238034943"/>
       </p:ext>
     </p:extLst>
   </p:cSld>

--- a/slides/KeyStone_Interrupts.pptx
+++ b/slides/KeyStone_Interrupts.pptx
@@ -5287,11 +5287,7 @@
             </a:pPr>
             <a:r>
               <a:rPr lang="en-US" dirty="0" smtClean="0"/>
-              <a:t>Enable the particular </a:t>
-            </a:r>
-            <a:r>
-              <a:rPr lang="en-US" dirty="0" smtClean="0"/>
-              <a:t>interrupt</a:t>
+              <a:t>Enable the particular interrupt</a:t>
             </a:r>
           </a:p>
           <a:p>
@@ -5307,11 +5303,6 @@
               </a:rPr>
               <a:t>This presentation will not get into details of enabling the interrupts</a:t>
             </a:r>
-            <a:endParaRPr lang="en-US" dirty="0" smtClean="0">
-              <a:solidFill>
-                <a:schemeClr val="tx2"/>
-              </a:solidFill>
-            </a:endParaRPr>
           </a:p>
           <a:p>
             <a:pPr marL="742950" lvl="1" indent="-285750">
@@ -8476,7 +8467,7 @@
           <p:nvPr>
             <p:extLst>
               <p:ext uri="{D42A27DB-BD31-4B8C-83A1-F6EECF244321}">
-                <p14:modId xmlns:p14="http://schemas.microsoft.com/office/powerpoint/2010/main" val="2052470423"/>
+                <p14:modId xmlns:p14="http://schemas.microsoft.com/office/powerpoint/2010/main" val="692874209"/>
               </p:ext>
             </p:extLst>
           </p:nvPr>
@@ -8489,7 +8480,7 @@
           <a:graphicData uri="http://schemas.openxmlformats.org/presentationml/2006/ole">
             <mc:AlternateContent xmlns:mc="http://schemas.openxmlformats.org/markup-compatibility/2006">
               <mc:Choice xmlns:v="urn:schemas-microsoft-com:vml" Requires="v">
-                <p:oleObj spid="_x0000_s10253" name="Visio" r:id="rId3" imgW="9044738" imgH="6169084" progId="Visio.Drawing.11">
+                <p:oleObj spid="_x0000_s10255" name="Visio" r:id="rId3" imgW="9044738" imgH="6169084" progId="Visio.Drawing.11">
                   <p:embed/>
                 </p:oleObj>
               </mc:Choice>
@@ -8752,7 +8743,7 @@
           <a:graphicData uri="http://schemas.openxmlformats.org/presentationml/2006/ole">
             <mc:AlternateContent xmlns:mc="http://schemas.openxmlformats.org/markup-compatibility/2006">
               <mc:Choice xmlns:v="urn:schemas-microsoft-com:vml" Requires="v">
-                <p:oleObj spid="_x0000_s11276" name="Visio" r:id="rId4" imgW="9044738" imgH="6169084" progId="Visio.Drawing.11">
+                <p:oleObj spid="_x0000_s11278" name="Visio" r:id="rId4" imgW="9044738" imgH="6169084" progId="Visio.Drawing.11">
                   <p:embed/>
                 </p:oleObj>
               </mc:Choice>
@@ -10234,7 +10225,7 @@
           <a:graphicData uri="http://schemas.openxmlformats.org/presentationml/2006/ole">
             <mc:AlternateContent xmlns:mc="http://schemas.openxmlformats.org/markup-compatibility/2006">
               <mc:Choice xmlns:v="urn:schemas-microsoft-com:vml" Requires="v">
-                <p:oleObj spid="_x0000_s12297" name="Visio" r:id="rId3" imgW="9044738" imgH="6169084" progId="Visio.Drawing.11">
+                <p:oleObj spid="_x0000_s12299" name="Visio" r:id="rId3" imgW="9044738" imgH="6169084" progId="Visio.Drawing.11">
                   <p:embed/>
                 </p:oleObj>
               </mc:Choice>
@@ -10754,14 +10745,12 @@
               <a:rPr lang="en-US" sz="2800" dirty="0" smtClean="0"/>
               <a:t>Example 2 – Hyperlink interrupt</a:t>
             </a:r>
-            <a:endParaRPr lang="en-US" sz="2800" dirty="0" smtClean="0"/>
           </a:p>
           <a:p>
             <a:r>
               <a:rPr lang="en-US" sz="2800" dirty="0" smtClean="0"/>
               <a:t>ARM interrupt scheme</a:t>
             </a:r>
-            <a:endParaRPr lang="en-US" sz="2800" dirty="0" smtClean="0"/>
           </a:p>
         </p:txBody>
       </p:sp>
@@ -10845,20 +10834,12 @@
               <a:rPr lang="en-US" sz="3600" dirty="0" smtClean="0"/>
               <a:t>Example 1 – </a:t>
             </a:r>
-            <a:r>
-              <a:rPr lang="en-US" sz="3600" dirty="0" smtClean="0"/>
-              <a:t/>
-            </a:r>
             <a:br>
               <a:rPr lang="en-US" sz="3600" dirty="0" smtClean="0"/>
             </a:br>
             <a:r>
               <a:rPr lang="en-US" sz="3600" dirty="0" smtClean="0"/>
-              <a:t>connected ISR to </a:t>
-            </a:r>
-            <a:r>
-              <a:rPr lang="en-US" sz="3600" dirty="0" smtClean="0"/>
-              <a:t>SPIXEVT</a:t>
+              <a:t>connected ISR to SPIXEVT</a:t>
             </a:r>
             <a:endParaRPr lang="en-US" sz="3600" dirty="0"/>
           </a:p>
@@ -11025,14 +11006,12 @@
               <a:rPr lang="en-US" sz="2800" dirty="0" smtClean="0"/>
               <a:t>Example 2 – Hyperlink interrupt</a:t>
             </a:r>
-            <a:endParaRPr lang="en-US" sz="2800" dirty="0" smtClean="0"/>
           </a:p>
           <a:p>
             <a:r>
               <a:rPr lang="en-US" sz="2800" dirty="0" smtClean="0"/>
               <a:t>ARM interrupt scheme</a:t>
             </a:r>
-            <a:endParaRPr lang="en-US" sz="2800" dirty="0" smtClean="0"/>
           </a:p>
         </p:txBody>
       </p:sp>
@@ -11734,7 +11713,7 @@
           <a:graphicData uri="http://schemas.openxmlformats.org/presentationml/2006/ole">
             <mc:AlternateContent xmlns:mc="http://schemas.openxmlformats.org/markup-compatibility/2006">
               <mc:Choice xmlns:v="urn:schemas-microsoft-com:vml" Requires="v">
-                <p:oleObj spid="_x0000_s3094" name="Visio" r:id="rId3" imgW="8397082" imgH="6796932" progId="Visio.Drawing.11">
+                <p:oleObj spid="_x0000_s3096" name="Visio" r:id="rId3" imgW="8397082" imgH="6796932" progId="Visio.Drawing.11">
                   <p:embed/>
                 </p:oleObj>
               </mc:Choice>
@@ -12155,14 +12134,12 @@
               <a:rPr lang="en-US" sz="2800" b="1" dirty="0" smtClean="0"/>
               <a:t>Example 2 – Hyperlink interrupt</a:t>
             </a:r>
-            <a:endParaRPr lang="en-US" sz="2800" b="1" dirty="0" smtClean="0"/>
           </a:p>
           <a:p>
             <a:r>
               <a:rPr lang="en-US" sz="2800" dirty="0" smtClean="0"/>
               <a:t>ARM interrupt scheme</a:t>
             </a:r>
-            <a:endParaRPr lang="en-US" sz="2800" dirty="0" smtClean="0"/>
           </a:p>
         </p:txBody>
       </p:sp>
@@ -12245,10 +12222,6 @@
             <a:r>
               <a:rPr lang="en-US" sz="3600" dirty="0" smtClean="0"/>
               <a:t> Examples 2 </a:t>
-            </a:r>
-            <a:r>
-              <a:rPr lang="en-US" sz="3600" dirty="0" smtClean="0"/>
-              <a:t/>
             </a:r>
             <a:br>
               <a:rPr lang="en-US" sz="3600" dirty="0" smtClean="0"/>
@@ -12826,7 +12799,7 @@
           <a:graphicData uri="http://schemas.openxmlformats.org/presentationml/2006/ole">
             <mc:AlternateContent xmlns:mc="http://schemas.openxmlformats.org/markup-compatibility/2006">
               <mc:Choice xmlns:v="urn:schemas-microsoft-com:vml" Requires="v">
-                <p:oleObj spid="_x0000_s1048" name="Visio" r:id="rId3" imgW="8181318" imgH="5750031" progId="Visio.Drawing.11">
+                <p:oleObj spid="_x0000_s1050" name="Visio" r:id="rId3" imgW="8181318" imgH="5750031" progId="Visio.Drawing.11">
                   <p:embed/>
                 </p:oleObj>
               </mc:Choice>
@@ -13143,13 +13116,44 @@
             <a:pPr lvl="1"/>
             <a:r>
               <a:rPr lang="en-US" sz="2400" dirty="0" smtClean="0"/>
-              <a:t>You got the point</a:t>
-            </a:r>
-          </a:p>
-          <a:p>
-            <a:r>
-              <a:rPr lang="en-US" sz="2800" dirty="0" smtClean="0"/>
-              <a:t>CIC0 should map input event 111 to output event 64 (or 74, or 84 or … depends on what core is used)</a:t>
+              <a:t>You got the </a:t>
+            </a:r>
+            <a:r>
+              <a:rPr lang="en-US" sz="2400" dirty="0" smtClean="0"/>
+              <a:t>point</a:t>
+            </a:r>
+          </a:p>
+          <a:p>
+            <a:pPr marL="227013" lvl="1" indent="-227013">
+              <a:spcBef>
+                <a:spcPts val="800"/>
+              </a:spcBef>
+              <a:buFontTx/>
+              <a:buChar char="•"/>
+            </a:pPr>
+            <a:r>
+              <a:rPr lang="en-US" sz="3000" dirty="0"/>
+              <a:t>T</a:t>
+            </a:r>
+            <a:r>
+              <a:rPr lang="en-US" sz="3000" dirty="0" smtClean="0"/>
+              <a:t>he </a:t>
+            </a:r>
+            <a:r>
+              <a:rPr lang="en-US" sz="3000" dirty="0"/>
+              <a:t>code from the previous slide </a:t>
+            </a:r>
+            <a:r>
+              <a:rPr lang="en-US" sz="3000" dirty="0" smtClean="0"/>
+              <a:t>will map </a:t>
+            </a:r>
+            <a:r>
+              <a:rPr lang="en-US" sz="3000" dirty="0" smtClean="0"/>
+              <a:t>CIC0 input </a:t>
+            </a:r>
+            <a:r>
+              <a:rPr lang="en-US" sz="3000" dirty="0" smtClean="0"/>
+              <a:t>event 111 to output event 64 (or 74, or 84 or … depends on what core is used)</a:t>
             </a:r>
           </a:p>
         </p:txBody>
@@ -13274,14 +13278,12 @@
               <a:rPr lang="en-US" sz="2800" dirty="0" smtClean="0"/>
               <a:t>Example 2 – Hyperlink interrupt</a:t>
             </a:r>
-            <a:endParaRPr lang="en-US" sz="2800" dirty="0" smtClean="0"/>
           </a:p>
           <a:p>
             <a:r>
               <a:rPr lang="en-US" sz="2800" b="1" dirty="0" smtClean="0"/>
               <a:t>ARM interrupt scheme</a:t>
             </a:r>
-            <a:endParaRPr lang="en-US" sz="2800" b="1" dirty="0" smtClean="0"/>
           </a:p>
         </p:txBody>
       </p:sp>
@@ -14345,7 +14347,7 @@
           <a:graphicData uri="http://schemas.openxmlformats.org/presentationml/2006/ole">
             <mc:AlternateContent xmlns:mc="http://schemas.openxmlformats.org/markup-compatibility/2006">
               <mc:Choice xmlns:v="urn:schemas-microsoft-com:vml" Requires="v">
-                <p:oleObj spid="_x0000_s4114" name="Visio" r:id="rId3" imgW="6401070" imgH="4573925" progId="Visio.Drawing.11">
+                <p:oleObj spid="_x0000_s4116" name="Visio" r:id="rId3" imgW="6401070" imgH="4573925" progId="Visio.Drawing.11">
                   <p:embed/>
                 </p:oleObj>
               </mc:Choice>
@@ -14469,7 +14471,7 @@
           <a:graphicData uri="http://schemas.openxmlformats.org/presentationml/2006/ole">
             <mc:AlternateContent xmlns:mc="http://schemas.openxmlformats.org/markup-compatibility/2006">
               <mc:Choice xmlns:v="urn:schemas-microsoft-com:vml" Requires="v">
-                <p:oleObj spid="_x0000_s5138" name="Visio" r:id="rId3" imgW="6401070" imgH="4764674" progId="Visio.Drawing.11">
+                <p:oleObj spid="_x0000_s5140" name="Visio" r:id="rId3" imgW="6401070" imgH="4764674" progId="Visio.Drawing.11">
                   <p:embed/>
                 </p:oleObj>
               </mc:Choice>
@@ -14567,36 +14569,6 @@
               <a:buAutoNum type="arabicPeriod"/>
             </a:pPr>
             <a:endParaRPr lang="en-US" sz="1400" dirty="0"/>
-          </a:p>
-        </p:txBody>
-      </p:sp>
-      <p:sp>
-        <p:nvSpPr>
-          <p:cNvPr id="6" name="TextBox 5"/>
-          <p:cNvSpPr txBox="1"/>
-          <p:nvPr/>
-        </p:nvSpPr>
-        <p:spPr>
-          <a:xfrm>
-            <a:off x="1171575" y="6019800"/>
-            <a:ext cx="6853158" cy="369332"/>
-          </a:xfrm>
-          <a:prstGeom prst="rect">
-            <a:avLst/>
-          </a:prstGeom>
-          <a:noFill/>
-        </p:spPr>
-        <p:txBody>
-          <a:bodyPr wrap="none" rtlCol="0">
-            <a:spAutoFit/>
-          </a:bodyPr>
-          <a:lstStyle/>
-          <a:p>
-            <a:r>
-              <a:rPr lang="en-US" dirty="0" smtClean="0"/>
-              <a:t>List of Primary event – table 6-22 in 66AK2H14/12/06 Data Sheet</a:t>
-            </a:r>
-            <a:endParaRPr lang="en-US" dirty="0"/>
           </a:p>
         </p:txBody>
       </p:sp>
@@ -14645,55 +14617,6 @@
                                         </p:cTn>
                                         <p:tgtEl>
                                           <p:spTgt spid="5"/>
-                                        </p:tgtEl>
-                                        <p:attrNameLst>
-                                          <p:attrName>style.visibility</p:attrName>
-                                        </p:attrNameLst>
-                                      </p:cBhvr>
-                                      <p:to>
-                                        <p:strVal val="visible"/>
-                                      </p:to>
-                                    </p:set>
-                                  </p:childTnLst>
-                                </p:cTn>
-                              </p:par>
-                            </p:childTnLst>
-                          </p:cTn>
-                        </p:par>
-                      </p:childTnLst>
-                    </p:cTn>
-                  </p:par>
-                  <p:par>
-                    <p:cTn id="7" fill="hold">
-                      <p:stCondLst>
-                        <p:cond delay="indefinite"/>
-                      </p:stCondLst>
-                      <p:childTnLst>
-                        <p:par>
-                          <p:cTn id="8" fill="hold">
-                            <p:stCondLst>
-                              <p:cond delay="0"/>
-                            </p:stCondLst>
-                            <p:childTnLst>
-                              <p:par>
-                                <p:cTn id="9" presetID="1" presetClass="entr" presetSubtype="0" fill="hold" nodeType="clickEffect">
-                                  <p:stCondLst>
-                                    <p:cond delay="0"/>
-                                  </p:stCondLst>
-                                  <p:childTnLst>
-                                    <p:set>
-                                      <p:cBhvr>
-                                        <p:cTn id="10" dur="1" fill="hold">
-                                          <p:stCondLst>
-                                            <p:cond delay="0"/>
-                                          </p:stCondLst>
-                                        </p:cTn>
-                                        <p:tgtEl>
-                                          <p:spTgt spid="6">
-                                            <p:txEl>
-                                              <p:pRg st="0" end="0"/>
-                                            </p:txEl>
-                                          </p:spTgt>
                                         </p:tgtEl>
                                         <p:attrNameLst>
                                           <p:attrName>style.visibility</p:attrName>

--- a/slides/KeyStone_Interrupts.pptx
+++ b/slides/KeyStone_Interrupts.pptx
@@ -389,7 +389,7 @@
     </p:spTree>
     <p:extLst>
       <p:ext uri="{BB962C8B-B14F-4D97-AF65-F5344CB8AC3E}">
-        <p14:creationId xmlns:p14="http://schemas.microsoft.com/office/powerpoint/2010/main" val="4170102886"/>
+        <p14:creationId xmlns:p14="http://schemas.microsoft.com/office/powerpoint/2010/main" xmlns="" val="4170102886"/>
       </p:ext>
     </p:extLst>
   </p:cSld>
@@ -702,7 +702,7 @@
     </p:spTree>
     <p:extLst>
       <p:ext uri="{BB962C8B-B14F-4D97-AF65-F5344CB8AC3E}">
-        <p14:creationId xmlns:p14="http://schemas.microsoft.com/office/powerpoint/2010/main" val="419590164"/>
+        <p14:creationId xmlns:p14="http://schemas.microsoft.com/office/powerpoint/2010/main" xmlns="" val="419590164"/>
       </p:ext>
     </p:extLst>
   </p:cSld>
@@ -6096,7 +6096,7 @@
     </p:spTree>
     <p:extLst>
       <p:ext uri="{BB962C8B-B14F-4D97-AF65-F5344CB8AC3E}">
-        <p14:creationId xmlns:p14="http://schemas.microsoft.com/office/powerpoint/2010/main" val="1238034943"/>
+        <p14:creationId xmlns:p14="http://schemas.microsoft.com/office/powerpoint/2010/main" xmlns="" val="1238034943"/>
       </p:ext>
     </p:extLst>
   </p:cSld>
@@ -7401,7 +7401,7 @@
     </p:spTree>
     <p:extLst>
       <p:ext uri="{BB962C8B-B14F-4D97-AF65-F5344CB8AC3E}">
-        <p14:creationId xmlns:p14="http://schemas.microsoft.com/office/powerpoint/2010/main" val="3024861948"/>
+        <p14:creationId xmlns:p14="http://schemas.microsoft.com/office/powerpoint/2010/main" xmlns="" val="3024861948"/>
       </p:ext>
     </p:extLst>
   </p:cSld>
@@ -7857,7 +7857,7 @@
     </p:spTree>
     <p:extLst>
       <p:ext uri="{BB962C8B-B14F-4D97-AF65-F5344CB8AC3E}">
-        <p14:creationId xmlns:p14="http://schemas.microsoft.com/office/powerpoint/2010/main" val="3372862444"/>
+        <p14:creationId xmlns:p14="http://schemas.microsoft.com/office/powerpoint/2010/main" xmlns="" val="3372862444"/>
       </p:ext>
     </p:extLst>
   </p:cSld>
@@ -10935,7 +10935,7 @@
     </p:spTree>
     <p:extLst>
       <p:ext uri="{BB962C8B-B14F-4D97-AF65-F5344CB8AC3E}">
-        <p14:creationId xmlns:p14="http://schemas.microsoft.com/office/powerpoint/2010/main" val="3702699423"/>
+        <p14:creationId xmlns:p14="http://schemas.microsoft.com/office/powerpoint/2010/main" xmlns="" val="3702699423"/>
       </p:ext>
     </p:extLst>
   </p:cSld>
@@ -11008,7 +11008,7 @@
           <p:nvPr>
             <p:extLst>
               <p:ext uri="{D42A27DB-BD31-4B8C-83A1-F6EECF244321}">
-                <p14:modId xmlns:p14="http://schemas.microsoft.com/office/powerpoint/2010/main" val="692874209"/>
+                <p14:modId xmlns:p14="http://schemas.microsoft.com/office/powerpoint/2010/main" xmlns="" val="692874209"/>
               </p:ext>
             </p:extLst>
           </p:nvPr>
@@ -11019,66 +11019,16 @@
         </p:xfrm>
         <a:graphic>
           <a:graphicData uri="http://schemas.openxmlformats.org/presentationml/2006/ole">
-            <mc:AlternateContent xmlns:mc="http://schemas.openxmlformats.org/markup-compatibility/2006">
-              <mc:Choice xmlns:v="urn:schemas-microsoft-com:vml" Requires="v">
-                <p:oleObj spid="_x0000_s10256" name="Visio" r:id="rId3" imgW="9044861" imgH="6169228" progId="Visio.Drawing.11">
-                  <p:embed/>
-                </p:oleObj>
-              </mc:Choice>
-              <mc:Fallback>
-                <p:oleObj name="Visio" r:id="rId3" imgW="9044861" imgH="6169228" progId="Visio.Drawing.11">
-                  <p:embed/>
-                  <p:pic>
-                    <p:nvPicPr>
-                      <p:cNvPr id="0" name="Picture 15"/>
-                      <p:cNvPicPr>
-                        <a:picLocks noChangeAspect="1" noChangeArrowheads="1"/>
-                      </p:cNvPicPr>
-                      <p:nvPr/>
-                    </p:nvPicPr>
-                    <p:blipFill>
-                      <a:blip r:embed="rId4">
-                        <a:extLst>
-                          <a:ext uri="{28A0092B-C50C-407E-A947-70E740481C1C}">
-                            <a14:useLocalDpi xmlns:a14="http://schemas.microsoft.com/office/drawing/2010/main" val="0"/>
-                          </a:ext>
-                        </a:extLst>
-                      </a:blip>
-                      <a:srcRect/>
-                      <a:stretch>
-                        <a:fillRect/>
-                      </a:stretch>
-                    </p:blipFill>
-                    <p:spPr bwMode="auto">
-                      <a:xfrm>
-                        <a:off x="710239" y="857250"/>
-                        <a:ext cx="7803524" cy="5322888"/>
-                      </a:xfrm>
-                      <a:prstGeom prst="rect">
-                        <a:avLst/>
-                      </a:prstGeom>
-                      <a:noFill/>
-                      <a:extLst>
-                        <a:ext uri="{909E8E84-426E-40DD-AFC4-6F175D3DCCD1}">
-                          <a14:hiddenFill xmlns:a14="http://schemas.microsoft.com/office/drawing/2010/main">
-                            <a:solidFill>
-                              <a:srgbClr val="FFFFFF"/>
-                            </a:solidFill>
-                          </a14:hiddenFill>
-                        </a:ext>
-                      </a:extLst>
-                    </p:spPr>
-                  </p:pic>
-                </p:oleObj>
-              </mc:Fallback>
-            </mc:AlternateContent>
+            <p:oleObj spid="_x0000_s10256" name="Visio" r:id="rId3" imgW="9044861" imgH="6169228" progId="Visio.Drawing.11">
+              <p:embed/>
+            </p:oleObj>
           </a:graphicData>
         </a:graphic>
       </p:graphicFrame>
     </p:spTree>
     <p:extLst>
       <p:ext uri="{BB962C8B-B14F-4D97-AF65-F5344CB8AC3E}">
-        <p14:creationId xmlns:p14="http://schemas.microsoft.com/office/powerpoint/2010/main" val="3288149165"/>
+        <p14:creationId xmlns:p14="http://schemas.microsoft.com/office/powerpoint/2010/main" xmlns="" val="3288149165"/>
       </p:ext>
     </p:extLst>
   </p:cSld>
@@ -11365,59 +11315,9 @@
         </p:xfrm>
         <a:graphic>
           <a:graphicData uri="http://schemas.openxmlformats.org/presentationml/2006/ole">
-            <mc:AlternateContent xmlns:mc="http://schemas.openxmlformats.org/markup-compatibility/2006">
-              <mc:Choice xmlns:v="urn:schemas-microsoft-com:vml" Requires="v">
-                <p:oleObj spid="_x0000_s11280" name="Visio" r:id="rId4" imgW="9044861" imgH="6169228" progId="Visio.Drawing.11">
-                  <p:embed/>
-                </p:oleObj>
-              </mc:Choice>
-              <mc:Fallback>
-                <p:oleObj name="Visio" r:id="rId4" imgW="9044861" imgH="6169228" progId="Visio.Drawing.11">
-                  <p:embed/>
-                  <p:pic>
-                    <p:nvPicPr>
-                      <p:cNvPr id="0" name="Picture 15"/>
-                      <p:cNvPicPr>
-                        <a:picLocks noChangeAspect="1" noChangeArrowheads="1"/>
-                      </p:cNvPicPr>
-                      <p:nvPr/>
-                    </p:nvPicPr>
-                    <p:blipFill>
-                      <a:blip r:embed="rId5">
-                        <a:extLst>
-                          <a:ext uri="{28A0092B-C50C-407E-A947-70E740481C1C}">
-                            <a14:useLocalDpi xmlns:a14="http://schemas.microsoft.com/office/drawing/2010/main" val="0"/>
-                          </a:ext>
-                        </a:extLst>
-                      </a:blip>
-                      <a:srcRect/>
-                      <a:stretch>
-                        <a:fillRect/>
-                      </a:stretch>
-                    </p:blipFill>
-                    <p:spPr bwMode="auto">
-                      <a:xfrm>
-                        <a:off x="5866790" y="3014082"/>
-                        <a:ext cx="3277209" cy="2236401"/>
-                      </a:xfrm>
-                      <a:prstGeom prst="rect">
-                        <a:avLst/>
-                      </a:prstGeom>
-                      <a:noFill/>
-                      <a:extLst>
-                        <a:ext uri="{909E8E84-426E-40DD-AFC4-6F175D3DCCD1}">
-                          <a14:hiddenFill xmlns:a14="http://schemas.microsoft.com/office/drawing/2010/main">
-                            <a:solidFill>
-                              <a:srgbClr val="FFFFFF"/>
-                            </a:solidFill>
-                          </a14:hiddenFill>
-                        </a:ext>
-                      </a:extLst>
-                    </p:spPr>
-                  </p:pic>
-                </p:oleObj>
-              </mc:Fallback>
-            </mc:AlternateContent>
+            <p:oleObj spid="_x0000_s11280" name="Visio" r:id="rId4" imgW="9044861" imgH="6169228" progId="Visio.Drawing.11">
+              <p:embed/>
+            </p:oleObj>
           </a:graphicData>
         </a:graphic>
       </p:graphicFrame>
@@ -11641,66 +11541,16 @@
         </p:xfrm>
         <a:graphic>
           <a:graphicData uri="http://schemas.openxmlformats.org/presentationml/2006/ole">
-            <mc:AlternateContent xmlns:mc="http://schemas.openxmlformats.org/markup-compatibility/2006">
-              <mc:Choice xmlns:v="urn:schemas-microsoft-com:vml" Requires="v">
-                <p:oleObj spid="_x0000_s12301" name="Visio" r:id="rId3" imgW="9044861" imgH="6169228" progId="Visio.Drawing.11">
-                  <p:embed/>
-                </p:oleObj>
-              </mc:Choice>
-              <mc:Fallback>
-                <p:oleObj name="Visio" r:id="rId3" imgW="9044861" imgH="6169228" progId="Visio.Drawing.11">
-                  <p:embed/>
-                  <p:pic>
-                    <p:nvPicPr>
-                      <p:cNvPr id="0" name="Picture 12"/>
-                      <p:cNvPicPr>
-                        <a:picLocks noChangeAspect="1" noChangeArrowheads="1"/>
-                      </p:cNvPicPr>
-                      <p:nvPr/>
-                    </p:nvPicPr>
-                    <p:blipFill>
-                      <a:blip r:embed="rId4">
-                        <a:extLst>
-                          <a:ext uri="{28A0092B-C50C-407E-A947-70E740481C1C}">
-                            <a14:useLocalDpi xmlns:a14="http://schemas.microsoft.com/office/drawing/2010/main" val="0"/>
-                          </a:ext>
-                        </a:extLst>
-                      </a:blip>
-                      <a:srcRect/>
-                      <a:stretch>
-                        <a:fillRect/>
-                      </a:stretch>
-                    </p:blipFill>
-                    <p:spPr bwMode="auto">
-                      <a:xfrm>
-                        <a:off x="698500" y="1465360"/>
-                        <a:ext cx="7797800" cy="5321300"/>
-                      </a:xfrm>
-                      <a:prstGeom prst="rect">
-                        <a:avLst/>
-                      </a:prstGeom>
-                      <a:noFill/>
-                      <a:extLst>
-                        <a:ext uri="{909E8E84-426E-40DD-AFC4-6F175D3DCCD1}">
-                          <a14:hiddenFill xmlns:a14="http://schemas.microsoft.com/office/drawing/2010/main">
-                            <a:solidFill>
-                              <a:srgbClr val="FFFFFF"/>
-                            </a:solidFill>
-                          </a14:hiddenFill>
-                        </a:ext>
-                      </a:extLst>
-                    </p:spPr>
-                  </p:pic>
-                </p:oleObj>
-              </mc:Fallback>
-            </mc:AlternateContent>
+            <p:oleObj spid="_x0000_s12301" name="Visio" r:id="rId3" imgW="9044861" imgH="6169228" progId="Visio.Drawing.11">
+              <p:embed/>
+            </p:oleObj>
           </a:graphicData>
         </a:graphic>
       </p:graphicFrame>
     </p:spTree>
     <p:extLst>
       <p:ext uri="{BB962C8B-B14F-4D97-AF65-F5344CB8AC3E}">
-        <p14:creationId xmlns:p14="http://schemas.microsoft.com/office/powerpoint/2010/main" val="3701767742"/>
+        <p14:creationId xmlns:p14="http://schemas.microsoft.com/office/powerpoint/2010/main" xmlns="" val="3701767742"/>
       </p:ext>
     </p:extLst>
   </p:cSld>
@@ -11871,7 +11721,7 @@
     </p:spTree>
     <p:extLst>
       <p:ext uri="{BB962C8B-B14F-4D97-AF65-F5344CB8AC3E}">
-        <p14:creationId xmlns:p14="http://schemas.microsoft.com/office/powerpoint/2010/main" val="2577305559"/>
+        <p14:creationId xmlns:p14="http://schemas.microsoft.com/office/powerpoint/2010/main" xmlns="" val="2577305559"/>
       </p:ext>
     </p:extLst>
   </p:cSld>
@@ -12102,7 +11952,7 @@
     </p:spTree>
     <p:extLst>
       <p:ext uri="{BB962C8B-B14F-4D97-AF65-F5344CB8AC3E}">
-        <p14:creationId xmlns:p14="http://schemas.microsoft.com/office/powerpoint/2010/main" val="1259010899"/>
+        <p14:creationId xmlns:p14="http://schemas.microsoft.com/office/powerpoint/2010/main" xmlns="" val="1259010899"/>
       </p:ext>
     </p:extLst>
   </p:cSld>
@@ -12636,7 +12486,7 @@
     </p:spTree>
     <p:extLst>
       <p:ext uri="{BB962C8B-B14F-4D97-AF65-F5344CB8AC3E}">
-        <p14:creationId xmlns:p14="http://schemas.microsoft.com/office/powerpoint/2010/main" val="140882993"/>
+        <p14:creationId xmlns:p14="http://schemas.microsoft.com/office/powerpoint/2010/main" xmlns="" val="140882993"/>
       </p:ext>
     </p:extLst>
   </p:cSld>
@@ -12808,7 +12658,7 @@
     </p:spTree>
     <p:extLst>
       <p:ext uri="{BB962C8B-B14F-4D97-AF65-F5344CB8AC3E}">
-        <p14:creationId xmlns:p14="http://schemas.microsoft.com/office/powerpoint/2010/main" val="1368754799"/>
+        <p14:creationId xmlns:p14="http://schemas.microsoft.com/office/powerpoint/2010/main" xmlns="" val="1368754799"/>
       </p:ext>
     </p:extLst>
   </p:cSld>
@@ -13020,7 +12870,7 @@
     </p:spTree>
     <p:extLst>
       <p:ext uri="{BB962C8B-B14F-4D97-AF65-F5344CB8AC3E}">
-        <p14:creationId xmlns:p14="http://schemas.microsoft.com/office/powerpoint/2010/main" val="1980341018"/>
+        <p14:creationId xmlns:p14="http://schemas.microsoft.com/office/powerpoint/2010/main" xmlns="" val="1980341018"/>
       </p:ext>
     </p:extLst>
   </p:cSld>
@@ -13103,7 +12953,35 @@
           <a:p>
             <a:r>
               <a:rPr lang="en-US" sz="2800" dirty="0" smtClean="0"/>
-              <a:t>They are other events from the interrupt controller that could be considered (Both broadcast and single core)</a:t>
+              <a:t>They are other events from the interrupt controller that could be considered </a:t>
+            </a:r>
+            <a:r>
+              <a:rPr lang="en-US" sz="2800" smtClean="0"/>
+              <a:t>(</a:t>
+            </a:r>
+            <a:r>
+              <a:rPr lang="en-US" sz="2800" smtClean="0"/>
+              <a:t>either</a:t>
+            </a:r>
+            <a:r>
+              <a:rPr lang="en-US" sz="2800" smtClean="0"/>
+              <a:t> </a:t>
+            </a:r>
+            <a:r>
+              <a:rPr lang="en-US" sz="2800" smtClean="0"/>
+              <a:t>broadcast </a:t>
+            </a:r>
+            <a:r>
+              <a:rPr lang="en-US" sz="2800" smtClean="0"/>
+              <a:t>or</a:t>
+            </a:r>
+            <a:r>
+              <a:rPr lang="en-US" sz="2800" smtClean="0"/>
+              <a:t> </a:t>
+            </a:r>
+            <a:r>
+              <a:rPr lang="en-US" sz="2800" dirty="0" smtClean="0"/>
+              <a:t>single core)</a:t>
             </a:r>
           </a:p>
           <a:p>
@@ -13141,7 +13019,7 @@
     </p:spTree>
     <p:extLst>
       <p:ext uri="{BB962C8B-B14F-4D97-AF65-F5344CB8AC3E}">
-        <p14:creationId xmlns:p14="http://schemas.microsoft.com/office/powerpoint/2010/main" val="826013894"/>
+        <p14:creationId xmlns:p14="http://schemas.microsoft.com/office/powerpoint/2010/main" xmlns="" val="826013894"/>
       </p:ext>
     </p:extLst>
   </p:cSld>
@@ -13219,59 +13097,9 @@
         </p:xfrm>
         <a:graphic>
           <a:graphicData uri="http://schemas.openxmlformats.org/presentationml/2006/ole">
-            <mc:AlternateContent xmlns:mc="http://schemas.openxmlformats.org/markup-compatibility/2006">
-              <mc:Choice xmlns:v="urn:schemas-microsoft-com:vml" Requires="v">
-                <p:oleObj spid="_x0000_s3097" name="Visio" r:id="rId3" imgW="8397082" imgH="6796932" progId="Visio.Drawing.11">
-                  <p:embed/>
-                </p:oleObj>
-              </mc:Choice>
-              <mc:Fallback>
-                <p:oleObj name="Visio" r:id="rId3" imgW="8397082" imgH="6796932" progId="Visio.Drawing.11">
-                  <p:embed/>
-                  <p:pic>
-                    <p:nvPicPr>
-                      <p:cNvPr id="0" name="Picture 24"/>
-                      <p:cNvPicPr>
-                        <a:picLocks noChangeAspect="1" noChangeArrowheads="1"/>
-                      </p:cNvPicPr>
-                      <p:nvPr/>
-                    </p:nvPicPr>
-                    <p:blipFill>
-                      <a:blip r:embed="rId4">
-                        <a:extLst>
-                          <a:ext uri="{28A0092B-C50C-407E-A947-70E740481C1C}">
-                            <a14:useLocalDpi xmlns:a14="http://schemas.microsoft.com/office/drawing/2010/main" val="0"/>
-                          </a:ext>
-                        </a:extLst>
-                      </a:blip>
-                      <a:srcRect/>
-                      <a:stretch>
-                        <a:fillRect/>
-                      </a:stretch>
-                    </p:blipFill>
-                    <p:spPr bwMode="auto">
-                      <a:xfrm>
-                        <a:off x="1021568" y="993866"/>
-                        <a:ext cx="6477000" cy="5242820"/>
-                      </a:xfrm>
-                      <a:prstGeom prst="rect">
-                        <a:avLst/>
-                      </a:prstGeom>
-                      <a:noFill/>
-                      <a:extLst>
-                        <a:ext uri="{909E8E84-426E-40DD-AFC4-6F175D3DCCD1}">
-                          <a14:hiddenFill xmlns:a14="http://schemas.microsoft.com/office/drawing/2010/main">
-                            <a:solidFill>
-                              <a:srgbClr val="FFFFFF"/>
-                            </a:solidFill>
-                          </a14:hiddenFill>
-                        </a:ext>
-                      </a:extLst>
-                    </p:spPr>
-                  </p:pic>
-                </p:oleObj>
-              </mc:Fallback>
-            </mc:AlternateContent>
+            <p:oleObj spid="_x0000_s3097" name="Visio" r:id="rId3" imgW="8397082" imgH="6796932" progId="Visio.Drawing.11">
+              <p:embed/>
+            </p:oleObj>
           </a:graphicData>
         </a:graphic>
       </p:graphicFrame>
@@ -13446,7 +13274,7 @@
           <a:blip r:embed="rId2" cstate="print">
             <a:extLst>
               <a:ext uri="{28A0092B-C50C-407E-A947-70E740481C1C}">
-                <a14:useLocalDpi xmlns:a14="http://schemas.microsoft.com/office/drawing/2010/main" val="0"/>
+                <a14:useLocalDpi xmlns:a14="http://schemas.microsoft.com/office/drawing/2010/main" xmlns="" val="0"/>
               </a:ext>
             </a:extLst>
           </a:blip>
@@ -13470,14 +13298,14 @@
           <a:effectLst/>
           <a:extLst>
             <a:ext uri="{909E8E84-426E-40DD-AFC4-6F175D3DCCD1}">
-              <a14:hiddenFill xmlns:a14="http://schemas.microsoft.com/office/drawing/2010/main">
+              <a14:hiddenFill xmlns:a14="http://schemas.microsoft.com/office/drawing/2010/main" xmlns="">
                 <a:solidFill>
                   <a:schemeClr val="accent1"/>
                 </a:solidFill>
               </a14:hiddenFill>
             </a:ext>
             <a:ext uri="{91240B29-F687-4F45-9708-019B960494DF}">
-              <a14:hiddenLine xmlns:a14="http://schemas.microsoft.com/office/drawing/2010/main" w="9525">
+              <a14:hiddenLine xmlns:a14="http://schemas.microsoft.com/office/drawing/2010/main" xmlns="" w="9525">
                 <a:solidFill>
                   <a:schemeClr val="tx1"/>
                 </a:solidFill>
@@ -13487,7 +13315,7 @@
               </a14:hiddenLine>
             </a:ext>
             <a:ext uri="{AF507438-7753-43E0-B8FC-AC1667EBCBE1}">
-              <a14:hiddenEffects xmlns:a14="http://schemas.microsoft.com/office/drawing/2010/main">
+              <a14:hiddenEffects xmlns:a14="http://schemas.microsoft.com/office/drawing/2010/main" xmlns="">
                 <a:effectLst>
                   <a:outerShdw dist="35921" dir="2700000" algn="ctr" rotWithShape="0">
                     <a:schemeClr val="bg2"/>
@@ -15900,7 +15728,7 @@
     </p:spTree>
     <p:extLst>
       <p:ext uri="{BB962C8B-B14F-4D97-AF65-F5344CB8AC3E}">
-        <p14:creationId xmlns:p14="http://schemas.microsoft.com/office/powerpoint/2010/main" val="3949338954"/>
+        <p14:creationId xmlns:p14="http://schemas.microsoft.com/office/powerpoint/2010/main" xmlns="" val="3949338954"/>
       </p:ext>
     </p:extLst>
   </p:cSld>
@@ -16115,7 +15943,7 @@
           <p:nvPr>
             <p:extLst>
               <p:ext uri="{D42A27DB-BD31-4B8C-83A1-F6EECF244321}">
-                <p14:modId xmlns:p14="http://schemas.microsoft.com/office/powerpoint/2010/main" val="4242956769"/>
+                <p14:modId xmlns:p14="http://schemas.microsoft.com/office/powerpoint/2010/main" xmlns="" val="4242956769"/>
               </p:ext>
             </p:extLst>
           </p:nvPr>
@@ -16126,66 +15954,16 @@
         </p:xfrm>
         <a:graphic>
           <a:graphicData uri="http://schemas.openxmlformats.org/presentationml/2006/ole">
-            <mc:AlternateContent xmlns:mc="http://schemas.openxmlformats.org/markup-compatibility/2006">
-              <mc:Choice xmlns:v="urn:schemas-microsoft-com:vml" Requires="v">
-                <p:oleObj spid="_x0000_s45059" name="Visio" r:id="rId3" imgW="6401070" imgH="4764662" progId="Visio.Drawing.11">
-                  <p:embed/>
-                </p:oleObj>
-              </mc:Choice>
-              <mc:Fallback>
-                <p:oleObj name="Visio" r:id="rId3" imgW="6401070" imgH="4764662" progId="Visio.Drawing.11">
-                  <p:embed/>
-                  <p:pic>
-                    <p:nvPicPr>
-                      <p:cNvPr id="0" name="Picture 2"/>
-                      <p:cNvPicPr>
-                        <a:picLocks noChangeAspect="1" noChangeArrowheads="1"/>
-                      </p:cNvPicPr>
-                      <p:nvPr/>
-                    </p:nvPicPr>
-                    <p:blipFill>
-                      <a:blip r:embed="rId4">
-                        <a:extLst>
-                          <a:ext uri="{28A0092B-C50C-407E-A947-70E740481C1C}">
-                            <a14:useLocalDpi xmlns:a14="http://schemas.microsoft.com/office/drawing/2010/main" val="0"/>
-                          </a:ext>
-                        </a:extLst>
-                      </a:blip>
-                      <a:srcRect/>
-                      <a:stretch>
-                        <a:fillRect/>
-                      </a:stretch>
-                    </p:blipFill>
-                    <p:spPr bwMode="auto">
-                      <a:xfrm>
-                        <a:off x="1420885" y="1114696"/>
-                        <a:ext cx="5550325" cy="4131083"/>
-                      </a:xfrm>
-                      <a:prstGeom prst="rect">
-                        <a:avLst/>
-                      </a:prstGeom>
-                      <a:noFill/>
-                      <a:extLst>
-                        <a:ext uri="{909E8E84-426E-40DD-AFC4-6F175D3DCCD1}">
-                          <a14:hiddenFill xmlns:a14="http://schemas.microsoft.com/office/drawing/2010/main">
-                            <a:solidFill>
-                              <a:srgbClr val="FFFFFF"/>
-                            </a:solidFill>
-                          </a14:hiddenFill>
-                        </a:ext>
-                      </a:extLst>
-                    </p:spPr>
-                  </p:pic>
-                </p:oleObj>
-              </mc:Fallback>
-            </mc:AlternateContent>
+            <p:oleObj spid="_x0000_s45059" name="Visio" r:id="rId3" imgW="6401070" imgH="4764662" progId="Visio.Drawing.11">
+              <p:embed/>
+            </p:oleObj>
           </a:graphicData>
         </a:graphic>
       </p:graphicFrame>
     </p:spTree>
     <p:extLst>
       <p:ext uri="{BB962C8B-B14F-4D97-AF65-F5344CB8AC3E}">
-        <p14:creationId xmlns:p14="http://schemas.microsoft.com/office/powerpoint/2010/main" val="4229967321"/>
+        <p14:creationId xmlns:p14="http://schemas.microsoft.com/office/powerpoint/2010/main" xmlns="" val="4229967321"/>
       </p:ext>
     </p:extLst>
   </p:cSld>
@@ -16258,7 +16036,7 @@
           <p:nvPr>
             <p:extLst>
               <p:ext uri="{D42A27DB-BD31-4B8C-83A1-F6EECF244321}">
-                <p14:modId xmlns:p14="http://schemas.microsoft.com/office/powerpoint/2010/main" val="4242956769"/>
+                <p14:modId xmlns:p14="http://schemas.microsoft.com/office/powerpoint/2010/main" xmlns="" val="4242956769"/>
               </p:ext>
             </p:extLst>
           </p:nvPr>
@@ -16269,66 +16047,16 @@
         </p:xfrm>
         <a:graphic>
           <a:graphicData uri="http://schemas.openxmlformats.org/presentationml/2006/ole">
-            <mc:AlternateContent xmlns:mc="http://schemas.openxmlformats.org/markup-compatibility/2006">
-              <mc:Choice xmlns:v="urn:schemas-microsoft-com:vml" Requires="v">
-                <p:oleObj spid="_x0000_s44035" name="Visio" r:id="rId3" imgW="6401070" imgH="4764662" progId="Visio.Drawing.11">
-                  <p:embed/>
-                </p:oleObj>
-              </mc:Choice>
-              <mc:Fallback>
-                <p:oleObj name="Visio" r:id="rId3" imgW="6401070" imgH="4764662" progId="Visio.Drawing.11">
-                  <p:embed/>
-                  <p:pic>
-                    <p:nvPicPr>
-                      <p:cNvPr id="0" name="Picture 2"/>
-                      <p:cNvPicPr>
-                        <a:picLocks noChangeAspect="1" noChangeArrowheads="1"/>
-                      </p:cNvPicPr>
-                      <p:nvPr/>
-                    </p:nvPicPr>
-                    <p:blipFill>
-                      <a:blip r:embed="rId4">
-                        <a:extLst>
-                          <a:ext uri="{28A0092B-C50C-407E-A947-70E740481C1C}">
-                            <a14:useLocalDpi xmlns:a14="http://schemas.microsoft.com/office/drawing/2010/main" val="0"/>
-                          </a:ext>
-                        </a:extLst>
-                      </a:blip>
-                      <a:srcRect/>
-                      <a:stretch>
-                        <a:fillRect/>
-                      </a:stretch>
-                    </p:blipFill>
-                    <p:spPr bwMode="auto">
-                      <a:xfrm>
-                        <a:off x="1420885" y="1114696"/>
-                        <a:ext cx="5550325" cy="4131083"/>
-                      </a:xfrm>
-                      <a:prstGeom prst="rect">
-                        <a:avLst/>
-                      </a:prstGeom>
-                      <a:noFill/>
-                      <a:extLst>
-                        <a:ext uri="{909E8E84-426E-40DD-AFC4-6F175D3DCCD1}">
-                          <a14:hiddenFill xmlns:a14="http://schemas.microsoft.com/office/drawing/2010/main">
-                            <a:solidFill>
-                              <a:srgbClr val="FFFFFF"/>
-                            </a:solidFill>
-                          </a14:hiddenFill>
-                        </a:ext>
-                      </a:extLst>
-                    </p:spPr>
-                  </p:pic>
-                </p:oleObj>
-              </mc:Fallback>
-            </mc:AlternateContent>
+            <p:oleObj spid="_x0000_s44035" name="Visio" r:id="rId3" imgW="6401070" imgH="4764662" progId="Visio.Drawing.11">
+              <p:embed/>
+            </p:oleObj>
           </a:graphicData>
         </a:graphic>
       </p:graphicFrame>
     </p:spTree>
     <p:extLst>
       <p:ext uri="{BB962C8B-B14F-4D97-AF65-F5344CB8AC3E}">
-        <p14:creationId xmlns:p14="http://schemas.microsoft.com/office/powerpoint/2010/main" val="4229967321"/>
+        <p14:creationId xmlns:p14="http://schemas.microsoft.com/office/powerpoint/2010/main" xmlns="" val="4229967321"/>
       </p:ext>
     </p:extLst>
   </p:cSld>
@@ -16401,7 +16129,7 @@
           <p:nvPr>
             <p:extLst>
               <p:ext uri="{D42A27DB-BD31-4B8C-83A1-F6EECF244321}">
-                <p14:modId xmlns:p14="http://schemas.microsoft.com/office/powerpoint/2010/main" val="4242956769"/>
+                <p14:modId xmlns:p14="http://schemas.microsoft.com/office/powerpoint/2010/main" xmlns="" val="4242956769"/>
               </p:ext>
             </p:extLst>
           </p:nvPr>
@@ -16412,59 +16140,9 @@
         </p:xfrm>
         <a:graphic>
           <a:graphicData uri="http://schemas.openxmlformats.org/presentationml/2006/ole">
-            <mc:AlternateContent xmlns:mc="http://schemas.openxmlformats.org/markup-compatibility/2006">
-              <mc:Choice xmlns:v="urn:schemas-microsoft-com:vml" Requires="v">
-                <p:oleObj spid="_x0000_s5141" name="Visio" r:id="rId3" imgW="6401070" imgH="4764662" progId="Visio.Drawing.11">
-                  <p:embed/>
-                </p:oleObj>
-              </mc:Choice>
-              <mc:Fallback>
-                <p:oleObj name="Visio" r:id="rId3" imgW="6401070" imgH="4764662" progId="Visio.Drawing.11">
-                  <p:embed/>
-                  <p:pic>
-                    <p:nvPicPr>
-                      <p:cNvPr id="0" name="Picture 20"/>
-                      <p:cNvPicPr>
-                        <a:picLocks noChangeAspect="1" noChangeArrowheads="1"/>
-                      </p:cNvPicPr>
-                      <p:nvPr/>
-                    </p:nvPicPr>
-                    <p:blipFill>
-                      <a:blip r:embed="rId4">
-                        <a:extLst>
-                          <a:ext uri="{28A0092B-C50C-407E-A947-70E740481C1C}">
-                            <a14:useLocalDpi xmlns:a14="http://schemas.microsoft.com/office/drawing/2010/main" val="0"/>
-                          </a:ext>
-                        </a:extLst>
-                      </a:blip>
-                      <a:srcRect/>
-                      <a:stretch>
-                        <a:fillRect/>
-                      </a:stretch>
-                    </p:blipFill>
-                    <p:spPr bwMode="auto">
-                      <a:xfrm>
-                        <a:off x="1420885" y="1114696"/>
-                        <a:ext cx="5550325" cy="4131083"/>
-                      </a:xfrm>
-                      <a:prstGeom prst="rect">
-                        <a:avLst/>
-                      </a:prstGeom>
-                      <a:noFill/>
-                      <a:extLst>
-                        <a:ext uri="{909E8E84-426E-40DD-AFC4-6F175D3DCCD1}">
-                          <a14:hiddenFill xmlns:a14="http://schemas.microsoft.com/office/drawing/2010/main">
-                            <a:solidFill>
-                              <a:srgbClr val="FFFFFF"/>
-                            </a:solidFill>
-                          </a14:hiddenFill>
-                        </a:ext>
-                      </a:extLst>
-                    </p:spPr>
-                  </p:pic>
-                </p:oleObj>
-              </mc:Fallback>
-            </mc:AlternateContent>
+            <p:oleObj spid="_x0000_s5141" name="Visio" r:id="rId3" imgW="6401070" imgH="4764662" progId="Visio.Drawing.11">
+              <p:embed/>
+            </p:oleObj>
           </a:graphicData>
         </a:graphic>
       </p:graphicFrame>
@@ -16569,7 +16247,7 @@
     </p:spTree>
     <p:extLst>
       <p:ext uri="{BB962C8B-B14F-4D97-AF65-F5344CB8AC3E}">
-        <p14:creationId xmlns:p14="http://schemas.microsoft.com/office/powerpoint/2010/main" val="4229967321"/>
+        <p14:creationId xmlns:p14="http://schemas.microsoft.com/office/powerpoint/2010/main" xmlns="" val="4229967321"/>
       </p:ext>
     </p:extLst>
   </p:cSld>
@@ -17433,7 +17111,7 @@
     </p:custDataLst>
     <p:extLst>
       <p:ext uri="{BB962C8B-B14F-4D97-AF65-F5344CB8AC3E}">
-        <p14:creationId xmlns:p14="http://schemas.microsoft.com/office/powerpoint/2010/main" val="1014699890"/>
+        <p14:creationId xmlns:p14="http://schemas.microsoft.com/office/powerpoint/2010/main" xmlns="" val="1014699890"/>
       </p:ext>
     </p:extLst>
   </p:cSld>
@@ -17541,7 +17219,7 @@
           <a:blip r:embed="rId2" cstate="print">
             <a:extLst>
               <a:ext uri="{28A0092B-C50C-407E-A947-70E740481C1C}">
-                <a14:useLocalDpi xmlns:a14="http://schemas.microsoft.com/office/drawing/2010/main" val="0"/>
+                <a14:useLocalDpi xmlns:a14="http://schemas.microsoft.com/office/drawing/2010/main" xmlns="" val="0"/>
               </a:ext>
             </a:extLst>
           </a:blip>
@@ -17565,14 +17243,14 @@
           <a:effectLst/>
           <a:extLst>
             <a:ext uri="{909E8E84-426E-40DD-AFC4-6F175D3DCCD1}">
-              <a14:hiddenFill xmlns:a14="http://schemas.microsoft.com/office/drawing/2010/main">
+              <a14:hiddenFill xmlns:a14="http://schemas.microsoft.com/office/drawing/2010/main" xmlns="">
                 <a:solidFill>
                   <a:schemeClr val="accent1"/>
                 </a:solidFill>
               </a14:hiddenFill>
             </a:ext>
             <a:ext uri="{91240B29-F687-4F45-9708-019B960494DF}">
-              <a14:hiddenLine xmlns:a14="http://schemas.microsoft.com/office/drawing/2010/main" w="9525">
+              <a14:hiddenLine xmlns:a14="http://schemas.microsoft.com/office/drawing/2010/main" xmlns="" w="9525">
                 <a:solidFill>
                   <a:schemeClr val="tx1"/>
                 </a:solidFill>
@@ -17582,7 +17260,7 @@
               </a14:hiddenLine>
             </a:ext>
             <a:ext uri="{AF507438-7753-43E0-B8FC-AC1667EBCBE1}">
-              <a14:hiddenEffects xmlns:a14="http://schemas.microsoft.com/office/drawing/2010/main">
+              <a14:hiddenEffects xmlns:a14="http://schemas.microsoft.com/office/drawing/2010/main" xmlns="">
                 <a:effectLst>
                   <a:outerShdw dist="35921" dir="2700000" algn="ctr" rotWithShape="0">
                     <a:schemeClr val="bg2"/>
@@ -17596,7 +17274,7 @@
     </p:spTree>
     <p:extLst>
       <p:ext uri="{BB962C8B-B14F-4D97-AF65-F5344CB8AC3E}">
-        <p14:creationId xmlns:p14="http://schemas.microsoft.com/office/powerpoint/2010/main" val="676858217"/>
+        <p14:creationId xmlns:p14="http://schemas.microsoft.com/office/powerpoint/2010/main" xmlns="" val="676858217"/>
       </p:ext>
     </p:extLst>
   </p:cSld>
@@ -17712,7 +17390,7 @@
           <a:blip r:embed="rId2" cstate="print">
             <a:extLst>
               <a:ext uri="{28A0092B-C50C-407E-A947-70E740481C1C}">
-                <a14:useLocalDpi xmlns:a14="http://schemas.microsoft.com/office/drawing/2010/main" val="0"/>
+                <a14:useLocalDpi xmlns:a14="http://schemas.microsoft.com/office/drawing/2010/main" xmlns="" val="0"/>
               </a:ext>
             </a:extLst>
           </a:blip>
@@ -17736,14 +17414,14 @@
           <a:effectLst/>
           <a:extLst>
             <a:ext uri="{909E8E84-426E-40DD-AFC4-6F175D3DCCD1}">
-              <a14:hiddenFill xmlns:a14="http://schemas.microsoft.com/office/drawing/2010/main">
+              <a14:hiddenFill xmlns:a14="http://schemas.microsoft.com/office/drawing/2010/main" xmlns="">
                 <a:solidFill>
                   <a:schemeClr val="accent1"/>
                 </a:solidFill>
               </a14:hiddenFill>
             </a:ext>
             <a:ext uri="{91240B29-F687-4F45-9708-019B960494DF}">
-              <a14:hiddenLine xmlns:a14="http://schemas.microsoft.com/office/drawing/2010/main" w="9525">
+              <a14:hiddenLine xmlns:a14="http://schemas.microsoft.com/office/drawing/2010/main" xmlns="" w="9525">
                 <a:solidFill>
                   <a:schemeClr val="tx1"/>
                 </a:solidFill>
@@ -17753,7 +17431,7 @@
               </a14:hiddenLine>
             </a:ext>
             <a:ext uri="{AF507438-7753-43E0-B8FC-AC1667EBCBE1}">
-              <a14:hiddenEffects xmlns:a14="http://schemas.microsoft.com/office/drawing/2010/main">
+              <a14:hiddenEffects xmlns:a14="http://schemas.microsoft.com/office/drawing/2010/main" xmlns="">
                 <a:effectLst>
                   <a:outerShdw dist="35921" dir="2700000" algn="ctr" rotWithShape="0">
                     <a:schemeClr val="bg2"/>
@@ -17880,7 +17558,7 @@
     </p:spTree>
     <p:extLst>
       <p:ext uri="{BB962C8B-B14F-4D97-AF65-F5344CB8AC3E}">
-        <p14:creationId xmlns:p14="http://schemas.microsoft.com/office/powerpoint/2010/main" val="2267725419"/>
+        <p14:creationId xmlns:p14="http://schemas.microsoft.com/office/powerpoint/2010/main" xmlns="" val="2267725419"/>
       </p:ext>
     </p:extLst>
   </p:cSld>
